--- a/diagrams/MonitorMe_Design.pptx
+++ b/diagrams/MonitorMe_Design.pptx
@@ -107,6 +107,11 @@
       </a:defRPr>
     </a:lvl9pPr>
   </p:defaultTextStyle>
+  <p:extLst>
+    <p:ext uri="{EFAFB233-063F-42B5-8137-9DF3F51BA10A}">
+      <p15:sldGuideLst xmlns:p15="http://schemas.microsoft.com/office/powerpoint/2012/main"/>
+    </p:ext>
+  </p:extLst>
 </p:presentation>
 </file>
 
@@ -257,7 +262,7 @@
           <a:p>
             <a:fld id="{DC6A368C-0D68-4D55-B659-220BEA3BD029}" type="datetimeFigureOut">
               <a:rPr lang="de-DE" smtClean="0"/>
-              <a:t>18.02.2024</a:t>
+              <a:t>19.02.2024</a:t>
             </a:fld>
             <a:endParaRPr lang="de-DE"/>
           </a:p>
@@ -455,7 +460,7 @@
           <a:p>
             <a:fld id="{DC6A368C-0D68-4D55-B659-220BEA3BD029}" type="datetimeFigureOut">
               <a:rPr lang="de-DE" smtClean="0"/>
-              <a:t>18.02.2024</a:t>
+              <a:t>19.02.2024</a:t>
             </a:fld>
             <a:endParaRPr lang="de-DE"/>
           </a:p>
@@ -663,7 +668,7 @@
           <a:p>
             <a:fld id="{DC6A368C-0D68-4D55-B659-220BEA3BD029}" type="datetimeFigureOut">
               <a:rPr lang="de-DE" smtClean="0"/>
-              <a:t>18.02.2024</a:t>
+              <a:t>19.02.2024</a:t>
             </a:fld>
             <a:endParaRPr lang="de-DE"/>
           </a:p>
@@ -861,7 +866,7 @@
           <a:p>
             <a:fld id="{DC6A368C-0D68-4D55-B659-220BEA3BD029}" type="datetimeFigureOut">
               <a:rPr lang="de-DE" smtClean="0"/>
-              <a:t>18.02.2024</a:t>
+              <a:t>19.02.2024</a:t>
             </a:fld>
             <a:endParaRPr lang="de-DE"/>
           </a:p>
@@ -1136,7 +1141,7 @@
           <a:p>
             <a:fld id="{DC6A368C-0D68-4D55-B659-220BEA3BD029}" type="datetimeFigureOut">
               <a:rPr lang="de-DE" smtClean="0"/>
-              <a:t>18.02.2024</a:t>
+              <a:t>19.02.2024</a:t>
             </a:fld>
             <a:endParaRPr lang="de-DE"/>
           </a:p>
@@ -1401,7 +1406,7 @@
           <a:p>
             <a:fld id="{DC6A368C-0D68-4D55-B659-220BEA3BD029}" type="datetimeFigureOut">
               <a:rPr lang="de-DE" smtClean="0"/>
-              <a:t>18.02.2024</a:t>
+              <a:t>19.02.2024</a:t>
             </a:fld>
             <a:endParaRPr lang="de-DE"/>
           </a:p>
@@ -1813,7 +1818,7 @@
           <a:p>
             <a:fld id="{DC6A368C-0D68-4D55-B659-220BEA3BD029}" type="datetimeFigureOut">
               <a:rPr lang="de-DE" smtClean="0"/>
-              <a:t>18.02.2024</a:t>
+              <a:t>19.02.2024</a:t>
             </a:fld>
             <a:endParaRPr lang="de-DE"/>
           </a:p>
@@ -1954,7 +1959,7 @@
           <a:p>
             <a:fld id="{DC6A368C-0D68-4D55-B659-220BEA3BD029}" type="datetimeFigureOut">
               <a:rPr lang="de-DE" smtClean="0"/>
-              <a:t>18.02.2024</a:t>
+              <a:t>19.02.2024</a:t>
             </a:fld>
             <a:endParaRPr lang="de-DE"/>
           </a:p>
@@ -2067,7 +2072,7 @@
           <a:p>
             <a:fld id="{DC6A368C-0D68-4D55-B659-220BEA3BD029}" type="datetimeFigureOut">
               <a:rPr lang="de-DE" smtClean="0"/>
-              <a:t>18.02.2024</a:t>
+              <a:t>19.02.2024</a:t>
             </a:fld>
             <a:endParaRPr lang="de-DE"/>
           </a:p>
@@ -2378,7 +2383,7 @@
           <a:p>
             <a:fld id="{DC6A368C-0D68-4D55-B659-220BEA3BD029}" type="datetimeFigureOut">
               <a:rPr lang="de-DE" smtClean="0"/>
-              <a:t>18.02.2024</a:t>
+              <a:t>19.02.2024</a:t>
             </a:fld>
             <a:endParaRPr lang="de-DE"/>
           </a:p>
@@ -2666,7 +2671,7 @@
           <a:p>
             <a:fld id="{DC6A368C-0D68-4D55-B659-220BEA3BD029}" type="datetimeFigureOut">
               <a:rPr lang="de-DE" smtClean="0"/>
-              <a:t>18.02.2024</a:t>
+              <a:t>19.02.2024</a:t>
             </a:fld>
             <a:endParaRPr lang="de-DE"/>
           </a:p>
@@ -2907,7 +2912,7 @@
           <a:p>
             <a:fld id="{DC6A368C-0D68-4D55-B659-220BEA3BD029}" type="datetimeFigureOut">
               <a:rPr lang="de-DE" smtClean="0"/>
-              <a:t>18.02.2024</a:t>
+              <a:t>19.02.2024</a:t>
             </a:fld>
             <a:endParaRPr lang="de-DE"/>
           </a:p>
@@ -3769,6 +3774,13 @@
               <a:t> Dashboard</a:t>
             </a:r>
           </a:p>
+          <a:p>
+            <a:pPr algn="ctr"/>
+            <a:r>
+              <a:rPr lang="de-DE" dirty="0"/>
+              <a:t>(GUI)</a:t>
+            </a:r>
+          </a:p>
         </p:txBody>
       </p:sp>
       <p:cxnSp>
@@ -3828,7 +3840,7 @@
         </p:nvSpPr>
         <p:spPr>
           <a:xfrm>
-            <a:off x="5666494" y="3804121"/>
+            <a:off x="5914232" y="3895227"/>
             <a:ext cx="922047" cy="369332"/>
           </a:xfrm>
           <a:prstGeom prst="rect">
@@ -4301,7 +4313,7 @@
         </p:nvSpPr>
         <p:spPr>
           <a:xfrm>
-            <a:off x="7709539" y="4330466"/>
+            <a:off x="7742784" y="4096179"/>
             <a:ext cx="1570626" cy="1129100"/>
           </a:xfrm>
           <a:prstGeom prst="rect">
@@ -4388,7 +4400,7 @@
         </p:nvSpPr>
         <p:spPr>
           <a:xfrm>
-            <a:off x="10225265" y="4408515"/>
+            <a:off x="10105193" y="5525476"/>
             <a:ext cx="1667898" cy="976398"/>
           </a:xfrm>
           <a:prstGeom prst="rect">
@@ -4454,8 +4466,8 @@
         </p:nvCxnSpPr>
         <p:spPr>
           <a:xfrm flipV="1">
-            <a:off x="6706554" y="4895016"/>
-            <a:ext cx="1002985" cy="1119448"/>
+            <a:off x="6706554" y="4660729"/>
+            <a:ext cx="1036230" cy="1353735"/>
           </a:xfrm>
           <a:prstGeom prst="straightConnector1">
             <a:avLst/>
@@ -4491,14 +4503,14 @@
           <p:cNvCxnSpPr>
             <a:cxnSpLocks/>
             <a:stCxn id="99" idx="3"/>
-            <a:endCxn id="100" idx="1"/>
+            <a:endCxn id="4" idx="1"/>
           </p:cNvCxnSpPr>
           <p:nvPr/>
         </p:nvCxnSpPr>
         <p:spPr>
-          <a:xfrm>
-            <a:off x="9280165" y="4895016"/>
-            <a:ext cx="945100" cy="1698"/>
+          <a:xfrm flipV="1">
+            <a:off x="9313410" y="4072070"/>
+            <a:ext cx="694332" cy="588659"/>
           </a:xfrm>
           <a:prstGeom prst="straightConnector1">
             <a:avLst/>
@@ -4724,8 +4736,8 @@
         </p:nvCxnSpPr>
         <p:spPr>
           <a:xfrm flipV="1">
-            <a:off x="8494852" y="3701508"/>
-            <a:ext cx="0" cy="628958"/>
+            <a:off x="8528097" y="3701508"/>
+            <a:ext cx="34205" cy="394671"/>
           </a:xfrm>
           <a:prstGeom prst="straightConnector1">
             <a:avLst/>
@@ -4763,7 +4775,7 @@
         </p:nvSpPr>
         <p:spPr>
           <a:xfrm>
-            <a:off x="7767275" y="3123126"/>
+            <a:off x="7834725" y="3123126"/>
             <a:ext cx="1455154" cy="578382"/>
           </a:xfrm>
           <a:prstGeom prst="rect">
@@ -4824,15 +4836,15 @@
           </p:cNvPr>
           <p:cNvCxnSpPr>
             <a:cxnSpLocks/>
-            <a:stCxn id="120" idx="1"/>
-            <a:endCxn id="128" idx="0"/>
+            <a:stCxn id="128" idx="0"/>
+            <a:endCxn id="120" idx="1"/>
           </p:cNvCxnSpPr>
           <p:nvPr/>
         </p:nvCxnSpPr>
         <p:spPr>
-          <a:xfrm flipH="1">
-            <a:off x="8494852" y="2271660"/>
-            <a:ext cx="1093080" cy="851466"/>
+          <a:xfrm flipV="1">
+            <a:off x="8562302" y="2271660"/>
+            <a:ext cx="1025630" cy="851466"/>
           </a:xfrm>
           <a:prstGeom prst="straightConnector1">
             <a:avLst/>
@@ -5002,6 +5014,300 @@
           <a:xfrm flipH="1" flipV="1">
             <a:off x="3462348" y="4981606"/>
             <a:ext cx="2133210" cy="502506"/>
+          </a:xfrm>
+          <a:prstGeom prst="straightConnector1">
+            <a:avLst/>
+          </a:prstGeom>
+          <a:ln>
+            <a:tailEnd type="triangle"/>
+          </a:ln>
+        </p:spPr>
+        <p:style>
+          <a:lnRef idx="1">
+            <a:schemeClr val="accent1"/>
+          </a:lnRef>
+          <a:fillRef idx="0">
+            <a:schemeClr val="accent1"/>
+          </a:fillRef>
+          <a:effectRef idx="0">
+            <a:schemeClr val="accent1"/>
+          </a:effectRef>
+          <a:fontRef idx="minor">
+            <a:schemeClr val="tx1"/>
+          </a:fontRef>
+        </p:style>
+      </p:cxnSp>
+      <p:sp>
+        <p:nvSpPr>
+          <p:cNvPr id="4" name="Rechteck 3">
+            <a:extLst>
+              <a:ext uri="{FF2B5EF4-FFF2-40B4-BE49-F238E27FC236}">
+                <a16:creationId xmlns:a16="http://schemas.microsoft.com/office/drawing/2014/main" id="{74C57912-408F-2951-BB63-EB10E0C863AF}"/>
+              </a:ext>
+            </a:extLst>
+          </p:cNvPr>
+          <p:cNvSpPr/>
+          <p:nvPr/>
+        </p:nvSpPr>
+        <p:spPr>
+          <a:xfrm>
+            <a:off x="10007742" y="3507520"/>
+            <a:ext cx="1570626" cy="1129100"/>
+          </a:xfrm>
+          <a:prstGeom prst="rect">
+            <a:avLst/>
+          </a:prstGeom>
+        </p:spPr>
+        <p:style>
+          <a:lnRef idx="2">
+            <a:schemeClr val="accent6"/>
+          </a:lnRef>
+          <a:fillRef idx="1">
+            <a:schemeClr val="lt1"/>
+          </a:fillRef>
+          <a:effectRef idx="0">
+            <a:schemeClr val="accent6"/>
+          </a:effectRef>
+          <a:fontRef idx="minor">
+            <a:schemeClr val="dk1"/>
+          </a:fontRef>
+        </p:style>
+        <p:txBody>
+          <a:bodyPr rtlCol="0" anchor="ctr"/>
+          <a:lstStyle/>
+          <a:p>
+            <a:pPr algn="ctr"/>
+            <a:endParaRPr lang="de-DE" dirty="0"/>
+          </a:p>
+          <a:p>
+            <a:pPr algn="ctr"/>
+            <a:r>
+              <a:rPr lang="de-DE" dirty="0"/>
+              <a:t>Analyse </a:t>
+            </a:r>
+            <a:r>
+              <a:rPr lang="de-DE" dirty="0" err="1"/>
+              <a:t>rule</a:t>
+            </a:r>
+            <a:r>
+              <a:rPr lang="de-DE" dirty="0"/>
+              <a:t> </a:t>
+            </a:r>
+            <a:r>
+              <a:rPr lang="de-DE" dirty="0" err="1"/>
+              <a:t>builder</a:t>
+            </a:r>
+            <a:endParaRPr lang="de-DE" dirty="0"/>
+          </a:p>
+          <a:p>
+            <a:pPr algn="ctr"/>
+            <a:endParaRPr lang="de-DE" dirty="0"/>
+          </a:p>
+        </p:txBody>
+      </p:sp>
+      <p:cxnSp>
+        <p:nvCxnSpPr>
+          <p:cNvPr id="11" name="Gerade Verbindung mit Pfeil 10">
+            <a:extLst>
+              <a:ext uri="{FF2B5EF4-FFF2-40B4-BE49-F238E27FC236}">
+                <a16:creationId xmlns:a16="http://schemas.microsoft.com/office/drawing/2014/main" id="{A9E49C53-C5A9-467E-67F7-6636854599CA}"/>
+              </a:ext>
+            </a:extLst>
+          </p:cNvPr>
+          <p:cNvCxnSpPr>
+            <a:stCxn id="4" idx="2"/>
+            <a:endCxn id="100" idx="0"/>
+          </p:cNvCxnSpPr>
+          <p:nvPr/>
+        </p:nvCxnSpPr>
+        <p:spPr>
+          <a:xfrm>
+            <a:off x="10793055" y="4636620"/>
+            <a:ext cx="146087" cy="888856"/>
+          </a:xfrm>
+          <a:prstGeom prst="straightConnector1">
+            <a:avLst/>
+          </a:prstGeom>
+          <a:ln>
+            <a:tailEnd type="triangle"/>
+          </a:ln>
+        </p:spPr>
+        <p:style>
+          <a:lnRef idx="1">
+            <a:schemeClr val="accent1"/>
+          </a:lnRef>
+          <a:fillRef idx="0">
+            <a:schemeClr val="accent1"/>
+          </a:fillRef>
+          <a:effectRef idx="0">
+            <a:schemeClr val="accent1"/>
+          </a:effectRef>
+          <a:fontRef idx="minor">
+            <a:schemeClr val="tx1"/>
+          </a:fontRef>
+        </p:style>
+      </p:cxnSp>
+      <p:sp>
+        <p:nvSpPr>
+          <p:cNvPr id="25" name="Rechteck 24">
+            <a:extLst>
+              <a:ext uri="{FF2B5EF4-FFF2-40B4-BE49-F238E27FC236}">
+                <a16:creationId xmlns:a16="http://schemas.microsoft.com/office/drawing/2014/main" id="{DB001E16-7FA0-1572-6CF2-F4DA184A6FAF}"/>
+              </a:ext>
+            </a:extLst>
+          </p:cNvPr>
+          <p:cNvSpPr/>
+          <p:nvPr/>
+        </p:nvSpPr>
+        <p:spPr>
+          <a:xfrm>
+            <a:off x="8067462" y="5537806"/>
+            <a:ext cx="1570626" cy="1129100"/>
+          </a:xfrm>
+          <a:prstGeom prst="rect">
+            <a:avLst/>
+          </a:prstGeom>
+        </p:spPr>
+        <p:style>
+          <a:lnRef idx="2">
+            <a:schemeClr val="accent6"/>
+          </a:lnRef>
+          <a:fillRef idx="1">
+            <a:schemeClr val="lt1"/>
+          </a:fillRef>
+          <a:effectRef idx="0">
+            <a:schemeClr val="accent6"/>
+          </a:effectRef>
+          <a:fontRef idx="minor">
+            <a:schemeClr val="dk1"/>
+          </a:fontRef>
+        </p:style>
+        <p:txBody>
+          <a:bodyPr rtlCol="0" anchor="ctr"/>
+          <a:lstStyle/>
+          <a:p>
+            <a:pPr algn="ctr"/>
+            <a:endParaRPr lang="de-DE" dirty="0"/>
+          </a:p>
+          <a:p>
+            <a:pPr algn="ctr"/>
+            <a:r>
+              <a:rPr lang="de-DE" dirty="0"/>
+              <a:t>Analyse Data Dispatcher</a:t>
+            </a:r>
+          </a:p>
+          <a:p>
+            <a:pPr algn="ctr"/>
+            <a:endParaRPr lang="de-DE" dirty="0"/>
+          </a:p>
+        </p:txBody>
+      </p:sp>
+      <p:cxnSp>
+        <p:nvCxnSpPr>
+          <p:cNvPr id="27" name="Gerade Verbindung mit Pfeil 26">
+            <a:extLst>
+              <a:ext uri="{FF2B5EF4-FFF2-40B4-BE49-F238E27FC236}">
+                <a16:creationId xmlns:a16="http://schemas.microsoft.com/office/drawing/2014/main" id="{7CCD53F8-2E83-BCD6-8658-8D86E23998A0}"/>
+              </a:ext>
+            </a:extLst>
+          </p:cNvPr>
+          <p:cNvCxnSpPr>
+            <a:cxnSpLocks/>
+            <a:stCxn id="2" idx="3"/>
+            <a:endCxn id="25" idx="1"/>
+          </p:cNvCxnSpPr>
+          <p:nvPr/>
+        </p:nvCxnSpPr>
+        <p:spPr>
+          <a:xfrm>
+            <a:off x="6706554" y="6014464"/>
+            <a:ext cx="1360908" cy="87892"/>
+          </a:xfrm>
+          <a:prstGeom prst="straightConnector1">
+            <a:avLst/>
+          </a:prstGeom>
+          <a:ln>
+            <a:tailEnd type="triangle"/>
+          </a:ln>
+        </p:spPr>
+        <p:style>
+          <a:lnRef idx="1">
+            <a:schemeClr val="accent1"/>
+          </a:lnRef>
+          <a:fillRef idx="0">
+            <a:schemeClr val="accent1"/>
+          </a:fillRef>
+          <a:effectRef idx="0">
+            <a:schemeClr val="accent1"/>
+          </a:effectRef>
+          <a:fontRef idx="minor">
+            <a:schemeClr val="tx1"/>
+          </a:fontRef>
+        </p:style>
+      </p:cxnSp>
+      <p:cxnSp>
+        <p:nvCxnSpPr>
+          <p:cNvPr id="31" name="Gerade Verbindung mit Pfeil 30">
+            <a:extLst>
+              <a:ext uri="{FF2B5EF4-FFF2-40B4-BE49-F238E27FC236}">
+                <a16:creationId xmlns:a16="http://schemas.microsoft.com/office/drawing/2014/main" id="{950385C5-44ED-DEF4-FE54-33C1EA712C6B}"/>
+              </a:ext>
+            </a:extLst>
+          </p:cNvPr>
+          <p:cNvCxnSpPr>
+            <a:cxnSpLocks/>
+            <a:stCxn id="25" idx="3"/>
+            <a:endCxn id="100" idx="1"/>
+          </p:cNvCxnSpPr>
+          <p:nvPr/>
+        </p:nvCxnSpPr>
+        <p:spPr>
+          <a:xfrm flipV="1">
+            <a:off x="9638088" y="6013675"/>
+            <a:ext cx="467105" cy="88681"/>
+          </a:xfrm>
+          <a:prstGeom prst="straightConnector1">
+            <a:avLst/>
+          </a:prstGeom>
+          <a:ln>
+            <a:tailEnd type="triangle"/>
+          </a:ln>
+        </p:spPr>
+        <p:style>
+          <a:lnRef idx="1">
+            <a:schemeClr val="accent1"/>
+          </a:lnRef>
+          <a:fillRef idx="0">
+            <a:schemeClr val="accent1"/>
+          </a:fillRef>
+          <a:effectRef idx="0">
+            <a:schemeClr val="accent1"/>
+          </a:effectRef>
+          <a:fontRef idx="minor">
+            <a:schemeClr val="tx1"/>
+          </a:fontRef>
+        </p:style>
+      </p:cxnSp>
+      <p:cxnSp>
+        <p:nvCxnSpPr>
+          <p:cNvPr id="40" name="Gerade Verbindung mit Pfeil 39">
+            <a:extLst>
+              <a:ext uri="{FF2B5EF4-FFF2-40B4-BE49-F238E27FC236}">
+                <a16:creationId xmlns:a16="http://schemas.microsoft.com/office/drawing/2014/main" id="{9D77B0EB-5B98-D448-502D-160BE7972833}"/>
+              </a:ext>
+            </a:extLst>
+          </p:cNvPr>
+          <p:cNvCxnSpPr>
+            <a:cxnSpLocks/>
+            <a:stCxn id="128" idx="0"/>
+            <a:endCxn id="20" idx="3"/>
+          </p:cNvCxnSpPr>
+          <p:nvPr/>
+        </p:nvCxnSpPr>
+        <p:spPr>
+          <a:xfrm flipH="1" flipV="1">
+            <a:off x="7351196" y="2271659"/>
+            <a:ext cx="1211106" cy="851467"/>
           </a:xfrm>
           <a:prstGeom prst="straightConnector1">
             <a:avLst/>

--- a/diagrams/MonitorMe_Design.pptx
+++ b/diagrams/MonitorMe_Design.pptx
@@ -7,8 +7,9 @@
   <p:sldIdLst>
     <p:sldId id="257" r:id="rId2"/>
     <p:sldId id="259" r:id="rId3"/>
-    <p:sldId id="260" r:id="rId4"/>
-    <p:sldId id="258" r:id="rId5"/>
+    <p:sldId id="261" r:id="rId4"/>
+    <p:sldId id="260" r:id="rId5"/>
+    <p:sldId id="258" r:id="rId6"/>
   </p:sldIdLst>
   <p:sldSz cx="12192000" cy="6858000"/>
   <p:notesSz cx="6858000" cy="9144000"/>
@@ -5331,6 +5332,45 @@
           </a:fontRef>
         </p:style>
       </p:cxnSp>
+      <p:sp>
+        <p:nvSpPr>
+          <p:cNvPr id="5" name="Textfeld 4">
+            <a:extLst>
+              <a:ext uri="{FF2B5EF4-FFF2-40B4-BE49-F238E27FC236}">
+                <a16:creationId xmlns:a16="http://schemas.microsoft.com/office/drawing/2014/main" id="{3E02C6EF-4F27-AC70-7588-1D7D31C081B1}"/>
+              </a:ext>
+            </a:extLst>
+          </p:cNvPr>
+          <p:cNvSpPr txBox="1"/>
+          <p:nvPr/>
+        </p:nvSpPr>
+        <p:spPr>
+          <a:xfrm>
+            <a:off x="351536" y="298461"/>
+            <a:ext cx="2760436" cy="523220"/>
+          </a:xfrm>
+          <a:prstGeom prst="rect">
+            <a:avLst/>
+          </a:prstGeom>
+          <a:noFill/>
+        </p:spPr>
+        <p:txBody>
+          <a:bodyPr wrap="none" rtlCol="0">
+            <a:spAutoFit/>
+          </a:bodyPr>
+          <a:lstStyle/>
+          <a:p>
+            <a:r>
+              <a:rPr lang="de-DE" sz="2800" b="1" dirty="0" err="1"/>
+              <a:t>Component</a:t>
+            </a:r>
+            <a:r>
+              <a:rPr lang="de-DE" sz="2800" b="1" dirty="0"/>
+              <a:t> View</a:t>
+            </a:r>
+          </a:p>
+        </p:txBody>
+      </p:sp>
     </p:spTree>
     <p:extLst>
       <p:ext uri="{BB962C8B-B14F-4D97-AF65-F5344CB8AC3E}">
@@ -5361,6 +5401,2198 @@
           <a:chExt cx="0" cy="0"/>
         </a:xfrm>
       </p:grpSpPr>
+      <p:sp>
+        <p:nvSpPr>
+          <p:cNvPr id="2" name="Rechteck 1">
+            <a:extLst>
+              <a:ext uri="{FF2B5EF4-FFF2-40B4-BE49-F238E27FC236}">
+                <a16:creationId xmlns:a16="http://schemas.microsoft.com/office/drawing/2014/main" id="{DF61B2BE-10EE-FD73-0F29-8791845203B3}"/>
+              </a:ext>
+            </a:extLst>
+          </p:cNvPr>
+          <p:cNvSpPr/>
+          <p:nvPr/>
+        </p:nvSpPr>
+        <p:spPr>
+          <a:xfrm>
+            <a:off x="2445926" y="4983898"/>
+            <a:ext cx="1582643" cy="1120905"/>
+          </a:xfrm>
+          <a:prstGeom prst="rect">
+            <a:avLst/>
+          </a:prstGeom>
+          <a:solidFill>
+            <a:schemeClr val="bg2"/>
+          </a:solidFill>
+        </p:spPr>
+        <p:style>
+          <a:lnRef idx="2">
+            <a:schemeClr val="accent6"/>
+          </a:lnRef>
+          <a:fillRef idx="1">
+            <a:schemeClr val="lt1"/>
+          </a:fillRef>
+          <a:effectRef idx="0">
+            <a:schemeClr val="accent6"/>
+          </a:effectRef>
+          <a:fontRef idx="minor">
+            <a:schemeClr val="dk1"/>
+          </a:fontRef>
+        </p:style>
+        <p:txBody>
+          <a:bodyPr rtlCol="0" anchor="ctr"/>
+          <a:lstStyle/>
+          <a:p>
+            <a:pPr algn="ctr"/>
+            <a:r>
+              <a:rPr lang="de-DE" dirty="0"/>
+              <a:t>Vital Signal</a:t>
+            </a:r>
+          </a:p>
+          <a:p>
+            <a:pPr algn="ctr"/>
+            <a:r>
+              <a:rPr lang="de-DE" dirty="0"/>
+              <a:t>Event Channels</a:t>
+            </a:r>
+          </a:p>
+          <a:p>
+            <a:pPr algn="ctr"/>
+            <a:r>
+              <a:rPr lang="de-DE" sz="1200" dirty="0"/>
+              <a:t>(</a:t>
+            </a:r>
+            <a:r>
+              <a:rPr lang="de-DE" sz="1200" dirty="0" err="1"/>
+              <a:t>One</a:t>
+            </a:r>
+            <a:r>
+              <a:rPr lang="de-DE" sz="1200" dirty="0"/>
+              <a:t> Topic per Signal type)</a:t>
+            </a:r>
+          </a:p>
+        </p:txBody>
+      </p:sp>
+      <p:sp>
+        <p:nvSpPr>
+          <p:cNvPr id="3" name="Rechteck 2">
+            <a:extLst>
+              <a:ext uri="{FF2B5EF4-FFF2-40B4-BE49-F238E27FC236}">
+                <a16:creationId xmlns:a16="http://schemas.microsoft.com/office/drawing/2014/main" id="{9E1AB3BD-F2DB-0590-9182-1F335E43EC3C}"/>
+              </a:ext>
+            </a:extLst>
+          </p:cNvPr>
+          <p:cNvSpPr/>
+          <p:nvPr/>
+        </p:nvSpPr>
+        <p:spPr>
+          <a:xfrm>
+            <a:off x="208207" y="5129541"/>
+            <a:ext cx="1669185" cy="830934"/>
+          </a:xfrm>
+          <a:prstGeom prst="rect">
+            <a:avLst/>
+          </a:prstGeom>
+          <a:solidFill>
+            <a:schemeClr val="accent2"/>
+          </a:solidFill>
+        </p:spPr>
+        <p:style>
+          <a:lnRef idx="2">
+            <a:schemeClr val="accent6"/>
+          </a:lnRef>
+          <a:fillRef idx="1">
+            <a:schemeClr val="lt1"/>
+          </a:fillRef>
+          <a:effectRef idx="0">
+            <a:schemeClr val="accent6"/>
+          </a:effectRef>
+          <a:fontRef idx="minor">
+            <a:schemeClr val="dk1"/>
+          </a:fontRef>
+        </p:style>
+        <p:txBody>
+          <a:bodyPr rtlCol="0" anchor="ctr"/>
+          <a:lstStyle/>
+          <a:p>
+            <a:pPr algn="ctr"/>
+            <a:r>
+              <a:rPr lang="de-DE" dirty="0"/>
+              <a:t>vital </a:t>
+            </a:r>
+            <a:r>
+              <a:rPr lang="de-DE" dirty="0" err="1"/>
+              <a:t>signal</a:t>
+            </a:r>
+            <a:r>
+              <a:rPr lang="de-DE" dirty="0"/>
+              <a:t> </a:t>
+            </a:r>
+            <a:r>
+              <a:rPr lang="de-DE" dirty="0" err="1"/>
+              <a:t>input</a:t>
+            </a:r>
+            <a:r>
+              <a:rPr lang="de-DE" dirty="0"/>
+              <a:t> </a:t>
+            </a:r>
+            <a:r>
+              <a:rPr lang="de-DE" dirty="0" err="1"/>
+              <a:t>device</a:t>
+            </a:r>
+            <a:r>
+              <a:rPr lang="de-DE" dirty="0"/>
+              <a:t> </a:t>
+            </a:r>
+          </a:p>
+        </p:txBody>
+      </p:sp>
+      <p:sp>
+        <p:nvSpPr>
+          <p:cNvPr id="14" name="Rechteck 13">
+            <a:extLst>
+              <a:ext uri="{FF2B5EF4-FFF2-40B4-BE49-F238E27FC236}">
+                <a16:creationId xmlns:a16="http://schemas.microsoft.com/office/drawing/2014/main" id="{E6C25749-632B-AB75-2497-324CC79FEC29}"/>
+              </a:ext>
+            </a:extLst>
+          </p:cNvPr>
+          <p:cNvSpPr/>
+          <p:nvPr/>
+        </p:nvSpPr>
+        <p:spPr>
+          <a:xfrm>
+            <a:off x="208207" y="1701593"/>
+            <a:ext cx="1658432" cy="921044"/>
+          </a:xfrm>
+          <a:prstGeom prst="rect">
+            <a:avLst/>
+          </a:prstGeom>
+          <a:solidFill>
+            <a:schemeClr val="accent1">
+              <a:lumMod val="20000"/>
+              <a:lumOff val="80000"/>
+            </a:schemeClr>
+          </a:solidFill>
+          <a:ln>
+            <a:solidFill>
+              <a:schemeClr val="accent1">
+                <a:lumMod val="20000"/>
+                <a:lumOff val="80000"/>
+              </a:schemeClr>
+            </a:solidFill>
+          </a:ln>
+        </p:spPr>
+        <p:style>
+          <a:lnRef idx="2">
+            <a:schemeClr val="accent6"/>
+          </a:lnRef>
+          <a:fillRef idx="1">
+            <a:schemeClr val="lt1"/>
+          </a:fillRef>
+          <a:effectRef idx="0">
+            <a:schemeClr val="accent6"/>
+          </a:effectRef>
+          <a:fontRef idx="minor">
+            <a:schemeClr val="dk1"/>
+          </a:fontRef>
+        </p:style>
+        <p:txBody>
+          <a:bodyPr rtlCol="0" anchor="ctr"/>
+          <a:lstStyle/>
+          <a:p>
+            <a:pPr algn="ctr"/>
+            <a:r>
+              <a:rPr lang="de-DE" dirty="0" err="1"/>
+              <a:t>MyMedicalData</a:t>
+            </a:r>
+            <a:endParaRPr lang="de-DE" dirty="0"/>
+          </a:p>
+        </p:txBody>
+      </p:sp>
+      <p:sp>
+        <p:nvSpPr>
+          <p:cNvPr id="20" name="Rechteck 19">
+            <a:extLst>
+              <a:ext uri="{FF2B5EF4-FFF2-40B4-BE49-F238E27FC236}">
+                <a16:creationId xmlns:a16="http://schemas.microsoft.com/office/drawing/2014/main" id="{E5705C1D-A641-454A-5055-93E6E236A8B5}"/>
+              </a:ext>
+            </a:extLst>
+          </p:cNvPr>
+          <p:cNvSpPr/>
+          <p:nvPr/>
+        </p:nvSpPr>
+        <p:spPr>
+          <a:xfrm>
+            <a:off x="5129203" y="1741307"/>
+            <a:ext cx="2045103" cy="1000571"/>
+          </a:xfrm>
+          <a:prstGeom prst="rect">
+            <a:avLst/>
+          </a:prstGeom>
+          <a:solidFill>
+            <a:srgbClr val="92D050"/>
+          </a:solidFill>
+        </p:spPr>
+        <p:style>
+          <a:lnRef idx="2">
+            <a:schemeClr val="accent6"/>
+          </a:lnRef>
+          <a:fillRef idx="1">
+            <a:schemeClr val="lt1"/>
+          </a:fillRef>
+          <a:effectRef idx="0">
+            <a:schemeClr val="accent6"/>
+          </a:effectRef>
+          <a:fontRef idx="minor">
+            <a:schemeClr val="dk1"/>
+          </a:fontRef>
+        </p:style>
+        <p:txBody>
+          <a:bodyPr rtlCol="0" anchor="ctr"/>
+          <a:lstStyle/>
+          <a:p>
+            <a:pPr algn="ctr"/>
+            <a:r>
+              <a:rPr lang="de-DE" dirty="0" err="1"/>
+              <a:t>MonitorMe</a:t>
+            </a:r>
+            <a:r>
+              <a:rPr lang="de-DE" dirty="0"/>
+              <a:t> Dashboard</a:t>
+            </a:r>
+          </a:p>
+          <a:p>
+            <a:pPr algn="ctr"/>
+            <a:r>
+              <a:rPr lang="de-DE" dirty="0"/>
+              <a:t>(GUI)</a:t>
+            </a:r>
+          </a:p>
+        </p:txBody>
+      </p:sp>
+      <p:sp>
+        <p:nvSpPr>
+          <p:cNvPr id="30" name="Rechteck 29">
+            <a:extLst>
+              <a:ext uri="{FF2B5EF4-FFF2-40B4-BE49-F238E27FC236}">
+                <a16:creationId xmlns:a16="http://schemas.microsoft.com/office/drawing/2014/main" id="{89EBEC3B-FDF0-4F4A-0C41-A6571A8EC815}"/>
+              </a:ext>
+            </a:extLst>
+          </p:cNvPr>
+          <p:cNvSpPr/>
+          <p:nvPr/>
+        </p:nvSpPr>
+        <p:spPr>
+          <a:xfrm>
+            <a:off x="2918466" y="2079043"/>
+            <a:ext cx="1196458" cy="902931"/>
+          </a:xfrm>
+          <a:prstGeom prst="rect">
+            <a:avLst/>
+          </a:prstGeom>
+        </p:spPr>
+        <p:style>
+          <a:lnRef idx="2">
+            <a:schemeClr val="accent6"/>
+          </a:lnRef>
+          <a:fillRef idx="1">
+            <a:schemeClr val="lt1"/>
+          </a:fillRef>
+          <a:effectRef idx="0">
+            <a:schemeClr val="accent6"/>
+          </a:effectRef>
+          <a:fontRef idx="minor">
+            <a:schemeClr val="dk1"/>
+          </a:fontRef>
+        </p:style>
+        <p:txBody>
+          <a:bodyPr rtlCol="0" anchor="ctr"/>
+          <a:lstStyle/>
+          <a:p>
+            <a:pPr algn="ctr"/>
+            <a:r>
+              <a:rPr lang="de-DE" dirty="0" err="1"/>
+              <a:t>snapshot</a:t>
+            </a:r>
+            <a:r>
+              <a:rPr lang="de-DE" dirty="0"/>
+              <a:t> </a:t>
+            </a:r>
+            <a:r>
+              <a:rPr lang="de-DE" dirty="0" err="1"/>
+              <a:t>creator</a:t>
+            </a:r>
+            <a:r>
+              <a:rPr lang="de-DE" dirty="0"/>
+              <a:t> </a:t>
+            </a:r>
+          </a:p>
+        </p:txBody>
+      </p:sp>
+      <p:cxnSp>
+        <p:nvCxnSpPr>
+          <p:cNvPr id="39" name="Gerade Verbindung mit Pfeil 38">
+            <a:extLst>
+              <a:ext uri="{FF2B5EF4-FFF2-40B4-BE49-F238E27FC236}">
+                <a16:creationId xmlns:a16="http://schemas.microsoft.com/office/drawing/2014/main" id="{27281D07-FD2B-B217-DF99-33DDA37AC310}"/>
+              </a:ext>
+            </a:extLst>
+          </p:cNvPr>
+          <p:cNvCxnSpPr>
+            <a:cxnSpLocks/>
+            <a:stCxn id="30" idx="2"/>
+            <a:endCxn id="32" idx="1"/>
+          </p:cNvCxnSpPr>
+          <p:nvPr/>
+        </p:nvCxnSpPr>
+        <p:spPr>
+          <a:xfrm>
+            <a:off x="3516695" y="2981974"/>
+            <a:ext cx="1408658" cy="635608"/>
+          </a:xfrm>
+          <a:prstGeom prst="straightConnector1">
+            <a:avLst/>
+          </a:prstGeom>
+          <a:ln>
+            <a:tailEnd type="triangle"/>
+          </a:ln>
+        </p:spPr>
+        <p:style>
+          <a:lnRef idx="1">
+            <a:schemeClr val="accent1"/>
+          </a:lnRef>
+          <a:fillRef idx="0">
+            <a:schemeClr val="accent1"/>
+          </a:fillRef>
+          <a:effectRef idx="0">
+            <a:schemeClr val="accent1"/>
+          </a:effectRef>
+          <a:fontRef idx="minor">
+            <a:schemeClr val="tx1"/>
+          </a:fontRef>
+        </p:style>
+      </p:cxnSp>
+      <p:grpSp>
+        <p:nvGrpSpPr>
+          <p:cNvPr id="86" name="Gruppieren 85">
+            <a:extLst>
+              <a:ext uri="{FF2B5EF4-FFF2-40B4-BE49-F238E27FC236}">
+                <a16:creationId xmlns:a16="http://schemas.microsoft.com/office/drawing/2014/main" id="{55EAEEF7-71D8-7534-76BE-026760FEE35B}"/>
+              </a:ext>
+            </a:extLst>
+          </p:cNvPr>
+          <p:cNvGrpSpPr/>
+          <p:nvPr/>
+        </p:nvGrpSpPr>
+        <p:grpSpPr>
+          <a:xfrm>
+            <a:off x="310372" y="4068702"/>
+            <a:ext cx="793851" cy="915196"/>
+            <a:chOff x="277851" y="5063493"/>
+            <a:chExt cx="914400" cy="1294125"/>
+          </a:xfrm>
+        </p:grpSpPr>
+        <p:pic>
+          <p:nvPicPr>
+            <p:cNvPr id="78" name="Grafik 77" descr="Frau Silhouette">
+              <a:extLst>
+                <a:ext uri="{FF2B5EF4-FFF2-40B4-BE49-F238E27FC236}">
+                  <a16:creationId xmlns:a16="http://schemas.microsoft.com/office/drawing/2014/main" id="{FC6B48C9-FB18-0081-F66D-7FB26EFD629D}"/>
+                </a:ext>
+              </a:extLst>
+            </p:cNvPr>
+            <p:cNvPicPr>
+              <a:picLocks noChangeAspect="1"/>
+            </p:cNvPicPr>
+            <p:nvPr/>
+          </p:nvPicPr>
+          <p:blipFill>
+            <a:blip r:embed="rId2">
+              <a:extLst>
+                <a:ext uri="{28A0092B-C50C-407E-A947-70E740481C1C}">
+                  <a14:useLocalDpi xmlns:a14="http://schemas.microsoft.com/office/drawing/2010/main" val="0"/>
+                </a:ext>
+                <a:ext uri="{96DAC541-7B7A-43D3-8B79-37D633B846F1}">
+                  <asvg:svgBlip xmlns:asvg="http://schemas.microsoft.com/office/drawing/2016/SVG/main" r:embed="rId3"/>
+                </a:ext>
+              </a:extLst>
+            </a:blip>
+            <a:stretch>
+              <a:fillRect/>
+            </a:stretch>
+          </p:blipFill>
+          <p:spPr>
+            <a:xfrm>
+              <a:off x="277851" y="5443218"/>
+              <a:ext cx="914400" cy="914400"/>
+            </a:xfrm>
+            <a:prstGeom prst="rect">
+              <a:avLst/>
+            </a:prstGeom>
+          </p:spPr>
+        </p:pic>
+        <p:sp>
+          <p:nvSpPr>
+            <p:cNvPr id="80" name="Textfeld 79">
+              <a:extLst>
+                <a:ext uri="{FF2B5EF4-FFF2-40B4-BE49-F238E27FC236}">
+                  <a16:creationId xmlns:a16="http://schemas.microsoft.com/office/drawing/2014/main" id="{E442EC5E-F2A8-FEBB-9CA7-56A8589F2DB2}"/>
+                </a:ext>
+              </a:extLst>
+            </p:cNvPr>
+            <p:cNvSpPr txBox="1"/>
+            <p:nvPr/>
+          </p:nvSpPr>
+          <p:spPr>
+            <a:xfrm>
+              <a:off x="298512" y="5063493"/>
+              <a:ext cx="856901" cy="369332"/>
+            </a:xfrm>
+            <a:prstGeom prst="rect">
+              <a:avLst/>
+            </a:prstGeom>
+            <a:noFill/>
+          </p:spPr>
+          <p:txBody>
+            <a:bodyPr wrap="none" rtlCol="0">
+              <a:spAutoFit/>
+            </a:bodyPr>
+            <a:lstStyle/>
+            <a:p>
+              <a:r>
+                <a:rPr lang="de-DE" dirty="0" err="1"/>
+                <a:t>patient</a:t>
+              </a:r>
+              <a:endParaRPr lang="de-DE" dirty="0"/>
+            </a:p>
+          </p:txBody>
+        </p:sp>
+      </p:grpSp>
+      <p:grpSp>
+        <p:nvGrpSpPr>
+          <p:cNvPr id="85" name="Gruppieren 84">
+            <a:extLst>
+              <a:ext uri="{FF2B5EF4-FFF2-40B4-BE49-F238E27FC236}">
+                <a16:creationId xmlns:a16="http://schemas.microsoft.com/office/drawing/2014/main" id="{2389885F-C8EE-CB26-0844-AB95B34DEB3A}"/>
+              </a:ext>
+            </a:extLst>
+          </p:cNvPr>
+          <p:cNvGrpSpPr/>
+          <p:nvPr/>
+        </p:nvGrpSpPr>
+        <p:grpSpPr>
+          <a:xfrm>
+            <a:off x="5762933" y="0"/>
+            <a:ext cx="1014464" cy="1210955"/>
+            <a:chOff x="3032541" y="221552"/>
+            <a:chExt cx="1102209" cy="1283732"/>
+          </a:xfrm>
+        </p:grpSpPr>
+        <p:pic>
+          <p:nvPicPr>
+            <p:cNvPr id="77" name="Grafik 76" descr="Frau Silhouette">
+              <a:extLst>
+                <a:ext uri="{FF2B5EF4-FFF2-40B4-BE49-F238E27FC236}">
+                  <a16:creationId xmlns:a16="http://schemas.microsoft.com/office/drawing/2014/main" id="{D82D159B-BE39-667A-64AB-DF2B3AF2BD9A}"/>
+                </a:ext>
+              </a:extLst>
+            </p:cNvPr>
+            <p:cNvPicPr>
+              <a:picLocks noChangeAspect="1"/>
+            </p:cNvPicPr>
+            <p:nvPr/>
+          </p:nvPicPr>
+          <p:blipFill>
+            <a:blip r:embed="rId2">
+              <a:extLst>
+                <a:ext uri="{28A0092B-C50C-407E-A947-70E740481C1C}">
+                  <a14:useLocalDpi xmlns:a14="http://schemas.microsoft.com/office/drawing/2010/main" val="0"/>
+                </a:ext>
+                <a:ext uri="{96DAC541-7B7A-43D3-8B79-37D633B846F1}">
+                  <asvg:svgBlip xmlns:asvg="http://schemas.microsoft.com/office/drawing/2016/SVG/main" r:embed="rId3"/>
+                </a:ext>
+              </a:extLst>
+            </a:blip>
+            <a:stretch>
+              <a:fillRect/>
+            </a:stretch>
+          </p:blipFill>
+          <p:spPr>
+            <a:xfrm>
+              <a:off x="3032541" y="590884"/>
+              <a:ext cx="914400" cy="914400"/>
+            </a:xfrm>
+            <a:prstGeom prst="rect">
+              <a:avLst/>
+            </a:prstGeom>
+          </p:spPr>
+        </p:pic>
+        <p:sp>
+          <p:nvSpPr>
+            <p:cNvPr id="81" name="Textfeld 80">
+              <a:extLst>
+                <a:ext uri="{FF2B5EF4-FFF2-40B4-BE49-F238E27FC236}">
+                  <a16:creationId xmlns:a16="http://schemas.microsoft.com/office/drawing/2014/main" id="{849A4688-117C-5EB4-352E-231F68882D0C}"/>
+                </a:ext>
+              </a:extLst>
+            </p:cNvPr>
+            <p:cNvSpPr txBox="1"/>
+            <p:nvPr/>
+          </p:nvSpPr>
+          <p:spPr>
+            <a:xfrm>
+              <a:off x="3134925" y="221552"/>
+              <a:ext cx="999825" cy="369332"/>
+            </a:xfrm>
+            <a:prstGeom prst="rect">
+              <a:avLst/>
+            </a:prstGeom>
+            <a:noFill/>
+          </p:spPr>
+          <p:txBody>
+            <a:bodyPr wrap="none" rtlCol="0">
+              <a:spAutoFit/>
+            </a:bodyPr>
+            <a:lstStyle/>
+            <a:p>
+              <a:r>
+                <a:rPr lang="de-DE" dirty="0" err="1"/>
+                <a:t>personel</a:t>
+              </a:r>
+              <a:endParaRPr lang="de-DE" dirty="0"/>
+            </a:p>
+          </p:txBody>
+        </p:sp>
+      </p:grpSp>
+      <p:grpSp>
+        <p:nvGrpSpPr>
+          <p:cNvPr id="84" name="Gruppieren 83">
+            <a:extLst>
+              <a:ext uri="{FF2B5EF4-FFF2-40B4-BE49-F238E27FC236}">
+                <a16:creationId xmlns:a16="http://schemas.microsoft.com/office/drawing/2014/main" id="{E0FC8499-9D54-2100-65D0-01ABAE7D5B30}"/>
+              </a:ext>
+            </a:extLst>
+          </p:cNvPr>
+          <p:cNvGrpSpPr/>
+          <p:nvPr/>
+        </p:nvGrpSpPr>
+        <p:grpSpPr>
+          <a:xfrm>
+            <a:off x="10105193" y="48092"/>
+            <a:ext cx="841606" cy="1210955"/>
+            <a:chOff x="1054584" y="258481"/>
+            <a:chExt cx="914400" cy="1283732"/>
+          </a:xfrm>
+        </p:grpSpPr>
+        <p:pic>
+          <p:nvPicPr>
+            <p:cNvPr id="82" name="Grafik 81" descr="Frau Silhouette">
+              <a:extLst>
+                <a:ext uri="{FF2B5EF4-FFF2-40B4-BE49-F238E27FC236}">
+                  <a16:creationId xmlns:a16="http://schemas.microsoft.com/office/drawing/2014/main" id="{446DFEC3-84CA-5D2B-2164-A30ABB5E5D13}"/>
+                </a:ext>
+              </a:extLst>
+            </p:cNvPr>
+            <p:cNvPicPr>
+              <a:picLocks noChangeAspect="1"/>
+            </p:cNvPicPr>
+            <p:nvPr/>
+          </p:nvPicPr>
+          <p:blipFill>
+            <a:blip r:embed="rId2">
+              <a:extLst>
+                <a:ext uri="{28A0092B-C50C-407E-A947-70E740481C1C}">
+                  <a14:useLocalDpi xmlns:a14="http://schemas.microsoft.com/office/drawing/2010/main" val="0"/>
+                </a:ext>
+                <a:ext uri="{96DAC541-7B7A-43D3-8B79-37D633B846F1}">
+                  <asvg:svgBlip xmlns:asvg="http://schemas.microsoft.com/office/drawing/2016/SVG/main" r:embed="rId3"/>
+                </a:ext>
+              </a:extLst>
+            </a:blip>
+            <a:stretch>
+              <a:fillRect/>
+            </a:stretch>
+          </p:blipFill>
+          <p:spPr>
+            <a:xfrm>
+              <a:off x="1054584" y="627813"/>
+              <a:ext cx="914400" cy="914400"/>
+            </a:xfrm>
+            <a:prstGeom prst="rect">
+              <a:avLst/>
+            </a:prstGeom>
+          </p:spPr>
+        </p:pic>
+        <p:sp>
+          <p:nvSpPr>
+            <p:cNvPr id="83" name="Textfeld 82">
+              <a:extLst>
+                <a:ext uri="{FF2B5EF4-FFF2-40B4-BE49-F238E27FC236}">
+                  <a16:creationId xmlns:a16="http://schemas.microsoft.com/office/drawing/2014/main" id="{C2A61120-392D-8B36-2117-147ADEAC9B7D}"/>
+                </a:ext>
+              </a:extLst>
+            </p:cNvPr>
+            <p:cNvSpPr txBox="1"/>
+            <p:nvPr/>
+          </p:nvSpPr>
+          <p:spPr>
+            <a:xfrm>
+              <a:off x="1110392" y="258481"/>
+              <a:ext cx="858592" cy="369332"/>
+            </a:xfrm>
+            <a:prstGeom prst="rect">
+              <a:avLst/>
+            </a:prstGeom>
+            <a:noFill/>
+          </p:spPr>
+          <p:txBody>
+            <a:bodyPr wrap="square" rtlCol="0">
+              <a:spAutoFit/>
+            </a:bodyPr>
+            <a:lstStyle/>
+            <a:p>
+              <a:r>
+                <a:rPr lang="de-DE" dirty="0" err="1"/>
+                <a:t>doctor</a:t>
+              </a:r>
+              <a:endParaRPr lang="de-DE" dirty="0"/>
+            </a:p>
+          </p:txBody>
+        </p:sp>
+      </p:grpSp>
+      <p:sp>
+        <p:nvSpPr>
+          <p:cNvPr id="99" name="Rechteck 98">
+            <a:extLst>
+              <a:ext uri="{FF2B5EF4-FFF2-40B4-BE49-F238E27FC236}">
+                <a16:creationId xmlns:a16="http://schemas.microsoft.com/office/drawing/2014/main" id="{C2E457B5-E24B-874E-5C90-39C06FFA1406}"/>
+              </a:ext>
+            </a:extLst>
+          </p:cNvPr>
+          <p:cNvSpPr/>
+          <p:nvPr/>
+        </p:nvSpPr>
+        <p:spPr>
+          <a:xfrm>
+            <a:off x="7887575" y="4561596"/>
+            <a:ext cx="1445591" cy="664320"/>
+          </a:xfrm>
+          <a:prstGeom prst="rect">
+            <a:avLst/>
+          </a:prstGeom>
+        </p:spPr>
+        <p:style>
+          <a:lnRef idx="2">
+            <a:schemeClr val="accent6"/>
+          </a:lnRef>
+          <a:fillRef idx="1">
+            <a:schemeClr val="lt1"/>
+          </a:fillRef>
+          <a:effectRef idx="0">
+            <a:schemeClr val="accent6"/>
+          </a:effectRef>
+          <a:fontRef idx="minor">
+            <a:schemeClr val="dk1"/>
+          </a:fontRef>
+        </p:style>
+        <p:txBody>
+          <a:bodyPr rtlCol="0" anchor="ctr"/>
+          <a:lstStyle/>
+          <a:p>
+            <a:pPr algn="ctr"/>
+            <a:r>
+              <a:rPr lang="de-DE" dirty="0"/>
+              <a:t>Signal Analyzer</a:t>
+            </a:r>
+          </a:p>
+        </p:txBody>
+      </p:sp>
+      <p:sp>
+        <p:nvSpPr>
+          <p:cNvPr id="100" name="Rechteck 99">
+            <a:extLst>
+              <a:ext uri="{FF2B5EF4-FFF2-40B4-BE49-F238E27FC236}">
+                <a16:creationId xmlns:a16="http://schemas.microsoft.com/office/drawing/2014/main" id="{6EE9E339-CA94-DC42-DF32-CC56FCE6B26F}"/>
+              </a:ext>
+            </a:extLst>
+          </p:cNvPr>
+          <p:cNvSpPr/>
+          <p:nvPr/>
+        </p:nvSpPr>
+        <p:spPr>
+          <a:xfrm>
+            <a:off x="10007742" y="5138431"/>
+            <a:ext cx="1535119" cy="921044"/>
+          </a:xfrm>
+          <a:prstGeom prst="rect">
+            <a:avLst/>
+          </a:prstGeom>
+          <a:solidFill>
+            <a:schemeClr val="accent1">
+              <a:lumMod val="20000"/>
+              <a:lumOff val="80000"/>
+            </a:schemeClr>
+          </a:solidFill>
+          <a:ln>
+            <a:solidFill>
+              <a:schemeClr val="accent1">
+                <a:lumMod val="20000"/>
+                <a:lumOff val="80000"/>
+              </a:schemeClr>
+            </a:solidFill>
+          </a:ln>
+        </p:spPr>
+        <p:style>
+          <a:lnRef idx="2">
+            <a:schemeClr val="accent6"/>
+          </a:lnRef>
+          <a:fillRef idx="1">
+            <a:schemeClr val="lt1"/>
+          </a:fillRef>
+          <a:effectRef idx="0">
+            <a:schemeClr val="accent6"/>
+          </a:effectRef>
+          <a:fontRef idx="minor">
+            <a:schemeClr val="dk1"/>
+          </a:fontRef>
+        </p:style>
+        <p:txBody>
+          <a:bodyPr rtlCol="0" anchor="ctr"/>
+          <a:lstStyle/>
+          <a:p>
+            <a:pPr algn="ctr"/>
+            <a:r>
+              <a:rPr lang="de-DE" dirty="0" err="1"/>
+              <a:t>MonitorThem</a:t>
+            </a:r>
+            <a:endParaRPr lang="de-DE" dirty="0"/>
+          </a:p>
+        </p:txBody>
+      </p:sp>
+      <p:cxnSp>
+        <p:nvCxnSpPr>
+          <p:cNvPr id="108" name="Gerade Verbindung mit Pfeil 107">
+            <a:extLst>
+              <a:ext uri="{FF2B5EF4-FFF2-40B4-BE49-F238E27FC236}">
+                <a16:creationId xmlns:a16="http://schemas.microsoft.com/office/drawing/2014/main" id="{4C0A85DE-5AC6-F9AC-93A3-2C7C7B31BDED}"/>
+              </a:ext>
+            </a:extLst>
+          </p:cNvPr>
+          <p:cNvCxnSpPr>
+            <a:cxnSpLocks/>
+            <a:stCxn id="99" idx="3"/>
+            <a:endCxn id="4" idx="1"/>
+          </p:cNvCxnSpPr>
+          <p:nvPr/>
+        </p:nvCxnSpPr>
+        <p:spPr>
+          <a:xfrm flipV="1">
+            <a:off x="9333166" y="4040065"/>
+            <a:ext cx="674576" cy="853691"/>
+          </a:xfrm>
+          <a:prstGeom prst="straightConnector1">
+            <a:avLst/>
+          </a:prstGeom>
+          <a:ln>
+            <a:headEnd type="triangle"/>
+            <a:tailEnd type="triangle"/>
+          </a:ln>
+        </p:spPr>
+        <p:style>
+          <a:lnRef idx="1">
+            <a:schemeClr val="accent1"/>
+          </a:lnRef>
+          <a:fillRef idx="0">
+            <a:schemeClr val="accent1"/>
+          </a:fillRef>
+          <a:effectRef idx="0">
+            <a:schemeClr val="accent1"/>
+          </a:effectRef>
+          <a:fontRef idx="minor">
+            <a:schemeClr val="tx1"/>
+          </a:fontRef>
+        </p:style>
+      </p:cxnSp>
+      <p:sp>
+        <p:nvSpPr>
+          <p:cNvPr id="111" name="Flussdiagramm: Magnetplattenspeicher 110">
+            <a:extLst>
+              <a:ext uri="{FF2B5EF4-FFF2-40B4-BE49-F238E27FC236}">
+                <a16:creationId xmlns:a16="http://schemas.microsoft.com/office/drawing/2014/main" id="{28811D5D-9186-D661-CE29-25BE6045E408}"/>
+              </a:ext>
+            </a:extLst>
+          </p:cNvPr>
+          <p:cNvSpPr/>
+          <p:nvPr/>
+        </p:nvSpPr>
+        <p:spPr>
+          <a:xfrm>
+            <a:off x="6548808" y="3392528"/>
+            <a:ext cx="839489" cy="800568"/>
+          </a:xfrm>
+          <a:prstGeom prst="flowChartMagneticDisk">
+            <a:avLst/>
+          </a:prstGeom>
+        </p:spPr>
+        <p:style>
+          <a:lnRef idx="2">
+            <a:schemeClr val="accent6"/>
+          </a:lnRef>
+          <a:fillRef idx="1">
+            <a:schemeClr val="lt1"/>
+          </a:fillRef>
+          <a:effectRef idx="0">
+            <a:schemeClr val="accent6"/>
+          </a:effectRef>
+          <a:fontRef idx="minor">
+            <a:schemeClr val="dk1"/>
+          </a:fontRef>
+        </p:style>
+        <p:txBody>
+          <a:bodyPr rtlCol="0" anchor="ctr"/>
+          <a:lstStyle/>
+          <a:p>
+            <a:pPr algn="ctr"/>
+            <a:r>
+              <a:rPr lang="de-DE" sz="1600" dirty="0"/>
+              <a:t>Patient DB</a:t>
+            </a:r>
+          </a:p>
+        </p:txBody>
+      </p:sp>
+      <p:cxnSp>
+        <p:nvCxnSpPr>
+          <p:cNvPr id="113" name="Gerade Verbindung mit Pfeil 112">
+            <a:extLst>
+              <a:ext uri="{FF2B5EF4-FFF2-40B4-BE49-F238E27FC236}">
+                <a16:creationId xmlns:a16="http://schemas.microsoft.com/office/drawing/2014/main" id="{B9DDB9D9-904C-A342-BDED-46FFCA7EC044}"/>
+              </a:ext>
+            </a:extLst>
+          </p:cNvPr>
+          <p:cNvCxnSpPr>
+            <a:cxnSpLocks/>
+            <a:stCxn id="20" idx="2"/>
+            <a:endCxn id="111" idx="1"/>
+          </p:cNvCxnSpPr>
+          <p:nvPr/>
+        </p:nvCxnSpPr>
+        <p:spPr>
+          <a:xfrm>
+            <a:off x="6151755" y="2741878"/>
+            <a:ext cx="816798" cy="650650"/>
+          </a:xfrm>
+          <a:prstGeom prst="straightConnector1">
+            <a:avLst/>
+          </a:prstGeom>
+          <a:ln>
+            <a:tailEnd type="triangle"/>
+          </a:ln>
+        </p:spPr>
+        <p:style>
+          <a:lnRef idx="1">
+            <a:schemeClr val="accent1"/>
+          </a:lnRef>
+          <a:fillRef idx="0">
+            <a:schemeClr val="accent1"/>
+          </a:fillRef>
+          <a:effectRef idx="0">
+            <a:schemeClr val="accent1"/>
+          </a:effectRef>
+          <a:fontRef idx="minor">
+            <a:schemeClr val="tx1"/>
+          </a:fontRef>
+        </p:style>
+      </p:cxnSp>
+      <p:cxnSp>
+        <p:nvCxnSpPr>
+          <p:cNvPr id="115" name="Gerade Verbindung mit Pfeil 114">
+            <a:extLst>
+              <a:ext uri="{FF2B5EF4-FFF2-40B4-BE49-F238E27FC236}">
+                <a16:creationId xmlns:a16="http://schemas.microsoft.com/office/drawing/2014/main" id="{26C9E04E-1776-DAFD-56CF-29A409B21910}"/>
+              </a:ext>
+            </a:extLst>
+          </p:cNvPr>
+          <p:cNvCxnSpPr>
+            <a:cxnSpLocks/>
+            <a:stCxn id="77" idx="2"/>
+            <a:endCxn id="20" idx="0"/>
+          </p:cNvCxnSpPr>
+          <p:nvPr/>
+        </p:nvCxnSpPr>
+        <p:spPr>
+          <a:xfrm flipH="1">
+            <a:off x="6151755" y="1210955"/>
+            <a:ext cx="31981" cy="530352"/>
+          </a:xfrm>
+          <a:prstGeom prst="straightConnector1">
+            <a:avLst/>
+          </a:prstGeom>
+          <a:ln>
+            <a:tailEnd type="triangle"/>
+          </a:ln>
+        </p:spPr>
+        <p:style>
+          <a:lnRef idx="1">
+            <a:schemeClr val="accent1"/>
+          </a:lnRef>
+          <a:fillRef idx="0">
+            <a:schemeClr val="accent1"/>
+          </a:fillRef>
+          <a:effectRef idx="0">
+            <a:schemeClr val="accent1"/>
+          </a:effectRef>
+          <a:fontRef idx="minor">
+            <a:schemeClr val="tx1"/>
+          </a:fontRef>
+        </p:style>
+      </p:cxnSp>
+      <p:sp>
+        <p:nvSpPr>
+          <p:cNvPr id="120" name="Rechteck 119">
+            <a:extLst>
+              <a:ext uri="{FF2B5EF4-FFF2-40B4-BE49-F238E27FC236}">
+                <a16:creationId xmlns:a16="http://schemas.microsoft.com/office/drawing/2014/main" id="{71BFF247-C41F-1EEC-F8FA-509EA17EFEF2}"/>
+              </a:ext>
+            </a:extLst>
+          </p:cNvPr>
+          <p:cNvSpPr/>
+          <p:nvPr/>
+        </p:nvSpPr>
+        <p:spPr>
+          <a:xfrm>
+            <a:off x="9587933" y="1758090"/>
+            <a:ext cx="1761838" cy="968910"/>
+          </a:xfrm>
+          <a:prstGeom prst="rect">
+            <a:avLst/>
+          </a:prstGeom>
+          <a:solidFill>
+            <a:srgbClr val="92D050"/>
+          </a:solidFill>
+        </p:spPr>
+        <p:style>
+          <a:lnRef idx="2">
+            <a:schemeClr val="accent6"/>
+          </a:lnRef>
+          <a:fillRef idx="1">
+            <a:schemeClr val="lt1"/>
+          </a:fillRef>
+          <a:effectRef idx="0">
+            <a:schemeClr val="accent6"/>
+          </a:effectRef>
+          <a:fontRef idx="minor">
+            <a:schemeClr val="dk1"/>
+          </a:fontRef>
+        </p:style>
+        <p:txBody>
+          <a:bodyPr rtlCol="0" anchor="ctr"/>
+          <a:lstStyle/>
+          <a:p>
+            <a:pPr algn="ctr"/>
+            <a:r>
+              <a:rPr lang="de-DE" dirty="0" err="1"/>
+              <a:t>MonitorMe</a:t>
+            </a:r>
+            <a:r>
+              <a:rPr lang="de-DE" dirty="0"/>
+              <a:t> App</a:t>
+            </a:r>
+          </a:p>
+        </p:txBody>
+      </p:sp>
+      <p:cxnSp>
+        <p:nvCxnSpPr>
+          <p:cNvPr id="122" name="Gerade Verbindung mit Pfeil 121">
+            <a:extLst>
+              <a:ext uri="{FF2B5EF4-FFF2-40B4-BE49-F238E27FC236}">
+                <a16:creationId xmlns:a16="http://schemas.microsoft.com/office/drawing/2014/main" id="{1328A6A4-55FF-44D8-E4BF-0866B24CE1F5}"/>
+              </a:ext>
+            </a:extLst>
+          </p:cNvPr>
+          <p:cNvCxnSpPr>
+            <a:cxnSpLocks/>
+            <a:stCxn id="99" idx="0"/>
+            <a:endCxn id="128" idx="2"/>
+          </p:cNvCxnSpPr>
+          <p:nvPr/>
+        </p:nvCxnSpPr>
+        <p:spPr>
+          <a:xfrm flipH="1" flipV="1">
+            <a:off x="8599443" y="3752348"/>
+            <a:ext cx="10928" cy="809248"/>
+          </a:xfrm>
+          <a:prstGeom prst="straightConnector1">
+            <a:avLst/>
+          </a:prstGeom>
+          <a:ln>
+            <a:tailEnd type="triangle"/>
+          </a:ln>
+        </p:spPr>
+        <p:style>
+          <a:lnRef idx="1">
+            <a:schemeClr val="accent1"/>
+          </a:lnRef>
+          <a:fillRef idx="0">
+            <a:schemeClr val="accent1"/>
+          </a:fillRef>
+          <a:effectRef idx="0">
+            <a:schemeClr val="accent1"/>
+          </a:effectRef>
+          <a:fontRef idx="minor">
+            <a:schemeClr val="tx1"/>
+          </a:fontRef>
+        </p:style>
+      </p:cxnSp>
+      <p:sp>
+        <p:nvSpPr>
+          <p:cNvPr id="128" name="Rechteck 127">
+            <a:extLst>
+              <a:ext uri="{FF2B5EF4-FFF2-40B4-BE49-F238E27FC236}">
+                <a16:creationId xmlns:a16="http://schemas.microsoft.com/office/drawing/2014/main" id="{D781D453-BD77-CDE3-6713-E737326BD180}"/>
+              </a:ext>
+            </a:extLst>
+          </p:cNvPr>
+          <p:cNvSpPr/>
+          <p:nvPr/>
+        </p:nvSpPr>
+        <p:spPr>
+          <a:xfrm>
+            <a:off x="7750314" y="3129269"/>
+            <a:ext cx="1698257" cy="623079"/>
+          </a:xfrm>
+          <a:prstGeom prst="rect">
+            <a:avLst/>
+          </a:prstGeom>
+          <a:solidFill>
+            <a:schemeClr val="bg1">
+              <a:lumMod val="95000"/>
+            </a:schemeClr>
+          </a:solidFill>
+        </p:spPr>
+        <p:style>
+          <a:lnRef idx="2">
+            <a:schemeClr val="accent6"/>
+          </a:lnRef>
+          <a:fillRef idx="1">
+            <a:schemeClr val="lt1"/>
+          </a:fillRef>
+          <a:effectRef idx="0">
+            <a:schemeClr val="accent6"/>
+          </a:effectRef>
+          <a:fontRef idx="minor">
+            <a:schemeClr val="dk1"/>
+          </a:fontRef>
+        </p:style>
+        <p:txBody>
+          <a:bodyPr rtlCol="0" anchor="ctr"/>
+          <a:lstStyle/>
+          <a:p>
+            <a:pPr algn="ctr"/>
+            <a:endParaRPr lang="de-DE" dirty="0"/>
+          </a:p>
+          <a:p>
+            <a:pPr algn="ctr"/>
+            <a:r>
+              <a:rPr lang="de-DE" dirty="0" err="1"/>
+              <a:t>Notification</a:t>
+            </a:r>
+            <a:r>
+              <a:rPr lang="de-DE" dirty="0"/>
+              <a:t> Event Channel</a:t>
+            </a:r>
+            <a:endParaRPr lang="de-DE" sz="1200" dirty="0"/>
+          </a:p>
+          <a:p>
+            <a:pPr algn="ctr"/>
+            <a:endParaRPr lang="de-DE" dirty="0"/>
+          </a:p>
+        </p:txBody>
+      </p:sp>
+      <p:cxnSp>
+        <p:nvCxnSpPr>
+          <p:cNvPr id="161" name="Gerade Verbindung mit Pfeil 160">
+            <a:extLst>
+              <a:ext uri="{FF2B5EF4-FFF2-40B4-BE49-F238E27FC236}">
+                <a16:creationId xmlns:a16="http://schemas.microsoft.com/office/drawing/2014/main" id="{F9FA3A55-F317-8BDB-88E7-2D531E70D412}"/>
+              </a:ext>
+            </a:extLst>
+          </p:cNvPr>
+          <p:cNvCxnSpPr>
+            <a:cxnSpLocks/>
+            <a:stCxn id="128" idx="0"/>
+            <a:endCxn id="120" idx="1"/>
+          </p:cNvCxnSpPr>
+          <p:nvPr/>
+        </p:nvCxnSpPr>
+        <p:spPr>
+          <a:xfrm flipV="1">
+            <a:off x="8599443" y="2242545"/>
+            <a:ext cx="988490" cy="886724"/>
+          </a:xfrm>
+          <a:prstGeom prst="straightConnector1">
+            <a:avLst/>
+          </a:prstGeom>
+          <a:ln>
+            <a:tailEnd type="triangle"/>
+          </a:ln>
+        </p:spPr>
+        <p:style>
+          <a:lnRef idx="1">
+            <a:schemeClr val="accent1"/>
+          </a:lnRef>
+          <a:fillRef idx="0">
+            <a:schemeClr val="accent1"/>
+          </a:fillRef>
+          <a:effectRef idx="0">
+            <a:schemeClr val="accent1"/>
+          </a:effectRef>
+          <a:fontRef idx="minor">
+            <a:schemeClr val="tx1"/>
+          </a:fontRef>
+        </p:style>
+      </p:cxnSp>
+      <p:cxnSp>
+        <p:nvCxnSpPr>
+          <p:cNvPr id="163" name="Gerade Verbindung mit Pfeil 162">
+            <a:extLst>
+              <a:ext uri="{FF2B5EF4-FFF2-40B4-BE49-F238E27FC236}">
+                <a16:creationId xmlns:a16="http://schemas.microsoft.com/office/drawing/2014/main" id="{86305ED6-E89D-CEC5-C8DE-D43D2BC374AC}"/>
+              </a:ext>
+            </a:extLst>
+          </p:cNvPr>
+          <p:cNvCxnSpPr>
+            <a:cxnSpLocks/>
+            <a:stCxn id="82" idx="2"/>
+            <a:endCxn id="120" idx="0"/>
+          </p:cNvCxnSpPr>
+          <p:nvPr/>
+        </p:nvCxnSpPr>
+        <p:spPr>
+          <a:xfrm flipH="1">
+            <a:off x="10468852" y="1259047"/>
+            <a:ext cx="57144" cy="499043"/>
+          </a:xfrm>
+          <a:prstGeom prst="straightConnector1">
+            <a:avLst/>
+          </a:prstGeom>
+          <a:ln>
+            <a:tailEnd type="triangle"/>
+          </a:ln>
+        </p:spPr>
+        <p:style>
+          <a:lnRef idx="1">
+            <a:schemeClr val="accent1"/>
+          </a:lnRef>
+          <a:fillRef idx="0">
+            <a:schemeClr val="accent1"/>
+          </a:fillRef>
+          <a:effectRef idx="0">
+            <a:schemeClr val="accent1"/>
+          </a:effectRef>
+          <a:fontRef idx="minor">
+            <a:schemeClr val="tx1"/>
+          </a:fontRef>
+        </p:style>
+      </p:cxnSp>
+      <p:cxnSp>
+        <p:nvCxnSpPr>
+          <p:cNvPr id="197" name="Gerade Verbindung mit Pfeil 196">
+            <a:extLst>
+              <a:ext uri="{FF2B5EF4-FFF2-40B4-BE49-F238E27FC236}">
+                <a16:creationId xmlns:a16="http://schemas.microsoft.com/office/drawing/2014/main" id="{D8D7F948-9EBD-6730-DF0D-24EEAFEAC0BE}"/>
+              </a:ext>
+            </a:extLst>
+          </p:cNvPr>
+          <p:cNvCxnSpPr>
+            <a:cxnSpLocks/>
+            <a:endCxn id="30" idx="0"/>
+          </p:cNvCxnSpPr>
+          <p:nvPr/>
+        </p:nvCxnSpPr>
+        <p:spPr>
+          <a:xfrm flipH="1">
+            <a:off x="3516695" y="761928"/>
+            <a:ext cx="1591671" cy="1317115"/>
+          </a:xfrm>
+          <a:prstGeom prst="straightConnector1">
+            <a:avLst/>
+          </a:prstGeom>
+          <a:ln>
+            <a:tailEnd type="triangle"/>
+          </a:ln>
+        </p:spPr>
+        <p:style>
+          <a:lnRef idx="1">
+            <a:schemeClr val="accent1"/>
+          </a:lnRef>
+          <a:fillRef idx="0">
+            <a:schemeClr val="accent1"/>
+          </a:fillRef>
+          <a:effectRef idx="0">
+            <a:schemeClr val="accent1"/>
+          </a:effectRef>
+          <a:fontRef idx="minor">
+            <a:schemeClr val="tx1"/>
+          </a:fontRef>
+        </p:style>
+      </p:cxnSp>
+      <p:cxnSp>
+        <p:nvCxnSpPr>
+          <p:cNvPr id="199" name="Gerade Verbindung mit Pfeil 198">
+            <a:extLst>
+              <a:ext uri="{FF2B5EF4-FFF2-40B4-BE49-F238E27FC236}">
+                <a16:creationId xmlns:a16="http://schemas.microsoft.com/office/drawing/2014/main" id="{DA34F3F9-82D1-DEDA-D4F0-38D65F4FE50E}"/>
+              </a:ext>
+            </a:extLst>
+          </p:cNvPr>
+          <p:cNvCxnSpPr>
+            <a:cxnSpLocks/>
+            <a:stCxn id="30" idx="1"/>
+            <a:endCxn id="14" idx="3"/>
+          </p:cNvCxnSpPr>
+          <p:nvPr/>
+        </p:nvCxnSpPr>
+        <p:spPr>
+          <a:xfrm flipH="1" flipV="1">
+            <a:off x="1866639" y="2162115"/>
+            <a:ext cx="1051827" cy="368394"/>
+          </a:xfrm>
+          <a:prstGeom prst="straightConnector1">
+            <a:avLst/>
+          </a:prstGeom>
+          <a:ln>
+            <a:tailEnd type="triangle"/>
+          </a:ln>
+        </p:spPr>
+        <p:style>
+          <a:lnRef idx="1">
+            <a:schemeClr val="accent1"/>
+          </a:lnRef>
+          <a:fillRef idx="0">
+            <a:schemeClr val="accent1"/>
+          </a:fillRef>
+          <a:effectRef idx="0">
+            <a:schemeClr val="accent1"/>
+          </a:effectRef>
+          <a:fontRef idx="minor">
+            <a:schemeClr val="tx1"/>
+          </a:fontRef>
+        </p:style>
+      </p:cxnSp>
+      <p:cxnSp>
+        <p:nvCxnSpPr>
+          <p:cNvPr id="204" name="Gerade Verbindung mit Pfeil 203">
+            <a:extLst>
+              <a:ext uri="{FF2B5EF4-FFF2-40B4-BE49-F238E27FC236}">
+                <a16:creationId xmlns:a16="http://schemas.microsoft.com/office/drawing/2014/main" id="{54DA7562-BF7F-CC06-0725-4213A5A03EDB}"/>
+              </a:ext>
+            </a:extLst>
+          </p:cNvPr>
+          <p:cNvCxnSpPr>
+            <a:cxnSpLocks/>
+            <a:stCxn id="3" idx="3"/>
+            <a:endCxn id="2" idx="1"/>
+          </p:cNvCxnSpPr>
+          <p:nvPr/>
+        </p:nvCxnSpPr>
+        <p:spPr>
+          <a:xfrm flipV="1">
+            <a:off x="1877392" y="5544351"/>
+            <a:ext cx="568534" cy="657"/>
+          </a:xfrm>
+          <a:prstGeom prst="straightConnector1">
+            <a:avLst/>
+          </a:prstGeom>
+          <a:ln>
+            <a:tailEnd type="triangle"/>
+          </a:ln>
+        </p:spPr>
+        <p:style>
+          <a:lnRef idx="1">
+            <a:schemeClr val="accent1"/>
+          </a:lnRef>
+          <a:fillRef idx="0">
+            <a:schemeClr val="accent1"/>
+          </a:fillRef>
+          <a:effectRef idx="0">
+            <a:schemeClr val="accent1"/>
+          </a:effectRef>
+          <a:fontRef idx="minor">
+            <a:schemeClr val="tx1"/>
+          </a:fontRef>
+        </p:style>
+      </p:cxnSp>
+      <p:sp>
+        <p:nvSpPr>
+          <p:cNvPr id="4" name="Rechteck 3">
+            <a:extLst>
+              <a:ext uri="{FF2B5EF4-FFF2-40B4-BE49-F238E27FC236}">
+                <a16:creationId xmlns:a16="http://schemas.microsoft.com/office/drawing/2014/main" id="{74C57912-408F-2951-BB63-EB10E0C863AF}"/>
+              </a:ext>
+            </a:extLst>
+          </p:cNvPr>
+          <p:cNvSpPr/>
+          <p:nvPr/>
+        </p:nvSpPr>
+        <p:spPr>
+          <a:xfrm>
+            <a:off x="10007742" y="3507520"/>
+            <a:ext cx="1445591" cy="1065089"/>
+          </a:xfrm>
+          <a:prstGeom prst="rect">
+            <a:avLst/>
+          </a:prstGeom>
+        </p:spPr>
+        <p:style>
+          <a:lnRef idx="2">
+            <a:schemeClr val="accent6"/>
+          </a:lnRef>
+          <a:fillRef idx="1">
+            <a:schemeClr val="lt1"/>
+          </a:fillRef>
+          <a:effectRef idx="0">
+            <a:schemeClr val="accent6"/>
+          </a:effectRef>
+          <a:fontRef idx="minor">
+            <a:schemeClr val="dk1"/>
+          </a:fontRef>
+        </p:style>
+        <p:txBody>
+          <a:bodyPr rtlCol="0" anchor="ctr"/>
+          <a:lstStyle/>
+          <a:p>
+            <a:pPr algn="ctr"/>
+            <a:endParaRPr lang="de-DE" dirty="0"/>
+          </a:p>
+          <a:p>
+            <a:pPr algn="ctr"/>
+            <a:r>
+              <a:rPr lang="de-DE" dirty="0"/>
+              <a:t>Analyse </a:t>
+            </a:r>
+            <a:r>
+              <a:rPr lang="de-DE" dirty="0" err="1"/>
+              <a:t>rule</a:t>
+            </a:r>
+            <a:r>
+              <a:rPr lang="de-DE" dirty="0"/>
+              <a:t> </a:t>
+            </a:r>
+            <a:r>
+              <a:rPr lang="de-DE" dirty="0" err="1"/>
+              <a:t>builder</a:t>
+            </a:r>
+            <a:endParaRPr lang="de-DE" dirty="0"/>
+          </a:p>
+          <a:p>
+            <a:pPr algn="ctr"/>
+            <a:endParaRPr lang="de-DE" dirty="0"/>
+          </a:p>
+        </p:txBody>
+      </p:sp>
+      <p:cxnSp>
+        <p:nvCxnSpPr>
+          <p:cNvPr id="11" name="Gerade Verbindung mit Pfeil 10">
+            <a:extLst>
+              <a:ext uri="{FF2B5EF4-FFF2-40B4-BE49-F238E27FC236}">
+                <a16:creationId xmlns:a16="http://schemas.microsoft.com/office/drawing/2014/main" id="{A9E49C53-C5A9-467E-67F7-6636854599CA}"/>
+              </a:ext>
+            </a:extLst>
+          </p:cNvPr>
+          <p:cNvCxnSpPr>
+            <a:cxnSpLocks/>
+            <a:stCxn id="4" idx="2"/>
+            <a:endCxn id="100" idx="0"/>
+          </p:cNvCxnSpPr>
+          <p:nvPr/>
+        </p:nvCxnSpPr>
+        <p:spPr>
+          <a:xfrm>
+            <a:off x="10730538" y="4572609"/>
+            <a:ext cx="44764" cy="565822"/>
+          </a:xfrm>
+          <a:prstGeom prst="straightConnector1">
+            <a:avLst/>
+          </a:prstGeom>
+          <a:ln>
+            <a:tailEnd type="triangle"/>
+          </a:ln>
+        </p:spPr>
+        <p:style>
+          <a:lnRef idx="1">
+            <a:schemeClr val="accent1"/>
+          </a:lnRef>
+          <a:fillRef idx="0">
+            <a:schemeClr val="accent1"/>
+          </a:fillRef>
+          <a:effectRef idx="0">
+            <a:schemeClr val="accent1"/>
+          </a:effectRef>
+          <a:fontRef idx="minor">
+            <a:schemeClr val="tx1"/>
+          </a:fontRef>
+        </p:style>
+      </p:cxnSp>
+      <p:cxnSp>
+        <p:nvCxnSpPr>
+          <p:cNvPr id="27" name="Gerade Verbindung mit Pfeil 26">
+            <a:extLst>
+              <a:ext uri="{FF2B5EF4-FFF2-40B4-BE49-F238E27FC236}">
+                <a16:creationId xmlns:a16="http://schemas.microsoft.com/office/drawing/2014/main" id="{7CCD53F8-2E83-BCD6-8658-8D86E23998A0}"/>
+              </a:ext>
+            </a:extLst>
+          </p:cNvPr>
+          <p:cNvCxnSpPr>
+            <a:cxnSpLocks/>
+            <a:stCxn id="2" idx="3"/>
+            <a:endCxn id="44" idx="1"/>
+          </p:cNvCxnSpPr>
+          <p:nvPr/>
+        </p:nvCxnSpPr>
+        <p:spPr>
+          <a:xfrm flipV="1">
+            <a:off x="4028569" y="5525476"/>
+            <a:ext cx="1156309" cy="18875"/>
+          </a:xfrm>
+          <a:prstGeom prst="straightConnector1">
+            <a:avLst/>
+          </a:prstGeom>
+          <a:ln>
+            <a:tailEnd type="triangle"/>
+          </a:ln>
+        </p:spPr>
+        <p:style>
+          <a:lnRef idx="1">
+            <a:schemeClr val="accent1"/>
+          </a:lnRef>
+          <a:fillRef idx="0">
+            <a:schemeClr val="accent1"/>
+          </a:fillRef>
+          <a:effectRef idx="0">
+            <a:schemeClr val="accent1"/>
+          </a:effectRef>
+          <a:fontRef idx="minor">
+            <a:schemeClr val="tx1"/>
+          </a:fontRef>
+        </p:style>
+      </p:cxnSp>
+      <p:cxnSp>
+        <p:nvCxnSpPr>
+          <p:cNvPr id="40" name="Gerade Verbindung mit Pfeil 39">
+            <a:extLst>
+              <a:ext uri="{FF2B5EF4-FFF2-40B4-BE49-F238E27FC236}">
+                <a16:creationId xmlns:a16="http://schemas.microsoft.com/office/drawing/2014/main" id="{9D77B0EB-5B98-D448-502D-160BE7972833}"/>
+              </a:ext>
+            </a:extLst>
+          </p:cNvPr>
+          <p:cNvCxnSpPr>
+            <a:cxnSpLocks/>
+            <a:stCxn id="128" idx="0"/>
+            <a:endCxn id="20" idx="3"/>
+          </p:cNvCxnSpPr>
+          <p:nvPr/>
+        </p:nvCxnSpPr>
+        <p:spPr>
+          <a:xfrm flipH="1" flipV="1">
+            <a:off x="7174306" y="2241593"/>
+            <a:ext cx="1425137" cy="887676"/>
+          </a:xfrm>
+          <a:prstGeom prst="straightConnector1">
+            <a:avLst/>
+          </a:prstGeom>
+          <a:ln>
+            <a:tailEnd type="triangle"/>
+          </a:ln>
+        </p:spPr>
+        <p:style>
+          <a:lnRef idx="1">
+            <a:schemeClr val="accent1"/>
+          </a:lnRef>
+          <a:fillRef idx="0">
+            <a:schemeClr val="accent1"/>
+          </a:fillRef>
+          <a:effectRef idx="0">
+            <a:schemeClr val="accent1"/>
+          </a:effectRef>
+          <a:fontRef idx="minor">
+            <a:schemeClr val="tx1"/>
+          </a:fontRef>
+        </p:style>
+      </p:cxnSp>
+      <p:sp>
+        <p:nvSpPr>
+          <p:cNvPr id="32" name="Flussdiagramm: Magnetplattenspeicher 31">
+            <a:extLst>
+              <a:ext uri="{FF2B5EF4-FFF2-40B4-BE49-F238E27FC236}">
+                <a16:creationId xmlns:a16="http://schemas.microsoft.com/office/drawing/2014/main" id="{84323946-92CD-F020-30E5-55CE6785220E}"/>
+              </a:ext>
+            </a:extLst>
+          </p:cNvPr>
+          <p:cNvSpPr/>
+          <p:nvPr/>
+        </p:nvSpPr>
+        <p:spPr>
+          <a:xfrm>
+            <a:off x="4433790" y="3617582"/>
+            <a:ext cx="983126" cy="865854"/>
+          </a:xfrm>
+          <a:prstGeom prst="flowChartMagneticDisk">
+            <a:avLst/>
+          </a:prstGeom>
+        </p:spPr>
+        <p:style>
+          <a:lnRef idx="2">
+            <a:schemeClr val="accent6"/>
+          </a:lnRef>
+          <a:fillRef idx="1">
+            <a:schemeClr val="lt1"/>
+          </a:fillRef>
+          <a:effectRef idx="0">
+            <a:schemeClr val="accent6"/>
+          </a:effectRef>
+          <a:fontRef idx="minor">
+            <a:schemeClr val="dk1"/>
+          </a:fontRef>
+        </p:style>
+        <p:txBody>
+          <a:bodyPr rtlCol="0" anchor="ctr"/>
+          <a:lstStyle/>
+          <a:p>
+            <a:pPr algn="ctr"/>
+            <a:r>
+              <a:rPr lang="de-DE" dirty="0"/>
+              <a:t>Signal DB</a:t>
+            </a:r>
+          </a:p>
+        </p:txBody>
+      </p:sp>
+      <p:sp>
+        <p:nvSpPr>
+          <p:cNvPr id="44" name="Rechteck 43">
+            <a:extLst>
+              <a:ext uri="{FF2B5EF4-FFF2-40B4-BE49-F238E27FC236}">
+                <a16:creationId xmlns:a16="http://schemas.microsoft.com/office/drawing/2014/main" id="{94685144-9530-7E9A-91F5-3136A7ABC40F}"/>
+              </a:ext>
+            </a:extLst>
+          </p:cNvPr>
+          <p:cNvSpPr/>
+          <p:nvPr/>
+        </p:nvSpPr>
+        <p:spPr>
+          <a:xfrm>
+            <a:off x="5184878" y="5087357"/>
+            <a:ext cx="1822243" cy="876238"/>
+          </a:xfrm>
+          <a:prstGeom prst="rect">
+            <a:avLst/>
+          </a:prstGeom>
+          <a:solidFill>
+            <a:srgbClr val="92D050"/>
+          </a:solidFill>
+        </p:spPr>
+        <p:style>
+          <a:lnRef idx="2">
+            <a:schemeClr val="accent6"/>
+          </a:lnRef>
+          <a:fillRef idx="1">
+            <a:schemeClr val="lt1"/>
+          </a:fillRef>
+          <a:effectRef idx="0">
+            <a:schemeClr val="accent6"/>
+          </a:effectRef>
+          <a:fontRef idx="minor">
+            <a:schemeClr val="dk1"/>
+          </a:fontRef>
+        </p:style>
+        <p:txBody>
+          <a:bodyPr rtlCol="0" anchor="ctr"/>
+          <a:lstStyle/>
+          <a:p>
+            <a:pPr algn="ctr"/>
+            <a:r>
+              <a:rPr lang="de-DE" dirty="0"/>
+              <a:t>Patient Signal</a:t>
+            </a:r>
+          </a:p>
+          <a:p>
+            <a:pPr algn="ctr"/>
+            <a:r>
+              <a:rPr lang="de-DE" dirty="0" err="1"/>
+              <a:t>Collector</a:t>
+            </a:r>
+            <a:endParaRPr lang="de-DE" dirty="0"/>
+          </a:p>
+          <a:p>
+            <a:pPr algn="ctr"/>
+            <a:r>
+              <a:rPr lang="de-DE" sz="1200" dirty="0"/>
+              <a:t>(all Signals per </a:t>
+            </a:r>
+            <a:r>
+              <a:rPr lang="de-DE" sz="1200" dirty="0" err="1"/>
+              <a:t>patient</a:t>
+            </a:r>
+            <a:r>
+              <a:rPr lang="de-DE" sz="1200" dirty="0"/>
+              <a:t>)</a:t>
+            </a:r>
+          </a:p>
+        </p:txBody>
+      </p:sp>
+      <p:sp>
+        <p:nvSpPr>
+          <p:cNvPr id="54" name="Rechteck 53">
+            <a:extLst>
+              <a:ext uri="{FF2B5EF4-FFF2-40B4-BE49-F238E27FC236}">
+                <a16:creationId xmlns:a16="http://schemas.microsoft.com/office/drawing/2014/main" id="{AD449FD3-8B2C-44FB-182E-7D32CD4DA1C6}"/>
+              </a:ext>
+            </a:extLst>
+          </p:cNvPr>
+          <p:cNvSpPr/>
+          <p:nvPr/>
+        </p:nvSpPr>
+        <p:spPr>
+          <a:xfrm>
+            <a:off x="2040790" y="3617581"/>
+            <a:ext cx="1196458" cy="902931"/>
+          </a:xfrm>
+          <a:prstGeom prst="rect">
+            <a:avLst/>
+          </a:prstGeom>
+          <a:solidFill>
+            <a:srgbClr val="92D050"/>
+          </a:solidFill>
+        </p:spPr>
+        <p:style>
+          <a:lnRef idx="2">
+            <a:schemeClr val="accent6"/>
+          </a:lnRef>
+          <a:fillRef idx="1">
+            <a:schemeClr val="lt1"/>
+          </a:fillRef>
+          <a:effectRef idx="0">
+            <a:schemeClr val="accent6"/>
+          </a:effectRef>
+          <a:fontRef idx="minor">
+            <a:schemeClr val="dk1"/>
+          </a:fontRef>
+        </p:style>
+        <p:txBody>
+          <a:bodyPr rtlCol="0" anchor="ctr"/>
+          <a:lstStyle/>
+          <a:p>
+            <a:pPr algn="ctr"/>
+            <a:r>
+              <a:rPr lang="de-DE" dirty="0" err="1"/>
+              <a:t>Sigmal</a:t>
+            </a:r>
+            <a:r>
+              <a:rPr lang="de-DE" dirty="0"/>
+              <a:t> </a:t>
+            </a:r>
+            <a:r>
+              <a:rPr lang="de-DE" dirty="0" err="1"/>
+              <a:t>Persister</a:t>
+            </a:r>
+            <a:endParaRPr lang="de-DE" dirty="0"/>
+          </a:p>
+        </p:txBody>
+      </p:sp>
+      <p:cxnSp>
+        <p:nvCxnSpPr>
+          <p:cNvPr id="55" name="Gerade Verbindung mit Pfeil 54">
+            <a:extLst>
+              <a:ext uri="{FF2B5EF4-FFF2-40B4-BE49-F238E27FC236}">
+                <a16:creationId xmlns:a16="http://schemas.microsoft.com/office/drawing/2014/main" id="{37E2C49D-91F4-954E-0EA6-D018F836A29D}"/>
+              </a:ext>
+            </a:extLst>
+          </p:cNvPr>
+          <p:cNvCxnSpPr>
+            <a:cxnSpLocks/>
+            <a:stCxn id="2" idx="0"/>
+            <a:endCxn id="54" idx="2"/>
+          </p:cNvCxnSpPr>
+          <p:nvPr/>
+        </p:nvCxnSpPr>
+        <p:spPr>
+          <a:xfrm flipH="1" flipV="1">
+            <a:off x="2639019" y="4520512"/>
+            <a:ext cx="598229" cy="463386"/>
+          </a:xfrm>
+          <a:prstGeom prst="straightConnector1">
+            <a:avLst/>
+          </a:prstGeom>
+          <a:ln>
+            <a:tailEnd type="triangle"/>
+          </a:ln>
+        </p:spPr>
+        <p:style>
+          <a:lnRef idx="1">
+            <a:schemeClr val="accent1"/>
+          </a:lnRef>
+          <a:fillRef idx="0">
+            <a:schemeClr val="accent1"/>
+          </a:fillRef>
+          <a:effectRef idx="0">
+            <a:schemeClr val="accent1"/>
+          </a:effectRef>
+          <a:fontRef idx="minor">
+            <a:schemeClr val="tx1"/>
+          </a:fontRef>
+        </p:style>
+      </p:cxnSp>
+      <p:cxnSp>
+        <p:nvCxnSpPr>
+          <p:cNvPr id="58" name="Gerade Verbindung mit Pfeil 57">
+            <a:extLst>
+              <a:ext uri="{FF2B5EF4-FFF2-40B4-BE49-F238E27FC236}">
+                <a16:creationId xmlns:a16="http://schemas.microsoft.com/office/drawing/2014/main" id="{51D708B7-5F98-0CA1-ECA3-F7D60F019697}"/>
+              </a:ext>
+            </a:extLst>
+          </p:cNvPr>
+          <p:cNvCxnSpPr>
+            <a:cxnSpLocks/>
+            <a:stCxn id="54" idx="3"/>
+            <a:endCxn id="32" idx="2"/>
+          </p:cNvCxnSpPr>
+          <p:nvPr/>
+        </p:nvCxnSpPr>
+        <p:spPr>
+          <a:xfrm flipV="1">
+            <a:off x="3237248" y="4050509"/>
+            <a:ext cx="1196542" cy="18538"/>
+          </a:xfrm>
+          <a:prstGeom prst="straightConnector1">
+            <a:avLst/>
+          </a:prstGeom>
+          <a:ln>
+            <a:tailEnd type="triangle"/>
+          </a:ln>
+        </p:spPr>
+        <p:style>
+          <a:lnRef idx="1">
+            <a:schemeClr val="accent1"/>
+          </a:lnRef>
+          <a:fillRef idx="0">
+            <a:schemeClr val="accent1"/>
+          </a:fillRef>
+          <a:effectRef idx="0">
+            <a:schemeClr val="accent1"/>
+          </a:effectRef>
+          <a:fontRef idx="minor">
+            <a:schemeClr val="tx1"/>
+          </a:fontRef>
+        </p:style>
+      </p:cxnSp>
+      <p:cxnSp>
+        <p:nvCxnSpPr>
+          <p:cNvPr id="89" name="Gerade Verbindung mit Pfeil 88">
+            <a:extLst>
+              <a:ext uri="{FF2B5EF4-FFF2-40B4-BE49-F238E27FC236}">
+                <a16:creationId xmlns:a16="http://schemas.microsoft.com/office/drawing/2014/main" id="{F79F2388-4C65-4AA4-07FF-E74092B11E4E}"/>
+              </a:ext>
+            </a:extLst>
+          </p:cNvPr>
+          <p:cNvCxnSpPr>
+            <a:cxnSpLocks/>
+            <a:stCxn id="44" idx="3"/>
+            <a:endCxn id="99" idx="1"/>
+          </p:cNvCxnSpPr>
+          <p:nvPr/>
+        </p:nvCxnSpPr>
+        <p:spPr>
+          <a:xfrm flipV="1">
+            <a:off x="7007121" y="4893756"/>
+            <a:ext cx="880454" cy="631720"/>
+          </a:xfrm>
+          <a:prstGeom prst="straightConnector1">
+            <a:avLst/>
+          </a:prstGeom>
+          <a:ln>
+            <a:tailEnd type="triangle"/>
+          </a:ln>
+        </p:spPr>
+        <p:style>
+          <a:lnRef idx="1">
+            <a:schemeClr val="accent1"/>
+          </a:lnRef>
+          <a:fillRef idx="0">
+            <a:schemeClr val="accent1"/>
+          </a:fillRef>
+          <a:effectRef idx="0">
+            <a:schemeClr val="accent1"/>
+          </a:effectRef>
+          <a:fontRef idx="minor">
+            <a:schemeClr val="tx1"/>
+          </a:fontRef>
+        </p:style>
+      </p:cxnSp>
+      <p:cxnSp>
+        <p:nvCxnSpPr>
+          <p:cNvPr id="92" name="Gerade Verbindung mit Pfeil 91">
+            <a:extLst>
+              <a:ext uri="{FF2B5EF4-FFF2-40B4-BE49-F238E27FC236}">
+                <a16:creationId xmlns:a16="http://schemas.microsoft.com/office/drawing/2014/main" id="{448AE647-FEDD-FEC0-CB81-FEB064C447BC}"/>
+              </a:ext>
+            </a:extLst>
+          </p:cNvPr>
+          <p:cNvCxnSpPr>
+            <a:cxnSpLocks/>
+            <a:stCxn id="44" idx="3"/>
+            <a:endCxn id="100" idx="1"/>
+          </p:cNvCxnSpPr>
+          <p:nvPr/>
+        </p:nvCxnSpPr>
+        <p:spPr>
+          <a:xfrm>
+            <a:off x="7007121" y="5525476"/>
+            <a:ext cx="3000621" cy="73477"/>
+          </a:xfrm>
+          <a:prstGeom prst="straightConnector1">
+            <a:avLst/>
+          </a:prstGeom>
+          <a:ln>
+            <a:tailEnd type="triangle"/>
+          </a:ln>
+        </p:spPr>
+        <p:style>
+          <a:lnRef idx="1">
+            <a:schemeClr val="accent1"/>
+          </a:lnRef>
+          <a:fillRef idx="0">
+            <a:schemeClr val="accent1"/>
+          </a:fillRef>
+          <a:effectRef idx="0">
+            <a:schemeClr val="accent1"/>
+          </a:effectRef>
+          <a:fontRef idx="minor">
+            <a:schemeClr val="tx1"/>
+          </a:fontRef>
+        </p:style>
+      </p:cxnSp>
+      <p:cxnSp>
+        <p:nvCxnSpPr>
+          <p:cNvPr id="135" name="Gerade Verbindung mit Pfeil 134">
+            <a:extLst>
+              <a:ext uri="{FF2B5EF4-FFF2-40B4-BE49-F238E27FC236}">
+                <a16:creationId xmlns:a16="http://schemas.microsoft.com/office/drawing/2014/main" id="{6B6C8C42-3B34-2D97-788E-24DBE48764B0}"/>
+              </a:ext>
+            </a:extLst>
+          </p:cNvPr>
+          <p:cNvCxnSpPr>
+            <a:cxnSpLocks/>
+            <a:stCxn id="44" idx="0"/>
+            <a:endCxn id="20" idx="2"/>
+          </p:cNvCxnSpPr>
+          <p:nvPr/>
+        </p:nvCxnSpPr>
+        <p:spPr>
+          <a:xfrm flipV="1">
+            <a:off x="6096000" y="2741878"/>
+            <a:ext cx="55755" cy="2345479"/>
+          </a:xfrm>
+          <a:prstGeom prst="straightConnector1">
+            <a:avLst/>
+          </a:prstGeom>
+          <a:ln>
+            <a:tailEnd type="triangle"/>
+          </a:ln>
+        </p:spPr>
+        <p:style>
+          <a:lnRef idx="1">
+            <a:schemeClr val="accent1"/>
+          </a:lnRef>
+          <a:fillRef idx="0">
+            <a:schemeClr val="accent1"/>
+          </a:fillRef>
+          <a:effectRef idx="0">
+            <a:schemeClr val="accent1"/>
+          </a:effectRef>
+          <a:fontRef idx="minor">
+            <a:schemeClr val="tx1"/>
+          </a:fontRef>
+        </p:style>
+      </p:cxnSp>
+      <p:sp>
+        <p:nvSpPr>
+          <p:cNvPr id="138" name="Textfeld 137">
+            <a:extLst>
+              <a:ext uri="{FF2B5EF4-FFF2-40B4-BE49-F238E27FC236}">
+                <a16:creationId xmlns:a16="http://schemas.microsoft.com/office/drawing/2014/main" id="{749A465A-2383-5171-5F2E-1B2CD6AC8499}"/>
+              </a:ext>
+            </a:extLst>
+          </p:cNvPr>
+          <p:cNvSpPr txBox="1"/>
+          <p:nvPr/>
+        </p:nvSpPr>
+        <p:spPr>
+          <a:xfrm>
+            <a:off x="516762" y="216166"/>
+            <a:ext cx="2540682" cy="1384995"/>
+          </a:xfrm>
+          <a:prstGeom prst="rect">
+            <a:avLst/>
+          </a:prstGeom>
+          <a:noFill/>
+        </p:spPr>
+        <p:txBody>
+          <a:bodyPr wrap="square" rtlCol="0">
+            <a:spAutoFit/>
+          </a:bodyPr>
+          <a:lstStyle/>
+          <a:p>
+            <a:r>
+              <a:rPr lang="de-DE" sz="2800" b="1" dirty="0"/>
+              <a:t>Event Driven </a:t>
+            </a:r>
+          </a:p>
+          <a:p>
+            <a:r>
+              <a:rPr lang="de-DE" sz="2800" b="1" dirty="0" err="1"/>
+              <a:t>Component</a:t>
+            </a:r>
+            <a:r>
+              <a:rPr lang="de-DE" sz="2800" b="1" dirty="0"/>
+              <a:t> View</a:t>
+            </a:r>
+          </a:p>
+        </p:txBody>
+      </p:sp>
+      <p:sp>
+        <p:nvSpPr>
+          <p:cNvPr id="151" name="Rechteck 150">
+            <a:extLst>
+              <a:ext uri="{FF2B5EF4-FFF2-40B4-BE49-F238E27FC236}">
+                <a16:creationId xmlns:a16="http://schemas.microsoft.com/office/drawing/2014/main" id="{B1972254-D048-F8CF-6378-0F1B7F0DF84C}"/>
+              </a:ext>
+            </a:extLst>
+          </p:cNvPr>
+          <p:cNvSpPr/>
+          <p:nvPr/>
+        </p:nvSpPr>
+        <p:spPr>
+          <a:xfrm>
+            <a:off x="525152" y="6437376"/>
+            <a:ext cx="1158142" cy="204458"/>
+          </a:xfrm>
+          <a:prstGeom prst="rect">
+            <a:avLst/>
+          </a:prstGeom>
+          <a:solidFill>
+            <a:schemeClr val="accent2"/>
+          </a:solidFill>
+        </p:spPr>
+        <p:style>
+          <a:lnRef idx="2">
+            <a:schemeClr val="accent6"/>
+          </a:lnRef>
+          <a:fillRef idx="1">
+            <a:schemeClr val="lt1"/>
+          </a:fillRef>
+          <a:effectRef idx="0">
+            <a:schemeClr val="accent6"/>
+          </a:effectRef>
+          <a:fontRef idx="minor">
+            <a:schemeClr val="dk1"/>
+          </a:fontRef>
+        </p:style>
+        <p:txBody>
+          <a:bodyPr rtlCol="0" anchor="ctr"/>
+          <a:lstStyle/>
+          <a:p>
+            <a:pPr algn="ctr"/>
+            <a:r>
+              <a:rPr lang="de-DE" sz="1200" dirty="0"/>
+              <a:t>Event </a:t>
+            </a:r>
+            <a:r>
+              <a:rPr lang="de-DE" sz="1200" dirty="0" err="1"/>
+              <a:t>producer</a:t>
+            </a:r>
+            <a:endParaRPr lang="de-DE" sz="1200" dirty="0"/>
+          </a:p>
+        </p:txBody>
+      </p:sp>
+      <p:sp>
+        <p:nvSpPr>
+          <p:cNvPr id="152" name="Rechteck 151">
+            <a:extLst>
+              <a:ext uri="{FF2B5EF4-FFF2-40B4-BE49-F238E27FC236}">
+                <a16:creationId xmlns:a16="http://schemas.microsoft.com/office/drawing/2014/main" id="{F2F16A4F-4387-2721-B146-BF9AEF831383}"/>
+              </a:ext>
+            </a:extLst>
+          </p:cNvPr>
+          <p:cNvSpPr/>
+          <p:nvPr/>
+        </p:nvSpPr>
+        <p:spPr>
+          <a:xfrm>
+            <a:off x="2040789" y="6425183"/>
+            <a:ext cx="1582643" cy="234809"/>
+          </a:xfrm>
+          <a:prstGeom prst="rect">
+            <a:avLst/>
+          </a:prstGeom>
+          <a:solidFill>
+            <a:schemeClr val="bg1">
+              <a:lumMod val="85000"/>
+            </a:schemeClr>
+          </a:solidFill>
+        </p:spPr>
+        <p:style>
+          <a:lnRef idx="2">
+            <a:schemeClr val="accent6"/>
+          </a:lnRef>
+          <a:fillRef idx="1">
+            <a:schemeClr val="lt1"/>
+          </a:fillRef>
+          <a:effectRef idx="0">
+            <a:schemeClr val="accent6"/>
+          </a:effectRef>
+          <a:fontRef idx="minor">
+            <a:schemeClr val="dk1"/>
+          </a:fontRef>
+        </p:style>
+        <p:txBody>
+          <a:bodyPr rtlCol="0" anchor="ctr"/>
+          <a:lstStyle/>
+          <a:p>
+            <a:pPr algn="ctr"/>
+            <a:r>
+              <a:rPr lang="de-DE" sz="1200" dirty="0"/>
+              <a:t>Event Channel/Queue</a:t>
+            </a:r>
+          </a:p>
+        </p:txBody>
+      </p:sp>
+      <p:sp>
+        <p:nvSpPr>
+          <p:cNvPr id="153" name="Rechteck 152">
+            <a:extLst>
+              <a:ext uri="{FF2B5EF4-FFF2-40B4-BE49-F238E27FC236}">
+                <a16:creationId xmlns:a16="http://schemas.microsoft.com/office/drawing/2014/main" id="{C55AEC58-8540-2A12-8310-3C23AE89636D}"/>
+              </a:ext>
+            </a:extLst>
+          </p:cNvPr>
+          <p:cNvSpPr/>
+          <p:nvPr/>
+        </p:nvSpPr>
+        <p:spPr>
+          <a:xfrm>
+            <a:off x="3968186" y="6426467"/>
+            <a:ext cx="1582643" cy="234809"/>
+          </a:xfrm>
+          <a:prstGeom prst="rect">
+            <a:avLst/>
+          </a:prstGeom>
+          <a:solidFill>
+            <a:srgbClr val="92D050"/>
+          </a:solidFill>
+        </p:spPr>
+        <p:style>
+          <a:lnRef idx="2">
+            <a:schemeClr val="accent6"/>
+          </a:lnRef>
+          <a:fillRef idx="1">
+            <a:schemeClr val="lt1"/>
+          </a:fillRef>
+          <a:effectRef idx="0">
+            <a:schemeClr val="accent6"/>
+          </a:effectRef>
+          <a:fontRef idx="minor">
+            <a:schemeClr val="dk1"/>
+          </a:fontRef>
+        </p:style>
+        <p:txBody>
+          <a:bodyPr rtlCol="0" anchor="ctr"/>
+          <a:lstStyle/>
+          <a:p>
+            <a:pPr algn="ctr"/>
+            <a:r>
+              <a:rPr lang="de-DE" sz="1200" dirty="0"/>
+              <a:t>Event Consumer</a:t>
+            </a:r>
+          </a:p>
+        </p:txBody>
+      </p:sp>
+      <p:sp>
+        <p:nvSpPr>
+          <p:cNvPr id="154" name="Rechteck 153">
+            <a:extLst>
+              <a:ext uri="{FF2B5EF4-FFF2-40B4-BE49-F238E27FC236}">
+                <a16:creationId xmlns:a16="http://schemas.microsoft.com/office/drawing/2014/main" id="{380B8213-EBE5-2CEB-2449-4BA4E4E51649}"/>
+              </a:ext>
+            </a:extLst>
+          </p:cNvPr>
+          <p:cNvSpPr/>
+          <p:nvPr/>
+        </p:nvSpPr>
+        <p:spPr>
+          <a:xfrm>
+            <a:off x="5849851" y="6425055"/>
+            <a:ext cx="1582643" cy="234809"/>
+          </a:xfrm>
+          <a:prstGeom prst="rect">
+            <a:avLst/>
+          </a:prstGeom>
+          <a:noFill/>
+        </p:spPr>
+        <p:style>
+          <a:lnRef idx="2">
+            <a:schemeClr val="accent6"/>
+          </a:lnRef>
+          <a:fillRef idx="1">
+            <a:schemeClr val="lt1"/>
+          </a:fillRef>
+          <a:effectRef idx="0">
+            <a:schemeClr val="accent6"/>
+          </a:effectRef>
+          <a:fontRef idx="minor">
+            <a:schemeClr val="dk1"/>
+          </a:fontRef>
+        </p:style>
+        <p:txBody>
+          <a:bodyPr rtlCol="0" anchor="ctr"/>
+          <a:lstStyle/>
+          <a:p>
+            <a:pPr algn="ctr"/>
+            <a:r>
+              <a:rPr lang="de-DE" sz="1200" dirty="0"/>
+              <a:t>Microservice</a:t>
+            </a:r>
+          </a:p>
+        </p:txBody>
+      </p:sp>
+    </p:spTree>
+    <p:extLst>
+      <p:ext uri="{BB962C8B-B14F-4D97-AF65-F5344CB8AC3E}">
+        <p14:creationId xmlns:p14="http://schemas.microsoft.com/office/powerpoint/2010/main" val="200610175"/>
+      </p:ext>
+    </p:extLst>
+  </p:cSld>
+  <p:clrMapOvr>
+    <a:masterClrMapping/>
+  </p:clrMapOvr>
+</p:sld>
+</file>
+
+<file path=ppt/slides/slide4.xml><?xml version="1.0" encoding="utf-8"?>
+<p:sld xmlns:a="http://schemas.openxmlformats.org/drawingml/2006/main" xmlns:r="http://schemas.openxmlformats.org/officeDocument/2006/relationships" xmlns:p="http://schemas.openxmlformats.org/presentationml/2006/main">
+  <p:cSld>
+    <p:spTree>
+      <p:nvGrpSpPr>
+        <p:cNvPr id="1" name=""/>
+        <p:cNvGrpSpPr/>
+        <p:nvPr/>
+      </p:nvGrpSpPr>
+      <p:grpSpPr>
+        <a:xfrm>
+          <a:off x="0" y="0"/>
+          <a:ext cx="0" cy="0"/>
+          <a:chOff x="0" y="0"/>
+          <a:chExt cx="0" cy="0"/>
+        </a:xfrm>
+      </p:grpSpPr>
       <p:pic>
         <p:nvPicPr>
           <p:cNvPr id="5" name="Grafik 4" descr="Ein Bild, das Text, Screenshot, Design enthält.&#10;&#10;Automatisch generierte Beschreibung">
@@ -5410,7 +7642,7 @@
 </p:sld>
 </file>
 
-<file path=ppt/slides/slide4.xml><?xml version="1.0" encoding="utf-8"?>
+<file path=ppt/slides/slide5.xml><?xml version="1.0" encoding="utf-8"?>
 <p:sld xmlns:a="http://schemas.openxmlformats.org/drawingml/2006/main" xmlns:r="http://schemas.openxmlformats.org/officeDocument/2006/relationships" xmlns:p="http://schemas.openxmlformats.org/presentationml/2006/main">
   <p:cSld>
     <p:spTree>

--- a/diagrams/MonitorMe_Design.pptx
+++ b/diagrams/MonitorMe_Design.pptx
@@ -5,11 +5,13 @@
     <p:sldMasterId id="2147483648" r:id="rId1"/>
   </p:sldMasterIdLst>
   <p:sldIdLst>
-    <p:sldId id="257" r:id="rId2"/>
-    <p:sldId id="259" r:id="rId3"/>
-    <p:sldId id="261" r:id="rId4"/>
-    <p:sldId id="260" r:id="rId5"/>
-    <p:sldId id="258" r:id="rId6"/>
+    <p:sldId id="258" r:id="rId2"/>
+    <p:sldId id="260" r:id="rId3"/>
+    <p:sldId id="259" r:id="rId4"/>
+    <p:sldId id="261" r:id="rId5"/>
+    <p:sldId id="257" r:id="rId6"/>
+    <p:sldId id="262" r:id="rId7"/>
+    <p:sldId id="263" r:id="rId8"/>
   </p:sldIdLst>
   <p:sldSz cx="12192000" cy="6858000"/>
   <p:notesSz cx="6858000" cy="9144000"/>
@@ -263,7 +265,7 @@
           <a:p>
             <a:fld id="{DC6A368C-0D68-4D55-B659-220BEA3BD029}" type="datetimeFigureOut">
               <a:rPr lang="de-DE" smtClean="0"/>
-              <a:t>19.02.2024</a:t>
+              <a:t>20.02.24</a:t>
             </a:fld>
             <a:endParaRPr lang="de-DE"/>
           </a:p>
@@ -317,7 +319,7 @@
           <a:p>
             <a:fld id="{F3C0F4F0-48FD-48F1-AD45-BCD6A17CC00B}" type="slidenum">
               <a:rPr lang="de-DE" smtClean="0"/>
-              <a:t>‹Nr.›</a:t>
+              <a:t>‹#›</a:t>
             </a:fld>
             <a:endParaRPr lang="de-DE"/>
           </a:p>
@@ -461,7 +463,7 @@
           <a:p>
             <a:fld id="{DC6A368C-0D68-4D55-B659-220BEA3BD029}" type="datetimeFigureOut">
               <a:rPr lang="de-DE" smtClean="0"/>
-              <a:t>19.02.2024</a:t>
+              <a:t>20.02.24</a:t>
             </a:fld>
             <a:endParaRPr lang="de-DE"/>
           </a:p>
@@ -515,7 +517,7 @@
           <a:p>
             <a:fld id="{F3C0F4F0-48FD-48F1-AD45-BCD6A17CC00B}" type="slidenum">
               <a:rPr lang="de-DE" smtClean="0"/>
-              <a:t>‹Nr.›</a:t>
+              <a:t>‹#›</a:t>
             </a:fld>
             <a:endParaRPr lang="de-DE"/>
           </a:p>
@@ -669,7 +671,7 @@
           <a:p>
             <a:fld id="{DC6A368C-0D68-4D55-B659-220BEA3BD029}" type="datetimeFigureOut">
               <a:rPr lang="de-DE" smtClean="0"/>
-              <a:t>19.02.2024</a:t>
+              <a:t>20.02.24</a:t>
             </a:fld>
             <a:endParaRPr lang="de-DE"/>
           </a:p>
@@ -723,7 +725,7 @@
           <a:p>
             <a:fld id="{F3C0F4F0-48FD-48F1-AD45-BCD6A17CC00B}" type="slidenum">
               <a:rPr lang="de-DE" smtClean="0"/>
-              <a:t>‹Nr.›</a:t>
+              <a:t>‹#›</a:t>
             </a:fld>
             <a:endParaRPr lang="de-DE"/>
           </a:p>
@@ -867,7 +869,7 @@
           <a:p>
             <a:fld id="{DC6A368C-0D68-4D55-B659-220BEA3BD029}" type="datetimeFigureOut">
               <a:rPr lang="de-DE" smtClean="0"/>
-              <a:t>19.02.2024</a:t>
+              <a:t>20.02.24</a:t>
             </a:fld>
             <a:endParaRPr lang="de-DE"/>
           </a:p>
@@ -921,7 +923,7 @@
           <a:p>
             <a:fld id="{F3C0F4F0-48FD-48F1-AD45-BCD6A17CC00B}" type="slidenum">
               <a:rPr lang="de-DE" smtClean="0"/>
-              <a:t>‹Nr.›</a:t>
+              <a:t>‹#›</a:t>
             </a:fld>
             <a:endParaRPr lang="de-DE"/>
           </a:p>
@@ -1142,7 +1144,7 @@
           <a:p>
             <a:fld id="{DC6A368C-0D68-4D55-B659-220BEA3BD029}" type="datetimeFigureOut">
               <a:rPr lang="de-DE" smtClean="0"/>
-              <a:t>19.02.2024</a:t>
+              <a:t>20.02.24</a:t>
             </a:fld>
             <a:endParaRPr lang="de-DE"/>
           </a:p>
@@ -1196,7 +1198,7 @@
           <a:p>
             <a:fld id="{F3C0F4F0-48FD-48F1-AD45-BCD6A17CC00B}" type="slidenum">
               <a:rPr lang="de-DE" smtClean="0"/>
-              <a:t>‹Nr.›</a:t>
+              <a:t>‹#›</a:t>
             </a:fld>
             <a:endParaRPr lang="de-DE"/>
           </a:p>
@@ -1407,7 +1409,7 @@
           <a:p>
             <a:fld id="{DC6A368C-0D68-4D55-B659-220BEA3BD029}" type="datetimeFigureOut">
               <a:rPr lang="de-DE" smtClean="0"/>
-              <a:t>19.02.2024</a:t>
+              <a:t>20.02.24</a:t>
             </a:fld>
             <a:endParaRPr lang="de-DE"/>
           </a:p>
@@ -1461,7 +1463,7 @@
           <a:p>
             <a:fld id="{F3C0F4F0-48FD-48F1-AD45-BCD6A17CC00B}" type="slidenum">
               <a:rPr lang="de-DE" smtClean="0"/>
-              <a:t>‹Nr.›</a:t>
+              <a:t>‹#›</a:t>
             </a:fld>
             <a:endParaRPr lang="de-DE"/>
           </a:p>
@@ -1819,7 +1821,7 @@
           <a:p>
             <a:fld id="{DC6A368C-0D68-4D55-B659-220BEA3BD029}" type="datetimeFigureOut">
               <a:rPr lang="de-DE" smtClean="0"/>
-              <a:t>19.02.2024</a:t>
+              <a:t>20.02.24</a:t>
             </a:fld>
             <a:endParaRPr lang="de-DE"/>
           </a:p>
@@ -1873,7 +1875,7 @@
           <a:p>
             <a:fld id="{F3C0F4F0-48FD-48F1-AD45-BCD6A17CC00B}" type="slidenum">
               <a:rPr lang="de-DE" smtClean="0"/>
-              <a:t>‹Nr.›</a:t>
+              <a:t>‹#›</a:t>
             </a:fld>
             <a:endParaRPr lang="de-DE"/>
           </a:p>
@@ -1960,7 +1962,7 @@
           <a:p>
             <a:fld id="{DC6A368C-0D68-4D55-B659-220BEA3BD029}" type="datetimeFigureOut">
               <a:rPr lang="de-DE" smtClean="0"/>
-              <a:t>19.02.2024</a:t>
+              <a:t>20.02.24</a:t>
             </a:fld>
             <a:endParaRPr lang="de-DE"/>
           </a:p>
@@ -2014,7 +2016,7 @@
           <a:p>
             <a:fld id="{F3C0F4F0-48FD-48F1-AD45-BCD6A17CC00B}" type="slidenum">
               <a:rPr lang="de-DE" smtClean="0"/>
-              <a:t>‹Nr.›</a:t>
+              <a:t>‹#›</a:t>
             </a:fld>
             <a:endParaRPr lang="de-DE"/>
           </a:p>
@@ -2073,7 +2075,7 @@
           <a:p>
             <a:fld id="{DC6A368C-0D68-4D55-B659-220BEA3BD029}" type="datetimeFigureOut">
               <a:rPr lang="de-DE" smtClean="0"/>
-              <a:t>19.02.2024</a:t>
+              <a:t>20.02.24</a:t>
             </a:fld>
             <a:endParaRPr lang="de-DE"/>
           </a:p>
@@ -2127,7 +2129,7 @@
           <a:p>
             <a:fld id="{F3C0F4F0-48FD-48F1-AD45-BCD6A17CC00B}" type="slidenum">
               <a:rPr lang="de-DE" smtClean="0"/>
-              <a:t>‹Nr.›</a:t>
+              <a:t>‹#›</a:t>
             </a:fld>
             <a:endParaRPr lang="de-DE"/>
           </a:p>
@@ -2384,7 +2386,7 @@
           <a:p>
             <a:fld id="{DC6A368C-0D68-4D55-B659-220BEA3BD029}" type="datetimeFigureOut">
               <a:rPr lang="de-DE" smtClean="0"/>
-              <a:t>19.02.2024</a:t>
+              <a:t>20.02.24</a:t>
             </a:fld>
             <a:endParaRPr lang="de-DE"/>
           </a:p>
@@ -2438,7 +2440,7 @@
           <a:p>
             <a:fld id="{F3C0F4F0-48FD-48F1-AD45-BCD6A17CC00B}" type="slidenum">
               <a:rPr lang="de-DE" smtClean="0"/>
-              <a:t>‹Nr.›</a:t>
+              <a:t>‹#›</a:t>
             </a:fld>
             <a:endParaRPr lang="de-DE"/>
           </a:p>
@@ -2672,7 +2674,7 @@
           <a:p>
             <a:fld id="{DC6A368C-0D68-4D55-B659-220BEA3BD029}" type="datetimeFigureOut">
               <a:rPr lang="de-DE" smtClean="0"/>
-              <a:t>19.02.2024</a:t>
+              <a:t>20.02.24</a:t>
             </a:fld>
             <a:endParaRPr lang="de-DE"/>
           </a:p>
@@ -2726,7 +2728,7 @@
           <a:p>
             <a:fld id="{F3C0F4F0-48FD-48F1-AD45-BCD6A17CC00B}" type="slidenum">
               <a:rPr lang="de-DE" smtClean="0"/>
-              <a:t>‹Nr.›</a:t>
+              <a:t>‹#›</a:t>
             </a:fld>
             <a:endParaRPr lang="de-DE"/>
           </a:p>
@@ -2913,7 +2915,7 @@
           <a:p>
             <a:fld id="{DC6A368C-0D68-4D55-B659-220BEA3BD029}" type="datetimeFigureOut">
               <a:rPr lang="de-DE" smtClean="0"/>
-              <a:t>19.02.2024</a:t>
+              <a:t>20.02.24</a:t>
             </a:fld>
             <a:endParaRPr lang="de-DE"/>
           </a:p>
@@ -3003,7 +3005,7 @@
           <a:p>
             <a:fld id="{F3C0F4F0-48FD-48F1-AD45-BCD6A17CC00B}" type="slidenum">
               <a:rPr lang="de-DE" smtClean="0"/>
-              <a:t>‹Nr.›</a:t>
+              <a:t>‹#›</a:t>
             </a:fld>
             <a:endParaRPr lang="de-DE"/>
           </a:p>
@@ -3332,10 +3334,10 @@
       </p:grpSpPr>
       <p:pic>
         <p:nvPicPr>
-          <p:cNvPr id="5" name="Grafik 4" descr="Ein Bild, das Text, Screenshot, Design enthält.&#10;&#10;Automatisch generierte Beschreibung">
-            <a:extLst>
-              <a:ext uri="{FF2B5EF4-FFF2-40B4-BE49-F238E27FC236}">
-                <a16:creationId xmlns:a16="http://schemas.microsoft.com/office/drawing/2014/main" id="{E311F0FD-0BFE-9290-461D-14B7422D084E}"/>
+          <p:cNvPr id="3" name="Grafik 2" descr="Ein Bild, das Screenshot, Text enthält.&#10;&#10;Automatisch generierte Beschreibung">
+            <a:extLst>
+              <a:ext uri="{FF2B5EF4-FFF2-40B4-BE49-F238E27FC236}">
+                <a16:creationId xmlns:a16="http://schemas.microsoft.com/office/drawing/2014/main" id="{77F4BD91-FB29-AE0F-7769-D3E1AAE52EE1}"/>
               </a:ext>
             </a:extLst>
           </p:cNvPr>
@@ -3358,8 +3360,8 @@
         </p:blipFill>
         <p:spPr>
           <a:xfrm>
-            <a:off x="2562225" y="933450"/>
-            <a:ext cx="7067550" cy="4991100"/>
+            <a:off x="2852737" y="933450"/>
+            <a:ext cx="6486525" cy="4991100"/>
           </a:xfrm>
           <a:prstGeom prst="rect">
             <a:avLst/>
@@ -3369,7 +3371,7 @@
     </p:spTree>
     <p:extLst>
       <p:ext uri="{BB962C8B-B14F-4D97-AF65-F5344CB8AC3E}">
-        <p14:creationId xmlns:p14="http://schemas.microsoft.com/office/powerpoint/2010/main" val="1039144760"/>
+        <p14:creationId xmlns:p14="http://schemas.microsoft.com/office/powerpoint/2010/main" val="2376528082"/>
       </p:ext>
     </p:extLst>
   </p:cSld>
@@ -3380,6 +3382,72 @@
 </file>
 
 <file path=ppt/slides/slide2.xml><?xml version="1.0" encoding="utf-8"?>
+<p:sld xmlns:a="http://schemas.openxmlformats.org/drawingml/2006/main" xmlns:r="http://schemas.openxmlformats.org/officeDocument/2006/relationships" xmlns:p="http://schemas.openxmlformats.org/presentationml/2006/main">
+  <p:cSld>
+    <p:spTree>
+      <p:nvGrpSpPr>
+        <p:cNvPr id="1" name=""/>
+        <p:cNvGrpSpPr/>
+        <p:nvPr/>
+      </p:nvGrpSpPr>
+      <p:grpSpPr>
+        <a:xfrm>
+          <a:off x="0" y="0"/>
+          <a:ext cx="0" cy="0"/>
+          <a:chOff x="0" y="0"/>
+          <a:chExt cx="0" cy="0"/>
+        </a:xfrm>
+      </p:grpSpPr>
+      <p:pic>
+        <p:nvPicPr>
+          <p:cNvPr id="3" name="Picture 2" descr="A diagram of a device&#10;&#10;Description automatically generated">
+            <a:extLst>
+              <a:ext uri="{FF2B5EF4-FFF2-40B4-BE49-F238E27FC236}">
+                <a16:creationId xmlns:a16="http://schemas.microsoft.com/office/drawing/2014/main" id="{DBDA9182-43A6-5D46-96C1-96538C8B8497}"/>
+              </a:ext>
+            </a:extLst>
+          </p:cNvPr>
+          <p:cNvPicPr>
+            <a:picLocks noChangeAspect="1"/>
+          </p:cNvPicPr>
+          <p:nvPr/>
+        </p:nvPicPr>
+        <p:blipFill>
+          <a:blip r:embed="rId2">
+            <a:extLst>
+              <a:ext uri="{28A0092B-C50C-407E-A947-70E740481C1C}">
+                <a14:useLocalDpi xmlns:a14="http://schemas.microsoft.com/office/drawing/2010/main" val="0"/>
+              </a:ext>
+            </a:extLst>
+          </a:blip>
+          <a:stretch>
+            <a:fillRect/>
+          </a:stretch>
+        </p:blipFill>
+        <p:spPr>
+          <a:xfrm>
+            <a:off x="1915160" y="540512"/>
+            <a:ext cx="7772400" cy="5415874"/>
+          </a:xfrm>
+          <a:prstGeom prst="rect">
+            <a:avLst/>
+          </a:prstGeom>
+        </p:spPr>
+      </p:pic>
+    </p:spTree>
+    <p:extLst>
+      <p:ext uri="{BB962C8B-B14F-4D97-AF65-F5344CB8AC3E}">
+        <p14:creationId xmlns:p14="http://schemas.microsoft.com/office/powerpoint/2010/main" val="2732155103"/>
+      </p:ext>
+    </p:extLst>
+  </p:cSld>
+  <p:clrMapOvr>
+    <a:masterClrMapping/>
+  </p:clrMapOvr>
+</p:sld>
+</file>
+
+<file path=ppt/slides/slide3.xml><?xml version="1.0" encoding="utf-8"?>
 <p:sld xmlns:a="http://schemas.openxmlformats.org/drawingml/2006/main" xmlns:r="http://schemas.openxmlformats.org/officeDocument/2006/relationships" xmlns:p="http://schemas.openxmlformats.org/presentationml/2006/main">
   <p:cSld>
     <p:spTree>
@@ -5384,7 +5452,7 @@
 </p:sld>
 </file>
 
-<file path=ppt/slides/slide3.xml><?xml version="1.0" encoding="utf-8"?>
+<file path=ppt/slides/slide4.xml><?xml version="1.0" encoding="utf-8"?>
 <p:sld xmlns:a="http://schemas.openxmlformats.org/drawingml/2006/main" xmlns:r="http://schemas.openxmlformats.org/officeDocument/2006/relationships" xmlns:p="http://schemas.openxmlformats.org/presentationml/2006/main">
   <p:cSld>
     <p:spTree>
@@ -7576,72 +7644,6 @@
 </p:sld>
 </file>
 
-<file path=ppt/slides/slide4.xml><?xml version="1.0" encoding="utf-8"?>
-<p:sld xmlns:a="http://schemas.openxmlformats.org/drawingml/2006/main" xmlns:r="http://schemas.openxmlformats.org/officeDocument/2006/relationships" xmlns:p="http://schemas.openxmlformats.org/presentationml/2006/main">
-  <p:cSld>
-    <p:spTree>
-      <p:nvGrpSpPr>
-        <p:cNvPr id="1" name=""/>
-        <p:cNvGrpSpPr/>
-        <p:nvPr/>
-      </p:nvGrpSpPr>
-      <p:grpSpPr>
-        <a:xfrm>
-          <a:off x="0" y="0"/>
-          <a:ext cx="0" cy="0"/>
-          <a:chOff x="0" y="0"/>
-          <a:chExt cx="0" cy="0"/>
-        </a:xfrm>
-      </p:grpSpPr>
-      <p:pic>
-        <p:nvPicPr>
-          <p:cNvPr id="5" name="Grafik 4" descr="Ein Bild, das Text, Screenshot, Design enthält.&#10;&#10;Automatisch generierte Beschreibung">
-            <a:extLst>
-              <a:ext uri="{FF2B5EF4-FFF2-40B4-BE49-F238E27FC236}">
-                <a16:creationId xmlns:a16="http://schemas.microsoft.com/office/drawing/2014/main" id="{E311F0FD-0BFE-9290-461D-14B7422D084E}"/>
-              </a:ext>
-            </a:extLst>
-          </p:cNvPr>
-          <p:cNvPicPr>
-            <a:picLocks noChangeAspect="1"/>
-          </p:cNvPicPr>
-          <p:nvPr/>
-        </p:nvPicPr>
-        <p:blipFill>
-          <a:blip r:embed="rId2">
-            <a:extLst>
-              <a:ext uri="{28A0092B-C50C-407E-A947-70E740481C1C}">
-                <a14:useLocalDpi xmlns:a14="http://schemas.microsoft.com/office/drawing/2010/main" val="0"/>
-              </a:ext>
-            </a:extLst>
-          </a:blip>
-          <a:stretch>
-            <a:fillRect/>
-          </a:stretch>
-        </p:blipFill>
-        <p:spPr>
-          <a:xfrm>
-            <a:off x="2562225" y="933450"/>
-            <a:ext cx="7067550" cy="4991100"/>
-          </a:xfrm>
-          <a:prstGeom prst="rect">
-            <a:avLst/>
-          </a:prstGeom>
-        </p:spPr>
-      </p:pic>
-    </p:spTree>
-    <p:extLst>
-      <p:ext uri="{BB962C8B-B14F-4D97-AF65-F5344CB8AC3E}">
-        <p14:creationId xmlns:p14="http://schemas.microsoft.com/office/powerpoint/2010/main" val="2732155103"/>
-      </p:ext>
-    </p:extLst>
-  </p:cSld>
-  <p:clrMapOvr>
-    <a:masterClrMapping/>
-  </p:clrMapOvr>
-</p:sld>
-</file>
-
 <file path=ppt/slides/slide5.xml><?xml version="1.0" encoding="utf-8"?>
 <p:sld xmlns:a="http://schemas.openxmlformats.org/drawingml/2006/main" xmlns:r="http://schemas.openxmlformats.org/officeDocument/2006/relationships" xmlns:p="http://schemas.openxmlformats.org/presentationml/2006/main">
   <p:cSld>
@@ -7661,10 +7663,10 @@
       </p:grpSpPr>
       <p:pic>
         <p:nvPicPr>
-          <p:cNvPr id="3" name="Grafik 2" descr="Ein Bild, das Screenshot, Text enthält.&#10;&#10;Automatisch generierte Beschreibung">
-            <a:extLst>
-              <a:ext uri="{FF2B5EF4-FFF2-40B4-BE49-F238E27FC236}">
-                <a16:creationId xmlns:a16="http://schemas.microsoft.com/office/drawing/2014/main" id="{77F4BD91-FB29-AE0F-7769-D3E1AAE52EE1}"/>
+          <p:cNvPr id="3" name="Picture 2" descr="A diagram of a computer program&#10;&#10;Description automatically generated">
+            <a:extLst>
+              <a:ext uri="{FF2B5EF4-FFF2-40B4-BE49-F238E27FC236}">
+                <a16:creationId xmlns:a16="http://schemas.microsoft.com/office/drawing/2014/main" id="{83D769F3-4387-89D7-4AD0-285402E4617F}"/>
               </a:ext>
             </a:extLst>
           </p:cNvPr>
@@ -7687,18 +7689,281 @@
         </p:blipFill>
         <p:spPr>
           <a:xfrm>
-            <a:off x="2852737" y="933450"/>
-            <a:ext cx="6486525" cy="4991100"/>
+            <a:off x="1532071" y="1353312"/>
+            <a:ext cx="7772400" cy="5103417"/>
           </a:xfrm>
           <a:prstGeom prst="rect">
             <a:avLst/>
           </a:prstGeom>
         </p:spPr>
       </p:pic>
+      <p:sp>
+        <p:nvSpPr>
+          <p:cNvPr id="4" name="Textfeld 4">
+            <a:extLst>
+              <a:ext uri="{FF2B5EF4-FFF2-40B4-BE49-F238E27FC236}">
+                <a16:creationId xmlns:a16="http://schemas.microsoft.com/office/drawing/2014/main" id="{F03912B1-8D46-72F6-D417-D1B3DD25E9D8}"/>
+              </a:ext>
+            </a:extLst>
+          </p:cNvPr>
+          <p:cNvSpPr txBox="1"/>
+          <p:nvPr/>
+        </p:nvSpPr>
+        <p:spPr>
+          <a:xfrm>
+            <a:off x="351536" y="298461"/>
+            <a:ext cx="4060599" cy="523220"/>
+          </a:xfrm>
+          <a:prstGeom prst="rect">
+            <a:avLst/>
+          </a:prstGeom>
+          <a:noFill/>
+        </p:spPr>
+        <p:txBody>
+          <a:bodyPr wrap="none" rtlCol="0">
+            <a:spAutoFit/>
+          </a:bodyPr>
+          <a:lstStyle/>
+          <a:p>
+            <a:r>
+              <a:rPr lang="de-DE" sz="2800" b="1" dirty="0"/>
+              <a:t>Use Case 01: </a:t>
+            </a:r>
+            <a:r>
+              <a:rPr lang="de-DE" sz="2800" b="1" dirty="0" err="1"/>
+              <a:t>collect</a:t>
+            </a:r>
+            <a:r>
+              <a:rPr lang="de-DE" sz="2800" b="1" dirty="0"/>
+              <a:t> </a:t>
+            </a:r>
+            <a:r>
+              <a:rPr lang="de-DE" sz="2800" b="1" dirty="0" err="1"/>
+              <a:t>signal</a:t>
+            </a:r>
+            <a:endParaRPr lang="de-DE" sz="2800" b="1" dirty="0"/>
+          </a:p>
+        </p:txBody>
+      </p:sp>
     </p:spTree>
     <p:extLst>
       <p:ext uri="{BB962C8B-B14F-4D97-AF65-F5344CB8AC3E}">
-        <p14:creationId xmlns:p14="http://schemas.microsoft.com/office/powerpoint/2010/main" val="2376528082"/>
+        <p14:creationId xmlns:p14="http://schemas.microsoft.com/office/powerpoint/2010/main" val="1039144760"/>
+      </p:ext>
+    </p:extLst>
+  </p:cSld>
+  <p:clrMapOvr>
+    <a:masterClrMapping/>
+  </p:clrMapOvr>
+</p:sld>
+</file>
+
+<file path=ppt/slides/slide6.xml><?xml version="1.0" encoding="utf-8"?>
+<p:sld xmlns:a="http://schemas.openxmlformats.org/drawingml/2006/main" xmlns:r="http://schemas.openxmlformats.org/officeDocument/2006/relationships" xmlns:p="http://schemas.openxmlformats.org/presentationml/2006/main">
+  <p:cSld>
+    <p:spTree>
+      <p:nvGrpSpPr>
+        <p:cNvPr id="1" name=""/>
+        <p:cNvGrpSpPr/>
+        <p:nvPr/>
+      </p:nvGrpSpPr>
+      <p:grpSpPr>
+        <a:xfrm>
+          <a:off x="0" y="0"/>
+          <a:ext cx="0" cy="0"/>
+          <a:chOff x="0" y="0"/>
+          <a:chExt cx="0" cy="0"/>
+        </a:xfrm>
+      </p:grpSpPr>
+      <p:pic>
+        <p:nvPicPr>
+          <p:cNvPr id="5" name="Picture 4" descr="A diagram of a data processing process&#10;&#10;Description automatically generated">
+            <a:extLst>
+              <a:ext uri="{FF2B5EF4-FFF2-40B4-BE49-F238E27FC236}">
+                <a16:creationId xmlns:a16="http://schemas.microsoft.com/office/drawing/2014/main" id="{A988E9FE-9C22-3B27-9FB1-18C37ED77297}"/>
+              </a:ext>
+            </a:extLst>
+          </p:cNvPr>
+          <p:cNvPicPr>
+            <a:picLocks noChangeAspect="1"/>
+          </p:cNvPicPr>
+          <p:nvPr/>
+        </p:nvPicPr>
+        <p:blipFill>
+          <a:blip r:embed="rId2">
+            <a:extLst>
+              <a:ext uri="{28A0092B-C50C-407E-A947-70E740481C1C}">
+                <a14:useLocalDpi xmlns:a14="http://schemas.microsoft.com/office/drawing/2010/main" val="0"/>
+              </a:ext>
+            </a:extLst>
+          </a:blip>
+          <a:stretch>
+            <a:fillRect/>
+          </a:stretch>
+        </p:blipFill>
+        <p:spPr>
+          <a:xfrm>
+            <a:off x="3278886" y="1072134"/>
+            <a:ext cx="4447794" cy="3314598"/>
+          </a:xfrm>
+          <a:prstGeom prst="rect">
+            <a:avLst/>
+          </a:prstGeom>
+        </p:spPr>
+      </p:pic>
+      <p:sp>
+        <p:nvSpPr>
+          <p:cNvPr id="6" name="Textfeld 4">
+            <a:extLst>
+              <a:ext uri="{FF2B5EF4-FFF2-40B4-BE49-F238E27FC236}">
+                <a16:creationId xmlns:a16="http://schemas.microsoft.com/office/drawing/2014/main" id="{DE6336E6-448F-EF6F-F399-30A4F86E0BA8}"/>
+              </a:ext>
+            </a:extLst>
+          </p:cNvPr>
+          <p:cNvSpPr txBox="1"/>
+          <p:nvPr/>
+        </p:nvSpPr>
+        <p:spPr>
+          <a:xfrm>
+            <a:off x="351536" y="298461"/>
+            <a:ext cx="4515339" cy="523220"/>
+          </a:xfrm>
+          <a:prstGeom prst="rect">
+            <a:avLst/>
+          </a:prstGeom>
+          <a:noFill/>
+        </p:spPr>
+        <p:txBody>
+          <a:bodyPr wrap="none" rtlCol="0">
+            <a:spAutoFit/>
+          </a:bodyPr>
+          <a:lstStyle/>
+          <a:p>
+            <a:r>
+              <a:rPr lang="de-DE" sz="2800" b="1" dirty="0"/>
+              <a:t>Use Case 02: </a:t>
+            </a:r>
+            <a:r>
+              <a:rPr lang="de-DE" sz="2800" b="1" dirty="0" err="1"/>
+              <a:t>create</a:t>
+            </a:r>
+            <a:r>
+              <a:rPr lang="de-DE" sz="2800" b="1" dirty="0"/>
+              <a:t> </a:t>
+            </a:r>
+            <a:r>
+              <a:rPr lang="de-DE" sz="2800" b="1" dirty="0" err="1"/>
+              <a:t>snapshot</a:t>
+            </a:r>
+            <a:endParaRPr lang="de-DE" sz="2800" b="1" dirty="0"/>
+          </a:p>
+        </p:txBody>
+      </p:sp>
+    </p:spTree>
+    <p:extLst>
+      <p:ext uri="{BB962C8B-B14F-4D97-AF65-F5344CB8AC3E}">
+        <p14:creationId xmlns:p14="http://schemas.microsoft.com/office/powerpoint/2010/main" val="1525347599"/>
+      </p:ext>
+    </p:extLst>
+  </p:cSld>
+  <p:clrMapOvr>
+    <a:masterClrMapping/>
+  </p:clrMapOvr>
+</p:sld>
+</file>
+
+<file path=ppt/slides/slide7.xml><?xml version="1.0" encoding="utf-8"?>
+<p:sld xmlns:a="http://schemas.openxmlformats.org/drawingml/2006/main" xmlns:r="http://schemas.openxmlformats.org/officeDocument/2006/relationships" xmlns:p="http://schemas.openxmlformats.org/presentationml/2006/main">
+  <p:cSld>
+    <p:spTree>
+      <p:nvGrpSpPr>
+        <p:cNvPr id="1" name=""/>
+        <p:cNvGrpSpPr/>
+        <p:nvPr/>
+      </p:nvGrpSpPr>
+      <p:grpSpPr>
+        <a:xfrm>
+          <a:off x="0" y="0"/>
+          <a:ext cx="0" cy="0"/>
+          <a:chOff x="0" y="0"/>
+          <a:chExt cx="0" cy="0"/>
+        </a:xfrm>
+      </p:grpSpPr>
+      <p:pic>
+        <p:nvPicPr>
+          <p:cNvPr id="3" name="Picture 2" descr="A diagram of a medical procedure&#10;&#10;Description automatically generated with medium confidence">
+            <a:extLst>
+              <a:ext uri="{FF2B5EF4-FFF2-40B4-BE49-F238E27FC236}">
+                <a16:creationId xmlns:a16="http://schemas.microsoft.com/office/drawing/2014/main" id="{76BF9777-5D10-605A-F067-9F482E15D4DA}"/>
+              </a:ext>
+            </a:extLst>
+          </p:cNvPr>
+          <p:cNvPicPr>
+            <a:picLocks noChangeAspect="1"/>
+          </p:cNvPicPr>
+          <p:nvPr/>
+        </p:nvPicPr>
+        <p:blipFill>
+          <a:blip r:embed="rId2">
+            <a:extLst>
+              <a:ext uri="{28A0092B-C50C-407E-A947-70E740481C1C}">
+                <a14:useLocalDpi xmlns:a14="http://schemas.microsoft.com/office/drawing/2010/main" val="0"/>
+              </a:ext>
+            </a:extLst>
+          </a:blip>
+          <a:stretch>
+            <a:fillRect/>
+          </a:stretch>
+        </p:blipFill>
+        <p:spPr>
+          <a:xfrm>
+            <a:off x="2276076" y="117485"/>
+            <a:ext cx="7772400" cy="6495014"/>
+          </a:xfrm>
+          <a:prstGeom prst="rect">
+            <a:avLst/>
+          </a:prstGeom>
+        </p:spPr>
+      </p:pic>
+      <p:sp>
+        <p:nvSpPr>
+          <p:cNvPr id="4" name="Textfeld 4">
+            <a:extLst>
+              <a:ext uri="{FF2B5EF4-FFF2-40B4-BE49-F238E27FC236}">
+                <a16:creationId xmlns:a16="http://schemas.microsoft.com/office/drawing/2014/main" id="{12506719-F428-85DF-1ED1-604E7C413805}"/>
+              </a:ext>
+            </a:extLst>
+          </p:cNvPr>
+          <p:cNvSpPr txBox="1"/>
+          <p:nvPr/>
+        </p:nvSpPr>
+        <p:spPr>
+          <a:xfrm>
+            <a:off x="351536" y="298461"/>
+            <a:ext cx="2845651" cy="523220"/>
+          </a:xfrm>
+          <a:prstGeom prst="rect">
+            <a:avLst/>
+          </a:prstGeom>
+          <a:noFill/>
+        </p:spPr>
+        <p:txBody>
+          <a:bodyPr wrap="none" rtlCol="0">
+            <a:spAutoFit/>
+          </a:bodyPr>
+          <a:lstStyle/>
+          <a:p>
+            <a:r>
+              <a:rPr lang="de-DE" sz="2800" b="1" dirty="0"/>
+              <a:t>Use Case 03: alert</a:t>
+            </a:r>
+          </a:p>
+        </p:txBody>
+      </p:sp>
+    </p:spTree>
+    <p:extLst>
+      <p:ext uri="{BB962C8B-B14F-4D97-AF65-F5344CB8AC3E}">
+        <p14:creationId xmlns:p14="http://schemas.microsoft.com/office/powerpoint/2010/main" val="3077531628"/>
       </p:ext>
     </p:extLst>
   </p:cSld>

--- a/diagrams/MonitorMe_Design.pptx
+++ b/diagrams/MonitorMe_Design.pptx
@@ -265,7 +265,7 @@
           <a:p>
             <a:fld id="{DC6A368C-0D68-4D55-B659-220BEA3BD029}" type="datetimeFigureOut">
               <a:rPr lang="de-DE" smtClean="0"/>
-              <a:t>20.02.24</a:t>
+              <a:t>21.02.2024</a:t>
             </a:fld>
             <a:endParaRPr lang="de-DE"/>
           </a:p>
@@ -319,7 +319,7 @@
           <a:p>
             <a:fld id="{F3C0F4F0-48FD-48F1-AD45-BCD6A17CC00B}" type="slidenum">
               <a:rPr lang="de-DE" smtClean="0"/>
-              <a:t>‹#›</a:t>
+              <a:t>‹Nr.›</a:t>
             </a:fld>
             <a:endParaRPr lang="de-DE"/>
           </a:p>
@@ -463,7 +463,7 @@
           <a:p>
             <a:fld id="{DC6A368C-0D68-4D55-B659-220BEA3BD029}" type="datetimeFigureOut">
               <a:rPr lang="de-DE" smtClean="0"/>
-              <a:t>20.02.24</a:t>
+              <a:t>21.02.2024</a:t>
             </a:fld>
             <a:endParaRPr lang="de-DE"/>
           </a:p>
@@ -517,7 +517,7 @@
           <a:p>
             <a:fld id="{F3C0F4F0-48FD-48F1-AD45-BCD6A17CC00B}" type="slidenum">
               <a:rPr lang="de-DE" smtClean="0"/>
-              <a:t>‹#›</a:t>
+              <a:t>‹Nr.›</a:t>
             </a:fld>
             <a:endParaRPr lang="de-DE"/>
           </a:p>
@@ -671,7 +671,7 @@
           <a:p>
             <a:fld id="{DC6A368C-0D68-4D55-B659-220BEA3BD029}" type="datetimeFigureOut">
               <a:rPr lang="de-DE" smtClean="0"/>
-              <a:t>20.02.24</a:t>
+              <a:t>21.02.2024</a:t>
             </a:fld>
             <a:endParaRPr lang="de-DE"/>
           </a:p>
@@ -725,7 +725,7 @@
           <a:p>
             <a:fld id="{F3C0F4F0-48FD-48F1-AD45-BCD6A17CC00B}" type="slidenum">
               <a:rPr lang="de-DE" smtClean="0"/>
-              <a:t>‹#›</a:t>
+              <a:t>‹Nr.›</a:t>
             </a:fld>
             <a:endParaRPr lang="de-DE"/>
           </a:p>
@@ -869,7 +869,7 @@
           <a:p>
             <a:fld id="{DC6A368C-0D68-4D55-B659-220BEA3BD029}" type="datetimeFigureOut">
               <a:rPr lang="de-DE" smtClean="0"/>
-              <a:t>20.02.24</a:t>
+              <a:t>21.02.2024</a:t>
             </a:fld>
             <a:endParaRPr lang="de-DE"/>
           </a:p>
@@ -923,7 +923,7 @@
           <a:p>
             <a:fld id="{F3C0F4F0-48FD-48F1-AD45-BCD6A17CC00B}" type="slidenum">
               <a:rPr lang="de-DE" smtClean="0"/>
-              <a:t>‹#›</a:t>
+              <a:t>‹Nr.›</a:t>
             </a:fld>
             <a:endParaRPr lang="de-DE"/>
           </a:p>
@@ -1144,7 +1144,7 @@
           <a:p>
             <a:fld id="{DC6A368C-0D68-4D55-B659-220BEA3BD029}" type="datetimeFigureOut">
               <a:rPr lang="de-DE" smtClean="0"/>
-              <a:t>20.02.24</a:t>
+              <a:t>21.02.2024</a:t>
             </a:fld>
             <a:endParaRPr lang="de-DE"/>
           </a:p>
@@ -1198,7 +1198,7 @@
           <a:p>
             <a:fld id="{F3C0F4F0-48FD-48F1-AD45-BCD6A17CC00B}" type="slidenum">
               <a:rPr lang="de-DE" smtClean="0"/>
-              <a:t>‹#›</a:t>
+              <a:t>‹Nr.›</a:t>
             </a:fld>
             <a:endParaRPr lang="de-DE"/>
           </a:p>
@@ -1409,7 +1409,7 @@
           <a:p>
             <a:fld id="{DC6A368C-0D68-4D55-B659-220BEA3BD029}" type="datetimeFigureOut">
               <a:rPr lang="de-DE" smtClean="0"/>
-              <a:t>20.02.24</a:t>
+              <a:t>21.02.2024</a:t>
             </a:fld>
             <a:endParaRPr lang="de-DE"/>
           </a:p>
@@ -1463,7 +1463,7 @@
           <a:p>
             <a:fld id="{F3C0F4F0-48FD-48F1-AD45-BCD6A17CC00B}" type="slidenum">
               <a:rPr lang="de-DE" smtClean="0"/>
-              <a:t>‹#›</a:t>
+              <a:t>‹Nr.›</a:t>
             </a:fld>
             <a:endParaRPr lang="de-DE"/>
           </a:p>
@@ -1821,7 +1821,7 @@
           <a:p>
             <a:fld id="{DC6A368C-0D68-4D55-B659-220BEA3BD029}" type="datetimeFigureOut">
               <a:rPr lang="de-DE" smtClean="0"/>
-              <a:t>20.02.24</a:t>
+              <a:t>21.02.2024</a:t>
             </a:fld>
             <a:endParaRPr lang="de-DE"/>
           </a:p>
@@ -1875,7 +1875,7 @@
           <a:p>
             <a:fld id="{F3C0F4F0-48FD-48F1-AD45-BCD6A17CC00B}" type="slidenum">
               <a:rPr lang="de-DE" smtClean="0"/>
-              <a:t>‹#›</a:t>
+              <a:t>‹Nr.›</a:t>
             </a:fld>
             <a:endParaRPr lang="de-DE"/>
           </a:p>
@@ -1962,7 +1962,7 @@
           <a:p>
             <a:fld id="{DC6A368C-0D68-4D55-B659-220BEA3BD029}" type="datetimeFigureOut">
               <a:rPr lang="de-DE" smtClean="0"/>
-              <a:t>20.02.24</a:t>
+              <a:t>21.02.2024</a:t>
             </a:fld>
             <a:endParaRPr lang="de-DE"/>
           </a:p>
@@ -2016,7 +2016,7 @@
           <a:p>
             <a:fld id="{F3C0F4F0-48FD-48F1-AD45-BCD6A17CC00B}" type="slidenum">
               <a:rPr lang="de-DE" smtClean="0"/>
-              <a:t>‹#›</a:t>
+              <a:t>‹Nr.›</a:t>
             </a:fld>
             <a:endParaRPr lang="de-DE"/>
           </a:p>
@@ -2075,7 +2075,7 @@
           <a:p>
             <a:fld id="{DC6A368C-0D68-4D55-B659-220BEA3BD029}" type="datetimeFigureOut">
               <a:rPr lang="de-DE" smtClean="0"/>
-              <a:t>20.02.24</a:t>
+              <a:t>21.02.2024</a:t>
             </a:fld>
             <a:endParaRPr lang="de-DE"/>
           </a:p>
@@ -2129,7 +2129,7 @@
           <a:p>
             <a:fld id="{F3C0F4F0-48FD-48F1-AD45-BCD6A17CC00B}" type="slidenum">
               <a:rPr lang="de-DE" smtClean="0"/>
-              <a:t>‹#›</a:t>
+              <a:t>‹Nr.›</a:t>
             </a:fld>
             <a:endParaRPr lang="de-DE"/>
           </a:p>
@@ -2386,7 +2386,7 @@
           <a:p>
             <a:fld id="{DC6A368C-0D68-4D55-B659-220BEA3BD029}" type="datetimeFigureOut">
               <a:rPr lang="de-DE" smtClean="0"/>
-              <a:t>20.02.24</a:t>
+              <a:t>21.02.2024</a:t>
             </a:fld>
             <a:endParaRPr lang="de-DE"/>
           </a:p>
@@ -2440,7 +2440,7 @@
           <a:p>
             <a:fld id="{F3C0F4F0-48FD-48F1-AD45-BCD6A17CC00B}" type="slidenum">
               <a:rPr lang="de-DE" smtClean="0"/>
-              <a:t>‹#›</a:t>
+              <a:t>‹Nr.›</a:t>
             </a:fld>
             <a:endParaRPr lang="de-DE"/>
           </a:p>
@@ -2674,7 +2674,7 @@
           <a:p>
             <a:fld id="{DC6A368C-0D68-4D55-B659-220BEA3BD029}" type="datetimeFigureOut">
               <a:rPr lang="de-DE" smtClean="0"/>
-              <a:t>20.02.24</a:t>
+              <a:t>21.02.2024</a:t>
             </a:fld>
             <a:endParaRPr lang="de-DE"/>
           </a:p>
@@ -2728,7 +2728,7 @@
           <a:p>
             <a:fld id="{F3C0F4F0-48FD-48F1-AD45-BCD6A17CC00B}" type="slidenum">
               <a:rPr lang="de-DE" smtClean="0"/>
-              <a:t>‹#›</a:t>
+              <a:t>‹Nr.›</a:t>
             </a:fld>
             <a:endParaRPr lang="de-DE"/>
           </a:p>
@@ -2915,7 +2915,7 @@
           <a:p>
             <a:fld id="{DC6A368C-0D68-4D55-B659-220BEA3BD029}" type="datetimeFigureOut">
               <a:rPr lang="de-DE" smtClean="0"/>
-              <a:t>20.02.24</a:t>
+              <a:t>21.02.2024</a:t>
             </a:fld>
             <a:endParaRPr lang="de-DE"/>
           </a:p>
@@ -3005,7 +3005,7 @@
           <a:p>
             <a:fld id="{F3C0F4F0-48FD-48F1-AD45-BCD6A17CC00B}" type="slidenum">
               <a:rPr lang="de-DE" smtClean="0"/>
-              <a:t>‹#›</a:t>
+              <a:t>‹Nr.›</a:t>
             </a:fld>
             <a:endParaRPr lang="de-DE"/>
           </a:p>
@@ -5691,7 +5691,7 @@
         </p:nvSpPr>
         <p:spPr>
           <a:xfrm>
-            <a:off x="5129203" y="1741307"/>
+            <a:off x="5161184" y="1437308"/>
             <a:ext cx="2045103" cy="1000571"/>
           </a:xfrm>
           <a:prstGeom prst="rect">
@@ -5753,7 +5753,7 @@
         <p:spPr>
           <a:xfrm>
             <a:off x="2918466" y="2079043"/>
-            <a:ext cx="1196458" cy="902931"/>
+            <a:ext cx="1502802" cy="902931"/>
           </a:xfrm>
           <a:prstGeom prst="rect">
             <a:avLst/>
@@ -5779,20 +5779,8 @@
           <a:p>
             <a:pPr algn="ctr"/>
             <a:r>
-              <a:rPr lang="de-DE" dirty="0" err="1"/>
-              <a:t>snapshot</a:t>
-            </a:r>
-            <a:r>
               <a:rPr lang="de-DE" dirty="0"/>
-              <a:t> </a:t>
-            </a:r>
-            <a:r>
-              <a:rPr lang="de-DE" dirty="0" err="1"/>
-              <a:t>creator</a:t>
-            </a:r>
-            <a:r>
-              <a:rPr lang="de-DE" dirty="0"/>
-              <a:t> </a:t>
+              <a:t>External Data APIs</a:t>
             </a:r>
           </a:p>
         </p:txBody>
@@ -5815,8 +5803,8 @@
         </p:nvCxnSpPr>
         <p:spPr>
           <a:xfrm>
-            <a:off x="3516695" y="2981974"/>
-            <a:ext cx="1408658" cy="635608"/>
+            <a:off x="3669867" y="2981974"/>
+            <a:ext cx="1246830" cy="784395"/>
           </a:xfrm>
           <a:prstGeom prst="straightConnector1">
             <a:avLst/>
@@ -6142,7 +6130,7 @@
         </p:nvSpPr>
         <p:spPr>
           <a:xfrm>
-            <a:off x="7887575" y="4561596"/>
+            <a:off x="8079704" y="4556726"/>
             <a:ext cx="1445591" cy="664320"/>
           </a:xfrm>
           <a:prstGeom prst="rect">
@@ -6177,10 +6165,10 @@
       </p:sp>
       <p:sp>
         <p:nvSpPr>
-          <p:cNvPr id="100" name="Rechteck 99">
-            <a:extLst>
-              <a:ext uri="{FF2B5EF4-FFF2-40B4-BE49-F238E27FC236}">
-                <a16:creationId xmlns:a16="http://schemas.microsoft.com/office/drawing/2014/main" id="{6EE9E339-CA94-DC42-DF32-CC56FCE6B26F}"/>
+          <p:cNvPr id="111" name="Flussdiagramm: Magnetplattenspeicher 110">
+            <a:extLst>
+              <a:ext uri="{FF2B5EF4-FFF2-40B4-BE49-F238E27FC236}">
+                <a16:creationId xmlns:a16="http://schemas.microsoft.com/office/drawing/2014/main" id="{28811D5D-9186-D661-CE29-25BE6045E408}"/>
               </a:ext>
             </a:extLst>
           </p:cNvPr>
@@ -6189,8 +6177,1346 @@
         </p:nvSpPr>
         <p:spPr>
           <a:xfrm>
-            <a:off x="10007742" y="5138431"/>
-            <a:ext cx="1535119" cy="921044"/>
+            <a:off x="5192857" y="2915338"/>
+            <a:ext cx="839489" cy="800568"/>
+          </a:xfrm>
+          <a:prstGeom prst="flowChartMagneticDisk">
+            <a:avLst/>
+          </a:prstGeom>
+        </p:spPr>
+        <p:style>
+          <a:lnRef idx="2">
+            <a:schemeClr val="accent6"/>
+          </a:lnRef>
+          <a:fillRef idx="1">
+            <a:schemeClr val="lt1"/>
+          </a:fillRef>
+          <a:effectRef idx="0">
+            <a:schemeClr val="accent6"/>
+          </a:effectRef>
+          <a:fontRef idx="minor">
+            <a:schemeClr val="dk1"/>
+          </a:fontRef>
+        </p:style>
+        <p:txBody>
+          <a:bodyPr rtlCol="0" anchor="ctr"/>
+          <a:lstStyle/>
+          <a:p>
+            <a:pPr algn="ctr"/>
+            <a:r>
+              <a:rPr lang="de-DE" sz="1600" dirty="0"/>
+              <a:t>Patient DB</a:t>
+            </a:r>
+          </a:p>
+        </p:txBody>
+      </p:sp>
+      <p:cxnSp>
+        <p:nvCxnSpPr>
+          <p:cNvPr id="113" name="Gerade Verbindung mit Pfeil 112">
+            <a:extLst>
+              <a:ext uri="{FF2B5EF4-FFF2-40B4-BE49-F238E27FC236}">
+                <a16:creationId xmlns:a16="http://schemas.microsoft.com/office/drawing/2014/main" id="{B9DDB9D9-904C-A342-BDED-46FFCA7EC044}"/>
+              </a:ext>
+            </a:extLst>
+          </p:cNvPr>
+          <p:cNvCxnSpPr>
+            <a:cxnSpLocks/>
+            <a:stCxn id="20" idx="2"/>
+            <a:endCxn id="111" idx="1"/>
+          </p:cNvCxnSpPr>
+          <p:nvPr/>
+        </p:nvCxnSpPr>
+        <p:spPr>
+          <a:xfrm flipH="1">
+            <a:off x="5612602" y="2437879"/>
+            <a:ext cx="571134" cy="477459"/>
+          </a:xfrm>
+          <a:prstGeom prst="straightConnector1">
+            <a:avLst/>
+          </a:prstGeom>
+          <a:ln>
+            <a:tailEnd type="triangle"/>
+          </a:ln>
+        </p:spPr>
+        <p:style>
+          <a:lnRef idx="1">
+            <a:schemeClr val="accent1"/>
+          </a:lnRef>
+          <a:fillRef idx="0">
+            <a:schemeClr val="accent1"/>
+          </a:fillRef>
+          <a:effectRef idx="0">
+            <a:schemeClr val="accent1"/>
+          </a:effectRef>
+          <a:fontRef idx="minor">
+            <a:schemeClr val="tx1"/>
+          </a:fontRef>
+        </p:style>
+      </p:cxnSp>
+      <p:cxnSp>
+        <p:nvCxnSpPr>
+          <p:cNvPr id="115" name="Gerade Verbindung mit Pfeil 114">
+            <a:extLst>
+              <a:ext uri="{FF2B5EF4-FFF2-40B4-BE49-F238E27FC236}">
+                <a16:creationId xmlns:a16="http://schemas.microsoft.com/office/drawing/2014/main" id="{26C9E04E-1776-DAFD-56CF-29A409B21910}"/>
+              </a:ext>
+            </a:extLst>
+          </p:cNvPr>
+          <p:cNvCxnSpPr>
+            <a:cxnSpLocks/>
+            <a:stCxn id="77" idx="2"/>
+            <a:endCxn id="20" idx="0"/>
+          </p:cNvCxnSpPr>
+          <p:nvPr/>
+        </p:nvCxnSpPr>
+        <p:spPr>
+          <a:xfrm>
+            <a:off x="6183736" y="1210955"/>
+            <a:ext cx="0" cy="226353"/>
+          </a:xfrm>
+          <a:prstGeom prst="straightConnector1">
+            <a:avLst/>
+          </a:prstGeom>
+          <a:ln>
+            <a:tailEnd type="triangle"/>
+          </a:ln>
+        </p:spPr>
+        <p:style>
+          <a:lnRef idx="1">
+            <a:schemeClr val="accent1"/>
+          </a:lnRef>
+          <a:fillRef idx="0">
+            <a:schemeClr val="accent1"/>
+          </a:fillRef>
+          <a:effectRef idx="0">
+            <a:schemeClr val="accent1"/>
+          </a:effectRef>
+          <a:fontRef idx="minor">
+            <a:schemeClr val="tx1"/>
+          </a:fontRef>
+        </p:style>
+      </p:cxnSp>
+      <p:sp>
+        <p:nvSpPr>
+          <p:cNvPr id="120" name="Rechteck 119">
+            <a:extLst>
+              <a:ext uri="{FF2B5EF4-FFF2-40B4-BE49-F238E27FC236}">
+                <a16:creationId xmlns:a16="http://schemas.microsoft.com/office/drawing/2014/main" id="{71BFF247-C41F-1EEC-F8FA-509EA17EFEF2}"/>
+              </a:ext>
+            </a:extLst>
+          </p:cNvPr>
+          <p:cNvSpPr/>
+          <p:nvPr/>
+        </p:nvSpPr>
+        <p:spPr>
+          <a:xfrm>
+            <a:off x="9587933" y="1758090"/>
+            <a:ext cx="1761838" cy="968910"/>
+          </a:xfrm>
+          <a:prstGeom prst="rect">
+            <a:avLst/>
+          </a:prstGeom>
+          <a:solidFill>
+            <a:srgbClr val="92D050"/>
+          </a:solidFill>
+        </p:spPr>
+        <p:style>
+          <a:lnRef idx="2">
+            <a:schemeClr val="accent6"/>
+          </a:lnRef>
+          <a:fillRef idx="1">
+            <a:schemeClr val="lt1"/>
+          </a:fillRef>
+          <a:effectRef idx="0">
+            <a:schemeClr val="accent6"/>
+          </a:effectRef>
+          <a:fontRef idx="minor">
+            <a:schemeClr val="dk1"/>
+          </a:fontRef>
+        </p:style>
+        <p:txBody>
+          <a:bodyPr rtlCol="0" anchor="ctr"/>
+          <a:lstStyle/>
+          <a:p>
+            <a:pPr algn="ctr"/>
+            <a:r>
+              <a:rPr lang="de-DE" dirty="0" err="1"/>
+              <a:t>MonitorMe</a:t>
+            </a:r>
+            <a:r>
+              <a:rPr lang="de-DE" dirty="0"/>
+              <a:t> App</a:t>
+            </a:r>
+          </a:p>
+        </p:txBody>
+      </p:sp>
+      <p:cxnSp>
+        <p:nvCxnSpPr>
+          <p:cNvPr id="122" name="Gerade Verbindung mit Pfeil 121">
+            <a:extLst>
+              <a:ext uri="{FF2B5EF4-FFF2-40B4-BE49-F238E27FC236}">
+                <a16:creationId xmlns:a16="http://schemas.microsoft.com/office/drawing/2014/main" id="{1328A6A4-55FF-44D8-E4BF-0866B24CE1F5}"/>
+              </a:ext>
+            </a:extLst>
+          </p:cNvPr>
+          <p:cNvCxnSpPr>
+            <a:cxnSpLocks/>
+            <a:stCxn id="99" idx="0"/>
+            <a:endCxn id="128" idx="2"/>
+          </p:cNvCxnSpPr>
+          <p:nvPr/>
+        </p:nvCxnSpPr>
+        <p:spPr>
+          <a:xfrm flipV="1">
+            <a:off x="8802500" y="3792812"/>
+            <a:ext cx="1525159" cy="763914"/>
+          </a:xfrm>
+          <a:prstGeom prst="straightConnector1">
+            <a:avLst/>
+          </a:prstGeom>
+          <a:ln>
+            <a:tailEnd type="triangle"/>
+          </a:ln>
+        </p:spPr>
+        <p:style>
+          <a:lnRef idx="1">
+            <a:schemeClr val="accent1"/>
+          </a:lnRef>
+          <a:fillRef idx="0">
+            <a:schemeClr val="accent1"/>
+          </a:fillRef>
+          <a:effectRef idx="0">
+            <a:schemeClr val="accent1"/>
+          </a:effectRef>
+          <a:fontRef idx="minor">
+            <a:schemeClr val="tx1"/>
+          </a:fontRef>
+        </p:style>
+      </p:cxnSp>
+      <p:sp>
+        <p:nvSpPr>
+          <p:cNvPr id="128" name="Rechteck 127">
+            <a:extLst>
+              <a:ext uri="{FF2B5EF4-FFF2-40B4-BE49-F238E27FC236}">
+                <a16:creationId xmlns:a16="http://schemas.microsoft.com/office/drawing/2014/main" id="{D781D453-BD77-CDE3-6713-E737326BD180}"/>
+              </a:ext>
+            </a:extLst>
+          </p:cNvPr>
+          <p:cNvSpPr/>
+          <p:nvPr/>
+        </p:nvSpPr>
+        <p:spPr>
+          <a:xfrm>
+            <a:off x="9478530" y="3169733"/>
+            <a:ext cx="1698257" cy="623079"/>
+          </a:xfrm>
+          <a:prstGeom prst="rect">
+            <a:avLst/>
+          </a:prstGeom>
+          <a:solidFill>
+            <a:schemeClr val="bg1">
+              <a:lumMod val="95000"/>
+            </a:schemeClr>
+          </a:solidFill>
+        </p:spPr>
+        <p:style>
+          <a:lnRef idx="2">
+            <a:schemeClr val="accent6"/>
+          </a:lnRef>
+          <a:fillRef idx="1">
+            <a:schemeClr val="lt1"/>
+          </a:fillRef>
+          <a:effectRef idx="0">
+            <a:schemeClr val="accent6"/>
+          </a:effectRef>
+          <a:fontRef idx="minor">
+            <a:schemeClr val="dk1"/>
+          </a:fontRef>
+        </p:style>
+        <p:txBody>
+          <a:bodyPr rtlCol="0" anchor="ctr"/>
+          <a:lstStyle/>
+          <a:p>
+            <a:pPr algn="ctr"/>
+            <a:endParaRPr lang="de-DE" dirty="0"/>
+          </a:p>
+          <a:p>
+            <a:pPr algn="ctr"/>
+            <a:r>
+              <a:rPr lang="de-DE" dirty="0" err="1"/>
+              <a:t>Notification</a:t>
+            </a:r>
+            <a:r>
+              <a:rPr lang="de-DE" dirty="0"/>
+              <a:t> Event Channel</a:t>
+            </a:r>
+            <a:endParaRPr lang="de-DE" sz="1200" dirty="0"/>
+          </a:p>
+          <a:p>
+            <a:pPr algn="ctr"/>
+            <a:endParaRPr lang="de-DE" dirty="0"/>
+          </a:p>
+        </p:txBody>
+      </p:sp>
+      <p:cxnSp>
+        <p:nvCxnSpPr>
+          <p:cNvPr id="161" name="Gerade Verbindung mit Pfeil 160">
+            <a:extLst>
+              <a:ext uri="{FF2B5EF4-FFF2-40B4-BE49-F238E27FC236}">
+                <a16:creationId xmlns:a16="http://schemas.microsoft.com/office/drawing/2014/main" id="{F9FA3A55-F317-8BDB-88E7-2D531E70D412}"/>
+              </a:ext>
+            </a:extLst>
+          </p:cNvPr>
+          <p:cNvCxnSpPr>
+            <a:cxnSpLocks/>
+            <a:stCxn id="128" idx="0"/>
+            <a:endCxn id="120" idx="2"/>
+          </p:cNvCxnSpPr>
+          <p:nvPr/>
+        </p:nvCxnSpPr>
+        <p:spPr>
+          <a:xfrm flipV="1">
+            <a:off x="10327659" y="2727000"/>
+            <a:ext cx="141193" cy="442733"/>
+          </a:xfrm>
+          <a:prstGeom prst="straightConnector1">
+            <a:avLst/>
+          </a:prstGeom>
+          <a:ln>
+            <a:tailEnd type="triangle"/>
+          </a:ln>
+        </p:spPr>
+        <p:style>
+          <a:lnRef idx="1">
+            <a:schemeClr val="accent1"/>
+          </a:lnRef>
+          <a:fillRef idx="0">
+            <a:schemeClr val="accent1"/>
+          </a:fillRef>
+          <a:effectRef idx="0">
+            <a:schemeClr val="accent1"/>
+          </a:effectRef>
+          <a:fontRef idx="minor">
+            <a:schemeClr val="tx1"/>
+          </a:fontRef>
+        </p:style>
+      </p:cxnSp>
+      <p:cxnSp>
+        <p:nvCxnSpPr>
+          <p:cNvPr id="163" name="Gerade Verbindung mit Pfeil 162">
+            <a:extLst>
+              <a:ext uri="{FF2B5EF4-FFF2-40B4-BE49-F238E27FC236}">
+                <a16:creationId xmlns:a16="http://schemas.microsoft.com/office/drawing/2014/main" id="{86305ED6-E89D-CEC5-C8DE-D43D2BC374AC}"/>
+              </a:ext>
+            </a:extLst>
+          </p:cNvPr>
+          <p:cNvCxnSpPr>
+            <a:cxnSpLocks/>
+            <a:stCxn id="82" idx="2"/>
+            <a:endCxn id="120" idx="0"/>
+          </p:cNvCxnSpPr>
+          <p:nvPr/>
+        </p:nvCxnSpPr>
+        <p:spPr>
+          <a:xfrm flipH="1">
+            <a:off x="10468852" y="1259047"/>
+            <a:ext cx="57144" cy="499043"/>
+          </a:xfrm>
+          <a:prstGeom prst="straightConnector1">
+            <a:avLst/>
+          </a:prstGeom>
+          <a:ln>
+            <a:tailEnd type="triangle"/>
+          </a:ln>
+        </p:spPr>
+        <p:style>
+          <a:lnRef idx="1">
+            <a:schemeClr val="accent1"/>
+          </a:lnRef>
+          <a:fillRef idx="0">
+            <a:schemeClr val="accent1"/>
+          </a:fillRef>
+          <a:effectRef idx="0">
+            <a:schemeClr val="accent1"/>
+          </a:effectRef>
+          <a:fontRef idx="minor">
+            <a:schemeClr val="tx1"/>
+          </a:fontRef>
+        </p:style>
+      </p:cxnSp>
+      <p:cxnSp>
+        <p:nvCxnSpPr>
+          <p:cNvPr id="199" name="Gerade Verbindung mit Pfeil 198">
+            <a:extLst>
+              <a:ext uri="{FF2B5EF4-FFF2-40B4-BE49-F238E27FC236}">
+                <a16:creationId xmlns:a16="http://schemas.microsoft.com/office/drawing/2014/main" id="{DA34F3F9-82D1-DEDA-D4F0-38D65F4FE50E}"/>
+              </a:ext>
+            </a:extLst>
+          </p:cNvPr>
+          <p:cNvCxnSpPr>
+            <a:cxnSpLocks/>
+            <a:stCxn id="30" idx="1"/>
+            <a:endCxn id="50" idx="3"/>
+          </p:cNvCxnSpPr>
+          <p:nvPr/>
+        </p:nvCxnSpPr>
+        <p:spPr>
+          <a:xfrm flipH="1">
+            <a:off x="1895915" y="2530509"/>
+            <a:ext cx="1022551" cy="662175"/>
+          </a:xfrm>
+          <a:prstGeom prst="straightConnector1">
+            <a:avLst/>
+          </a:prstGeom>
+          <a:ln>
+            <a:tailEnd type="triangle"/>
+          </a:ln>
+        </p:spPr>
+        <p:style>
+          <a:lnRef idx="1">
+            <a:schemeClr val="accent1"/>
+          </a:lnRef>
+          <a:fillRef idx="0">
+            <a:schemeClr val="accent1"/>
+          </a:fillRef>
+          <a:effectRef idx="0">
+            <a:schemeClr val="accent1"/>
+          </a:effectRef>
+          <a:fontRef idx="minor">
+            <a:schemeClr val="tx1"/>
+          </a:fontRef>
+        </p:style>
+      </p:cxnSp>
+      <p:cxnSp>
+        <p:nvCxnSpPr>
+          <p:cNvPr id="204" name="Gerade Verbindung mit Pfeil 203">
+            <a:extLst>
+              <a:ext uri="{FF2B5EF4-FFF2-40B4-BE49-F238E27FC236}">
+                <a16:creationId xmlns:a16="http://schemas.microsoft.com/office/drawing/2014/main" id="{54DA7562-BF7F-CC06-0725-4213A5A03EDB}"/>
+              </a:ext>
+            </a:extLst>
+          </p:cNvPr>
+          <p:cNvCxnSpPr>
+            <a:cxnSpLocks/>
+            <a:stCxn id="3" idx="3"/>
+            <a:endCxn id="2" idx="1"/>
+          </p:cNvCxnSpPr>
+          <p:nvPr/>
+        </p:nvCxnSpPr>
+        <p:spPr>
+          <a:xfrm flipV="1">
+            <a:off x="1877392" y="5544351"/>
+            <a:ext cx="568534" cy="657"/>
+          </a:xfrm>
+          <a:prstGeom prst="straightConnector1">
+            <a:avLst/>
+          </a:prstGeom>
+          <a:ln>
+            <a:tailEnd type="triangle"/>
+          </a:ln>
+        </p:spPr>
+        <p:style>
+          <a:lnRef idx="1">
+            <a:schemeClr val="accent1"/>
+          </a:lnRef>
+          <a:fillRef idx="0">
+            <a:schemeClr val="accent1"/>
+          </a:fillRef>
+          <a:effectRef idx="0">
+            <a:schemeClr val="accent1"/>
+          </a:effectRef>
+          <a:fontRef idx="minor">
+            <a:schemeClr val="tx1"/>
+          </a:fontRef>
+        </p:style>
+      </p:cxnSp>
+      <p:sp>
+        <p:nvSpPr>
+          <p:cNvPr id="4" name="Rechteck 3">
+            <a:extLst>
+              <a:ext uri="{FF2B5EF4-FFF2-40B4-BE49-F238E27FC236}">
+                <a16:creationId xmlns:a16="http://schemas.microsoft.com/office/drawing/2014/main" id="{74C57912-408F-2951-BB63-EB10E0C863AF}"/>
+              </a:ext>
+            </a:extLst>
+          </p:cNvPr>
+          <p:cNvSpPr/>
+          <p:nvPr/>
+        </p:nvSpPr>
+        <p:spPr>
+          <a:xfrm>
+            <a:off x="7229577" y="3209082"/>
+            <a:ext cx="1445591" cy="803900"/>
+          </a:xfrm>
+          <a:prstGeom prst="rect">
+            <a:avLst/>
+          </a:prstGeom>
+        </p:spPr>
+        <p:style>
+          <a:lnRef idx="2">
+            <a:schemeClr val="accent6"/>
+          </a:lnRef>
+          <a:fillRef idx="1">
+            <a:schemeClr val="lt1"/>
+          </a:fillRef>
+          <a:effectRef idx="0">
+            <a:schemeClr val="accent6"/>
+          </a:effectRef>
+          <a:fontRef idx="minor">
+            <a:schemeClr val="dk1"/>
+          </a:fontRef>
+        </p:style>
+        <p:txBody>
+          <a:bodyPr rtlCol="0" anchor="ctr"/>
+          <a:lstStyle/>
+          <a:p>
+            <a:pPr algn="ctr"/>
+            <a:endParaRPr lang="de-DE" dirty="0"/>
+          </a:p>
+          <a:p>
+            <a:pPr algn="ctr"/>
+            <a:r>
+              <a:rPr lang="de-DE" dirty="0"/>
+              <a:t>Analyse Rule </a:t>
+            </a:r>
+            <a:r>
+              <a:rPr lang="de-DE" dirty="0" err="1"/>
+              <a:t>Builder</a:t>
+            </a:r>
+            <a:endParaRPr lang="de-DE" dirty="0"/>
+          </a:p>
+          <a:p>
+            <a:pPr algn="ctr"/>
+            <a:endParaRPr lang="de-DE" dirty="0"/>
+          </a:p>
+        </p:txBody>
+      </p:sp>
+      <p:cxnSp>
+        <p:nvCxnSpPr>
+          <p:cNvPr id="27" name="Gerade Verbindung mit Pfeil 26">
+            <a:extLst>
+              <a:ext uri="{FF2B5EF4-FFF2-40B4-BE49-F238E27FC236}">
+                <a16:creationId xmlns:a16="http://schemas.microsoft.com/office/drawing/2014/main" id="{7CCD53F8-2E83-BCD6-8658-8D86E23998A0}"/>
+              </a:ext>
+            </a:extLst>
+          </p:cNvPr>
+          <p:cNvCxnSpPr>
+            <a:cxnSpLocks/>
+            <a:stCxn id="2" idx="3"/>
+            <a:endCxn id="44" idx="1"/>
+          </p:cNvCxnSpPr>
+          <p:nvPr/>
+        </p:nvCxnSpPr>
+        <p:spPr>
+          <a:xfrm flipV="1">
+            <a:off x="4028569" y="5525476"/>
+            <a:ext cx="1156309" cy="18875"/>
+          </a:xfrm>
+          <a:prstGeom prst="straightConnector1">
+            <a:avLst/>
+          </a:prstGeom>
+          <a:ln>
+            <a:tailEnd type="triangle"/>
+          </a:ln>
+        </p:spPr>
+        <p:style>
+          <a:lnRef idx="1">
+            <a:schemeClr val="accent1"/>
+          </a:lnRef>
+          <a:fillRef idx="0">
+            <a:schemeClr val="accent1"/>
+          </a:fillRef>
+          <a:effectRef idx="0">
+            <a:schemeClr val="accent1"/>
+          </a:effectRef>
+          <a:fontRef idx="minor">
+            <a:schemeClr val="tx1"/>
+          </a:fontRef>
+        </p:style>
+      </p:cxnSp>
+      <p:cxnSp>
+        <p:nvCxnSpPr>
+          <p:cNvPr id="40" name="Gerade Verbindung mit Pfeil 39">
+            <a:extLst>
+              <a:ext uri="{FF2B5EF4-FFF2-40B4-BE49-F238E27FC236}">
+                <a16:creationId xmlns:a16="http://schemas.microsoft.com/office/drawing/2014/main" id="{9D77B0EB-5B98-D448-502D-160BE7972833}"/>
+              </a:ext>
+            </a:extLst>
+          </p:cNvPr>
+          <p:cNvCxnSpPr>
+            <a:cxnSpLocks/>
+            <a:stCxn id="128" idx="0"/>
+            <a:endCxn id="20" idx="3"/>
+          </p:cNvCxnSpPr>
+          <p:nvPr/>
+        </p:nvCxnSpPr>
+        <p:spPr>
+          <a:xfrm flipH="1" flipV="1">
+            <a:off x="7206287" y="1937594"/>
+            <a:ext cx="3121372" cy="1232139"/>
+          </a:xfrm>
+          <a:prstGeom prst="straightConnector1">
+            <a:avLst/>
+          </a:prstGeom>
+          <a:ln>
+            <a:tailEnd type="triangle"/>
+          </a:ln>
+        </p:spPr>
+        <p:style>
+          <a:lnRef idx="1">
+            <a:schemeClr val="accent1"/>
+          </a:lnRef>
+          <a:fillRef idx="0">
+            <a:schemeClr val="accent1"/>
+          </a:fillRef>
+          <a:effectRef idx="0">
+            <a:schemeClr val="accent1"/>
+          </a:effectRef>
+          <a:fontRef idx="minor">
+            <a:schemeClr val="tx1"/>
+          </a:fontRef>
+        </p:style>
+      </p:cxnSp>
+      <p:sp>
+        <p:nvSpPr>
+          <p:cNvPr id="32" name="Flussdiagramm: Magnetplattenspeicher 31">
+            <a:extLst>
+              <a:ext uri="{FF2B5EF4-FFF2-40B4-BE49-F238E27FC236}">
+                <a16:creationId xmlns:a16="http://schemas.microsoft.com/office/drawing/2014/main" id="{84323946-92CD-F020-30E5-55CE6785220E}"/>
+              </a:ext>
+            </a:extLst>
+          </p:cNvPr>
+          <p:cNvSpPr/>
+          <p:nvPr/>
+        </p:nvSpPr>
+        <p:spPr>
+          <a:xfrm>
+            <a:off x="4425134" y="3766369"/>
+            <a:ext cx="983126" cy="865854"/>
+          </a:xfrm>
+          <a:prstGeom prst="flowChartMagneticDisk">
+            <a:avLst/>
+          </a:prstGeom>
+        </p:spPr>
+        <p:style>
+          <a:lnRef idx="2">
+            <a:schemeClr val="accent6"/>
+          </a:lnRef>
+          <a:fillRef idx="1">
+            <a:schemeClr val="lt1"/>
+          </a:fillRef>
+          <a:effectRef idx="0">
+            <a:schemeClr val="accent6"/>
+          </a:effectRef>
+          <a:fontRef idx="minor">
+            <a:schemeClr val="dk1"/>
+          </a:fontRef>
+        </p:style>
+        <p:txBody>
+          <a:bodyPr rtlCol="0" anchor="ctr"/>
+          <a:lstStyle/>
+          <a:p>
+            <a:pPr algn="ctr"/>
+            <a:r>
+              <a:rPr lang="de-DE" dirty="0"/>
+              <a:t>Signal DB</a:t>
+            </a:r>
+          </a:p>
+        </p:txBody>
+      </p:sp>
+      <p:sp>
+        <p:nvSpPr>
+          <p:cNvPr id="44" name="Rechteck 43">
+            <a:extLst>
+              <a:ext uri="{FF2B5EF4-FFF2-40B4-BE49-F238E27FC236}">
+                <a16:creationId xmlns:a16="http://schemas.microsoft.com/office/drawing/2014/main" id="{94685144-9530-7E9A-91F5-3136A7ABC40F}"/>
+              </a:ext>
+            </a:extLst>
+          </p:cNvPr>
+          <p:cNvSpPr/>
+          <p:nvPr/>
+        </p:nvSpPr>
+        <p:spPr>
+          <a:xfrm>
+            <a:off x="5184878" y="5087357"/>
+            <a:ext cx="1822243" cy="876238"/>
+          </a:xfrm>
+          <a:prstGeom prst="rect">
+            <a:avLst/>
+          </a:prstGeom>
+          <a:solidFill>
+            <a:srgbClr val="92D050"/>
+          </a:solidFill>
+        </p:spPr>
+        <p:style>
+          <a:lnRef idx="2">
+            <a:schemeClr val="accent6"/>
+          </a:lnRef>
+          <a:fillRef idx="1">
+            <a:schemeClr val="lt1"/>
+          </a:fillRef>
+          <a:effectRef idx="0">
+            <a:schemeClr val="accent6"/>
+          </a:effectRef>
+          <a:fontRef idx="minor">
+            <a:schemeClr val="dk1"/>
+          </a:fontRef>
+        </p:style>
+        <p:txBody>
+          <a:bodyPr rtlCol="0" anchor="ctr"/>
+          <a:lstStyle/>
+          <a:p>
+            <a:pPr algn="ctr"/>
+            <a:r>
+              <a:rPr lang="de-DE" dirty="0"/>
+              <a:t>Patient Signal</a:t>
+            </a:r>
+          </a:p>
+          <a:p>
+            <a:pPr algn="ctr"/>
+            <a:r>
+              <a:rPr lang="de-DE" dirty="0" err="1"/>
+              <a:t>Collector</a:t>
+            </a:r>
+            <a:endParaRPr lang="de-DE" dirty="0"/>
+          </a:p>
+          <a:p>
+            <a:pPr algn="ctr"/>
+            <a:r>
+              <a:rPr lang="de-DE" sz="1200" dirty="0"/>
+              <a:t>(all Signals per </a:t>
+            </a:r>
+            <a:r>
+              <a:rPr lang="de-DE" sz="1200" dirty="0" err="1"/>
+              <a:t>patient</a:t>
+            </a:r>
+            <a:r>
+              <a:rPr lang="de-DE" sz="1200" dirty="0"/>
+              <a:t>)</a:t>
+            </a:r>
+          </a:p>
+        </p:txBody>
+      </p:sp>
+      <p:sp>
+        <p:nvSpPr>
+          <p:cNvPr id="54" name="Rechteck 53">
+            <a:extLst>
+              <a:ext uri="{FF2B5EF4-FFF2-40B4-BE49-F238E27FC236}">
+                <a16:creationId xmlns:a16="http://schemas.microsoft.com/office/drawing/2014/main" id="{AD449FD3-8B2C-44FB-182E-7D32CD4DA1C6}"/>
+              </a:ext>
+            </a:extLst>
+          </p:cNvPr>
+          <p:cNvSpPr/>
+          <p:nvPr/>
+        </p:nvSpPr>
+        <p:spPr>
+          <a:xfrm>
+            <a:off x="2616077" y="3792812"/>
+            <a:ext cx="1196458" cy="798917"/>
+          </a:xfrm>
+          <a:prstGeom prst="rect">
+            <a:avLst/>
+          </a:prstGeom>
+          <a:solidFill>
+            <a:srgbClr val="92D050"/>
+          </a:solidFill>
+        </p:spPr>
+        <p:style>
+          <a:lnRef idx="2">
+            <a:schemeClr val="accent6"/>
+          </a:lnRef>
+          <a:fillRef idx="1">
+            <a:schemeClr val="lt1"/>
+          </a:fillRef>
+          <a:effectRef idx="0">
+            <a:schemeClr val="accent6"/>
+          </a:effectRef>
+          <a:fontRef idx="minor">
+            <a:schemeClr val="dk1"/>
+          </a:fontRef>
+        </p:style>
+        <p:txBody>
+          <a:bodyPr rtlCol="0" anchor="ctr"/>
+          <a:lstStyle/>
+          <a:p>
+            <a:pPr algn="ctr"/>
+            <a:r>
+              <a:rPr lang="de-DE" dirty="0"/>
+              <a:t>Raw Signal </a:t>
+            </a:r>
+            <a:r>
+              <a:rPr lang="de-DE" dirty="0" err="1"/>
+              <a:t>Persister</a:t>
+            </a:r>
+            <a:endParaRPr lang="de-DE" dirty="0"/>
+          </a:p>
+        </p:txBody>
+      </p:sp>
+      <p:cxnSp>
+        <p:nvCxnSpPr>
+          <p:cNvPr id="55" name="Gerade Verbindung mit Pfeil 54">
+            <a:extLst>
+              <a:ext uri="{FF2B5EF4-FFF2-40B4-BE49-F238E27FC236}">
+                <a16:creationId xmlns:a16="http://schemas.microsoft.com/office/drawing/2014/main" id="{37E2C49D-91F4-954E-0EA6-D018F836A29D}"/>
+              </a:ext>
+            </a:extLst>
+          </p:cNvPr>
+          <p:cNvCxnSpPr>
+            <a:cxnSpLocks/>
+            <a:stCxn id="2" idx="0"/>
+            <a:endCxn id="54" idx="2"/>
+          </p:cNvCxnSpPr>
+          <p:nvPr/>
+        </p:nvCxnSpPr>
+        <p:spPr>
+          <a:xfrm flipH="1" flipV="1">
+            <a:off x="3214306" y="4591729"/>
+            <a:ext cx="22942" cy="392169"/>
+          </a:xfrm>
+          <a:prstGeom prst="straightConnector1">
+            <a:avLst/>
+          </a:prstGeom>
+          <a:ln>
+            <a:tailEnd type="triangle"/>
+          </a:ln>
+        </p:spPr>
+        <p:style>
+          <a:lnRef idx="1">
+            <a:schemeClr val="accent1"/>
+          </a:lnRef>
+          <a:fillRef idx="0">
+            <a:schemeClr val="accent1"/>
+          </a:fillRef>
+          <a:effectRef idx="0">
+            <a:schemeClr val="accent1"/>
+          </a:effectRef>
+          <a:fontRef idx="minor">
+            <a:schemeClr val="tx1"/>
+          </a:fontRef>
+        </p:style>
+      </p:cxnSp>
+      <p:cxnSp>
+        <p:nvCxnSpPr>
+          <p:cNvPr id="58" name="Gerade Verbindung mit Pfeil 57">
+            <a:extLst>
+              <a:ext uri="{FF2B5EF4-FFF2-40B4-BE49-F238E27FC236}">
+                <a16:creationId xmlns:a16="http://schemas.microsoft.com/office/drawing/2014/main" id="{51D708B7-5F98-0CA1-ECA3-F7D60F019697}"/>
+              </a:ext>
+            </a:extLst>
+          </p:cNvPr>
+          <p:cNvCxnSpPr>
+            <a:cxnSpLocks/>
+            <a:stCxn id="54" idx="3"/>
+            <a:endCxn id="32" idx="2"/>
+          </p:cNvCxnSpPr>
+          <p:nvPr/>
+        </p:nvCxnSpPr>
+        <p:spPr>
+          <a:xfrm>
+            <a:off x="3812535" y="4192271"/>
+            <a:ext cx="612599" cy="7025"/>
+          </a:xfrm>
+          <a:prstGeom prst="straightConnector1">
+            <a:avLst/>
+          </a:prstGeom>
+          <a:ln>
+            <a:tailEnd type="triangle"/>
+          </a:ln>
+        </p:spPr>
+        <p:style>
+          <a:lnRef idx="1">
+            <a:schemeClr val="accent1"/>
+          </a:lnRef>
+          <a:fillRef idx="0">
+            <a:schemeClr val="accent1"/>
+          </a:fillRef>
+          <a:effectRef idx="0">
+            <a:schemeClr val="accent1"/>
+          </a:effectRef>
+          <a:fontRef idx="minor">
+            <a:schemeClr val="tx1"/>
+          </a:fontRef>
+        </p:style>
+      </p:cxnSp>
+      <p:cxnSp>
+        <p:nvCxnSpPr>
+          <p:cNvPr id="89" name="Gerade Verbindung mit Pfeil 88">
+            <a:extLst>
+              <a:ext uri="{FF2B5EF4-FFF2-40B4-BE49-F238E27FC236}">
+                <a16:creationId xmlns:a16="http://schemas.microsoft.com/office/drawing/2014/main" id="{F79F2388-4C65-4AA4-07FF-E74092B11E4E}"/>
+              </a:ext>
+            </a:extLst>
+          </p:cNvPr>
+          <p:cNvCxnSpPr>
+            <a:cxnSpLocks/>
+            <a:stCxn id="44" idx="3"/>
+            <a:endCxn id="99" idx="1"/>
+          </p:cNvCxnSpPr>
+          <p:nvPr/>
+        </p:nvCxnSpPr>
+        <p:spPr>
+          <a:xfrm flipV="1">
+            <a:off x="7007121" y="4888886"/>
+            <a:ext cx="1072583" cy="636590"/>
+          </a:xfrm>
+          <a:prstGeom prst="straightConnector1">
+            <a:avLst/>
+          </a:prstGeom>
+          <a:ln>
+            <a:tailEnd type="triangle"/>
+          </a:ln>
+        </p:spPr>
+        <p:style>
+          <a:lnRef idx="1">
+            <a:schemeClr val="accent1"/>
+          </a:lnRef>
+          <a:fillRef idx="0">
+            <a:schemeClr val="accent1"/>
+          </a:fillRef>
+          <a:effectRef idx="0">
+            <a:schemeClr val="accent1"/>
+          </a:effectRef>
+          <a:fontRef idx="minor">
+            <a:schemeClr val="tx1"/>
+          </a:fontRef>
+        </p:style>
+      </p:cxnSp>
+      <p:cxnSp>
+        <p:nvCxnSpPr>
+          <p:cNvPr id="135" name="Gerade Verbindung mit Pfeil 134">
+            <a:extLst>
+              <a:ext uri="{FF2B5EF4-FFF2-40B4-BE49-F238E27FC236}">
+                <a16:creationId xmlns:a16="http://schemas.microsoft.com/office/drawing/2014/main" id="{6B6C8C42-3B34-2D97-788E-24DBE48764B0}"/>
+              </a:ext>
+            </a:extLst>
+          </p:cNvPr>
+          <p:cNvCxnSpPr>
+            <a:cxnSpLocks/>
+            <a:stCxn id="44" idx="0"/>
+            <a:endCxn id="20" idx="2"/>
+          </p:cNvCxnSpPr>
+          <p:nvPr/>
+        </p:nvCxnSpPr>
+        <p:spPr>
+          <a:xfrm flipV="1">
+            <a:off x="6096000" y="2437879"/>
+            <a:ext cx="87736" cy="2649478"/>
+          </a:xfrm>
+          <a:prstGeom prst="straightConnector1">
+            <a:avLst/>
+          </a:prstGeom>
+          <a:ln>
+            <a:tailEnd type="triangle"/>
+          </a:ln>
+        </p:spPr>
+        <p:style>
+          <a:lnRef idx="1">
+            <a:schemeClr val="accent1"/>
+          </a:lnRef>
+          <a:fillRef idx="0">
+            <a:schemeClr val="accent1"/>
+          </a:fillRef>
+          <a:effectRef idx="0">
+            <a:schemeClr val="accent1"/>
+          </a:effectRef>
+          <a:fontRef idx="minor">
+            <a:schemeClr val="tx1"/>
+          </a:fontRef>
+        </p:style>
+      </p:cxnSp>
+      <p:sp>
+        <p:nvSpPr>
+          <p:cNvPr id="138" name="Textfeld 137">
+            <a:extLst>
+              <a:ext uri="{FF2B5EF4-FFF2-40B4-BE49-F238E27FC236}">
+                <a16:creationId xmlns:a16="http://schemas.microsoft.com/office/drawing/2014/main" id="{749A465A-2383-5171-5F2E-1B2CD6AC8499}"/>
+              </a:ext>
+            </a:extLst>
+          </p:cNvPr>
+          <p:cNvSpPr txBox="1"/>
+          <p:nvPr/>
+        </p:nvSpPr>
+        <p:spPr>
+          <a:xfrm>
+            <a:off x="516762" y="216166"/>
+            <a:ext cx="2540682" cy="1384995"/>
+          </a:xfrm>
+          <a:prstGeom prst="rect">
+            <a:avLst/>
+          </a:prstGeom>
+          <a:noFill/>
+        </p:spPr>
+        <p:txBody>
+          <a:bodyPr wrap="square" rtlCol="0">
+            <a:spAutoFit/>
+          </a:bodyPr>
+          <a:lstStyle/>
+          <a:p>
+            <a:r>
+              <a:rPr lang="de-DE" sz="2800" b="1" dirty="0"/>
+              <a:t>Event Driven </a:t>
+            </a:r>
+          </a:p>
+          <a:p>
+            <a:r>
+              <a:rPr lang="de-DE" sz="2800" b="1" dirty="0" err="1"/>
+              <a:t>Component</a:t>
+            </a:r>
+            <a:r>
+              <a:rPr lang="de-DE" sz="2800" b="1" dirty="0"/>
+              <a:t> View</a:t>
+            </a:r>
+          </a:p>
+        </p:txBody>
+      </p:sp>
+      <p:sp>
+        <p:nvSpPr>
+          <p:cNvPr id="151" name="Rechteck 150">
+            <a:extLst>
+              <a:ext uri="{FF2B5EF4-FFF2-40B4-BE49-F238E27FC236}">
+                <a16:creationId xmlns:a16="http://schemas.microsoft.com/office/drawing/2014/main" id="{B1972254-D048-F8CF-6378-0F1B7F0DF84C}"/>
+              </a:ext>
+            </a:extLst>
+          </p:cNvPr>
+          <p:cNvSpPr/>
+          <p:nvPr/>
+        </p:nvSpPr>
+        <p:spPr>
+          <a:xfrm>
+            <a:off x="525152" y="6437376"/>
+            <a:ext cx="1158142" cy="204458"/>
+          </a:xfrm>
+          <a:prstGeom prst="rect">
+            <a:avLst/>
+          </a:prstGeom>
+          <a:solidFill>
+            <a:schemeClr val="accent2"/>
+          </a:solidFill>
+        </p:spPr>
+        <p:style>
+          <a:lnRef idx="2">
+            <a:schemeClr val="accent6"/>
+          </a:lnRef>
+          <a:fillRef idx="1">
+            <a:schemeClr val="lt1"/>
+          </a:fillRef>
+          <a:effectRef idx="0">
+            <a:schemeClr val="accent6"/>
+          </a:effectRef>
+          <a:fontRef idx="minor">
+            <a:schemeClr val="dk1"/>
+          </a:fontRef>
+        </p:style>
+        <p:txBody>
+          <a:bodyPr rtlCol="0" anchor="ctr"/>
+          <a:lstStyle/>
+          <a:p>
+            <a:pPr algn="ctr"/>
+            <a:r>
+              <a:rPr lang="de-DE" sz="1200" dirty="0"/>
+              <a:t>Event </a:t>
+            </a:r>
+            <a:r>
+              <a:rPr lang="de-DE" sz="1200" dirty="0" err="1"/>
+              <a:t>producer</a:t>
+            </a:r>
+            <a:endParaRPr lang="de-DE" sz="1200" dirty="0"/>
+          </a:p>
+        </p:txBody>
+      </p:sp>
+      <p:sp>
+        <p:nvSpPr>
+          <p:cNvPr id="152" name="Rechteck 151">
+            <a:extLst>
+              <a:ext uri="{FF2B5EF4-FFF2-40B4-BE49-F238E27FC236}">
+                <a16:creationId xmlns:a16="http://schemas.microsoft.com/office/drawing/2014/main" id="{F2F16A4F-4387-2721-B146-BF9AEF831383}"/>
+              </a:ext>
+            </a:extLst>
+          </p:cNvPr>
+          <p:cNvSpPr/>
+          <p:nvPr/>
+        </p:nvSpPr>
+        <p:spPr>
+          <a:xfrm>
+            <a:off x="2040789" y="6425183"/>
+            <a:ext cx="1582643" cy="234809"/>
+          </a:xfrm>
+          <a:prstGeom prst="rect">
+            <a:avLst/>
+          </a:prstGeom>
+          <a:solidFill>
+            <a:schemeClr val="bg1">
+              <a:lumMod val="85000"/>
+            </a:schemeClr>
+          </a:solidFill>
+        </p:spPr>
+        <p:style>
+          <a:lnRef idx="2">
+            <a:schemeClr val="accent6"/>
+          </a:lnRef>
+          <a:fillRef idx="1">
+            <a:schemeClr val="lt1"/>
+          </a:fillRef>
+          <a:effectRef idx="0">
+            <a:schemeClr val="accent6"/>
+          </a:effectRef>
+          <a:fontRef idx="minor">
+            <a:schemeClr val="dk1"/>
+          </a:fontRef>
+        </p:style>
+        <p:txBody>
+          <a:bodyPr rtlCol="0" anchor="ctr"/>
+          <a:lstStyle/>
+          <a:p>
+            <a:pPr algn="ctr"/>
+            <a:r>
+              <a:rPr lang="de-DE" sz="1200" dirty="0"/>
+              <a:t>Event Channel/Queue</a:t>
+            </a:r>
+          </a:p>
+        </p:txBody>
+      </p:sp>
+      <p:sp>
+        <p:nvSpPr>
+          <p:cNvPr id="153" name="Rechteck 152">
+            <a:extLst>
+              <a:ext uri="{FF2B5EF4-FFF2-40B4-BE49-F238E27FC236}">
+                <a16:creationId xmlns:a16="http://schemas.microsoft.com/office/drawing/2014/main" id="{C55AEC58-8540-2A12-8310-3C23AE89636D}"/>
+              </a:ext>
+            </a:extLst>
+          </p:cNvPr>
+          <p:cNvSpPr/>
+          <p:nvPr/>
+        </p:nvSpPr>
+        <p:spPr>
+          <a:xfrm>
+            <a:off x="3968186" y="6426467"/>
+            <a:ext cx="1582643" cy="234809"/>
+          </a:xfrm>
+          <a:prstGeom prst="rect">
+            <a:avLst/>
+          </a:prstGeom>
+          <a:solidFill>
+            <a:srgbClr val="92D050"/>
+          </a:solidFill>
+        </p:spPr>
+        <p:style>
+          <a:lnRef idx="2">
+            <a:schemeClr val="accent6"/>
+          </a:lnRef>
+          <a:fillRef idx="1">
+            <a:schemeClr val="lt1"/>
+          </a:fillRef>
+          <a:effectRef idx="0">
+            <a:schemeClr val="accent6"/>
+          </a:effectRef>
+          <a:fontRef idx="minor">
+            <a:schemeClr val="dk1"/>
+          </a:fontRef>
+        </p:style>
+        <p:txBody>
+          <a:bodyPr rtlCol="0" anchor="ctr"/>
+          <a:lstStyle/>
+          <a:p>
+            <a:pPr algn="ctr"/>
+            <a:r>
+              <a:rPr lang="de-DE" sz="1200" dirty="0"/>
+              <a:t>Event Consumer</a:t>
+            </a:r>
+          </a:p>
+        </p:txBody>
+      </p:sp>
+      <p:sp>
+        <p:nvSpPr>
+          <p:cNvPr id="154" name="Rechteck 153">
+            <a:extLst>
+              <a:ext uri="{FF2B5EF4-FFF2-40B4-BE49-F238E27FC236}">
+                <a16:creationId xmlns:a16="http://schemas.microsoft.com/office/drawing/2014/main" id="{380B8213-EBE5-2CEB-2449-4BA4E4E51649}"/>
+              </a:ext>
+            </a:extLst>
+          </p:cNvPr>
+          <p:cNvSpPr/>
+          <p:nvPr/>
+        </p:nvSpPr>
+        <p:spPr>
+          <a:xfrm>
+            <a:off x="5849851" y="6425055"/>
+            <a:ext cx="1582643" cy="234809"/>
+          </a:xfrm>
+          <a:prstGeom prst="rect">
+            <a:avLst/>
+          </a:prstGeom>
+          <a:noFill/>
+        </p:spPr>
+        <p:style>
+          <a:lnRef idx="2">
+            <a:schemeClr val="accent6"/>
+          </a:lnRef>
+          <a:fillRef idx="1">
+            <a:schemeClr val="lt1"/>
+          </a:fillRef>
+          <a:effectRef idx="0">
+            <a:schemeClr val="accent6"/>
+          </a:effectRef>
+          <a:fontRef idx="minor">
+            <a:schemeClr val="dk1"/>
+          </a:fontRef>
+        </p:style>
+        <p:txBody>
+          <a:bodyPr rtlCol="0" anchor="ctr"/>
+          <a:lstStyle/>
+          <a:p>
+            <a:pPr algn="ctr"/>
+            <a:r>
+              <a:rPr lang="de-DE" sz="1200" dirty="0"/>
+              <a:t>Microservice</a:t>
+            </a:r>
+          </a:p>
+        </p:txBody>
+      </p:sp>
+      <p:cxnSp>
+        <p:nvCxnSpPr>
+          <p:cNvPr id="18" name="Gerade Verbindung mit Pfeil 17">
+            <a:extLst>
+              <a:ext uri="{FF2B5EF4-FFF2-40B4-BE49-F238E27FC236}">
+                <a16:creationId xmlns:a16="http://schemas.microsoft.com/office/drawing/2014/main" id="{808CBFFC-4042-5435-D55A-7248A79F2937}"/>
+              </a:ext>
+            </a:extLst>
+          </p:cNvPr>
+          <p:cNvCxnSpPr>
+            <a:cxnSpLocks/>
+            <a:stCxn id="111" idx="4"/>
+            <a:endCxn id="4" idx="1"/>
+          </p:cNvCxnSpPr>
+          <p:nvPr/>
+        </p:nvCxnSpPr>
+        <p:spPr>
+          <a:xfrm>
+            <a:off x="6032346" y="3315622"/>
+            <a:ext cx="1197231" cy="295410"/>
+          </a:xfrm>
+          <a:prstGeom prst="straightConnector1">
+            <a:avLst/>
+          </a:prstGeom>
+          <a:ln>
+            <a:tailEnd type="triangle"/>
+          </a:ln>
+        </p:spPr>
+        <p:style>
+          <a:lnRef idx="1">
+            <a:schemeClr val="accent1"/>
+          </a:lnRef>
+          <a:fillRef idx="0">
+            <a:schemeClr val="accent1"/>
+          </a:fillRef>
+          <a:effectRef idx="0">
+            <a:schemeClr val="accent1"/>
+          </a:effectRef>
+          <a:fontRef idx="minor">
+            <a:schemeClr val="tx1"/>
+          </a:fontRef>
+        </p:style>
+      </p:cxnSp>
+      <p:cxnSp>
+        <p:nvCxnSpPr>
+          <p:cNvPr id="22" name="Gerade Verbindung mit Pfeil 21">
+            <a:extLst>
+              <a:ext uri="{FF2B5EF4-FFF2-40B4-BE49-F238E27FC236}">
+                <a16:creationId xmlns:a16="http://schemas.microsoft.com/office/drawing/2014/main" id="{36A8DE08-CFE5-D821-4B17-F2A6D35FCA0E}"/>
+              </a:ext>
+            </a:extLst>
+          </p:cNvPr>
+          <p:cNvCxnSpPr>
+            <a:cxnSpLocks/>
+            <a:stCxn id="32" idx="4"/>
+            <a:endCxn id="4" idx="1"/>
+          </p:cNvCxnSpPr>
+          <p:nvPr/>
+        </p:nvCxnSpPr>
+        <p:spPr>
+          <a:xfrm flipV="1">
+            <a:off x="5408260" y="3611032"/>
+            <a:ext cx="1821317" cy="588264"/>
+          </a:xfrm>
+          <a:prstGeom prst="straightConnector1">
+            <a:avLst/>
+          </a:prstGeom>
+          <a:ln>
+            <a:tailEnd type="triangle"/>
+          </a:ln>
+        </p:spPr>
+        <p:style>
+          <a:lnRef idx="1">
+            <a:schemeClr val="accent1"/>
+          </a:lnRef>
+          <a:fillRef idx="0">
+            <a:schemeClr val="accent1"/>
+          </a:fillRef>
+          <a:effectRef idx="0">
+            <a:schemeClr val="accent1"/>
+          </a:effectRef>
+          <a:fontRef idx="minor">
+            <a:schemeClr val="tx1"/>
+          </a:fontRef>
+        </p:style>
+      </p:cxnSp>
+      <p:cxnSp>
+        <p:nvCxnSpPr>
+          <p:cNvPr id="34" name="Gerade Verbindung mit Pfeil 33">
+            <a:extLst>
+              <a:ext uri="{FF2B5EF4-FFF2-40B4-BE49-F238E27FC236}">
+                <a16:creationId xmlns:a16="http://schemas.microsoft.com/office/drawing/2014/main" id="{B14C2D5B-14C4-85F7-1526-678FD8FCEF5F}"/>
+              </a:ext>
+            </a:extLst>
+          </p:cNvPr>
+          <p:cNvCxnSpPr>
+            <a:cxnSpLocks/>
+            <a:stCxn id="99" idx="0"/>
+          </p:cNvCxnSpPr>
+          <p:nvPr/>
+        </p:nvCxnSpPr>
+        <p:spPr>
+          <a:xfrm flipH="1" flipV="1">
+            <a:off x="8037229" y="4028884"/>
+            <a:ext cx="765271" cy="527842"/>
+          </a:xfrm>
+          <a:prstGeom prst="straightConnector1">
+            <a:avLst/>
+          </a:prstGeom>
+          <a:ln>
+            <a:tailEnd type="triangle"/>
+          </a:ln>
+        </p:spPr>
+        <p:style>
+          <a:lnRef idx="1">
+            <a:schemeClr val="accent1"/>
+          </a:lnRef>
+          <a:fillRef idx="0">
+            <a:schemeClr val="accent1"/>
+          </a:fillRef>
+          <a:effectRef idx="0">
+            <a:schemeClr val="accent1"/>
+          </a:effectRef>
+          <a:fontRef idx="minor">
+            <a:schemeClr val="tx1"/>
+          </a:fontRef>
+        </p:style>
+      </p:cxnSp>
+      <p:sp>
+        <p:nvSpPr>
+          <p:cNvPr id="50" name="Rechteck 49">
+            <a:extLst>
+              <a:ext uri="{FF2B5EF4-FFF2-40B4-BE49-F238E27FC236}">
+                <a16:creationId xmlns:a16="http://schemas.microsoft.com/office/drawing/2014/main" id="{E3ED81F7-EE9B-F8E1-AAB1-361F26838E2F}"/>
+              </a:ext>
+            </a:extLst>
+          </p:cNvPr>
+          <p:cNvSpPr/>
+          <p:nvPr/>
+        </p:nvSpPr>
+        <p:spPr>
+          <a:xfrm>
+            <a:off x="237483" y="2732162"/>
+            <a:ext cx="1658432" cy="921044"/>
           </a:xfrm>
           <a:prstGeom prst="rect">
             <a:avLst/>
@@ -6239,115 +7565,24 @@
       </p:sp>
       <p:cxnSp>
         <p:nvCxnSpPr>
-          <p:cNvPr id="108" name="Gerade Verbindung mit Pfeil 107">
-            <a:extLst>
-              <a:ext uri="{FF2B5EF4-FFF2-40B4-BE49-F238E27FC236}">
-                <a16:creationId xmlns:a16="http://schemas.microsoft.com/office/drawing/2014/main" id="{4C0A85DE-5AC6-F9AC-93A3-2C7C7B31BDED}"/>
+          <p:cNvPr id="52" name="Gerade Verbindung mit Pfeil 51">
+            <a:extLst>
+              <a:ext uri="{FF2B5EF4-FFF2-40B4-BE49-F238E27FC236}">
+                <a16:creationId xmlns:a16="http://schemas.microsoft.com/office/drawing/2014/main" id="{4BFE4521-6BDB-0DF8-8CF3-FE259EF95054}"/>
               </a:ext>
             </a:extLst>
           </p:cNvPr>
           <p:cNvCxnSpPr>
             <a:cxnSpLocks/>
-            <a:stCxn id="99" idx="3"/>
-            <a:endCxn id="4" idx="1"/>
+            <a:stCxn id="30" idx="1"/>
+            <a:endCxn id="14" idx="3"/>
           </p:cNvCxnSpPr>
           <p:nvPr/>
         </p:nvCxnSpPr>
         <p:spPr>
-          <a:xfrm flipV="1">
-            <a:off x="9333166" y="4040065"/>
-            <a:ext cx="674576" cy="853691"/>
-          </a:xfrm>
-          <a:prstGeom prst="straightConnector1">
-            <a:avLst/>
-          </a:prstGeom>
-          <a:ln>
-            <a:headEnd type="triangle"/>
-            <a:tailEnd type="triangle"/>
-          </a:ln>
-        </p:spPr>
-        <p:style>
-          <a:lnRef idx="1">
-            <a:schemeClr val="accent1"/>
-          </a:lnRef>
-          <a:fillRef idx="0">
-            <a:schemeClr val="accent1"/>
-          </a:fillRef>
-          <a:effectRef idx="0">
-            <a:schemeClr val="accent1"/>
-          </a:effectRef>
-          <a:fontRef idx="minor">
-            <a:schemeClr val="tx1"/>
-          </a:fontRef>
-        </p:style>
-      </p:cxnSp>
-      <p:sp>
-        <p:nvSpPr>
-          <p:cNvPr id="111" name="Flussdiagramm: Magnetplattenspeicher 110">
-            <a:extLst>
-              <a:ext uri="{FF2B5EF4-FFF2-40B4-BE49-F238E27FC236}">
-                <a16:creationId xmlns:a16="http://schemas.microsoft.com/office/drawing/2014/main" id="{28811D5D-9186-D661-CE29-25BE6045E408}"/>
-              </a:ext>
-            </a:extLst>
-          </p:cNvPr>
-          <p:cNvSpPr/>
-          <p:nvPr/>
-        </p:nvSpPr>
-        <p:spPr>
-          <a:xfrm>
-            <a:off x="6548808" y="3392528"/>
-            <a:ext cx="839489" cy="800568"/>
-          </a:xfrm>
-          <a:prstGeom prst="flowChartMagneticDisk">
-            <a:avLst/>
-          </a:prstGeom>
-        </p:spPr>
-        <p:style>
-          <a:lnRef idx="2">
-            <a:schemeClr val="accent6"/>
-          </a:lnRef>
-          <a:fillRef idx="1">
-            <a:schemeClr val="lt1"/>
-          </a:fillRef>
-          <a:effectRef idx="0">
-            <a:schemeClr val="accent6"/>
-          </a:effectRef>
-          <a:fontRef idx="minor">
-            <a:schemeClr val="dk1"/>
-          </a:fontRef>
-        </p:style>
-        <p:txBody>
-          <a:bodyPr rtlCol="0" anchor="ctr"/>
-          <a:lstStyle/>
-          <a:p>
-            <a:pPr algn="ctr"/>
-            <a:r>
-              <a:rPr lang="de-DE" sz="1600" dirty="0"/>
-              <a:t>Patient DB</a:t>
-            </a:r>
-          </a:p>
-        </p:txBody>
-      </p:sp>
-      <p:cxnSp>
-        <p:nvCxnSpPr>
-          <p:cNvPr id="113" name="Gerade Verbindung mit Pfeil 112">
-            <a:extLst>
-              <a:ext uri="{FF2B5EF4-FFF2-40B4-BE49-F238E27FC236}">
-                <a16:creationId xmlns:a16="http://schemas.microsoft.com/office/drawing/2014/main" id="{B9DDB9D9-904C-A342-BDED-46FFCA7EC044}"/>
-              </a:ext>
-            </a:extLst>
-          </p:cNvPr>
-          <p:cNvCxnSpPr>
-            <a:cxnSpLocks/>
-            <a:stCxn id="20" idx="2"/>
-            <a:endCxn id="111" idx="1"/>
-          </p:cNvCxnSpPr>
-          <p:nvPr/>
-        </p:nvCxnSpPr>
-        <p:spPr>
-          <a:xfrm>
-            <a:off x="6151755" y="2741878"/>
-            <a:ext cx="816798" cy="650650"/>
+          <a:xfrm flipH="1" flipV="1">
+            <a:off x="1866639" y="2162115"/>
+            <a:ext cx="1051827" cy="368394"/>
           </a:xfrm>
           <a:prstGeom prst="straightConnector1">
             <a:avLst/>
@@ -6373,24 +7608,24 @@
       </p:cxnSp>
       <p:cxnSp>
         <p:nvCxnSpPr>
-          <p:cNvPr id="115" name="Gerade Verbindung mit Pfeil 114">
-            <a:extLst>
-              <a:ext uri="{FF2B5EF4-FFF2-40B4-BE49-F238E27FC236}">
-                <a16:creationId xmlns:a16="http://schemas.microsoft.com/office/drawing/2014/main" id="{26C9E04E-1776-DAFD-56CF-29A409B21910}"/>
+          <p:cNvPr id="57" name="Gerade Verbindung mit Pfeil 56">
+            <a:extLst>
+              <a:ext uri="{FF2B5EF4-FFF2-40B4-BE49-F238E27FC236}">
+                <a16:creationId xmlns:a16="http://schemas.microsoft.com/office/drawing/2014/main" id="{14C6FA18-29C7-F7D7-F4C2-484F01F871FB}"/>
               </a:ext>
             </a:extLst>
           </p:cNvPr>
           <p:cNvCxnSpPr>
             <a:cxnSpLocks/>
-            <a:stCxn id="77" idx="2"/>
-            <a:endCxn id="20" idx="0"/>
+            <a:stCxn id="20" idx="1"/>
+            <a:endCxn id="30" idx="3"/>
           </p:cNvCxnSpPr>
           <p:nvPr/>
         </p:nvCxnSpPr>
         <p:spPr>
           <a:xfrm flipH="1">
-            <a:off x="6151755" y="1210955"/>
-            <a:ext cx="31981" cy="530352"/>
+            <a:off x="4421268" y="1937594"/>
+            <a:ext cx="739916" cy="592915"/>
           </a:xfrm>
           <a:prstGeom prst="straightConnector1">
             <a:avLst/>
@@ -6414,1223 +7649,6 @@
           </a:fontRef>
         </p:style>
       </p:cxnSp>
-      <p:sp>
-        <p:nvSpPr>
-          <p:cNvPr id="120" name="Rechteck 119">
-            <a:extLst>
-              <a:ext uri="{FF2B5EF4-FFF2-40B4-BE49-F238E27FC236}">
-                <a16:creationId xmlns:a16="http://schemas.microsoft.com/office/drawing/2014/main" id="{71BFF247-C41F-1EEC-F8FA-509EA17EFEF2}"/>
-              </a:ext>
-            </a:extLst>
-          </p:cNvPr>
-          <p:cNvSpPr/>
-          <p:nvPr/>
-        </p:nvSpPr>
-        <p:spPr>
-          <a:xfrm>
-            <a:off x="9587933" y="1758090"/>
-            <a:ext cx="1761838" cy="968910"/>
-          </a:xfrm>
-          <a:prstGeom prst="rect">
-            <a:avLst/>
-          </a:prstGeom>
-          <a:solidFill>
-            <a:srgbClr val="92D050"/>
-          </a:solidFill>
-        </p:spPr>
-        <p:style>
-          <a:lnRef idx="2">
-            <a:schemeClr val="accent6"/>
-          </a:lnRef>
-          <a:fillRef idx="1">
-            <a:schemeClr val="lt1"/>
-          </a:fillRef>
-          <a:effectRef idx="0">
-            <a:schemeClr val="accent6"/>
-          </a:effectRef>
-          <a:fontRef idx="minor">
-            <a:schemeClr val="dk1"/>
-          </a:fontRef>
-        </p:style>
-        <p:txBody>
-          <a:bodyPr rtlCol="0" anchor="ctr"/>
-          <a:lstStyle/>
-          <a:p>
-            <a:pPr algn="ctr"/>
-            <a:r>
-              <a:rPr lang="de-DE" dirty="0" err="1"/>
-              <a:t>MonitorMe</a:t>
-            </a:r>
-            <a:r>
-              <a:rPr lang="de-DE" dirty="0"/>
-              <a:t> App</a:t>
-            </a:r>
-          </a:p>
-        </p:txBody>
-      </p:sp>
-      <p:cxnSp>
-        <p:nvCxnSpPr>
-          <p:cNvPr id="122" name="Gerade Verbindung mit Pfeil 121">
-            <a:extLst>
-              <a:ext uri="{FF2B5EF4-FFF2-40B4-BE49-F238E27FC236}">
-                <a16:creationId xmlns:a16="http://schemas.microsoft.com/office/drawing/2014/main" id="{1328A6A4-55FF-44D8-E4BF-0866B24CE1F5}"/>
-              </a:ext>
-            </a:extLst>
-          </p:cNvPr>
-          <p:cNvCxnSpPr>
-            <a:cxnSpLocks/>
-            <a:stCxn id="99" idx="0"/>
-            <a:endCxn id="128" idx="2"/>
-          </p:cNvCxnSpPr>
-          <p:nvPr/>
-        </p:nvCxnSpPr>
-        <p:spPr>
-          <a:xfrm flipH="1" flipV="1">
-            <a:off x="8599443" y="3752348"/>
-            <a:ext cx="10928" cy="809248"/>
-          </a:xfrm>
-          <a:prstGeom prst="straightConnector1">
-            <a:avLst/>
-          </a:prstGeom>
-          <a:ln>
-            <a:tailEnd type="triangle"/>
-          </a:ln>
-        </p:spPr>
-        <p:style>
-          <a:lnRef idx="1">
-            <a:schemeClr val="accent1"/>
-          </a:lnRef>
-          <a:fillRef idx="0">
-            <a:schemeClr val="accent1"/>
-          </a:fillRef>
-          <a:effectRef idx="0">
-            <a:schemeClr val="accent1"/>
-          </a:effectRef>
-          <a:fontRef idx="minor">
-            <a:schemeClr val="tx1"/>
-          </a:fontRef>
-        </p:style>
-      </p:cxnSp>
-      <p:sp>
-        <p:nvSpPr>
-          <p:cNvPr id="128" name="Rechteck 127">
-            <a:extLst>
-              <a:ext uri="{FF2B5EF4-FFF2-40B4-BE49-F238E27FC236}">
-                <a16:creationId xmlns:a16="http://schemas.microsoft.com/office/drawing/2014/main" id="{D781D453-BD77-CDE3-6713-E737326BD180}"/>
-              </a:ext>
-            </a:extLst>
-          </p:cNvPr>
-          <p:cNvSpPr/>
-          <p:nvPr/>
-        </p:nvSpPr>
-        <p:spPr>
-          <a:xfrm>
-            <a:off x="7750314" y="3129269"/>
-            <a:ext cx="1698257" cy="623079"/>
-          </a:xfrm>
-          <a:prstGeom prst="rect">
-            <a:avLst/>
-          </a:prstGeom>
-          <a:solidFill>
-            <a:schemeClr val="bg1">
-              <a:lumMod val="95000"/>
-            </a:schemeClr>
-          </a:solidFill>
-        </p:spPr>
-        <p:style>
-          <a:lnRef idx="2">
-            <a:schemeClr val="accent6"/>
-          </a:lnRef>
-          <a:fillRef idx="1">
-            <a:schemeClr val="lt1"/>
-          </a:fillRef>
-          <a:effectRef idx="0">
-            <a:schemeClr val="accent6"/>
-          </a:effectRef>
-          <a:fontRef idx="minor">
-            <a:schemeClr val="dk1"/>
-          </a:fontRef>
-        </p:style>
-        <p:txBody>
-          <a:bodyPr rtlCol="0" anchor="ctr"/>
-          <a:lstStyle/>
-          <a:p>
-            <a:pPr algn="ctr"/>
-            <a:endParaRPr lang="de-DE" dirty="0"/>
-          </a:p>
-          <a:p>
-            <a:pPr algn="ctr"/>
-            <a:r>
-              <a:rPr lang="de-DE" dirty="0" err="1"/>
-              <a:t>Notification</a:t>
-            </a:r>
-            <a:r>
-              <a:rPr lang="de-DE" dirty="0"/>
-              <a:t> Event Channel</a:t>
-            </a:r>
-            <a:endParaRPr lang="de-DE" sz="1200" dirty="0"/>
-          </a:p>
-          <a:p>
-            <a:pPr algn="ctr"/>
-            <a:endParaRPr lang="de-DE" dirty="0"/>
-          </a:p>
-        </p:txBody>
-      </p:sp>
-      <p:cxnSp>
-        <p:nvCxnSpPr>
-          <p:cNvPr id="161" name="Gerade Verbindung mit Pfeil 160">
-            <a:extLst>
-              <a:ext uri="{FF2B5EF4-FFF2-40B4-BE49-F238E27FC236}">
-                <a16:creationId xmlns:a16="http://schemas.microsoft.com/office/drawing/2014/main" id="{F9FA3A55-F317-8BDB-88E7-2D531E70D412}"/>
-              </a:ext>
-            </a:extLst>
-          </p:cNvPr>
-          <p:cNvCxnSpPr>
-            <a:cxnSpLocks/>
-            <a:stCxn id="128" idx="0"/>
-            <a:endCxn id="120" idx="1"/>
-          </p:cNvCxnSpPr>
-          <p:nvPr/>
-        </p:nvCxnSpPr>
-        <p:spPr>
-          <a:xfrm flipV="1">
-            <a:off x="8599443" y="2242545"/>
-            <a:ext cx="988490" cy="886724"/>
-          </a:xfrm>
-          <a:prstGeom prst="straightConnector1">
-            <a:avLst/>
-          </a:prstGeom>
-          <a:ln>
-            <a:tailEnd type="triangle"/>
-          </a:ln>
-        </p:spPr>
-        <p:style>
-          <a:lnRef idx="1">
-            <a:schemeClr val="accent1"/>
-          </a:lnRef>
-          <a:fillRef idx="0">
-            <a:schemeClr val="accent1"/>
-          </a:fillRef>
-          <a:effectRef idx="0">
-            <a:schemeClr val="accent1"/>
-          </a:effectRef>
-          <a:fontRef idx="minor">
-            <a:schemeClr val="tx1"/>
-          </a:fontRef>
-        </p:style>
-      </p:cxnSp>
-      <p:cxnSp>
-        <p:nvCxnSpPr>
-          <p:cNvPr id="163" name="Gerade Verbindung mit Pfeil 162">
-            <a:extLst>
-              <a:ext uri="{FF2B5EF4-FFF2-40B4-BE49-F238E27FC236}">
-                <a16:creationId xmlns:a16="http://schemas.microsoft.com/office/drawing/2014/main" id="{86305ED6-E89D-CEC5-C8DE-D43D2BC374AC}"/>
-              </a:ext>
-            </a:extLst>
-          </p:cNvPr>
-          <p:cNvCxnSpPr>
-            <a:cxnSpLocks/>
-            <a:stCxn id="82" idx="2"/>
-            <a:endCxn id="120" idx="0"/>
-          </p:cNvCxnSpPr>
-          <p:nvPr/>
-        </p:nvCxnSpPr>
-        <p:spPr>
-          <a:xfrm flipH="1">
-            <a:off x="10468852" y="1259047"/>
-            <a:ext cx="57144" cy="499043"/>
-          </a:xfrm>
-          <a:prstGeom prst="straightConnector1">
-            <a:avLst/>
-          </a:prstGeom>
-          <a:ln>
-            <a:tailEnd type="triangle"/>
-          </a:ln>
-        </p:spPr>
-        <p:style>
-          <a:lnRef idx="1">
-            <a:schemeClr val="accent1"/>
-          </a:lnRef>
-          <a:fillRef idx="0">
-            <a:schemeClr val="accent1"/>
-          </a:fillRef>
-          <a:effectRef idx="0">
-            <a:schemeClr val="accent1"/>
-          </a:effectRef>
-          <a:fontRef idx="minor">
-            <a:schemeClr val="tx1"/>
-          </a:fontRef>
-        </p:style>
-      </p:cxnSp>
-      <p:cxnSp>
-        <p:nvCxnSpPr>
-          <p:cNvPr id="197" name="Gerade Verbindung mit Pfeil 196">
-            <a:extLst>
-              <a:ext uri="{FF2B5EF4-FFF2-40B4-BE49-F238E27FC236}">
-                <a16:creationId xmlns:a16="http://schemas.microsoft.com/office/drawing/2014/main" id="{D8D7F948-9EBD-6730-DF0D-24EEAFEAC0BE}"/>
-              </a:ext>
-            </a:extLst>
-          </p:cNvPr>
-          <p:cNvCxnSpPr>
-            <a:cxnSpLocks/>
-            <a:endCxn id="30" idx="0"/>
-          </p:cNvCxnSpPr>
-          <p:nvPr/>
-        </p:nvCxnSpPr>
-        <p:spPr>
-          <a:xfrm flipH="1">
-            <a:off x="3516695" y="761928"/>
-            <a:ext cx="1591671" cy="1317115"/>
-          </a:xfrm>
-          <a:prstGeom prst="straightConnector1">
-            <a:avLst/>
-          </a:prstGeom>
-          <a:ln>
-            <a:tailEnd type="triangle"/>
-          </a:ln>
-        </p:spPr>
-        <p:style>
-          <a:lnRef idx="1">
-            <a:schemeClr val="accent1"/>
-          </a:lnRef>
-          <a:fillRef idx="0">
-            <a:schemeClr val="accent1"/>
-          </a:fillRef>
-          <a:effectRef idx="0">
-            <a:schemeClr val="accent1"/>
-          </a:effectRef>
-          <a:fontRef idx="minor">
-            <a:schemeClr val="tx1"/>
-          </a:fontRef>
-        </p:style>
-      </p:cxnSp>
-      <p:cxnSp>
-        <p:nvCxnSpPr>
-          <p:cNvPr id="199" name="Gerade Verbindung mit Pfeil 198">
-            <a:extLst>
-              <a:ext uri="{FF2B5EF4-FFF2-40B4-BE49-F238E27FC236}">
-                <a16:creationId xmlns:a16="http://schemas.microsoft.com/office/drawing/2014/main" id="{DA34F3F9-82D1-DEDA-D4F0-38D65F4FE50E}"/>
-              </a:ext>
-            </a:extLst>
-          </p:cNvPr>
-          <p:cNvCxnSpPr>
-            <a:cxnSpLocks/>
-            <a:stCxn id="30" idx="1"/>
-            <a:endCxn id="14" idx="3"/>
-          </p:cNvCxnSpPr>
-          <p:nvPr/>
-        </p:nvCxnSpPr>
-        <p:spPr>
-          <a:xfrm flipH="1" flipV="1">
-            <a:off x="1866639" y="2162115"/>
-            <a:ext cx="1051827" cy="368394"/>
-          </a:xfrm>
-          <a:prstGeom prst="straightConnector1">
-            <a:avLst/>
-          </a:prstGeom>
-          <a:ln>
-            <a:tailEnd type="triangle"/>
-          </a:ln>
-        </p:spPr>
-        <p:style>
-          <a:lnRef idx="1">
-            <a:schemeClr val="accent1"/>
-          </a:lnRef>
-          <a:fillRef idx="0">
-            <a:schemeClr val="accent1"/>
-          </a:fillRef>
-          <a:effectRef idx="0">
-            <a:schemeClr val="accent1"/>
-          </a:effectRef>
-          <a:fontRef idx="minor">
-            <a:schemeClr val="tx1"/>
-          </a:fontRef>
-        </p:style>
-      </p:cxnSp>
-      <p:cxnSp>
-        <p:nvCxnSpPr>
-          <p:cNvPr id="204" name="Gerade Verbindung mit Pfeil 203">
-            <a:extLst>
-              <a:ext uri="{FF2B5EF4-FFF2-40B4-BE49-F238E27FC236}">
-                <a16:creationId xmlns:a16="http://schemas.microsoft.com/office/drawing/2014/main" id="{54DA7562-BF7F-CC06-0725-4213A5A03EDB}"/>
-              </a:ext>
-            </a:extLst>
-          </p:cNvPr>
-          <p:cNvCxnSpPr>
-            <a:cxnSpLocks/>
-            <a:stCxn id="3" idx="3"/>
-            <a:endCxn id="2" idx="1"/>
-          </p:cNvCxnSpPr>
-          <p:nvPr/>
-        </p:nvCxnSpPr>
-        <p:spPr>
-          <a:xfrm flipV="1">
-            <a:off x="1877392" y="5544351"/>
-            <a:ext cx="568534" cy="657"/>
-          </a:xfrm>
-          <a:prstGeom prst="straightConnector1">
-            <a:avLst/>
-          </a:prstGeom>
-          <a:ln>
-            <a:tailEnd type="triangle"/>
-          </a:ln>
-        </p:spPr>
-        <p:style>
-          <a:lnRef idx="1">
-            <a:schemeClr val="accent1"/>
-          </a:lnRef>
-          <a:fillRef idx="0">
-            <a:schemeClr val="accent1"/>
-          </a:fillRef>
-          <a:effectRef idx="0">
-            <a:schemeClr val="accent1"/>
-          </a:effectRef>
-          <a:fontRef idx="minor">
-            <a:schemeClr val="tx1"/>
-          </a:fontRef>
-        </p:style>
-      </p:cxnSp>
-      <p:sp>
-        <p:nvSpPr>
-          <p:cNvPr id="4" name="Rechteck 3">
-            <a:extLst>
-              <a:ext uri="{FF2B5EF4-FFF2-40B4-BE49-F238E27FC236}">
-                <a16:creationId xmlns:a16="http://schemas.microsoft.com/office/drawing/2014/main" id="{74C57912-408F-2951-BB63-EB10E0C863AF}"/>
-              </a:ext>
-            </a:extLst>
-          </p:cNvPr>
-          <p:cNvSpPr/>
-          <p:nvPr/>
-        </p:nvSpPr>
-        <p:spPr>
-          <a:xfrm>
-            <a:off x="10007742" y="3507520"/>
-            <a:ext cx="1445591" cy="1065089"/>
-          </a:xfrm>
-          <a:prstGeom prst="rect">
-            <a:avLst/>
-          </a:prstGeom>
-        </p:spPr>
-        <p:style>
-          <a:lnRef idx="2">
-            <a:schemeClr val="accent6"/>
-          </a:lnRef>
-          <a:fillRef idx="1">
-            <a:schemeClr val="lt1"/>
-          </a:fillRef>
-          <a:effectRef idx="0">
-            <a:schemeClr val="accent6"/>
-          </a:effectRef>
-          <a:fontRef idx="minor">
-            <a:schemeClr val="dk1"/>
-          </a:fontRef>
-        </p:style>
-        <p:txBody>
-          <a:bodyPr rtlCol="0" anchor="ctr"/>
-          <a:lstStyle/>
-          <a:p>
-            <a:pPr algn="ctr"/>
-            <a:endParaRPr lang="de-DE" dirty="0"/>
-          </a:p>
-          <a:p>
-            <a:pPr algn="ctr"/>
-            <a:r>
-              <a:rPr lang="de-DE" dirty="0"/>
-              <a:t>Analyse </a:t>
-            </a:r>
-            <a:r>
-              <a:rPr lang="de-DE" dirty="0" err="1"/>
-              <a:t>rule</a:t>
-            </a:r>
-            <a:r>
-              <a:rPr lang="de-DE" dirty="0"/>
-              <a:t> </a:t>
-            </a:r>
-            <a:r>
-              <a:rPr lang="de-DE" dirty="0" err="1"/>
-              <a:t>builder</a:t>
-            </a:r>
-            <a:endParaRPr lang="de-DE" dirty="0"/>
-          </a:p>
-          <a:p>
-            <a:pPr algn="ctr"/>
-            <a:endParaRPr lang="de-DE" dirty="0"/>
-          </a:p>
-        </p:txBody>
-      </p:sp>
-      <p:cxnSp>
-        <p:nvCxnSpPr>
-          <p:cNvPr id="11" name="Gerade Verbindung mit Pfeil 10">
-            <a:extLst>
-              <a:ext uri="{FF2B5EF4-FFF2-40B4-BE49-F238E27FC236}">
-                <a16:creationId xmlns:a16="http://schemas.microsoft.com/office/drawing/2014/main" id="{A9E49C53-C5A9-467E-67F7-6636854599CA}"/>
-              </a:ext>
-            </a:extLst>
-          </p:cNvPr>
-          <p:cNvCxnSpPr>
-            <a:cxnSpLocks/>
-            <a:stCxn id="4" idx="2"/>
-            <a:endCxn id="100" idx="0"/>
-          </p:cNvCxnSpPr>
-          <p:nvPr/>
-        </p:nvCxnSpPr>
-        <p:spPr>
-          <a:xfrm>
-            <a:off x="10730538" y="4572609"/>
-            <a:ext cx="44764" cy="565822"/>
-          </a:xfrm>
-          <a:prstGeom prst="straightConnector1">
-            <a:avLst/>
-          </a:prstGeom>
-          <a:ln>
-            <a:tailEnd type="triangle"/>
-          </a:ln>
-        </p:spPr>
-        <p:style>
-          <a:lnRef idx="1">
-            <a:schemeClr val="accent1"/>
-          </a:lnRef>
-          <a:fillRef idx="0">
-            <a:schemeClr val="accent1"/>
-          </a:fillRef>
-          <a:effectRef idx="0">
-            <a:schemeClr val="accent1"/>
-          </a:effectRef>
-          <a:fontRef idx="minor">
-            <a:schemeClr val="tx1"/>
-          </a:fontRef>
-        </p:style>
-      </p:cxnSp>
-      <p:cxnSp>
-        <p:nvCxnSpPr>
-          <p:cNvPr id="27" name="Gerade Verbindung mit Pfeil 26">
-            <a:extLst>
-              <a:ext uri="{FF2B5EF4-FFF2-40B4-BE49-F238E27FC236}">
-                <a16:creationId xmlns:a16="http://schemas.microsoft.com/office/drawing/2014/main" id="{7CCD53F8-2E83-BCD6-8658-8D86E23998A0}"/>
-              </a:ext>
-            </a:extLst>
-          </p:cNvPr>
-          <p:cNvCxnSpPr>
-            <a:cxnSpLocks/>
-            <a:stCxn id="2" idx="3"/>
-            <a:endCxn id="44" idx="1"/>
-          </p:cNvCxnSpPr>
-          <p:nvPr/>
-        </p:nvCxnSpPr>
-        <p:spPr>
-          <a:xfrm flipV="1">
-            <a:off x="4028569" y="5525476"/>
-            <a:ext cx="1156309" cy="18875"/>
-          </a:xfrm>
-          <a:prstGeom prst="straightConnector1">
-            <a:avLst/>
-          </a:prstGeom>
-          <a:ln>
-            <a:tailEnd type="triangle"/>
-          </a:ln>
-        </p:spPr>
-        <p:style>
-          <a:lnRef idx="1">
-            <a:schemeClr val="accent1"/>
-          </a:lnRef>
-          <a:fillRef idx="0">
-            <a:schemeClr val="accent1"/>
-          </a:fillRef>
-          <a:effectRef idx="0">
-            <a:schemeClr val="accent1"/>
-          </a:effectRef>
-          <a:fontRef idx="minor">
-            <a:schemeClr val="tx1"/>
-          </a:fontRef>
-        </p:style>
-      </p:cxnSp>
-      <p:cxnSp>
-        <p:nvCxnSpPr>
-          <p:cNvPr id="40" name="Gerade Verbindung mit Pfeil 39">
-            <a:extLst>
-              <a:ext uri="{FF2B5EF4-FFF2-40B4-BE49-F238E27FC236}">
-                <a16:creationId xmlns:a16="http://schemas.microsoft.com/office/drawing/2014/main" id="{9D77B0EB-5B98-D448-502D-160BE7972833}"/>
-              </a:ext>
-            </a:extLst>
-          </p:cNvPr>
-          <p:cNvCxnSpPr>
-            <a:cxnSpLocks/>
-            <a:stCxn id="128" idx="0"/>
-            <a:endCxn id="20" idx="3"/>
-          </p:cNvCxnSpPr>
-          <p:nvPr/>
-        </p:nvCxnSpPr>
-        <p:spPr>
-          <a:xfrm flipH="1" flipV="1">
-            <a:off x="7174306" y="2241593"/>
-            <a:ext cx="1425137" cy="887676"/>
-          </a:xfrm>
-          <a:prstGeom prst="straightConnector1">
-            <a:avLst/>
-          </a:prstGeom>
-          <a:ln>
-            <a:tailEnd type="triangle"/>
-          </a:ln>
-        </p:spPr>
-        <p:style>
-          <a:lnRef idx="1">
-            <a:schemeClr val="accent1"/>
-          </a:lnRef>
-          <a:fillRef idx="0">
-            <a:schemeClr val="accent1"/>
-          </a:fillRef>
-          <a:effectRef idx="0">
-            <a:schemeClr val="accent1"/>
-          </a:effectRef>
-          <a:fontRef idx="minor">
-            <a:schemeClr val="tx1"/>
-          </a:fontRef>
-        </p:style>
-      </p:cxnSp>
-      <p:sp>
-        <p:nvSpPr>
-          <p:cNvPr id="32" name="Flussdiagramm: Magnetplattenspeicher 31">
-            <a:extLst>
-              <a:ext uri="{FF2B5EF4-FFF2-40B4-BE49-F238E27FC236}">
-                <a16:creationId xmlns:a16="http://schemas.microsoft.com/office/drawing/2014/main" id="{84323946-92CD-F020-30E5-55CE6785220E}"/>
-              </a:ext>
-            </a:extLst>
-          </p:cNvPr>
-          <p:cNvSpPr/>
-          <p:nvPr/>
-        </p:nvSpPr>
-        <p:spPr>
-          <a:xfrm>
-            <a:off x="4433790" y="3617582"/>
-            <a:ext cx="983126" cy="865854"/>
-          </a:xfrm>
-          <a:prstGeom prst="flowChartMagneticDisk">
-            <a:avLst/>
-          </a:prstGeom>
-        </p:spPr>
-        <p:style>
-          <a:lnRef idx="2">
-            <a:schemeClr val="accent6"/>
-          </a:lnRef>
-          <a:fillRef idx="1">
-            <a:schemeClr val="lt1"/>
-          </a:fillRef>
-          <a:effectRef idx="0">
-            <a:schemeClr val="accent6"/>
-          </a:effectRef>
-          <a:fontRef idx="minor">
-            <a:schemeClr val="dk1"/>
-          </a:fontRef>
-        </p:style>
-        <p:txBody>
-          <a:bodyPr rtlCol="0" anchor="ctr"/>
-          <a:lstStyle/>
-          <a:p>
-            <a:pPr algn="ctr"/>
-            <a:r>
-              <a:rPr lang="de-DE" dirty="0"/>
-              <a:t>Signal DB</a:t>
-            </a:r>
-          </a:p>
-        </p:txBody>
-      </p:sp>
-      <p:sp>
-        <p:nvSpPr>
-          <p:cNvPr id="44" name="Rechteck 43">
-            <a:extLst>
-              <a:ext uri="{FF2B5EF4-FFF2-40B4-BE49-F238E27FC236}">
-                <a16:creationId xmlns:a16="http://schemas.microsoft.com/office/drawing/2014/main" id="{94685144-9530-7E9A-91F5-3136A7ABC40F}"/>
-              </a:ext>
-            </a:extLst>
-          </p:cNvPr>
-          <p:cNvSpPr/>
-          <p:nvPr/>
-        </p:nvSpPr>
-        <p:spPr>
-          <a:xfrm>
-            <a:off x="5184878" y="5087357"/>
-            <a:ext cx="1822243" cy="876238"/>
-          </a:xfrm>
-          <a:prstGeom prst="rect">
-            <a:avLst/>
-          </a:prstGeom>
-          <a:solidFill>
-            <a:srgbClr val="92D050"/>
-          </a:solidFill>
-        </p:spPr>
-        <p:style>
-          <a:lnRef idx="2">
-            <a:schemeClr val="accent6"/>
-          </a:lnRef>
-          <a:fillRef idx="1">
-            <a:schemeClr val="lt1"/>
-          </a:fillRef>
-          <a:effectRef idx="0">
-            <a:schemeClr val="accent6"/>
-          </a:effectRef>
-          <a:fontRef idx="minor">
-            <a:schemeClr val="dk1"/>
-          </a:fontRef>
-        </p:style>
-        <p:txBody>
-          <a:bodyPr rtlCol="0" anchor="ctr"/>
-          <a:lstStyle/>
-          <a:p>
-            <a:pPr algn="ctr"/>
-            <a:r>
-              <a:rPr lang="de-DE" dirty="0"/>
-              <a:t>Patient Signal</a:t>
-            </a:r>
-          </a:p>
-          <a:p>
-            <a:pPr algn="ctr"/>
-            <a:r>
-              <a:rPr lang="de-DE" dirty="0" err="1"/>
-              <a:t>Collector</a:t>
-            </a:r>
-            <a:endParaRPr lang="de-DE" dirty="0"/>
-          </a:p>
-          <a:p>
-            <a:pPr algn="ctr"/>
-            <a:r>
-              <a:rPr lang="de-DE" sz="1200" dirty="0"/>
-              <a:t>(all Signals per </a:t>
-            </a:r>
-            <a:r>
-              <a:rPr lang="de-DE" sz="1200" dirty="0" err="1"/>
-              <a:t>patient</a:t>
-            </a:r>
-            <a:r>
-              <a:rPr lang="de-DE" sz="1200" dirty="0"/>
-              <a:t>)</a:t>
-            </a:r>
-          </a:p>
-        </p:txBody>
-      </p:sp>
-      <p:sp>
-        <p:nvSpPr>
-          <p:cNvPr id="54" name="Rechteck 53">
-            <a:extLst>
-              <a:ext uri="{FF2B5EF4-FFF2-40B4-BE49-F238E27FC236}">
-                <a16:creationId xmlns:a16="http://schemas.microsoft.com/office/drawing/2014/main" id="{AD449FD3-8B2C-44FB-182E-7D32CD4DA1C6}"/>
-              </a:ext>
-            </a:extLst>
-          </p:cNvPr>
-          <p:cNvSpPr/>
-          <p:nvPr/>
-        </p:nvSpPr>
-        <p:spPr>
-          <a:xfrm>
-            <a:off x="2040790" y="3617581"/>
-            <a:ext cx="1196458" cy="902931"/>
-          </a:xfrm>
-          <a:prstGeom prst="rect">
-            <a:avLst/>
-          </a:prstGeom>
-          <a:solidFill>
-            <a:srgbClr val="92D050"/>
-          </a:solidFill>
-        </p:spPr>
-        <p:style>
-          <a:lnRef idx="2">
-            <a:schemeClr val="accent6"/>
-          </a:lnRef>
-          <a:fillRef idx="1">
-            <a:schemeClr val="lt1"/>
-          </a:fillRef>
-          <a:effectRef idx="0">
-            <a:schemeClr val="accent6"/>
-          </a:effectRef>
-          <a:fontRef idx="minor">
-            <a:schemeClr val="dk1"/>
-          </a:fontRef>
-        </p:style>
-        <p:txBody>
-          <a:bodyPr rtlCol="0" anchor="ctr"/>
-          <a:lstStyle/>
-          <a:p>
-            <a:pPr algn="ctr"/>
-            <a:r>
-              <a:rPr lang="de-DE" dirty="0" err="1"/>
-              <a:t>Sigmal</a:t>
-            </a:r>
-            <a:r>
-              <a:rPr lang="de-DE" dirty="0"/>
-              <a:t> </a:t>
-            </a:r>
-            <a:r>
-              <a:rPr lang="de-DE" dirty="0" err="1"/>
-              <a:t>Persister</a:t>
-            </a:r>
-            <a:endParaRPr lang="de-DE" dirty="0"/>
-          </a:p>
-        </p:txBody>
-      </p:sp>
-      <p:cxnSp>
-        <p:nvCxnSpPr>
-          <p:cNvPr id="55" name="Gerade Verbindung mit Pfeil 54">
-            <a:extLst>
-              <a:ext uri="{FF2B5EF4-FFF2-40B4-BE49-F238E27FC236}">
-                <a16:creationId xmlns:a16="http://schemas.microsoft.com/office/drawing/2014/main" id="{37E2C49D-91F4-954E-0EA6-D018F836A29D}"/>
-              </a:ext>
-            </a:extLst>
-          </p:cNvPr>
-          <p:cNvCxnSpPr>
-            <a:cxnSpLocks/>
-            <a:stCxn id="2" idx="0"/>
-            <a:endCxn id="54" idx="2"/>
-          </p:cNvCxnSpPr>
-          <p:nvPr/>
-        </p:nvCxnSpPr>
-        <p:spPr>
-          <a:xfrm flipH="1" flipV="1">
-            <a:off x="2639019" y="4520512"/>
-            <a:ext cx="598229" cy="463386"/>
-          </a:xfrm>
-          <a:prstGeom prst="straightConnector1">
-            <a:avLst/>
-          </a:prstGeom>
-          <a:ln>
-            <a:tailEnd type="triangle"/>
-          </a:ln>
-        </p:spPr>
-        <p:style>
-          <a:lnRef idx="1">
-            <a:schemeClr val="accent1"/>
-          </a:lnRef>
-          <a:fillRef idx="0">
-            <a:schemeClr val="accent1"/>
-          </a:fillRef>
-          <a:effectRef idx="0">
-            <a:schemeClr val="accent1"/>
-          </a:effectRef>
-          <a:fontRef idx="minor">
-            <a:schemeClr val="tx1"/>
-          </a:fontRef>
-        </p:style>
-      </p:cxnSp>
-      <p:cxnSp>
-        <p:nvCxnSpPr>
-          <p:cNvPr id="58" name="Gerade Verbindung mit Pfeil 57">
-            <a:extLst>
-              <a:ext uri="{FF2B5EF4-FFF2-40B4-BE49-F238E27FC236}">
-                <a16:creationId xmlns:a16="http://schemas.microsoft.com/office/drawing/2014/main" id="{51D708B7-5F98-0CA1-ECA3-F7D60F019697}"/>
-              </a:ext>
-            </a:extLst>
-          </p:cNvPr>
-          <p:cNvCxnSpPr>
-            <a:cxnSpLocks/>
-            <a:stCxn id="54" idx="3"/>
-            <a:endCxn id="32" idx="2"/>
-          </p:cNvCxnSpPr>
-          <p:nvPr/>
-        </p:nvCxnSpPr>
-        <p:spPr>
-          <a:xfrm flipV="1">
-            <a:off x="3237248" y="4050509"/>
-            <a:ext cx="1196542" cy="18538"/>
-          </a:xfrm>
-          <a:prstGeom prst="straightConnector1">
-            <a:avLst/>
-          </a:prstGeom>
-          <a:ln>
-            <a:tailEnd type="triangle"/>
-          </a:ln>
-        </p:spPr>
-        <p:style>
-          <a:lnRef idx="1">
-            <a:schemeClr val="accent1"/>
-          </a:lnRef>
-          <a:fillRef idx="0">
-            <a:schemeClr val="accent1"/>
-          </a:fillRef>
-          <a:effectRef idx="0">
-            <a:schemeClr val="accent1"/>
-          </a:effectRef>
-          <a:fontRef idx="minor">
-            <a:schemeClr val="tx1"/>
-          </a:fontRef>
-        </p:style>
-      </p:cxnSp>
-      <p:cxnSp>
-        <p:nvCxnSpPr>
-          <p:cNvPr id="89" name="Gerade Verbindung mit Pfeil 88">
-            <a:extLst>
-              <a:ext uri="{FF2B5EF4-FFF2-40B4-BE49-F238E27FC236}">
-                <a16:creationId xmlns:a16="http://schemas.microsoft.com/office/drawing/2014/main" id="{F79F2388-4C65-4AA4-07FF-E74092B11E4E}"/>
-              </a:ext>
-            </a:extLst>
-          </p:cNvPr>
-          <p:cNvCxnSpPr>
-            <a:cxnSpLocks/>
-            <a:stCxn id="44" idx="3"/>
-            <a:endCxn id="99" idx="1"/>
-          </p:cNvCxnSpPr>
-          <p:nvPr/>
-        </p:nvCxnSpPr>
-        <p:spPr>
-          <a:xfrm flipV="1">
-            <a:off x="7007121" y="4893756"/>
-            <a:ext cx="880454" cy="631720"/>
-          </a:xfrm>
-          <a:prstGeom prst="straightConnector1">
-            <a:avLst/>
-          </a:prstGeom>
-          <a:ln>
-            <a:tailEnd type="triangle"/>
-          </a:ln>
-        </p:spPr>
-        <p:style>
-          <a:lnRef idx="1">
-            <a:schemeClr val="accent1"/>
-          </a:lnRef>
-          <a:fillRef idx="0">
-            <a:schemeClr val="accent1"/>
-          </a:fillRef>
-          <a:effectRef idx="0">
-            <a:schemeClr val="accent1"/>
-          </a:effectRef>
-          <a:fontRef idx="minor">
-            <a:schemeClr val="tx1"/>
-          </a:fontRef>
-        </p:style>
-      </p:cxnSp>
-      <p:cxnSp>
-        <p:nvCxnSpPr>
-          <p:cNvPr id="92" name="Gerade Verbindung mit Pfeil 91">
-            <a:extLst>
-              <a:ext uri="{FF2B5EF4-FFF2-40B4-BE49-F238E27FC236}">
-                <a16:creationId xmlns:a16="http://schemas.microsoft.com/office/drawing/2014/main" id="{448AE647-FEDD-FEC0-CB81-FEB064C447BC}"/>
-              </a:ext>
-            </a:extLst>
-          </p:cNvPr>
-          <p:cNvCxnSpPr>
-            <a:cxnSpLocks/>
-            <a:stCxn id="44" idx="3"/>
-            <a:endCxn id="100" idx="1"/>
-          </p:cNvCxnSpPr>
-          <p:nvPr/>
-        </p:nvCxnSpPr>
-        <p:spPr>
-          <a:xfrm>
-            <a:off x="7007121" y="5525476"/>
-            <a:ext cx="3000621" cy="73477"/>
-          </a:xfrm>
-          <a:prstGeom prst="straightConnector1">
-            <a:avLst/>
-          </a:prstGeom>
-          <a:ln>
-            <a:tailEnd type="triangle"/>
-          </a:ln>
-        </p:spPr>
-        <p:style>
-          <a:lnRef idx="1">
-            <a:schemeClr val="accent1"/>
-          </a:lnRef>
-          <a:fillRef idx="0">
-            <a:schemeClr val="accent1"/>
-          </a:fillRef>
-          <a:effectRef idx="0">
-            <a:schemeClr val="accent1"/>
-          </a:effectRef>
-          <a:fontRef idx="minor">
-            <a:schemeClr val="tx1"/>
-          </a:fontRef>
-        </p:style>
-      </p:cxnSp>
-      <p:cxnSp>
-        <p:nvCxnSpPr>
-          <p:cNvPr id="135" name="Gerade Verbindung mit Pfeil 134">
-            <a:extLst>
-              <a:ext uri="{FF2B5EF4-FFF2-40B4-BE49-F238E27FC236}">
-                <a16:creationId xmlns:a16="http://schemas.microsoft.com/office/drawing/2014/main" id="{6B6C8C42-3B34-2D97-788E-24DBE48764B0}"/>
-              </a:ext>
-            </a:extLst>
-          </p:cNvPr>
-          <p:cNvCxnSpPr>
-            <a:cxnSpLocks/>
-            <a:stCxn id="44" idx="0"/>
-            <a:endCxn id="20" idx="2"/>
-          </p:cNvCxnSpPr>
-          <p:nvPr/>
-        </p:nvCxnSpPr>
-        <p:spPr>
-          <a:xfrm flipV="1">
-            <a:off x="6096000" y="2741878"/>
-            <a:ext cx="55755" cy="2345479"/>
-          </a:xfrm>
-          <a:prstGeom prst="straightConnector1">
-            <a:avLst/>
-          </a:prstGeom>
-          <a:ln>
-            <a:tailEnd type="triangle"/>
-          </a:ln>
-        </p:spPr>
-        <p:style>
-          <a:lnRef idx="1">
-            <a:schemeClr val="accent1"/>
-          </a:lnRef>
-          <a:fillRef idx="0">
-            <a:schemeClr val="accent1"/>
-          </a:fillRef>
-          <a:effectRef idx="0">
-            <a:schemeClr val="accent1"/>
-          </a:effectRef>
-          <a:fontRef idx="minor">
-            <a:schemeClr val="tx1"/>
-          </a:fontRef>
-        </p:style>
-      </p:cxnSp>
-      <p:sp>
-        <p:nvSpPr>
-          <p:cNvPr id="138" name="Textfeld 137">
-            <a:extLst>
-              <a:ext uri="{FF2B5EF4-FFF2-40B4-BE49-F238E27FC236}">
-                <a16:creationId xmlns:a16="http://schemas.microsoft.com/office/drawing/2014/main" id="{749A465A-2383-5171-5F2E-1B2CD6AC8499}"/>
-              </a:ext>
-            </a:extLst>
-          </p:cNvPr>
-          <p:cNvSpPr txBox="1"/>
-          <p:nvPr/>
-        </p:nvSpPr>
-        <p:spPr>
-          <a:xfrm>
-            <a:off x="516762" y="216166"/>
-            <a:ext cx="2540682" cy="1384995"/>
-          </a:xfrm>
-          <a:prstGeom prst="rect">
-            <a:avLst/>
-          </a:prstGeom>
-          <a:noFill/>
-        </p:spPr>
-        <p:txBody>
-          <a:bodyPr wrap="square" rtlCol="0">
-            <a:spAutoFit/>
-          </a:bodyPr>
-          <a:lstStyle/>
-          <a:p>
-            <a:r>
-              <a:rPr lang="de-DE" sz="2800" b="1" dirty="0"/>
-              <a:t>Event Driven </a:t>
-            </a:r>
-          </a:p>
-          <a:p>
-            <a:r>
-              <a:rPr lang="de-DE" sz="2800" b="1" dirty="0" err="1"/>
-              <a:t>Component</a:t>
-            </a:r>
-            <a:r>
-              <a:rPr lang="de-DE" sz="2800" b="1" dirty="0"/>
-              <a:t> View</a:t>
-            </a:r>
-          </a:p>
-        </p:txBody>
-      </p:sp>
-      <p:sp>
-        <p:nvSpPr>
-          <p:cNvPr id="151" name="Rechteck 150">
-            <a:extLst>
-              <a:ext uri="{FF2B5EF4-FFF2-40B4-BE49-F238E27FC236}">
-                <a16:creationId xmlns:a16="http://schemas.microsoft.com/office/drawing/2014/main" id="{B1972254-D048-F8CF-6378-0F1B7F0DF84C}"/>
-              </a:ext>
-            </a:extLst>
-          </p:cNvPr>
-          <p:cNvSpPr/>
-          <p:nvPr/>
-        </p:nvSpPr>
-        <p:spPr>
-          <a:xfrm>
-            <a:off x="525152" y="6437376"/>
-            <a:ext cx="1158142" cy="204458"/>
-          </a:xfrm>
-          <a:prstGeom prst="rect">
-            <a:avLst/>
-          </a:prstGeom>
-          <a:solidFill>
-            <a:schemeClr val="accent2"/>
-          </a:solidFill>
-        </p:spPr>
-        <p:style>
-          <a:lnRef idx="2">
-            <a:schemeClr val="accent6"/>
-          </a:lnRef>
-          <a:fillRef idx="1">
-            <a:schemeClr val="lt1"/>
-          </a:fillRef>
-          <a:effectRef idx="0">
-            <a:schemeClr val="accent6"/>
-          </a:effectRef>
-          <a:fontRef idx="minor">
-            <a:schemeClr val="dk1"/>
-          </a:fontRef>
-        </p:style>
-        <p:txBody>
-          <a:bodyPr rtlCol="0" anchor="ctr"/>
-          <a:lstStyle/>
-          <a:p>
-            <a:pPr algn="ctr"/>
-            <a:r>
-              <a:rPr lang="de-DE" sz="1200" dirty="0"/>
-              <a:t>Event </a:t>
-            </a:r>
-            <a:r>
-              <a:rPr lang="de-DE" sz="1200" dirty="0" err="1"/>
-              <a:t>producer</a:t>
-            </a:r>
-            <a:endParaRPr lang="de-DE" sz="1200" dirty="0"/>
-          </a:p>
-        </p:txBody>
-      </p:sp>
-      <p:sp>
-        <p:nvSpPr>
-          <p:cNvPr id="152" name="Rechteck 151">
-            <a:extLst>
-              <a:ext uri="{FF2B5EF4-FFF2-40B4-BE49-F238E27FC236}">
-                <a16:creationId xmlns:a16="http://schemas.microsoft.com/office/drawing/2014/main" id="{F2F16A4F-4387-2721-B146-BF9AEF831383}"/>
-              </a:ext>
-            </a:extLst>
-          </p:cNvPr>
-          <p:cNvSpPr/>
-          <p:nvPr/>
-        </p:nvSpPr>
-        <p:spPr>
-          <a:xfrm>
-            <a:off x="2040789" y="6425183"/>
-            <a:ext cx="1582643" cy="234809"/>
-          </a:xfrm>
-          <a:prstGeom prst="rect">
-            <a:avLst/>
-          </a:prstGeom>
-          <a:solidFill>
-            <a:schemeClr val="bg1">
-              <a:lumMod val="85000"/>
-            </a:schemeClr>
-          </a:solidFill>
-        </p:spPr>
-        <p:style>
-          <a:lnRef idx="2">
-            <a:schemeClr val="accent6"/>
-          </a:lnRef>
-          <a:fillRef idx="1">
-            <a:schemeClr val="lt1"/>
-          </a:fillRef>
-          <a:effectRef idx="0">
-            <a:schemeClr val="accent6"/>
-          </a:effectRef>
-          <a:fontRef idx="minor">
-            <a:schemeClr val="dk1"/>
-          </a:fontRef>
-        </p:style>
-        <p:txBody>
-          <a:bodyPr rtlCol="0" anchor="ctr"/>
-          <a:lstStyle/>
-          <a:p>
-            <a:pPr algn="ctr"/>
-            <a:r>
-              <a:rPr lang="de-DE" sz="1200" dirty="0"/>
-              <a:t>Event Channel/Queue</a:t>
-            </a:r>
-          </a:p>
-        </p:txBody>
-      </p:sp>
-      <p:sp>
-        <p:nvSpPr>
-          <p:cNvPr id="153" name="Rechteck 152">
-            <a:extLst>
-              <a:ext uri="{FF2B5EF4-FFF2-40B4-BE49-F238E27FC236}">
-                <a16:creationId xmlns:a16="http://schemas.microsoft.com/office/drawing/2014/main" id="{C55AEC58-8540-2A12-8310-3C23AE89636D}"/>
-              </a:ext>
-            </a:extLst>
-          </p:cNvPr>
-          <p:cNvSpPr/>
-          <p:nvPr/>
-        </p:nvSpPr>
-        <p:spPr>
-          <a:xfrm>
-            <a:off x="3968186" y="6426467"/>
-            <a:ext cx="1582643" cy="234809"/>
-          </a:xfrm>
-          <a:prstGeom prst="rect">
-            <a:avLst/>
-          </a:prstGeom>
-          <a:solidFill>
-            <a:srgbClr val="92D050"/>
-          </a:solidFill>
-        </p:spPr>
-        <p:style>
-          <a:lnRef idx="2">
-            <a:schemeClr val="accent6"/>
-          </a:lnRef>
-          <a:fillRef idx="1">
-            <a:schemeClr val="lt1"/>
-          </a:fillRef>
-          <a:effectRef idx="0">
-            <a:schemeClr val="accent6"/>
-          </a:effectRef>
-          <a:fontRef idx="minor">
-            <a:schemeClr val="dk1"/>
-          </a:fontRef>
-        </p:style>
-        <p:txBody>
-          <a:bodyPr rtlCol="0" anchor="ctr"/>
-          <a:lstStyle/>
-          <a:p>
-            <a:pPr algn="ctr"/>
-            <a:r>
-              <a:rPr lang="de-DE" sz="1200" dirty="0"/>
-              <a:t>Event Consumer</a:t>
-            </a:r>
-          </a:p>
-        </p:txBody>
-      </p:sp>
-      <p:sp>
-        <p:nvSpPr>
-          <p:cNvPr id="154" name="Rechteck 153">
-            <a:extLst>
-              <a:ext uri="{FF2B5EF4-FFF2-40B4-BE49-F238E27FC236}">
-                <a16:creationId xmlns:a16="http://schemas.microsoft.com/office/drawing/2014/main" id="{380B8213-EBE5-2CEB-2449-4BA4E4E51649}"/>
-              </a:ext>
-            </a:extLst>
-          </p:cNvPr>
-          <p:cNvSpPr/>
-          <p:nvPr/>
-        </p:nvSpPr>
-        <p:spPr>
-          <a:xfrm>
-            <a:off x="5849851" y="6425055"/>
-            <a:ext cx="1582643" cy="234809"/>
-          </a:xfrm>
-          <a:prstGeom prst="rect">
-            <a:avLst/>
-          </a:prstGeom>
-          <a:noFill/>
-        </p:spPr>
-        <p:style>
-          <a:lnRef idx="2">
-            <a:schemeClr val="accent6"/>
-          </a:lnRef>
-          <a:fillRef idx="1">
-            <a:schemeClr val="lt1"/>
-          </a:fillRef>
-          <a:effectRef idx="0">
-            <a:schemeClr val="accent6"/>
-          </a:effectRef>
-          <a:fontRef idx="minor">
-            <a:schemeClr val="dk1"/>
-          </a:fontRef>
-        </p:style>
-        <p:txBody>
-          <a:bodyPr rtlCol="0" anchor="ctr"/>
-          <a:lstStyle/>
-          <a:p>
-            <a:pPr algn="ctr"/>
-            <a:r>
-              <a:rPr lang="de-DE" sz="1200" dirty="0"/>
-              <a:t>Microservice</a:t>
-            </a:r>
-          </a:p>
-        </p:txBody>
-      </p:sp>
     </p:spTree>
     <p:extLst>
       <p:ext uri="{BB962C8B-B14F-4D97-AF65-F5344CB8AC3E}">

--- a/diagrams/MonitorMe_Design.pptx
+++ b/diagrams/MonitorMe_Design.pptx
@@ -7,11 +7,11 @@
   <p:sldIdLst>
     <p:sldId id="258" r:id="rId2"/>
     <p:sldId id="260" r:id="rId3"/>
-    <p:sldId id="259" r:id="rId4"/>
-    <p:sldId id="261" r:id="rId5"/>
-    <p:sldId id="257" r:id="rId6"/>
-    <p:sldId id="262" r:id="rId7"/>
-    <p:sldId id="263" r:id="rId8"/>
+    <p:sldId id="261" r:id="rId4"/>
+    <p:sldId id="257" r:id="rId5"/>
+    <p:sldId id="262" r:id="rId6"/>
+    <p:sldId id="263" r:id="rId7"/>
+    <p:sldId id="259" r:id="rId8"/>
   </p:sldIdLst>
   <p:sldSz cx="12192000" cy="6858000"/>
   <p:notesSz cx="6858000" cy="9144000"/>
@@ -3478,12 +3478,15 @@
         </p:nvSpPr>
         <p:spPr>
           <a:xfrm>
-            <a:off x="4484561" y="5484112"/>
-            <a:ext cx="2221993" cy="1060704"/>
+            <a:off x="2445926" y="4983898"/>
+            <a:ext cx="1582643" cy="1120905"/>
           </a:xfrm>
           <a:prstGeom prst="rect">
             <a:avLst/>
           </a:prstGeom>
+          <a:solidFill>
+            <a:schemeClr val="bg2"/>
+          </a:solidFill>
         </p:spPr>
         <p:style>
           <a:lnRef idx="2">
@@ -3506,35 +3509,29 @@
             <a:pPr algn="ctr"/>
             <a:r>
               <a:rPr lang="de-DE" dirty="0"/>
-              <a:t>vital </a:t>
-            </a:r>
-            <a:r>
-              <a:rPr lang="de-DE" dirty="0" err="1"/>
-              <a:t>sign</a:t>
-            </a:r>
-            <a:endParaRPr lang="de-DE" dirty="0"/>
+              <a:t>Vital Signal</a:t>
+            </a:r>
           </a:p>
           <a:p>
             <a:pPr algn="ctr"/>
             <a:r>
-              <a:rPr lang="de-DE" dirty="0" err="1"/>
-              <a:t>collector</a:t>
-            </a:r>
-            <a:endParaRPr lang="de-DE" dirty="0"/>
+              <a:rPr lang="de-DE" dirty="0"/>
+              <a:t>Event Channels</a:t>
+            </a:r>
           </a:p>
           <a:p>
             <a:pPr algn="ctr"/>
             <a:r>
               <a:rPr lang="de-DE" sz="1200" dirty="0"/>
-              <a:t>(per </a:t>
+              <a:t>(</a:t>
             </a:r>
             <a:r>
               <a:rPr lang="de-DE" sz="1200" dirty="0" err="1"/>
-              <a:t>patient</a:t>
+              <a:t>One</a:t>
             </a:r>
             <a:r>
               <a:rPr lang="de-DE" sz="1200" dirty="0"/>
-              <a:t> and type) </a:t>
+              <a:t> Topic per Signal type)</a:t>
             </a:r>
           </a:p>
         </p:txBody>
@@ -3553,12 +3550,15 @@
         </p:nvSpPr>
         <p:spPr>
           <a:xfrm>
-            <a:off x="203612" y="5573239"/>
-            <a:ext cx="1813560" cy="880872"/>
+            <a:off x="208207" y="5129541"/>
+            <a:ext cx="1669185" cy="830934"/>
           </a:xfrm>
           <a:prstGeom prst="rect">
             <a:avLst/>
           </a:prstGeom>
+          <a:solidFill>
+            <a:schemeClr val="accent2"/>
+          </a:solidFill>
         </p:spPr>
         <p:style>
           <a:lnRef idx="2">
@@ -3585,7 +3585,7 @@
             </a:r>
             <a:r>
               <a:rPr lang="de-DE" dirty="0" err="1"/>
-              <a:t>sign</a:t>
+              <a:t>signal</a:t>
             </a:r>
             <a:r>
               <a:rPr lang="de-DE" dirty="0"/>
@@ -3610,92 +3610,6 @@
           </a:p>
         </p:txBody>
       </p:sp>
-      <p:cxnSp>
-        <p:nvCxnSpPr>
-          <p:cNvPr id="8" name="Verbinder: gewinkelt 7" descr="dddddd">
-            <a:extLst>
-              <a:ext uri="{FF2B5EF4-FFF2-40B4-BE49-F238E27FC236}">
-                <a16:creationId xmlns:a16="http://schemas.microsoft.com/office/drawing/2014/main" id="{AE4B50D5-B0E2-E1FA-553B-0A6695C024E3}"/>
-              </a:ext>
-              <a:ext uri="{C183D7F6-B498-43B3-948B-1728B52AA6E4}">
-                <adec:decorative xmlns:adec="http://schemas.microsoft.com/office/drawing/2017/decorative" val="0"/>
-              </a:ext>
-            </a:extLst>
-          </p:cNvPr>
-          <p:cNvCxnSpPr>
-            <a:cxnSpLocks/>
-            <a:stCxn id="3" idx="3"/>
-            <a:endCxn id="2" idx="1"/>
-          </p:cNvCxnSpPr>
-          <p:nvPr/>
-        </p:nvCxnSpPr>
-        <p:spPr>
-          <a:xfrm>
-            <a:off x="2017172" y="6013675"/>
-            <a:ext cx="2467389" cy="789"/>
-          </a:xfrm>
-          <a:prstGeom prst="bentConnector3">
-            <a:avLst/>
-          </a:prstGeom>
-          <a:ln>
-            <a:tailEnd type="triangle"/>
-          </a:ln>
-        </p:spPr>
-        <p:style>
-          <a:lnRef idx="1">
-            <a:schemeClr val="accent1"/>
-          </a:lnRef>
-          <a:fillRef idx="0">
-            <a:schemeClr val="accent1"/>
-          </a:fillRef>
-          <a:effectRef idx="0">
-            <a:schemeClr val="accent1"/>
-          </a:effectRef>
-          <a:fontRef idx="minor">
-            <a:schemeClr val="tx1"/>
-          </a:fontRef>
-        </p:style>
-      </p:cxnSp>
-      <p:sp>
-        <p:nvSpPr>
-          <p:cNvPr id="9" name="Textfeld 8">
-            <a:extLst>
-              <a:ext uri="{FF2B5EF4-FFF2-40B4-BE49-F238E27FC236}">
-                <a16:creationId xmlns:a16="http://schemas.microsoft.com/office/drawing/2014/main" id="{777223BD-CC67-AD79-38C0-2AFF7A43A4E5}"/>
-              </a:ext>
-            </a:extLst>
-          </p:cNvPr>
-          <p:cNvSpPr txBox="1"/>
-          <p:nvPr/>
-        </p:nvSpPr>
-        <p:spPr>
-          <a:xfrm>
-            <a:off x="2639160" y="5644343"/>
-            <a:ext cx="1223412" cy="369332"/>
-          </a:xfrm>
-          <a:prstGeom prst="rect">
-            <a:avLst/>
-          </a:prstGeom>
-          <a:noFill/>
-        </p:spPr>
-        <p:txBody>
-          <a:bodyPr wrap="none" rtlCol="0">
-            <a:spAutoFit/>
-          </a:bodyPr>
-          <a:lstStyle/>
-          <a:p>
-            <a:r>
-              <a:rPr lang="de-DE" dirty="0"/>
-              <a:t>send </a:t>
-            </a:r>
-            <a:r>
-              <a:rPr lang="de-DE" dirty="0" err="1"/>
-              <a:t>signal</a:t>
-            </a:r>
-            <a:endParaRPr lang="de-DE" dirty="0"/>
-          </a:p>
-        </p:txBody>
-      </p:sp>
       <p:sp>
         <p:nvSpPr>
           <p:cNvPr id="14" name="Rechteck 13">
@@ -3711,7 +3625,7 @@
         <p:spPr>
           <a:xfrm>
             <a:off x="208207" y="1701593"/>
-            <a:ext cx="1667898" cy="976398"/>
+            <a:ext cx="1658432" cy="921044"/>
           </a:xfrm>
           <a:prstGeom prst="rect">
             <a:avLst/>
@@ -3760,60 +3674,27 @@
       </p:sp>
       <p:sp>
         <p:nvSpPr>
-          <p:cNvPr id="19" name="Textfeld 18">
-            <a:extLst>
-              <a:ext uri="{FF2B5EF4-FFF2-40B4-BE49-F238E27FC236}">
-                <a16:creationId xmlns:a16="http://schemas.microsoft.com/office/drawing/2014/main" id="{E802BA49-7FCB-1AAA-DAE9-BC3A9BB9CDC8}"/>
-              </a:ext>
-            </a:extLst>
-          </p:cNvPr>
-          <p:cNvSpPr txBox="1"/>
+          <p:cNvPr id="20" name="Rechteck 19">
+            <a:extLst>
+              <a:ext uri="{FF2B5EF4-FFF2-40B4-BE49-F238E27FC236}">
+                <a16:creationId xmlns:a16="http://schemas.microsoft.com/office/drawing/2014/main" id="{E5705C1D-A641-454A-5055-93E6E236A8B5}"/>
+              </a:ext>
+            </a:extLst>
+          </p:cNvPr>
+          <p:cNvSpPr/>
           <p:nvPr/>
         </p:nvSpPr>
         <p:spPr>
           <a:xfrm>
-            <a:off x="4308879" y="4814507"/>
-            <a:ext cx="660950" cy="369332"/>
+            <a:off x="5161184" y="1437308"/>
+            <a:ext cx="2045103" cy="1000571"/>
           </a:xfrm>
           <a:prstGeom prst="rect">
             <a:avLst/>
           </a:prstGeom>
-          <a:noFill/>
-        </p:spPr>
-        <p:txBody>
-          <a:bodyPr wrap="none" rtlCol="0">
-            <a:spAutoFit/>
-          </a:bodyPr>
-          <a:lstStyle/>
-          <a:p>
-            <a:r>
-              <a:rPr lang="de-DE" dirty="0" err="1"/>
-              <a:t>store</a:t>
-            </a:r>
-            <a:endParaRPr lang="de-DE" dirty="0"/>
-          </a:p>
-        </p:txBody>
-      </p:sp>
-      <p:sp>
-        <p:nvSpPr>
-          <p:cNvPr id="20" name="Rechteck 19">
-            <a:extLst>
-              <a:ext uri="{FF2B5EF4-FFF2-40B4-BE49-F238E27FC236}">
-                <a16:creationId xmlns:a16="http://schemas.microsoft.com/office/drawing/2014/main" id="{E5705C1D-A641-454A-5055-93E6E236A8B5}"/>
-              </a:ext>
-            </a:extLst>
-          </p:cNvPr>
-          <p:cNvSpPr/>
-          <p:nvPr/>
-        </p:nvSpPr>
-        <p:spPr>
-          <a:xfrm>
-            <a:off x="5129203" y="1741307"/>
-            <a:ext cx="2221993" cy="1060704"/>
-          </a:xfrm>
-          <a:prstGeom prst="rect">
-            <a:avLst/>
-          </a:prstGeom>
+          <a:solidFill>
+            <a:srgbClr val="92D050"/>
+          </a:solidFill>
         </p:spPr>
         <p:style>
           <a:lnRef idx="2">
@@ -3852,103 +3733,24 @@
           </a:p>
         </p:txBody>
       </p:sp>
-      <p:cxnSp>
-        <p:nvCxnSpPr>
-          <p:cNvPr id="22" name="Gerade Verbindung mit Pfeil 21">
-            <a:extLst>
-              <a:ext uri="{FF2B5EF4-FFF2-40B4-BE49-F238E27FC236}">
-                <a16:creationId xmlns:a16="http://schemas.microsoft.com/office/drawing/2014/main" id="{63212F49-6561-DDFD-22C0-3335DB066565}"/>
-              </a:ext>
-            </a:extLst>
-          </p:cNvPr>
-          <p:cNvCxnSpPr>
-            <a:cxnSpLocks/>
-            <a:stCxn id="20" idx="2"/>
-            <a:endCxn id="2" idx="0"/>
-          </p:cNvCxnSpPr>
-          <p:nvPr/>
-        </p:nvCxnSpPr>
-        <p:spPr>
-          <a:xfrm flipH="1">
-            <a:off x="5595558" y="2802011"/>
-            <a:ext cx="644642" cy="2682101"/>
-          </a:xfrm>
-          <a:prstGeom prst="straightConnector1">
-            <a:avLst/>
-          </a:prstGeom>
-          <a:ln>
-            <a:tailEnd type="triangle"/>
-          </a:ln>
-        </p:spPr>
-        <p:style>
-          <a:lnRef idx="1">
-            <a:schemeClr val="accent1"/>
-          </a:lnRef>
-          <a:fillRef idx="0">
-            <a:schemeClr val="accent1"/>
-          </a:fillRef>
-          <a:effectRef idx="0">
-            <a:schemeClr val="accent1"/>
-          </a:effectRef>
-          <a:fontRef idx="minor">
-            <a:schemeClr val="tx1"/>
-          </a:fontRef>
-        </p:style>
-      </p:cxnSp>
-      <p:sp>
-        <p:nvSpPr>
-          <p:cNvPr id="23" name="Textfeld 22">
-            <a:extLst>
-              <a:ext uri="{FF2B5EF4-FFF2-40B4-BE49-F238E27FC236}">
-                <a16:creationId xmlns:a16="http://schemas.microsoft.com/office/drawing/2014/main" id="{ED493016-707E-64B2-B105-832171A26758}"/>
-              </a:ext>
-            </a:extLst>
-          </p:cNvPr>
-          <p:cNvSpPr txBox="1"/>
+      <p:sp>
+        <p:nvSpPr>
+          <p:cNvPr id="30" name="Rechteck 29">
+            <a:extLst>
+              <a:ext uri="{FF2B5EF4-FFF2-40B4-BE49-F238E27FC236}">
+                <a16:creationId xmlns:a16="http://schemas.microsoft.com/office/drawing/2014/main" id="{89EBEC3B-FDF0-4F4A-0C41-A6571A8EC815}"/>
+              </a:ext>
+            </a:extLst>
+          </p:cNvPr>
+          <p:cNvSpPr/>
           <p:nvPr/>
         </p:nvSpPr>
         <p:spPr>
           <a:xfrm>
-            <a:off x="5914232" y="3895227"/>
-            <a:ext cx="922047" cy="369332"/>
+            <a:off x="2918466" y="2079043"/>
+            <a:ext cx="1502802" cy="902931"/>
           </a:xfrm>
           <a:prstGeom prst="rect">
-            <a:avLst/>
-          </a:prstGeom>
-          <a:noFill/>
-        </p:spPr>
-        <p:txBody>
-          <a:bodyPr wrap="none" rtlCol="0">
-            <a:spAutoFit/>
-          </a:bodyPr>
-          <a:lstStyle/>
-          <a:p>
-            <a:r>
-              <a:rPr lang="de-DE" dirty="0" err="1"/>
-              <a:t>displays</a:t>
-            </a:r>
-            <a:endParaRPr lang="de-DE" dirty="0"/>
-          </a:p>
-        </p:txBody>
-      </p:sp>
-      <p:sp>
-        <p:nvSpPr>
-          <p:cNvPr id="26" name="Flussdiagramm: Magnetplattenspeicher 25">
-            <a:extLst>
-              <a:ext uri="{FF2B5EF4-FFF2-40B4-BE49-F238E27FC236}">
-                <a16:creationId xmlns:a16="http://schemas.microsoft.com/office/drawing/2014/main" id="{4CB69E04-7A8C-ACAF-9DF1-D0571ADDA7E5}"/>
-              </a:ext>
-            </a:extLst>
-          </p:cNvPr>
-          <p:cNvSpPr/>
-          <p:nvPr/>
-        </p:nvSpPr>
-        <p:spPr>
-          <a:xfrm>
-            <a:off x="2923662" y="3936241"/>
-            <a:ext cx="1077371" cy="1045365"/>
-          </a:xfrm>
-          <a:prstGeom prst="flowChartMagneticDisk">
             <a:avLst/>
           </a:prstGeom>
         </p:spPr>
@@ -3973,66 +3775,7 @@
             <a:pPr algn="ctr"/>
             <a:r>
               <a:rPr lang="de-DE" dirty="0"/>
-              <a:t>Signal DB</a:t>
-            </a:r>
-          </a:p>
-        </p:txBody>
-      </p:sp>
-      <p:sp>
-        <p:nvSpPr>
-          <p:cNvPr id="30" name="Rechteck 29">
-            <a:extLst>
-              <a:ext uri="{FF2B5EF4-FFF2-40B4-BE49-F238E27FC236}">
-                <a16:creationId xmlns:a16="http://schemas.microsoft.com/office/drawing/2014/main" id="{89EBEC3B-FDF0-4F4A-0C41-A6571A8EC815}"/>
-              </a:ext>
-            </a:extLst>
-          </p:cNvPr>
-          <p:cNvSpPr/>
-          <p:nvPr/>
-        </p:nvSpPr>
-        <p:spPr>
-          <a:xfrm>
-            <a:off x="2802670" y="2644528"/>
-            <a:ext cx="1299945" cy="957196"/>
-          </a:xfrm>
-          <a:prstGeom prst="rect">
-            <a:avLst/>
-          </a:prstGeom>
-        </p:spPr>
-        <p:style>
-          <a:lnRef idx="2">
-            <a:schemeClr val="accent6"/>
-          </a:lnRef>
-          <a:fillRef idx="1">
-            <a:schemeClr val="lt1"/>
-          </a:fillRef>
-          <a:effectRef idx="0">
-            <a:schemeClr val="accent6"/>
-          </a:effectRef>
-          <a:fontRef idx="minor">
-            <a:schemeClr val="dk1"/>
-          </a:fontRef>
-        </p:style>
-        <p:txBody>
-          <a:bodyPr rtlCol="0" anchor="ctr"/>
-          <a:lstStyle/>
-          <a:p>
-            <a:pPr algn="ctr"/>
-            <a:r>
-              <a:rPr lang="de-DE" dirty="0" err="1"/>
-              <a:t>snapshot</a:t>
-            </a:r>
-            <a:r>
-              <a:rPr lang="de-DE" dirty="0"/>
-              <a:t> </a:t>
-            </a:r>
-            <a:r>
-              <a:rPr lang="de-DE" dirty="0" err="1"/>
-              <a:t>creator</a:t>
-            </a:r>
-            <a:r>
-              <a:rPr lang="de-DE" dirty="0"/>
-              <a:t> </a:t>
+              <a:t>External Data APIs</a:t>
             </a:r>
           </a:p>
         </p:txBody>
@@ -4049,14 +3792,14 @@
           <p:cNvCxnSpPr>
             <a:cxnSpLocks/>
             <a:stCxn id="30" idx="2"/>
-            <a:endCxn id="26" idx="1"/>
+            <a:endCxn id="32" idx="1"/>
           </p:cNvCxnSpPr>
           <p:nvPr/>
         </p:nvCxnSpPr>
         <p:spPr>
           <a:xfrm>
-            <a:off x="3452643" y="3601724"/>
-            <a:ext cx="9705" cy="334517"/>
+            <a:off x="3669867" y="2981974"/>
+            <a:ext cx="1246830" cy="784395"/>
           </a:xfrm>
           <a:prstGeom prst="straightConnector1">
             <a:avLst/>
@@ -4094,8 +3837,8 @@
         </p:nvGrpSpPr>
         <p:grpSpPr>
           <a:xfrm>
-            <a:off x="298837" y="4058091"/>
-            <a:ext cx="914400" cy="1294125"/>
+            <a:off x="310372" y="4068702"/>
+            <a:ext cx="793851" cy="915196"/>
             <a:chOff x="277851" y="5063493"/>
             <a:chExt cx="914400" cy="1294125"/>
           </a:xfrm>
@@ -4190,8 +3933,8 @@
         </p:nvGrpSpPr>
         <p:grpSpPr>
           <a:xfrm>
-            <a:off x="5108366" y="80186"/>
-            <a:ext cx="1102209" cy="1283732"/>
+            <a:off x="5762933" y="0"/>
+            <a:ext cx="1014464" cy="1210955"/>
             <a:chOff x="3032541" y="221552"/>
             <a:chExt cx="1102209" cy="1283732"/>
           </a:xfrm>
@@ -4287,7 +4030,7 @@
         <p:grpSpPr>
           <a:xfrm>
             <a:off x="10105193" y="48092"/>
-            <a:ext cx="914400" cy="1283732"/>
+            <a:ext cx="841606" cy="1210955"/>
             <a:chOff x="1054584" y="258481"/>
             <a:chExt cx="914400" cy="1283732"/>
           </a:xfrm>
@@ -4382,8 +4125,8 @@
         </p:nvSpPr>
         <p:spPr>
           <a:xfrm>
-            <a:off x="7742784" y="4096179"/>
-            <a:ext cx="1570626" cy="1129100"/>
+            <a:off x="8079704" y="4556726"/>
+            <a:ext cx="1445591" cy="664320"/>
           </a:xfrm>
           <a:prstGeom prst="rect">
             <a:avLst/>
@@ -4408,59 +4151,486 @@
           <a:lstStyle/>
           <a:p>
             <a:pPr algn="ctr"/>
-            <a:endParaRPr lang="de-DE" dirty="0"/>
-          </a:p>
+            <a:r>
+              <a:rPr lang="de-DE" dirty="0"/>
+              <a:t>Signal Analyzer</a:t>
+            </a:r>
+          </a:p>
+        </p:txBody>
+      </p:sp>
+      <p:sp>
+        <p:nvSpPr>
+          <p:cNvPr id="111" name="Flussdiagramm: Magnetplattenspeicher 110">
+            <a:extLst>
+              <a:ext uri="{FF2B5EF4-FFF2-40B4-BE49-F238E27FC236}">
+                <a16:creationId xmlns:a16="http://schemas.microsoft.com/office/drawing/2014/main" id="{28811D5D-9186-D661-CE29-25BE6045E408}"/>
+              </a:ext>
+            </a:extLst>
+          </p:cNvPr>
+          <p:cNvSpPr/>
+          <p:nvPr/>
+        </p:nvSpPr>
+        <p:spPr>
+          <a:xfrm>
+            <a:off x="6361978" y="2645931"/>
+            <a:ext cx="839489" cy="800568"/>
+          </a:xfrm>
+          <a:prstGeom prst="flowChartMagneticDisk">
+            <a:avLst/>
+          </a:prstGeom>
+        </p:spPr>
+        <p:style>
+          <a:lnRef idx="2">
+            <a:schemeClr val="accent6"/>
+          </a:lnRef>
+          <a:fillRef idx="1">
+            <a:schemeClr val="lt1"/>
+          </a:fillRef>
+          <a:effectRef idx="0">
+            <a:schemeClr val="accent6"/>
+          </a:effectRef>
+          <a:fontRef idx="minor">
+            <a:schemeClr val="dk1"/>
+          </a:fontRef>
+        </p:style>
+        <p:txBody>
+          <a:bodyPr rtlCol="0" anchor="ctr"/>
+          <a:lstStyle/>
           <a:p>
             <a:pPr algn="ctr"/>
             <a:r>
+              <a:rPr lang="de-DE" sz="1600" dirty="0"/>
+              <a:t>Patient DB</a:t>
+            </a:r>
+          </a:p>
+        </p:txBody>
+      </p:sp>
+      <p:cxnSp>
+        <p:nvCxnSpPr>
+          <p:cNvPr id="113" name="Gerade Verbindung mit Pfeil 112">
+            <a:extLst>
+              <a:ext uri="{FF2B5EF4-FFF2-40B4-BE49-F238E27FC236}">
+                <a16:creationId xmlns:a16="http://schemas.microsoft.com/office/drawing/2014/main" id="{B9DDB9D9-904C-A342-BDED-46FFCA7EC044}"/>
+              </a:ext>
+            </a:extLst>
+          </p:cNvPr>
+          <p:cNvCxnSpPr>
+            <a:cxnSpLocks/>
+            <a:stCxn id="20" idx="2"/>
+            <a:endCxn id="111" idx="1"/>
+          </p:cNvCxnSpPr>
+          <p:nvPr/>
+        </p:nvCxnSpPr>
+        <p:spPr>
+          <a:xfrm>
+            <a:off x="6183736" y="2437879"/>
+            <a:ext cx="597987" cy="208052"/>
+          </a:xfrm>
+          <a:prstGeom prst="straightConnector1">
+            <a:avLst/>
+          </a:prstGeom>
+          <a:ln>
+            <a:tailEnd type="triangle"/>
+          </a:ln>
+        </p:spPr>
+        <p:style>
+          <a:lnRef idx="1">
+            <a:schemeClr val="accent1"/>
+          </a:lnRef>
+          <a:fillRef idx="0">
+            <a:schemeClr val="accent1"/>
+          </a:fillRef>
+          <a:effectRef idx="0">
+            <a:schemeClr val="accent1"/>
+          </a:effectRef>
+          <a:fontRef idx="minor">
+            <a:schemeClr val="tx1"/>
+          </a:fontRef>
+        </p:style>
+      </p:cxnSp>
+      <p:cxnSp>
+        <p:nvCxnSpPr>
+          <p:cNvPr id="115" name="Gerade Verbindung mit Pfeil 114">
+            <a:extLst>
+              <a:ext uri="{FF2B5EF4-FFF2-40B4-BE49-F238E27FC236}">
+                <a16:creationId xmlns:a16="http://schemas.microsoft.com/office/drawing/2014/main" id="{26C9E04E-1776-DAFD-56CF-29A409B21910}"/>
+              </a:ext>
+            </a:extLst>
+          </p:cNvPr>
+          <p:cNvCxnSpPr>
+            <a:cxnSpLocks/>
+            <a:stCxn id="77" idx="2"/>
+            <a:endCxn id="20" idx="0"/>
+          </p:cNvCxnSpPr>
+          <p:nvPr/>
+        </p:nvCxnSpPr>
+        <p:spPr>
+          <a:xfrm>
+            <a:off x="6183736" y="1210955"/>
+            <a:ext cx="0" cy="226353"/>
+          </a:xfrm>
+          <a:prstGeom prst="straightConnector1">
+            <a:avLst/>
+          </a:prstGeom>
+          <a:ln>
+            <a:tailEnd type="triangle"/>
+          </a:ln>
+        </p:spPr>
+        <p:style>
+          <a:lnRef idx="1">
+            <a:schemeClr val="accent1"/>
+          </a:lnRef>
+          <a:fillRef idx="0">
+            <a:schemeClr val="accent1"/>
+          </a:fillRef>
+          <a:effectRef idx="0">
+            <a:schemeClr val="accent1"/>
+          </a:effectRef>
+          <a:fontRef idx="minor">
+            <a:schemeClr val="tx1"/>
+          </a:fontRef>
+        </p:style>
+      </p:cxnSp>
+      <p:sp>
+        <p:nvSpPr>
+          <p:cNvPr id="120" name="Rechteck 119">
+            <a:extLst>
+              <a:ext uri="{FF2B5EF4-FFF2-40B4-BE49-F238E27FC236}">
+                <a16:creationId xmlns:a16="http://schemas.microsoft.com/office/drawing/2014/main" id="{71BFF247-C41F-1EEC-F8FA-509EA17EFEF2}"/>
+              </a:ext>
+            </a:extLst>
+          </p:cNvPr>
+          <p:cNvSpPr/>
+          <p:nvPr/>
+        </p:nvSpPr>
+        <p:spPr>
+          <a:xfrm>
+            <a:off x="9587933" y="1758090"/>
+            <a:ext cx="1761838" cy="968910"/>
+          </a:xfrm>
+          <a:prstGeom prst="rect">
+            <a:avLst/>
+          </a:prstGeom>
+          <a:solidFill>
+            <a:srgbClr val="92D050"/>
+          </a:solidFill>
+        </p:spPr>
+        <p:style>
+          <a:lnRef idx="2">
+            <a:schemeClr val="accent6"/>
+          </a:lnRef>
+          <a:fillRef idx="1">
+            <a:schemeClr val="lt1"/>
+          </a:fillRef>
+          <a:effectRef idx="0">
+            <a:schemeClr val="accent6"/>
+          </a:effectRef>
+          <a:fontRef idx="minor">
+            <a:schemeClr val="dk1"/>
+          </a:fontRef>
+        </p:style>
+        <p:txBody>
+          <a:bodyPr rtlCol="0" anchor="ctr"/>
+          <a:lstStyle/>
+          <a:p>
+            <a:pPr algn="ctr"/>
+            <a:r>
               <a:rPr lang="de-DE" dirty="0" err="1"/>
-              <a:t>sign</a:t>
+              <a:t>MonitorMe</a:t>
             </a:r>
             <a:r>
               <a:rPr lang="de-DE" dirty="0"/>
-              <a:t> </a:t>
-            </a:r>
-            <a:r>
-              <a:rPr lang="de-DE" dirty="0" err="1"/>
-              <a:t>analyzer</a:t>
-            </a:r>
-            <a:endParaRPr lang="de-DE" dirty="0"/>
-          </a:p>
-          <a:p>
-            <a:pPr algn="ctr"/>
-            <a:r>
-              <a:rPr lang="de-DE" sz="1200" dirty="0"/>
-              <a:t>(per type but </a:t>
-            </a:r>
-            <a:r>
-              <a:rPr lang="de-DE" sz="1200" dirty="0" err="1"/>
-              <a:t>using</a:t>
-            </a:r>
-            <a:r>
-              <a:rPr lang="de-DE" sz="1200" dirty="0"/>
-              <a:t> all </a:t>
-            </a:r>
-            <a:r>
-              <a:rPr lang="de-DE" sz="1200" dirty="0" err="1"/>
-              <a:t>signals</a:t>
-            </a:r>
-            <a:r>
-              <a:rPr lang="de-DE" sz="1200" dirty="0"/>
-              <a:t>) </a:t>
-            </a:r>
-          </a:p>
+              <a:t> App</a:t>
+            </a:r>
+          </a:p>
+        </p:txBody>
+      </p:sp>
+      <p:cxnSp>
+        <p:nvCxnSpPr>
+          <p:cNvPr id="122" name="Gerade Verbindung mit Pfeil 121">
+            <a:extLst>
+              <a:ext uri="{FF2B5EF4-FFF2-40B4-BE49-F238E27FC236}">
+                <a16:creationId xmlns:a16="http://schemas.microsoft.com/office/drawing/2014/main" id="{1328A6A4-55FF-44D8-E4BF-0866B24CE1F5}"/>
+              </a:ext>
+            </a:extLst>
+          </p:cNvPr>
+          <p:cNvCxnSpPr>
+            <a:cxnSpLocks/>
+            <a:stCxn id="99" idx="0"/>
+            <a:endCxn id="128" idx="2"/>
+          </p:cNvCxnSpPr>
+          <p:nvPr/>
+        </p:nvCxnSpPr>
+        <p:spPr>
+          <a:xfrm flipV="1">
+            <a:off x="8802500" y="3792812"/>
+            <a:ext cx="1525159" cy="763914"/>
+          </a:xfrm>
+          <a:prstGeom prst="straightConnector1">
+            <a:avLst/>
+          </a:prstGeom>
+          <a:ln>
+            <a:tailEnd type="triangle"/>
+          </a:ln>
+        </p:spPr>
+        <p:style>
+          <a:lnRef idx="1">
+            <a:schemeClr val="accent1"/>
+          </a:lnRef>
+          <a:fillRef idx="0">
+            <a:schemeClr val="accent1"/>
+          </a:fillRef>
+          <a:effectRef idx="0">
+            <a:schemeClr val="accent1"/>
+          </a:effectRef>
+          <a:fontRef idx="minor">
+            <a:schemeClr val="tx1"/>
+          </a:fontRef>
+        </p:style>
+      </p:cxnSp>
+      <p:sp>
+        <p:nvSpPr>
+          <p:cNvPr id="128" name="Rechteck 127">
+            <a:extLst>
+              <a:ext uri="{FF2B5EF4-FFF2-40B4-BE49-F238E27FC236}">
+                <a16:creationId xmlns:a16="http://schemas.microsoft.com/office/drawing/2014/main" id="{D781D453-BD77-CDE3-6713-E737326BD180}"/>
+              </a:ext>
+            </a:extLst>
+          </p:cNvPr>
+          <p:cNvSpPr/>
+          <p:nvPr/>
+        </p:nvSpPr>
+        <p:spPr>
+          <a:xfrm>
+            <a:off x="9478530" y="3169733"/>
+            <a:ext cx="1698257" cy="623079"/>
+          </a:xfrm>
+          <a:prstGeom prst="rect">
+            <a:avLst/>
+          </a:prstGeom>
+          <a:solidFill>
+            <a:schemeClr val="bg1">
+              <a:lumMod val="95000"/>
+            </a:schemeClr>
+          </a:solidFill>
+        </p:spPr>
+        <p:style>
+          <a:lnRef idx="2">
+            <a:schemeClr val="accent6"/>
+          </a:lnRef>
+          <a:fillRef idx="1">
+            <a:schemeClr val="lt1"/>
+          </a:fillRef>
+          <a:effectRef idx="0">
+            <a:schemeClr val="accent6"/>
+          </a:effectRef>
+          <a:fontRef idx="minor">
+            <a:schemeClr val="dk1"/>
+          </a:fontRef>
+        </p:style>
+        <p:txBody>
+          <a:bodyPr rtlCol="0" anchor="ctr"/>
+          <a:lstStyle/>
           <a:p>
             <a:pPr algn="ctr"/>
             <a:endParaRPr lang="de-DE" dirty="0"/>
           </a:p>
-        </p:txBody>
-      </p:sp>
-      <p:sp>
-        <p:nvSpPr>
-          <p:cNvPr id="100" name="Rechteck 99">
-            <a:extLst>
-              <a:ext uri="{FF2B5EF4-FFF2-40B4-BE49-F238E27FC236}">
-                <a16:creationId xmlns:a16="http://schemas.microsoft.com/office/drawing/2014/main" id="{6EE9E339-CA94-DC42-DF32-CC56FCE6B26F}"/>
+          <a:p>
+            <a:pPr algn="ctr"/>
+            <a:r>
+              <a:rPr lang="de-DE" dirty="0" err="1"/>
+              <a:t>Notification</a:t>
+            </a:r>
+            <a:r>
+              <a:rPr lang="de-DE" dirty="0"/>
+              <a:t> Event Channel</a:t>
+            </a:r>
+            <a:endParaRPr lang="de-DE" sz="1200" dirty="0"/>
+          </a:p>
+          <a:p>
+            <a:pPr algn="ctr"/>
+            <a:endParaRPr lang="de-DE" dirty="0"/>
+          </a:p>
+        </p:txBody>
+      </p:sp>
+      <p:cxnSp>
+        <p:nvCxnSpPr>
+          <p:cNvPr id="161" name="Gerade Verbindung mit Pfeil 160">
+            <a:extLst>
+              <a:ext uri="{FF2B5EF4-FFF2-40B4-BE49-F238E27FC236}">
+                <a16:creationId xmlns:a16="http://schemas.microsoft.com/office/drawing/2014/main" id="{F9FA3A55-F317-8BDB-88E7-2D531E70D412}"/>
+              </a:ext>
+            </a:extLst>
+          </p:cNvPr>
+          <p:cNvCxnSpPr>
+            <a:cxnSpLocks/>
+            <a:stCxn id="128" idx="0"/>
+            <a:endCxn id="120" idx="2"/>
+          </p:cNvCxnSpPr>
+          <p:nvPr/>
+        </p:nvCxnSpPr>
+        <p:spPr>
+          <a:xfrm flipV="1">
+            <a:off x="10327659" y="2727000"/>
+            <a:ext cx="141193" cy="442733"/>
+          </a:xfrm>
+          <a:prstGeom prst="straightConnector1">
+            <a:avLst/>
+          </a:prstGeom>
+          <a:ln>
+            <a:tailEnd type="triangle"/>
+          </a:ln>
+        </p:spPr>
+        <p:style>
+          <a:lnRef idx="1">
+            <a:schemeClr val="accent1"/>
+          </a:lnRef>
+          <a:fillRef idx="0">
+            <a:schemeClr val="accent1"/>
+          </a:fillRef>
+          <a:effectRef idx="0">
+            <a:schemeClr val="accent1"/>
+          </a:effectRef>
+          <a:fontRef idx="minor">
+            <a:schemeClr val="tx1"/>
+          </a:fontRef>
+        </p:style>
+      </p:cxnSp>
+      <p:cxnSp>
+        <p:nvCxnSpPr>
+          <p:cNvPr id="163" name="Gerade Verbindung mit Pfeil 162">
+            <a:extLst>
+              <a:ext uri="{FF2B5EF4-FFF2-40B4-BE49-F238E27FC236}">
+                <a16:creationId xmlns:a16="http://schemas.microsoft.com/office/drawing/2014/main" id="{86305ED6-E89D-CEC5-C8DE-D43D2BC374AC}"/>
+              </a:ext>
+            </a:extLst>
+          </p:cNvPr>
+          <p:cNvCxnSpPr>
+            <a:cxnSpLocks/>
+            <a:stCxn id="82" idx="2"/>
+            <a:endCxn id="120" idx="0"/>
+          </p:cNvCxnSpPr>
+          <p:nvPr/>
+        </p:nvCxnSpPr>
+        <p:spPr>
+          <a:xfrm flipH="1">
+            <a:off x="10468852" y="1259047"/>
+            <a:ext cx="57144" cy="499043"/>
+          </a:xfrm>
+          <a:prstGeom prst="straightConnector1">
+            <a:avLst/>
+          </a:prstGeom>
+          <a:ln>
+            <a:tailEnd type="triangle"/>
+          </a:ln>
+        </p:spPr>
+        <p:style>
+          <a:lnRef idx="1">
+            <a:schemeClr val="accent1"/>
+          </a:lnRef>
+          <a:fillRef idx="0">
+            <a:schemeClr val="accent1"/>
+          </a:fillRef>
+          <a:effectRef idx="0">
+            <a:schemeClr val="accent1"/>
+          </a:effectRef>
+          <a:fontRef idx="minor">
+            <a:schemeClr val="tx1"/>
+          </a:fontRef>
+        </p:style>
+      </p:cxnSp>
+      <p:cxnSp>
+        <p:nvCxnSpPr>
+          <p:cNvPr id="199" name="Gerade Verbindung mit Pfeil 198">
+            <a:extLst>
+              <a:ext uri="{FF2B5EF4-FFF2-40B4-BE49-F238E27FC236}">
+                <a16:creationId xmlns:a16="http://schemas.microsoft.com/office/drawing/2014/main" id="{DA34F3F9-82D1-DEDA-D4F0-38D65F4FE50E}"/>
+              </a:ext>
+            </a:extLst>
+          </p:cNvPr>
+          <p:cNvCxnSpPr>
+            <a:cxnSpLocks/>
+            <a:stCxn id="30" idx="1"/>
+            <a:endCxn id="50" idx="3"/>
+          </p:cNvCxnSpPr>
+          <p:nvPr/>
+        </p:nvCxnSpPr>
+        <p:spPr>
+          <a:xfrm flipH="1">
+            <a:off x="1895915" y="2530509"/>
+            <a:ext cx="1022551" cy="662175"/>
+          </a:xfrm>
+          <a:prstGeom prst="straightConnector1">
+            <a:avLst/>
+          </a:prstGeom>
+          <a:ln>
+            <a:tailEnd type="triangle"/>
+          </a:ln>
+        </p:spPr>
+        <p:style>
+          <a:lnRef idx="1">
+            <a:schemeClr val="accent1"/>
+          </a:lnRef>
+          <a:fillRef idx="0">
+            <a:schemeClr val="accent1"/>
+          </a:fillRef>
+          <a:effectRef idx="0">
+            <a:schemeClr val="accent1"/>
+          </a:effectRef>
+          <a:fontRef idx="minor">
+            <a:schemeClr val="tx1"/>
+          </a:fontRef>
+        </p:style>
+      </p:cxnSp>
+      <p:cxnSp>
+        <p:nvCxnSpPr>
+          <p:cNvPr id="204" name="Gerade Verbindung mit Pfeil 203">
+            <a:extLst>
+              <a:ext uri="{FF2B5EF4-FFF2-40B4-BE49-F238E27FC236}">
+                <a16:creationId xmlns:a16="http://schemas.microsoft.com/office/drawing/2014/main" id="{54DA7562-BF7F-CC06-0725-4213A5A03EDB}"/>
+              </a:ext>
+            </a:extLst>
+          </p:cNvPr>
+          <p:cNvCxnSpPr>
+            <a:cxnSpLocks/>
+            <a:stCxn id="3" idx="3"/>
+            <a:endCxn id="2" idx="1"/>
+          </p:cNvCxnSpPr>
+          <p:nvPr/>
+        </p:nvCxnSpPr>
+        <p:spPr>
+          <a:xfrm flipV="1">
+            <a:off x="1877392" y="5544351"/>
+            <a:ext cx="568534" cy="657"/>
+          </a:xfrm>
+          <a:prstGeom prst="straightConnector1">
+            <a:avLst/>
+          </a:prstGeom>
+          <a:ln>
+            <a:tailEnd type="triangle"/>
+          </a:ln>
+        </p:spPr>
+        <p:style>
+          <a:lnRef idx="1">
+            <a:schemeClr val="accent1"/>
+          </a:lnRef>
+          <a:fillRef idx="0">
+            <a:schemeClr val="accent1"/>
+          </a:fillRef>
+          <a:effectRef idx="0">
+            <a:schemeClr val="accent1"/>
+          </a:effectRef>
+          <a:fontRef idx="minor">
+            <a:schemeClr val="tx1"/>
+          </a:fontRef>
+        </p:style>
+      </p:cxnSp>
+      <p:sp>
+        <p:nvSpPr>
+          <p:cNvPr id="4" name="Rechteck 3">
+            <a:extLst>
+              <a:ext uri="{FF2B5EF4-FFF2-40B4-BE49-F238E27FC236}">
+                <a16:creationId xmlns:a16="http://schemas.microsoft.com/office/drawing/2014/main" id="{74C57912-408F-2951-BB63-EB10E0C863AF}"/>
               </a:ext>
             </a:extLst>
           </p:cNvPr>
@@ -4469,8 +4639,880 @@
         </p:nvSpPr>
         <p:spPr>
           <a:xfrm>
-            <a:off x="10105193" y="5525476"/>
-            <a:ext cx="1667898" cy="976398"/>
+            <a:off x="7488695" y="3280854"/>
+            <a:ext cx="1445591" cy="803900"/>
+          </a:xfrm>
+          <a:prstGeom prst="rect">
+            <a:avLst/>
+          </a:prstGeom>
+        </p:spPr>
+        <p:style>
+          <a:lnRef idx="2">
+            <a:schemeClr val="accent6"/>
+          </a:lnRef>
+          <a:fillRef idx="1">
+            <a:schemeClr val="lt1"/>
+          </a:fillRef>
+          <a:effectRef idx="0">
+            <a:schemeClr val="accent6"/>
+          </a:effectRef>
+          <a:fontRef idx="minor">
+            <a:schemeClr val="dk1"/>
+          </a:fontRef>
+        </p:style>
+        <p:txBody>
+          <a:bodyPr rtlCol="0" anchor="ctr"/>
+          <a:lstStyle/>
+          <a:p>
+            <a:pPr algn="ctr"/>
+            <a:endParaRPr lang="de-DE" dirty="0"/>
+          </a:p>
+          <a:p>
+            <a:pPr algn="ctr"/>
+            <a:r>
+              <a:rPr lang="de-DE" dirty="0"/>
+              <a:t>Analyse Rule </a:t>
+            </a:r>
+            <a:r>
+              <a:rPr lang="de-DE" dirty="0" err="1"/>
+              <a:t>Builder</a:t>
+            </a:r>
+            <a:endParaRPr lang="de-DE" dirty="0"/>
+          </a:p>
+          <a:p>
+            <a:pPr algn="ctr"/>
+            <a:endParaRPr lang="de-DE" dirty="0"/>
+          </a:p>
+        </p:txBody>
+      </p:sp>
+      <p:cxnSp>
+        <p:nvCxnSpPr>
+          <p:cNvPr id="27" name="Gerade Verbindung mit Pfeil 26">
+            <a:extLst>
+              <a:ext uri="{FF2B5EF4-FFF2-40B4-BE49-F238E27FC236}">
+                <a16:creationId xmlns:a16="http://schemas.microsoft.com/office/drawing/2014/main" id="{7CCD53F8-2E83-BCD6-8658-8D86E23998A0}"/>
+              </a:ext>
+            </a:extLst>
+          </p:cNvPr>
+          <p:cNvCxnSpPr>
+            <a:cxnSpLocks/>
+            <a:stCxn id="2" idx="3"/>
+            <a:endCxn id="44" idx="1"/>
+          </p:cNvCxnSpPr>
+          <p:nvPr/>
+        </p:nvCxnSpPr>
+        <p:spPr>
+          <a:xfrm flipV="1">
+            <a:off x="4028569" y="5525476"/>
+            <a:ext cx="1244044" cy="18875"/>
+          </a:xfrm>
+          <a:prstGeom prst="straightConnector1">
+            <a:avLst/>
+          </a:prstGeom>
+          <a:ln>
+            <a:tailEnd type="triangle"/>
+          </a:ln>
+        </p:spPr>
+        <p:style>
+          <a:lnRef idx="1">
+            <a:schemeClr val="accent1"/>
+          </a:lnRef>
+          <a:fillRef idx="0">
+            <a:schemeClr val="accent1"/>
+          </a:fillRef>
+          <a:effectRef idx="0">
+            <a:schemeClr val="accent1"/>
+          </a:effectRef>
+          <a:fontRef idx="minor">
+            <a:schemeClr val="tx1"/>
+          </a:fontRef>
+        </p:style>
+      </p:cxnSp>
+      <p:cxnSp>
+        <p:nvCxnSpPr>
+          <p:cNvPr id="40" name="Gerade Verbindung mit Pfeil 39">
+            <a:extLst>
+              <a:ext uri="{FF2B5EF4-FFF2-40B4-BE49-F238E27FC236}">
+                <a16:creationId xmlns:a16="http://schemas.microsoft.com/office/drawing/2014/main" id="{9D77B0EB-5B98-D448-502D-160BE7972833}"/>
+              </a:ext>
+            </a:extLst>
+          </p:cNvPr>
+          <p:cNvCxnSpPr>
+            <a:cxnSpLocks/>
+            <a:stCxn id="128" idx="0"/>
+            <a:endCxn id="20" idx="3"/>
+          </p:cNvCxnSpPr>
+          <p:nvPr/>
+        </p:nvCxnSpPr>
+        <p:spPr>
+          <a:xfrm flipH="1" flipV="1">
+            <a:off x="7206287" y="1937594"/>
+            <a:ext cx="3121372" cy="1232139"/>
+          </a:xfrm>
+          <a:prstGeom prst="straightConnector1">
+            <a:avLst/>
+          </a:prstGeom>
+          <a:ln>
+            <a:tailEnd type="triangle"/>
+          </a:ln>
+        </p:spPr>
+        <p:style>
+          <a:lnRef idx="1">
+            <a:schemeClr val="accent1"/>
+          </a:lnRef>
+          <a:fillRef idx="0">
+            <a:schemeClr val="accent1"/>
+          </a:fillRef>
+          <a:effectRef idx="0">
+            <a:schemeClr val="accent1"/>
+          </a:effectRef>
+          <a:fontRef idx="minor">
+            <a:schemeClr val="tx1"/>
+          </a:fontRef>
+        </p:style>
+      </p:cxnSp>
+      <p:sp>
+        <p:nvSpPr>
+          <p:cNvPr id="32" name="Flussdiagramm: Magnetplattenspeicher 31">
+            <a:extLst>
+              <a:ext uri="{FF2B5EF4-FFF2-40B4-BE49-F238E27FC236}">
+                <a16:creationId xmlns:a16="http://schemas.microsoft.com/office/drawing/2014/main" id="{84323946-92CD-F020-30E5-55CE6785220E}"/>
+              </a:ext>
+            </a:extLst>
+          </p:cNvPr>
+          <p:cNvSpPr/>
+          <p:nvPr/>
+        </p:nvSpPr>
+        <p:spPr>
+          <a:xfrm>
+            <a:off x="4425134" y="3766369"/>
+            <a:ext cx="983126" cy="865854"/>
+          </a:xfrm>
+          <a:prstGeom prst="flowChartMagneticDisk">
+            <a:avLst/>
+          </a:prstGeom>
+        </p:spPr>
+        <p:style>
+          <a:lnRef idx="2">
+            <a:schemeClr val="accent6"/>
+          </a:lnRef>
+          <a:fillRef idx="1">
+            <a:schemeClr val="lt1"/>
+          </a:fillRef>
+          <a:effectRef idx="0">
+            <a:schemeClr val="accent6"/>
+          </a:effectRef>
+          <a:fontRef idx="minor">
+            <a:schemeClr val="dk1"/>
+          </a:fontRef>
+        </p:style>
+        <p:txBody>
+          <a:bodyPr rtlCol="0" anchor="ctr"/>
+          <a:lstStyle/>
+          <a:p>
+            <a:pPr algn="ctr"/>
+            <a:r>
+              <a:rPr lang="de-DE" dirty="0"/>
+              <a:t>Signal DB</a:t>
+            </a:r>
+          </a:p>
+        </p:txBody>
+      </p:sp>
+      <p:sp>
+        <p:nvSpPr>
+          <p:cNvPr id="44" name="Rechteck 43">
+            <a:extLst>
+              <a:ext uri="{FF2B5EF4-FFF2-40B4-BE49-F238E27FC236}">
+                <a16:creationId xmlns:a16="http://schemas.microsoft.com/office/drawing/2014/main" id="{94685144-9530-7E9A-91F5-3136A7ABC40F}"/>
+              </a:ext>
+            </a:extLst>
+          </p:cNvPr>
+          <p:cNvSpPr/>
+          <p:nvPr/>
+        </p:nvSpPr>
+        <p:spPr>
+          <a:xfrm>
+            <a:off x="5272613" y="5087357"/>
+            <a:ext cx="1822243" cy="876238"/>
+          </a:xfrm>
+          <a:prstGeom prst="rect">
+            <a:avLst/>
+          </a:prstGeom>
+          <a:solidFill>
+            <a:srgbClr val="92D050"/>
+          </a:solidFill>
+        </p:spPr>
+        <p:style>
+          <a:lnRef idx="2">
+            <a:schemeClr val="accent6"/>
+          </a:lnRef>
+          <a:fillRef idx="1">
+            <a:schemeClr val="lt1"/>
+          </a:fillRef>
+          <a:effectRef idx="0">
+            <a:schemeClr val="accent6"/>
+          </a:effectRef>
+          <a:fontRef idx="minor">
+            <a:schemeClr val="dk1"/>
+          </a:fontRef>
+        </p:style>
+        <p:txBody>
+          <a:bodyPr rtlCol="0" anchor="ctr"/>
+          <a:lstStyle/>
+          <a:p>
+            <a:pPr algn="ctr"/>
+            <a:r>
+              <a:rPr lang="de-DE" dirty="0"/>
+              <a:t>Patient Signal</a:t>
+            </a:r>
+          </a:p>
+          <a:p>
+            <a:pPr algn="ctr"/>
+            <a:r>
+              <a:rPr lang="de-DE" dirty="0" err="1"/>
+              <a:t>Collector</a:t>
+            </a:r>
+            <a:endParaRPr lang="de-DE" dirty="0"/>
+          </a:p>
+          <a:p>
+            <a:pPr algn="ctr"/>
+            <a:r>
+              <a:rPr lang="de-DE" sz="1200" dirty="0"/>
+              <a:t>(all Signals per </a:t>
+            </a:r>
+            <a:r>
+              <a:rPr lang="de-DE" sz="1200" dirty="0" err="1"/>
+              <a:t>patient</a:t>
+            </a:r>
+            <a:r>
+              <a:rPr lang="de-DE" sz="1200" dirty="0"/>
+              <a:t>)</a:t>
+            </a:r>
+          </a:p>
+        </p:txBody>
+      </p:sp>
+      <p:sp>
+        <p:nvSpPr>
+          <p:cNvPr id="54" name="Rechteck 53">
+            <a:extLst>
+              <a:ext uri="{FF2B5EF4-FFF2-40B4-BE49-F238E27FC236}">
+                <a16:creationId xmlns:a16="http://schemas.microsoft.com/office/drawing/2014/main" id="{AD449FD3-8B2C-44FB-182E-7D32CD4DA1C6}"/>
+              </a:ext>
+            </a:extLst>
+          </p:cNvPr>
+          <p:cNvSpPr/>
+          <p:nvPr/>
+        </p:nvSpPr>
+        <p:spPr>
+          <a:xfrm>
+            <a:off x="2616077" y="3792812"/>
+            <a:ext cx="1196458" cy="798917"/>
+          </a:xfrm>
+          <a:prstGeom prst="rect">
+            <a:avLst/>
+          </a:prstGeom>
+          <a:solidFill>
+            <a:srgbClr val="92D050"/>
+          </a:solidFill>
+        </p:spPr>
+        <p:style>
+          <a:lnRef idx="2">
+            <a:schemeClr val="accent6"/>
+          </a:lnRef>
+          <a:fillRef idx="1">
+            <a:schemeClr val="lt1"/>
+          </a:fillRef>
+          <a:effectRef idx="0">
+            <a:schemeClr val="accent6"/>
+          </a:effectRef>
+          <a:fontRef idx="minor">
+            <a:schemeClr val="dk1"/>
+          </a:fontRef>
+        </p:style>
+        <p:txBody>
+          <a:bodyPr rtlCol="0" anchor="ctr"/>
+          <a:lstStyle/>
+          <a:p>
+            <a:pPr algn="ctr"/>
+            <a:r>
+              <a:rPr lang="de-DE" dirty="0"/>
+              <a:t>Raw Signal </a:t>
+            </a:r>
+            <a:r>
+              <a:rPr lang="de-DE" dirty="0" err="1"/>
+              <a:t>Persister</a:t>
+            </a:r>
+            <a:endParaRPr lang="de-DE" dirty="0"/>
+          </a:p>
+        </p:txBody>
+      </p:sp>
+      <p:cxnSp>
+        <p:nvCxnSpPr>
+          <p:cNvPr id="55" name="Gerade Verbindung mit Pfeil 54">
+            <a:extLst>
+              <a:ext uri="{FF2B5EF4-FFF2-40B4-BE49-F238E27FC236}">
+                <a16:creationId xmlns:a16="http://schemas.microsoft.com/office/drawing/2014/main" id="{37E2C49D-91F4-954E-0EA6-D018F836A29D}"/>
+              </a:ext>
+            </a:extLst>
+          </p:cNvPr>
+          <p:cNvCxnSpPr>
+            <a:cxnSpLocks/>
+            <a:stCxn id="2" idx="0"/>
+            <a:endCxn id="54" idx="2"/>
+          </p:cNvCxnSpPr>
+          <p:nvPr/>
+        </p:nvCxnSpPr>
+        <p:spPr>
+          <a:xfrm flipH="1" flipV="1">
+            <a:off x="3214306" y="4591729"/>
+            <a:ext cx="22942" cy="392169"/>
+          </a:xfrm>
+          <a:prstGeom prst="straightConnector1">
+            <a:avLst/>
+          </a:prstGeom>
+          <a:ln>
+            <a:tailEnd type="triangle"/>
+          </a:ln>
+        </p:spPr>
+        <p:style>
+          <a:lnRef idx="1">
+            <a:schemeClr val="accent1"/>
+          </a:lnRef>
+          <a:fillRef idx="0">
+            <a:schemeClr val="accent1"/>
+          </a:fillRef>
+          <a:effectRef idx="0">
+            <a:schemeClr val="accent1"/>
+          </a:effectRef>
+          <a:fontRef idx="minor">
+            <a:schemeClr val="tx1"/>
+          </a:fontRef>
+        </p:style>
+      </p:cxnSp>
+      <p:cxnSp>
+        <p:nvCxnSpPr>
+          <p:cNvPr id="58" name="Gerade Verbindung mit Pfeil 57">
+            <a:extLst>
+              <a:ext uri="{FF2B5EF4-FFF2-40B4-BE49-F238E27FC236}">
+                <a16:creationId xmlns:a16="http://schemas.microsoft.com/office/drawing/2014/main" id="{51D708B7-5F98-0CA1-ECA3-F7D60F019697}"/>
+              </a:ext>
+            </a:extLst>
+          </p:cNvPr>
+          <p:cNvCxnSpPr>
+            <a:cxnSpLocks/>
+            <a:stCxn id="54" idx="3"/>
+            <a:endCxn id="32" idx="2"/>
+          </p:cNvCxnSpPr>
+          <p:nvPr/>
+        </p:nvCxnSpPr>
+        <p:spPr>
+          <a:xfrm>
+            <a:off x="3812535" y="4192271"/>
+            <a:ext cx="612599" cy="7025"/>
+          </a:xfrm>
+          <a:prstGeom prst="straightConnector1">
+            <a:avLst/>
+          </a:prstGeom>
+          <a:ln>
+            <a:tailEnd type="triangle"/>
+          </a:ln>
+        </p:spPr>
+        <p:style>
+          <a:lnRef idx="1">
+            <a:schemeClr val="accent1"/>
+          </a:lnRef>
+          <a:fillRef idx="0">
+            <a:schemeClr val="accent1"/>
+          </a:fillRef>
+          <a:effectRef idx="0">
+            <a:schemeClr val="accent1"/>
+          </a:effectRef>
+          <a:fontRef idx="minor">
+            <a:schemeClr val="tx1"/>
+          </a:fontRef>
+        </p:style>
+      </p:cxnSp>
+      <p:cxnSp>
+        <p:nvCxnSpPr>
+          <p:cNvPr id="89" name="Gerade Verbindung mit Pfeil 88">
+            <a:extLst>
+              <a:ext uri="{FF2B5EF4-FFF2-40B4-BE49-F238E27FC236}">
+                <a16:creationId xmlns:a16="http://schemas.microsoft.com/office/drawing/2014/main" id="{F79F2388-4C65-4AA4-07FF-E74092B11E4E}"/>
+              </a:ext>
+            </a:extLst>
+          </p:cNvPr>
+          <p:cNvCxnSpPr>
+            <a:cxnSpLocks/>
+            <a:stCxn id="44" idx="3"/>
+            <a:endCxn id="99" idx="1"/>
+          </p:cNvCxnSpPr>
+          <p:nvPr/>
+        </p:nvCxnSpPr>
+        <p:spPr>
+          <a:xfrm flipV="1">
+            <a:off x="7094856" y="4888886"/>
+            <a:ext cx="984848" cy="636590"/>
+          </a:xfrm>
+          <a:prstGeom prst="straightConnector1">
+            <a:avLst/>
+          </a:prstGeom>
+          <a:ln>
+            <a:tailEnd type="triangle"/>
+          </a:ln>
+        </p:spPr>
+        <p:style>
+          <a:lnRef idx="1">
+            <a:schemeClr val="accent1"/>
+          </a:lnRef>
+          <a:fillRef idx="0">
+            <a:schemeClr val="accent1"/>
+          </a:fillRef>
+          <a:effectRef idx="0">
+            <a:schemeClr val="accent1"/>
+          </a:effectRef>
+          <a:fontRef idx="minor">
+            <a:schemeClr val="tx1"/>
+          </a:fontRef>
+        </p:style>
+      </p:cxnSp>
+      <p:cxnSp>
+        <p:nvCxnSpPr>
+          <p:cNvPr id="135" name="Gerade Verbindung mit Pfeil 134">
+            <a:extLst>
+              <a:ext uri="{FF2B5EF4-FFF2-40B4-BE49-F238E27FC236}">
+                <a16:creationId xmlns:a16="http://schemas.microsoft.com/office/drawing/2014/main" id="{6B6C8C42-3B34-2D97-788E-24DBE48764B0}"/>
+              </a:ext>
+            </a:extLst>
+          </p:cNvPr>
+          <p:cNvCxnSpPr>
+            <a:cxnSpLocks/>
+            <a:stCxn id="44" idx="0"/>
+            <a:endCxn id="20" idx="2"/>
+          </p:cNvCxnSpPr>
+          <p:nvPr/>
+        </p:nvCxnSpPr>
+        <p:spPr>
+          <a:xfrm flipV="1">
+            <a:off x="6183735" y="2437879"/>
+            <a:ext cx="1" cy="2649478"/>
+          </a:xfrm>
+          <a:prstGeom prst="straightConnector1">
+            <a:avLst/>
+          </a:prstGeom>
+          <a:ln>
+            <a:tailEnd type="triangle"/>
+          </a:ln>
+        </p:spPr>
+        <p:style>
+          <a:lnRef idx="1">
+            <a:schemeClr val="accent1"/>
+          </a:lnRef>
+          <a:fillRef idx="0">
+            <a:schemeClr val="accent1"/>
+          </a:fillRef>
+          <a:effectRef idx="0">
+            <a:schemeClr val="accent1"/>
+          </a:effectRef>
+          <a:fontRef idx="minor">
+            <a:schemeClr val="tx1"/>
+          </a:fontRef>
+        </p:style>
+      </p:cxnSp>
+      <p:sp>
+        <p:nvSpPr>
+          <p:cNvPr id="138" name="Textfeld 137">
+            <a:extLst>
+              <a:ext uri="{FF2B5EF4-FFF2-40B4-BE49-F238E27FC236}">
+                <a16:creationId xmlns:a16="http://schemas.microsoft.com/office/drawing/2014/main" id="{749A465A-2383-5171-5F2E-1B2CD6AC8499}"/>
+              </a:ext>
+            </a:extLst>
+          </p:cNvPr>
+          <p:cNvSpPr txBox="1"/>
+          <p:nvPr/>
+        </p:nvSpPr>
+        <p:spPr>
+          <a:xfrm>
+            <a:off x="516762" y="216166"/>
+            <a:ext cx="2540682" cy="1384995"/>
+          </a:xfrm>
+          <a:prstGeom prst="rect">
+            <a:avLst/>
+          </a:prstGeom>
+          <a:noFill/>
+        </p:spPr>
+        <p:txBody>
+          <a:bodyPr wrap="square" rtlCol="0">
+            <a:spAutoFit/>
+          </a:bodyPr>
+          <a:lstStyle/>
+          <a:p>
+            <a:r>
+              <a:rPr lang="de-DE" sz="2800" b="1" dirty="0"/>
+              <a:t>Event Driven </a:t>
+            </a:r>
+          </a:p>
+          <a:p>
+            <a:r>
+              <a:rPr lang="de-DE" sz="2800" b="1" dirty="0" err="1"/>
+              <a:t>Component</a:t>
+            </a:r>
+            <a:r>
+              <a:rPr lang="de-DE" sz="2800" b="1" dirty="0"/>
+              <a:t> View</a:t>
+            </a:r>
+          </a:p>
+        </p:txBody>
+      </p:sp>
+      <p:sp>
+        <p:nvSpPr>
+          <p:cNvPr id="151" name="Rechteck 150">
+            <a:extLst>
+              <a:ext uri="{FF2B5EF4-FFF2-40B4-BE49-F238E27FC236}">
+                <a16:creationId xmlns:a16="http://schemas.microsoft.com/office/drawing/2014/main" id="{B1972254-D048-F8CF-6378-0F1B7F0DF84C}"/>
+              </a:ext>
+            </a:extLst>
+          </p:cNvPr>
+          <p:cNvSpPr/>
+          <p:nvPr/>
+        </p:nvSpPr>
+        <p:spPr>
+          <a:xfrm>
+            <a:off x="525152" y="6437376"/>
+            <a:ext cx="1158142" cy="204458"/>
+          </a:xfrm>
+          <a:prstGeom prst="rect">
+            <a:avLst/>
+          </a:prstGeom>
+          <a:solidFill>
+            <a:schemeClr val="accent2"/>
+          </a:solidFill>
+        </p:spPr>
+        <p:style>
+          <a:lnRef idx="2">
+            <a:schemeClr val="accent6"/>
+          </a:lnRef>
+          <a:fillRef idx="1">
+            <a:schemeClr val="lt1"/>
+          </a:fillRef>
+          <a:effectRef idx="0">
+            <a:schemeClr val="accent6"/>
+          </a:effectRef>
+          <a:fontRef idx="minor">
+            <a:schemeClr val="dk1"/>
+          </a:fontRef>
+        </p:style>
+        <p:txBody>
+          <a:bodyPr rtlCol="0" anchor="ctr"/>
+          <a:lstStyle/>
+          <a:p>
+            <a:pPr algn="ctr"/>
+            <a:r>
+              <a:rPr lang="de-DE" sz="1200" dirty="0"/>
+              <a:t>Event </a:t>
+            </a:r>
+            <a:r>
+              <a:rPr lang="de-DE" sz="1200" dirty="0" err="1"/>
+              <a:t>producer</a:t>
+            </a:r>
+            <a:endParaRPr lang="de-DE" sz="1200" dirty="0"/>
+          </a:p>
+        </p:txBody>
+      </p:sp>
+      <p:sp>
+        <p:nvSpPr>
+          <p:cNvPr id="152" name="Rechteck 151">
+            <a:extLst>
+              <a:ext uri="{FF2B5EF4-FFF2-40B4-BE49-F238E27FC236}">
+                <a16:creationId xmlns:a16="http://schemas.microsoft.com/office/drawing/2014/main" id="{F2F16A4F-4387-2721-B146-BF9AEF831383}"/>
+              </a:ext>
+            </a:extLst>
+          </p:cNvPr>
+          <p:cNvSpPr/>
+          <p:nvPr/>
+        </p:nvSpPr>
+        <p:spPr>
+          <a:xfrm>
+            <a:off x="2040789" y="6425183"/>
+            <a:ext cx="1582643" cy="234809"/>
+          </a:xfrm>
+          <a:prstGeom prst="rect">
+            <a:avLst/>
+          </a:prstGeom>
+          <a:solidFill>
+            <a:schemeClr val="bg1">
+              <a:lumMod val="85000"/>
+            </a:schemeClr>
+          </a:solidFill>
+        </p:spPr>
+        <p:style>
+          <a:lnRef idx="2">
+            <a:schemeClr val="accent6"/>
+          </a:lnRef>
+          <a:fillRef idx="1">
+            <a:schemeClr val="lt1"/>
+          </a:fillRef>
+          <a:effectRef idx="0">
+            <a:schemeClr val="accent6"/>
+          </a:effectRef>
+          <a:fontRef idx="minor">
+            <a:schemeClr val="dk1"/>
+          </a:fontRef>
+        </p:style>
+        <p:txBody>
+          <a:bodyPr rtlCol="0" anchor="ctr"/>
+          <a:lstStyle/>
+          <a:p>
+            <a:pPr algn="ctr"/>
+            <a:r>
+              <a:rPr lang="de-DE" sz="1200" dirty="0"/>
+              <a:t>Event Channel/Queue</a:t>
+            </a:r>
+          </a:p>
+        </p:txBody>
+      </p:sp>
+      <p:sp>
+        <p:nvSpPr>
+          <p:cNvPr id="153" name="Rechteck 152">
+            <a:extLst>
+              <a:ext uri="{FF2B5EF4-FFF2-40B4-BE49-F238E27FC236}">
+                <a16:creationId xmlns:a16="http://schemas.microsoft.com/office/drawing/2014/main" id="{C55AEC58-8540-2A12-8310-3C23AE89636D}"/>
+              </a:ext>
+            </a:extLst>
+          </p:cNvPr>
+          <p:cNvSpPr/>
+          <p:nvPr/>
+        </p:nvSpPr>
+        <p:spPr>
+          <a:xfrm>
+            <a:off x="3968186" y="6426467"/>
+            <a:ext cx="1582643" cy="234809"/>
+          </a:xfrm>
+          <a:prstGeom prst="rect">
+            <a:avLst/>
+          </a:prstGeom>
+          <a:solidFill>
+            <a:srgbClr val="92D050"/>
+          </a:solidFill>
+        </p:spPr>
+        <p:style>
+          <a:lnRef idx="2">
+            <a:schemeClr val="accent6"/>
+          </a:lnRef>
+          <a:fillRef idx="1">
+            <a:schemeClr val="lt1"/>
+          </a:fillRef>
+          <a:effectRef idx="0">
+            <a:schemeClr val="accent6"/>
+          </a:effectRef>
+          <a:fontRef idx="minor">
+            <a:schemeClr val="dk1"/>
+          </a:fontRef>
+        </p:style>
+        <p:txBody>
+          <a:bodyPr rtlCol="0" anchor="ctr"/>
+          <a:lstStyle/>
+          <a:p>
+            <a:pPr algn="ctr"/>
+            <a:r>
+              <a:rPr lang="de-DE" sz="1200" dirty="0"/>
+              <a:t>Event Consumer</a:t>
+            </a:r>
+          </a:p>
+        </p:txBody>
+      </p:sp>
+      <p:sp>
+        <p:nvSpPr>
+          <p:cNvPr id="154" name="Rechteck 153">
+            <a:extLst>
+              <a:ext uri="{FF2B5EF4-FFF2-40B4-BE49-F238E27FC236}">
+                <a16:creationId xmlns:a16="http://schemas.microsoft.com/office/drawing/2014/main" id="{380B8213-EBE5-2CEB-2449-4BA4E4E51649}"/>
+              </a:ext>
+            </a:extLst>
+          </p:cNvPr>
+          <p:cNvSpPr/>
+          <p:nvPr/>
+        </p:nvSpPr>
+        <p:spPr>
+          <a:xfrm>
+            <a:off x="5849851" y="6425055"/>
+            <a:ext cx="1582643" cy="234809"/>
+          </a:xfrm>
+          <a:prstGeom prst="rect">
+            <a:avLst/>
+          </a:prstGeom>
+          <a:noFill/>
+        </p:spPr>
+        <p:style>
+          <a:lnRef idx="2">
+            <a:schemeClr val="accent6"/>
+          </a:lnRef>
+          <a:fillRef idx="1">
+            <a:schemeClr val="lt1"/>
+          </a:fillRef>
+          <a:effectRef idx="0">
+            <a:schemeClr val="accent6"/>
+          </a:effectRef>
+          <a:fontRef idx="minor">
+            <a:schemeClr val="dk1"/>
+          </a:fontRef>
+        </p:style>
+        <p:txBody>
+          <a:bodyPr rtlCol="0" anchor="ctr"/>
+          <a:lstStyle/>
+          <a:p>
+            <a:pPr algn="ctr"/>
+            <a:r>
+              <a:rPr lang="de-DE" sz="1200" dirty="0"/>
+              <a:t>Microservice</a:t>
+            </a:r>
+          </a:p>
+        </p:txBody>
+      </p:sp>
+      <p:cxnSp>
+        <p:nvCxnSpPr>
+          <p:cNvPr id="18" name="Gerade Verbindung mit Pfeil 17">
+            <a:extLst>
+              <a:ext uri="{FF2B5EF4-FFF2-40B4-BE49-F238E27FC236}">
+                <a16:creationId xmlns:a16="http://schemas.microsoft.com/office/drawing/2014/main" id="{808CBFFC-4042-5435-D55A-7248A79F2937}"/>
+              </a:ext>
+            </a:extLst>
+          </p:cNvPr>
+          <p:cNvCxnSpPr>
+            <a:cxnSpLocks/>
+            <a:stCxn id="111" idx="4"/>
+            <a:endCxn id="4" idx="1"/>
+          </p:cNvCxnSpPr>
+          <p:nvPr/>
+        </p:nvCxnSpPr>
+        <p:spPr>
+          <a:xfrm>
+            <a:off x="7201467" y="3046215"/>
+            <a:ext cx="287228" cy="636589"/>
+          </a:xfrm>
+          <a:prstGeom prst="straightConnector1">
+            <a:avLst/>
+          </a:prstGeom>
+          <a:ln>
+            <a:tailEnd type="triangle"/>
+          </a:ln>
+        </p:spPr>
+        <p:style>
+          <a:lnRef idx="1">
+            <a:schemeClr val="accent1"/>
+          </a:lnRef>
+          <a:fillRef idx="0">
+            <a:schemeClr val="accent1"/>
+          </a:fillRef>
+          <a:effectRef idx="0">
+            <a:schemeClr val="accent1"/>
+          </a:effectRef>
+          <a:fontRef idx="minor">
+            <a:schemeClr val="tx1"/>
+          </a:fontRef>
+        </p:style>
+      </p:cxnSp>
+      <p:cxnSp>
+        <p:nvCxnSpPr>
+          <p:cNvPr id="22" name="Gerade Verbindung mit Pfeil 21">
+            <a:extLst>
+              <a:ext uri="{FF2B5EF4-FFF2-40B4-BE49-F238E27FC236}">
+                <a16:creationId xmlns:a16="http://schemas.microsoft.com/office/drawing/2014/main" id="{36A8DE08-CFE5-D821-4B17-F2A6D35FCA0E}"/>
+              </a:ext>
+            </a:extLst>
+          </p:cNvPr>
+          <p:cNvCxnSpPr>
+            <a:cxnSpLocks/>
+            <a:stCxn id="32" idx="4"/>
+            <a:endCxn id="4" idx="1"/>
+          </p:cNvCxnSpPr>
+          <p:nvPr/>
+        </p:nvCxnSpPr>
+        <p:spPr>
+          <a:xfrm flipV="1">
+            <a:off x="5408260" y="3682804"/>
+            <a:ext cx="2080435" cy="516492"/>
+          </a:xfrm>
+          <a:prstGeom prst="straightConnector1">
+            <a:avLst/>
+          </a:prstGeom>
+          <a:ln>
+            <a:tailEnd type="triangle"/>
+          </a:ln>
+        </p:spPr>
+        <p:style>
+          <a:lnRef idx="1">
+            <a:schemeClr val="accent1"/>
+          </a:lnRef>
+          <a:fillRef idx="0">
+            <a:schemeClr val="accent1"/>
+          </a:fillRef>
+          <a:effectRef idx="0">
+            <a:schemeClr val="accent1"/>
+          </a:effectRef>
+          <a:fontRef idx="minor">
+            <a:schemeClr val="tx1"/>
+          </a:fontRef>
+        </p:style>
+      </p:cxnSp>
+      <p:cxnSp>
+        <p:nvCxnSpPr>
+          <p:cNvPr id="34" name="Gerade Verbindung mit Pfeil 33">
+            <a:extLst>
+              <a:ext uri="{FF2B5EF4-FFF2-40B4-BE49-F238E27FC236}">
+                <a16:creationId xmlns:a16="http://schemas.microsoft.com/office/drawing/2014/main" id="{B14C2D5B-14C4-85F7-1526-678FD8FCEF5F}"/>
+              </a:ext>
+            </a:extLst>
+          </p:cNvPr>
+          <p:cNvCxnSpPr>
+            <a:cxnSpLocks/>
+            <a:stCxn id="99" idx="0"/>
+            <a:endCxn id="4" idx="2"/>
+          </p:cNvCxnSpPr>
+          <p:nvPr/>
+        </p:nvCxnSpPr>
+        <p:spPr>
+          <a:xfrm flipH="1" flipV="1">
+            <a:off x="8211491" y="4084754"/>
+            <a:ext cx="591009" cy="471972"/>
+          </a:xfrm>
+          <a:prstGeom prst="straightConnector1">
+            <a:avLst/>
+          </a:prstGeom>
+          <a:ln>
+            <a:tailEnd type="triangle"/>
+          </a:ln>
+        </p:spPr>
+        <p:style>
+          <a:lnRef idx="1">
+            <a:schemeClr val="accent1"/>
+          </a:lnRef>
+          <a:fillRef idx="0">
+            <a:schemeClr val="accent1"/>
+          </a:fillRef>
+          <a:effectRef idx="0">
+            <a:schemeClr val="accent1"/>
+          </a:effectRef>
+          <a:fontRef idx="minor">
+            <a:schemeClr val="tx1"/>
+          </a:fontRef>
+        </p:style>
+      </p:cxnSp>
+      <p:sp>
+        <p:nvSpPr>
+          <p:cNvPr id="50" name="Rechteck 49">
+            <a:extLst>
+              <a:ext uri="{FF2B5EF4-FFF2-40B4-BE49-F238E27FC236}">
+                <a16:creationId xmlns:a16="http://schemas.microsoft.com/office/drawing/2014/main" id="{E3ED81F7-EE9B-F8E1-AAB1-361F26838E2F}"/>
+              </a:ext>
+            </a:extLst>
+          </p:cNvPr>
+          <p:cNvSpPr/>
+          <p:nvPr/>
+        </p:nvSpPr>
+        <p:spPr>
+          <a:xfrm>
+            <a:off x="237483" y="2732162"/>
+            <a:ext cx="1658432" cy="921044"/>
           </a:xfrm>
           <a:prstGeom prst="rect">
             <a:avLst/>
@@ -4519,24 +5561,24 @@
       </p:sp>
       <p:cxnSp>
         <p:nvCxnSpPr>
-          <p:cNvPr id="105" name="Gerade Verbindung mit Pfeil 104">
-            <a:extLst>
-              <a:ext uri="{FF2B5EF4-FFF2-40B4-BE49-F238E27FC236}">
-                <a16:creationId xmlns:a16="http://schemas.microsoft.com/office/drawing/2014/main" id="{AFB4B8C0-7475-9D67-65C5-1D1DF2BF59E8}"/>
+          <p:cNvPr id="52" name="Gerade Verbindung mit Pfeil 51">
+            <a:extLst>
+              <a:ext uri="{FF2B5EF4-FFF2-40B4-BE49-F238E27FC236}">
+                <a16:creationId xmlns:a16="http://schemas.microsoft.com/office/drawing/2014/main" id="{4BFE4521-6BDB-0DF8-8CF3-FE259EF95054}"/>
               </a:ext>
             </a:extLst>
           </p:cNvPr>
           <p:cNvCxnSpPr>
             <a:cxnSpLocks/>
-            <a:stCxn id="2" idx="3"/>
-            <a:endCxn id="99" idx="1"/>
+            <a:stCxn id="30" idx="1"/>
+            <a:endCxn id="14" idx="3"/>
           </p:cNvCxnSpPr>
           <p:nvPr/>
         </p:nvCxnSpPr>
         <p:spPr>
-          <a:xfrm flipV="1">
-            <a:off x="6706554" y="4660729"/>
-            <a:ext cx="1036230" cy="1353735"/>
+          <a:xfrm flipH="1" flipV="1">
+            <a:off x="1866639" y="2162115"/>
+            <a:ext cx="1051827" cy="368394"/>
           </a:xfrm>
           <a:prstGeom prst="straightConnector1">
             <a:avLst/>
@@ -4562,115 +5604,24 @@
       </p:cxnSp>
       <p:cxnSp>
         <p:nvCxnSpPr>
-          <p:cNvPr id="108" name="Gerade Verbindung mit Pfeil 107">
-            <a:extLst>
-              <a:ext uri="{FF2B5EF4-FFF2-40B4-BE49-F238E27FC236}">
-                <a16:creationId xmlns:a16="http://schemas.microsoft.com/office/drawing/2014/main" id="{4C0A85DE-5AC6-F9AC-93A3-2C7C7B31BDED}"/>
+          <p:cNvPr id="57" name="Gerade Verbindung mit Pfeil 56">
+            <a:extLst>
+              <a:ext uri="{FF2B5EF4-FFF2-40B4-BE49-F238E27FC236}">
+                <a16:creationId xmlns:a16="http://schemas.microsoft.com/office/drawing/2014/main" id="{14C6FA18-29C7-F7D7-F4C2-484F01F871FB}"/>
               </a:ext>
             </a:extLst>
           </p:cNvPr>
           <p:cNvCxnSpPr>
             <a:cxnSpLocks/>
-            <a:stCxn id="99" idx="3"/>
-            <a:endCxn id="4" idx="1"/>
+            <a:stCxn id="20" idx="1"/>
+            <a:endCxn id="30" idx="3"/>
           </p:cNvCxnSpPr>
           <p:nvPr/>
         </p:nvCxnSpPr>
         <p:spPr>
-          <a:xfrm flipV="1">
-            <a:off x="9313410" y="4072070"/>
-            <a:ext cx="694332" cy="588659"/>
-          </a:xfrm>
-          <a:prstGeom prst="straightConnector1">
-            <a:avLst/>
-          </a:prstGeom>
-          <a:ln>
-            <a:headEnd type="triangle"/>
-            <a:tailEnd type="triangle"/>
-          </a:ln>
-        </p:spPr>
-        <p:style>
-          <a:lnRef idx="1">
-            <a:schemeClr val="accent1"/>
-          </a:lnRef>
-          <a:fillRef idx="0">
-            <a:schemeClr val="accent1"/>
-          </a:fillRef>
-          <a:effectRef idx="0">
-            <a:schemeClr val="accent1"/>
-          </a:effectRef>
-          <a:fontRef idx="minor">
-            <a:schemeClr val="tx1"/>
-          </a:fontRef>
-        </p:style>
-      </p:cxnSp>
-      <p:sp>
-        <p:nvSpPr>
-          <p:cNvPr id="111" name="Flussdiagramm: Magnetplattenspeicher 110">
-            <a:extLst>
-              <a:ext uri="{FF2B5EF4-FFF2-40B4-BE49-F238E27FC236}">
-                <a16:creationId xmlns:a16="http://schemas.microsoft.com/office/drawing/2014/main" id="{28811D5D-9186-D661-CE29-25BE6045E408}"/>
-              </a:ext>
-            </a:extLst>
-          </p:cNvPr>
-          <p:cNvSpPr/>
-          <p:nvPr/>
-        </p:nvSpPr>
-        <p:spPr>
-          <a:xfrm>
-            <a:off x="4329654" y="3087559"/>
-            <a:ext cx="912100" cy="848682"/>
-          </a:xfrm>
-          <a:prstGeom prst="flowChartMagneticDisk">
-            <a:avLst/>
-          </a:prstGeom>
-        </p:spPr>
-        <p:style>
-          <a:lnRef idx="2">
-            <a:schemeClr val="accent6"/>
-          </a:lnRef>
-          <a:fillRef idx="1">
-            <a:schemeClr val="lt1"/>
-          </a:fillRef>
-          <a:effectRef idx="0">
-            <a:schemeClr val="accent6"/>
-          </a:effectRef>
-          <a:fontRef idx="minor">
-            <a:schemeClr val="dk1"/>
-          </a:fontRef>
-        </p:style>
-        <p:txBody>
-          <a:bodyPr rtlCol="0" anchor="ctr"/>
-          <a:lstStyle/>
-          <a:p>
-            <a:pPr algn="ctr"/>
-            <a:r>
-              <a:rPr lang="de-DE" dirty="0"/>
-              <a:t>Patient DB</a:t>
-            </a:r>
-          </a:p>
-        </p:txBody>
-      </p:sp>
-      <p:cxnSp>
-        <p:nvCxnSpPr>
-          <p:cNvPr id="113" name="Gerade Verbindung mit Pfeil 112">
-            <a:extLst>
-              <a:ext uri="{FF2B5EF4-FFF2-40B4-BE49-F238E27FC236}">
-                <a16:creationId xmlns:a16="http://schemas.microsoft.com/office/drawing/2014/main" id="{B9DDB9D9-904C-A342-BDED-46FFCA7EC044}"/>
-              </a:ext>
-            </a:extLst>
-          </p:cNvPr>
-          <p:cNvCxnSpPr>
-            <a:cxnSpLocks/>
-            <a:stCxn id="20" idx="2"/>
-            <a:endCxn id="111" idx="1"/>
-          </p:cNvCxnSpPr>
-          <p:nvPr/>
-        </p:nvCxnSpPr>
-        <p:spPr>
           <a:xfrm flipH="1">
-            <a:off x="4785704" y="2802011"/>
-            <a:ext cx="1454496" cy="285548"/>
+            <a:off x="4421268" y="1937594"/>
+            <a:ext cx="739916" cy="592915"/>
           </a:xfrm>
           <a:prstGeom prst="straightConnector1">
             <a:avLst/>
@@ -4696,23 +5647,24 @@
       </p:cxnSp>
       <p:cxnSp>
         <p:nvCxnSpPr>
-          <p:cNvPr id="115" name="Gerade Verbindung mit Pfeil 114">
-            <a:extLst>
-              <a:ext uri="{FF2B5EF4-FFF2-40B4-BE49-F238E27FC236}">
-                <a16:creationId xmlns:a16="http://schemas.microsoft.com/office/drawing/2014/main" id="{26C9E04E-1776-DAFD-56CF-29A409B21910}"/>
+          <p:cNvPr id="15" name="Gerade Verbindung mit Pfeil 14">
+            <a:extLst>
+              <a:ext uri="{FF2B5EF4-FFF2-40B4-BE49-F238E27FC236}">
+                <a16:creationId xmlns:a16="http://schemas.microsoft.com/office/drawing/2014/main" id="{0A6177B7-AD2C-1EB0-BE18-CC608AF4A333}"/>
               </a:ext>
             </a:extLst>
           </p:cNvPr>
           <p:cNvCxnSpPr>
-            <a:stCxn id="77" idx="2"/>
-            <a:endCxn id="20" idx="0"/>
+            <a:cxnSpLocks/>
+            <a:stCxn id="20" idx="2"/>
+            <a:endCxn id="32" idx="1"/>
           </p:cNvCxnSpPr>
           <p:nvPr/>
         </p:nvCxnSpPr>
         <p:spPr>
-          <a:xfrm>
-            <a:off x="5565566" y="1363918"/>
-            <a:ext cx="674634" cy="377389"/>
+          <a:xfrm flipH="1">
+            <a:off x="4916697" y="2437879"/>
+            <a:ext cx="1267039" cy="1328490"/>
           </a:xfrm>
           <a:prstGeom prst="straightConnector1">
             <a:avLst/>
@@ -4736,713 +5688,10 @@
           </a:fontRef>
         </p:style>
       </p:cxnSp>
-      <p:sp>
-        <p:nvSpPr>
-          <p:cNvPr id="120" name="Rechteck 119">
-            <a:extLst>
-              <a:ext uri="{FF2B5EF4-FFF2-40B4-BE49-F238E27FC236}">
-                <a16:creationId xmlns:a16="http://schemas.microsoft.com/office/drawing/2014/main" id="{71BFF247-C41F-1EEC-F8FA-509EA17EFEF2}"/>
-              </a:ext>
-            </a:extLst>
-          </p:cNvPr>
-          <p:cNvSpPr/>
-          <p:nvPr/>
-        </p:nvSpPr>
-        <p:spPr>
-          <a:xfrm>
-            <a:off x="9587932" y="1758089"/>
-            <a:ext cx="1914227" cy="1027141"/>
-          </a:xfrm>
-          <a:prstGeom prst="rect">
-            <a:avLst/>
-          </a:prstGeom>
-        </p:spPr>
-        <p:style>
-          <a:lnRef idx="2">
-            <a:schemeClr val="accent6"/>
-          </a:lnRef>
-          <a:fillRef idx="1">
-            <a:schemeClr val="lt1"/>
-          </a:fillRef>
-          <a:effectRef idx="0">
-            <a:schemeClr val="accent6"/>
-          </a:effectRef>
-          <a:fontRef idx="minor">
-            <a:schemeClr val="dk1"/>
-          </a:fontRef>
-        </p:style>
-        <p:txBody>
-          <a:bodyPr rtlCol="0" anchor="ctr"/>
-          <a:lstStyle/>
-          <a:p>
-            <a:pPr algn="ctr"/>
-            <a:r>
-              <a:rPr lang="de-DE" dirty="0" err="1"/>
-              <a:t>MonitorMe</a:t>
-            </a:r>
-            <a:r>
-              <a:rPr lang="de-DE" dirty="0"/>
-              <a:t> App</a:t>
-            </a:r>
-          </a:p>
-        </p:txBody>
-      </p:sp>
-      <p:cxnSp>
-        <p:nvCxnSpPr>
-          <p:cNvPr id="122" name="Gerade Verbindung mit Pfeil 121">
-            <a:extLst>
-              <a:ext uri="{FF2B5EF4-FFF2-40B4-BE49-F238E27FC236}">
-                <a16:creationId xmlns:a16="http://schemas.microsoft.com/office/drawing/2014/main" id="{1328A6A4-55FF-44D8-E4BF-0866B24CE1F5}"/>
-              </a:ext>
-            </a:extLst>
-          </p:cNvPr>
-          <p:cNvCxnSpPr>
-            <a:cxnSpLocks/>
-            <a:stCxn id="99" idx="0"/>
-            <a:endCxn id="128" idx="2"/>
-          </p:cNvCxnSpPr>
-          <p:nvPr/>
-        </p:nvCxnSpPr>
-        <p:spPr>
-          <a:xfrm flipV="1">
-            <a:off x="8528097" y="3701508"/>
-            <a:ext cx="34205" cy="394671"/>
-          </a:xfrm>
-          <a:prstGeom prst="straightConnector1">
-            <a:avLst/>
-          </a:prstGeom>
-          <a:ln>
-            <a:tailEnd type="triangle"/>
-          </a:ln>
-        </p:spPr>
-        <p:style>
-          <a:lnRef idx="1">
-            <a:schemeClr val="accent1"/>
-          </a:lnRef>
-          <a:fillRef idx="0">
-            <a:schemeClr val="accent1"/>
-          </a:fillRef>
-          <a:effectRef idx="0">
-            <a:schemeClr val="accent1"/>
-          </a:effectRef>
-          <a:fontRef idx="minor">
-            <a:schemeClr val="tx1"/>
-          </a:fontRef>
-        </p:style>
-      </p:cxnSp>
-      <p:sp>
-        <p:nvSpPr>
-          <p:cNvPr id="128" name="Rechteck 127">
-            <a:extLst>
-              <a:ext uri="{FF2B5EF4-FFF2-40B4-BE49-F238E27FC236}">
-                <a16:creationId xmlns:a16="http://schemas.microsoft.com/office/drawing/2014/main" id="{D781D453-BD77-CDE3-6713-E737326BD180}"/>
-              </a:ext>
-            </a:extLst>
-          </p:cNvPr>
-          <p:cNvSpPr/>
-          <p:nvPr/>
-        </p:nvSpPr>
-        <p:spPr>
-          <a:xfrm>
-            <a:off x="7834725" y="3123126"/>
-            <a:ext cx="1455154" cy="578382"/>
-          </a:xfrm>
-          <a:prstGeom prst="rect">
-            <a:avLst/>
-          </a:prstGeom>
-        </p:spPr>
-        <p:style>
-          <a:lnRef idx="2">
-            <a:schemeClr val="accent6"/>
-          </a:lnRef>
-          <a:fillRef idx="1">
-            <a:schemeClr val="lt1"/>
-          </a:fillRef>
-          <a:effectRef idx="0">
-            <a:schemeClr val="accent6"/>
-          </a:effectRef>
-          <a:fontRef idx="minor">
-            <a:schemeClr val="dk1"/>
-          </a:fontRef>
-        </p:style>
-        <p:txBody>
-          <a:bodyPr rtlCol="0" anchor="ctr"/>
-          <a:lstStyle/>
-          <a:p>
-            <a:pPr algn="ctr"/>
-            <a:endParaRPr lang="de-DE" dirty="0"/>
-          </a:p>
-          <a:p>
-            <a:pPr algn="ctr"/>
-            <a:r>
-              <a:rPr lang="de-DE" dirty="0" err="1"/>
-              <a:t>Notification</a:t>
-            </a:r>
-            <a:r>
-              <a:rPr lang="de-DE" dirty="0"/>
-              <a:t> </a:t>
-            </a:r>
-            <a:r>
-              <a:rPr lang="de-DE" dirty="0" err="1"/>
-              <a:t>creator</a:t>
-            </a:r>
-            <a:endParaRPr lang="de-DE" sz="1200" dirty="0"/>
-          </a:p>
-          <a:p>
-            <a:pPr algn="ctr"/>
-            <a:endParaRPr lang="de-DE" dirty="0"/>
-          </a:p>
-        </p:txBody>
-      </p:sp>
-      <p:cxnSp>
-        <p:nvCxnSpPr>
-          <p:cNvPr id="161" name="Gerade Verbindung mit Pfeil 160">
-            <a:extLst>
-              <a:ext uri="{FF2B5EF4-FFF2-40B4-BE49-F238E27FC236}">
-                <a16:creationId xmlns:a16="http://schemas.microsoft.com/office/drawing/2014/main" id="{F9FA3A55-F317-8BDB-88E7-2D531E70D412}"/>
-              </a:ext>
-            </a:extLst>
-          </p:cNvPr>
-          <p:cNvCxnSpPr>
-            <a:cxnSpLocks/>
-            <a:stCxn id="128" idx="0"/>
-            <a:endCxn id="120" idx="1"/>
-          </p:cNvCxnSpPr>
-          <p:nvPr/>
-        </p:nvCxnSpPr>
-        <p:spPr>
-          <a:xfrm flipV="1">
-            <a:off x="8562302" y="2271660"/>
-            <a:ext cx="1025630" cy="851466"/>
-          </a:xfrm>
-          <a:prstGeom prst="straightConnector1">
-            <a:avLst/>
-          </a:prstGeom>
-          <a:ln>
-            <a:tailEnd type="triangle"/>
-          </a:ln>
-        </p:spPr>
-        <p:style>
-          <a:lnRef idx="1">
-            <a:schemeClr val="accent1"/>
-          </a:lnRef>
-          <a:fillRef idx="0">
-            <a:schemeClr val="accent1"/>
-          </a:fillRef>
-          <a:effectRef idx="0">
-            <a:schemeClr val="accent1"/>
-          </a:effectRef>
-          <a:fontRef idx="minor">
-            <a:schemeClr val="tx1"/>
-          </a:fontRef>
-        </p:style>
-      </p:cxnSp>
-      <p:cxnSp>
-        <p:nvCxnSpPr>
-          <p:cNvPr id="163" name="Gerade Verbindung mit Pfeil 162">
-            <a:extLst>
-              <a:ext uri="{FF2B5EF4-FFF2-40B4-BE49-F238E27FC236}">
-                <a16:creationId xmlns:a16="http://schemas.microsoft.com/office/drawing/2014/main" id="{86305ED6-E89D-CEC5-C8DE-D43D2BC374AC}"/>
-              </a:ext>
-            </a:extLst>
-          </p:cNvPr>
-          <p:cNvCxnSpPr>
-            <a:cxnSpLocks/>
-            <a:stCxn id="82" idx="2"/>
-            <a:endCxn id="120" idx="0"/>
-          </p:cNvCxnSpPr>
-          <p:nvPr/>
-        </p:nvCxnSpPr>
-        <p:spPr>
-          <a:xfrm flipH="1">
-            <a:off x="10545046" y="1331824"/>
-            <a:ext cx="17347" cy="426265"/>
-          </a:xfrm>
-          <a:prstGeom prst="straightConnector1">
-            <a:avLst/>
-          </a:prstGeom>
-          <a:ln>
-            <a:tailEnd type="triangle"/>
-          </a:ln>
-        </p:spPr>
-        <p:style>
-          <a:lnRef idx="1">
-            <a:schemeClr val="accent1"/>
-          </a:lnRef>
-          <a:fillRef idx="0">
-            <a:schemeClr val="accent1"/>
-          </a:fillRef>
-          <a:effectRef idx="0">
-            <a:schemeClr val="accent1"/>
-          </a:effectRef>
-          <a:fontRef idx="minor">
-            <a:schemeClr val="tx1"/>
-          </a:fontRef>
-        </p:style>
-      </p:cxnSp>
-      <p:cxnSp>
-        <p:nvCxnSpPr>
-          <p:cNvPr id="197" name="Gerade Verbindung mit Pfeil 196">
-            <a:extLst>
-              <a:ext uri="{FF2B5EF4-FFF2-40B4-BE49-F238E27FC236}">
-                <a16:creationId xmlns:a16="http://schemas.microsoft.com/office/drawing/2014/main" id="{D8D7F948-9EBD-6730-DF0D-24EEAFEAC0BE}"/>
-              </a:ext>
-            </a:extLst>
-          </p:cNvPr>
-          <p:cNvCxnSpPr>
-            <a:stCxn id="77" idx="2"/>
-            <a:endCxn id="30" idx="0"/>
-          </p:cNvCxnSpPr>
-          <p:nvPr/>
-        </p:nvCxnSpPr>
-        <p:spPr>
-          <a:xfrm flipH="1">
-            <a:off x="3452643" y="1363918"/>
-            <a:ext cx="2112923" cy="1280610"/>
-          </a:xfrm>
-          <a:prstGeom prst="straightConnector1">
-            <a:avLst/>
-          </a:prstGeom>
-          <a:ln>
-            <a:tailEnd type="triangle"/>
-          </a:ln>
-        </p:spPr>
-        <p:style>
-          <a:lnRef idx="1">
-            <a:schemeClr val="accent1"/>
-          </a:lnRef>
-          <a:fillRef idx="0">
-            <a:schemeClr val="accent1"/>
-          </a:fillRef>
-          <a:effectRef idx="0">
-            <a:schemeClr val="accent1"/>
-          </a:effectRef>
-          <a:fontRef idx="minor">
-            <a:schemeClr val="tx1"/>
-          </a:fontRef>
-        </p:style>
-      </p:cxnSp>
-      <p:cxnSp>
-        <p:nvCxnSpPr>
-          <p:cNvPr id="199" name="Gerade Verbindung mit Pfeil 198">
-            <a:extLst>
-              <a:ext uri="{FF2B5EF4-FFF2-40B4-BE49-F238E27FC236}">
-                <a16:creationId xmlns:a16="http://schemas.microsoft.com/office/drawing/2014/main" id="{DA34F3F9-82D1-DEDA-D4F0-38D65F4FE50E}"/>
-              </a:ext>
-            </a:extLst>
-          </p:cNvPr>
-          <p:cNvCxnSpPr>
-            <a:stCxn id="30" idx="1"/>
-            <a:endCxn id="14" idx="3"/>
-          </p:cNvCxnSpPr>
-          <p:nvPr/>
-        </p:nvCxnSpPr>
-        <p:spPr>
-          <a:xfrm flipH="1" flipV="1">
-            <a:off x="1876105" y="2189792"/>
-            <a:ext cx="926565" cy="933334"/>
-          </a:xfrm>
-          <a:prstGeom prst="straightConnector1">
-            <a:avLst/>
-          </a:prstGeom>
-          <a:ln>
-            <a:tailEnd type="triangle"/>
-          </a:ln>
-        </p:spPr>
-        <p:style>
-          <a:lnRef idx="1">
-            <a:schemeClr val="accent1"/>
-          </a:lnRef>
-          <a:fillRef idx="0">
-            <a:schemeClr val="accent1"/>
-          </a:fillRef>
-          <a:effectRef idx="0">
-            <a:schemeClr val="accent1"/>
-          </a:effectRef>
-          <a:fontRef idx="minor">
-            <a:schemeClr val="tx1"/>
-          </a:fontRef>
-        </p:style>
-      </p:cxnSp>
-      <p:cxnSp>
-        <p:nvCxnSpPr>
-          <p:cNvPr id="204" name="Gerade Verbindung mit Pfeil 203">
-            <a:extLst>
-              <a:ext uri="{FF2B5EF4-FFF2-40B4-BE49-F238E27FC236}">
-                <a16:creationId xmlns:a16="http://schemas.microsoft.com/office/drawing/2014/main" id="{54DA7562-BF7F-CC06-0725-4213A5A03EDB}"/>
-              </a:ext>
-            </a:extLst>
-          </p:cNvPr>
-          <p:cNvCxnSpPr>
-            <a:stCxn id="2" idx="0"/>
-            <a:endCxn id="26" idx="3"/>
-          </p:cNvCxnSpPr>
-          <p:nvPr/>
-        </p:nvCxnSpPr>
-        <p:spPr>
-          <a:xfrm flipH="1" flipV="1">
-            <a:off x="3462348" y="4981606"/>
-            <a:ext cx="2133210" cy="502506"/>
-          </a:xfrm>
-          <a:prstGeom prst="straightConnector1">
-            <a:avLst/>
-          </a:prstGeom>
-          <a:ln>
-            <a:tailEnd type="triangle"/>
-          </a:ln>
-        </p:spPr>
-        <p:style>
-          <a:lnRef idx="1">
-            <a:schemeClr val="accent1"/>
-          </a:lnRef>
-          <a:fillRef idx="0">
-            <a:schemeClr val="accent1"/>
-          </a:fillRef>
-          <a:effectRef idx="0">
-            <a:schemeClr val="accent1"/>
-          </a:effectRef>
-          <a:fontRef idx="minor">
-            <a:schemeClr val="tx1"/>
-          </a:fontRef>
-        </p:style>
-      </p:cxnSp>
-      <p:sp>
-        <p:nvSpPr>
-          <p:cNvPr id="4" name="Rechteck 3">
-            <a:extLst>
-              <a:ext uri="{FF2B5EF4-FFF2-40B4-BE49-F238E27FC236}">
-                <a16:creationId xmlns:a16="http://schemas.microsoft.com/office/drawing/2014/main" id="{74C57912-408F-2951-BB63-EB10E0C863AF}"/>
-              </a:ext>
-            </a:extLst>
-          </p:cNvPr>
-          <p:cNvSpPr/>
-          <p:nvPr/>
-        </p:nvSpPr>
-        <p:spPr>
-          <a:xfrm>
-            <a:off x="10007742" y="3507520"/>
-            <a:ext cx="1570626" cy="1129100"/>
-          </a:xfrm>
-          <a:prstGeom prst="rect">
-            <a:avLst/>
-          </a:prstGeom>
-        </p:spPr>
-        <p:style>
-          <a:lnRef idx="2">
-            <a:schemeClr val="accent6"/>
-          </a:lnRef>
-          <a:fillRef idx="1">
-            <a:schemeClr val="lt1"/>
-          </a:fillRef>
-          <a:effectRef idx="0">
-            <a:schemeClr val="accent6"/>
-          </a:effectRef>
-          <a:fontRef idx="minor">
-            <a:schemeClr val="dk1"/>
-          </a:fontRef>
-        </p:style>
-        <p:txBody>
-          <a:bodyPr rtlCol="0" anchor="ctr"/>
-          <a:lstStyle/>
-          <a:p>
-            <a:pPr algn="ctr"/>
-            <a:endParaRPr lang="de-DE" dirty="0"/>
-          </a:p>
-          <a:p>
-            <a:pPr algn="ctr"/>
-            <a:r>
-              <a:rPr lang="de-DE" dirty="0"/>
-              <a:t>Analyse </a:t>
-            </a:r>
-            <a:r>
-              <a:rPr lang="de-DE" dirty="0" err="1"/>
-              <a:t>rule</a:t>
-            </a:r>
-            <a:r>
-              <a:rPr lang="de-DE" dirty="0"/>
-              <a:t> </a:t>
-            </a:r>
-            <a:r>
-              <a:rPr lang="de-DE" dirty="0" err="1"/>
-              <a:t>builder</a:t>
-            </a:r>
-            <a:endParaRPr lang="de-DE" dirty="0"/>
-          </a:p>
-          <a:p>
-            <a:pPr algn="ctr"/>
-            <a:endParaRPr lang="de-DE" dirty="0"/>
-          </a:p>
-        </p:txBody>
-      </p:sp>
-      <p:cxnSp>
-        <p:nvCxnSpPr>
-          <p:cNvPr id="11" name="Gerade Verbindung mit Pfeil 10">
-            <a:extLst>
-              <a:ext uri="{FF2B5EF4-FFF2-40B4-BE49-F238E27FC236}">
-                <a16:creationId xmlns:a16="http://schemas.microsoft.com/office/drawing/2014/main" id="{A9E49C53-C5A9-467E-67F7-6636854599CA}"/>
-              </a:ext>
-            </a:extLst>
-          </p:cNvPr>
-          <p:cNvCxnSpPr>
-            <a:stCxn id="4" idx="2"/>
-            <a:endCxn id="100" idx="0"/>
-          </p:cNvCxnSpPr>
-          <p:nvPr/>
-        </p:nvCxnSpPr>
-        <p:spPr>
-          <a:xfrm>
-            <a:off x="10793055" y="4636620"/>
-            <a:ext cx="146087" cy="888856"/>
-          </a:xfrm>
-          <a:prstGeom prst="straightConnector1">
-            <a:avLst/>
-          </a:prstGeom>
-          <a:ln>
-            <a:tailEnd type="triangle"/>
-          </a:ln>
-        </p:spPr>
-        <p:style>
-          <a:lnRef idx="1">
-            <a:schemeClr val="accent1"/>
-          </a:lnRef>
-          <a:fillRef idx="0">
-            <a:schemeClr val="accent1"/>
-          </a:fillRef>
-          <a:effectRef idx="0">
-            <a:schemeClr val="accent1"/>
-          </a:effectRef>
-          <a:fontRef idx="minor">
-            <a:schemeClr val="tx1"/>
-          </a:fontRef>
-        </p:style>
-      </p:cxnSp>
-      <p:sp>
-        <p:nvSpPr>
-          <p:cNvPr id="25" name="Rechteck 24">
-            <a:extLst>
-              <a:ext uri="{FF2B5EF4-FFF2-40B4-BE49-F238E27FC236}">
-                <a16:creationId xmlns:a16="http://schemas.microsoft.com/office/drawing/2014/main" id="{DB001E16-7FA0-1572-6CF2-F4DA184A6FAF}"/>
-              </a:ext>
-            </a:extLst>
-          </p:cNvPr>
-          <p:cNvSpPr/>
-          <p:nvPr/>
-        </p:nvSpPr>
-        <p:spPr>
-          <a:xfrm>
-            <a:off x="8067462" y="5537806"/>
-            <a:ext cx="1570626" cy="1129100"/>
-          </a:xfrm>
-          <a:prstGeom prst="rect">
-            <a:avLst/>
-          </a:prstGeom>
-        </p:spPr>
-        <p:style>
-          <a:lnRef idx="2">
-            <a:schemeClr val="accent6"/>
-          </a:lnRef>
-          <a:fillRef idx="1">
-            <a:schemeClr val="lt1"/>
-          </a:fillRef>
-          <a:effectRef idx="0">
-            <a:schemeClr val="accent6"/>
-          </a:effectRef>
-          <a:fontRef idx="minor">
-            <a:schemeClr val="dk1"/>
-          </a:fontRef>
-        </p:style>
-        <p:txBody>
-          <a:bodyPr rtlCol="0" anchor="ctr"/>
-          <a:lstStyle/>
-          <a:p>
-            <a:pPr algn="ctr"/>
-            <a:endParaRPr lang="de-DE" dirty="0"/>
-          </a:p>
-          <a:p>
-            <a:pPr algn="ctr"/>
-            <a:r>
-              <a:rPr lang="de-DE" dirty="0"/>
-              <a:t>Analyse Data Dispatcher</a:t>
-            </a:r>
-          </a:p>
-          <a:p>
-            <a:pPr algn="ctr"/>
-            <a:endParaRPr lang="de-DE" dirty="0"/>
-          </a:p>
-        </p:txBody>
-      </p:sp>
-      <p:cxnSp>
-        <p:nvCxnSpPr>
-          <p:cNvPr id="27" name="Gerade Verbindung mit Pfeil 26">
-            <a:extLst>
-              <a:ext uri="{FF2B5EF4-FFF2-40B4-BE49-F238E27FC236}">
-                <a16:creationId xmlns:a16="http://schemas.microsoft.com/office/drawing/2014/main" id="{7CCD53F8-2E83-BCD6-8658-8D86E23998A0}"/>
-              </a:ext>
-            </a:extLst>
-          </p:cNvPr>
-          <p:cNvCxnSpPr>
-            <a:cxnSpLocks/>
-            <a:stCxn id="2" idx="3"/>
-            <a:endCxn id="25" idx="1"/>
-          </p:cNvCxnSpPr>
-          <p:nvPr/>
-        </p:nvCxnSpPr>
-        <p:spPr>
-          <a:xfrm>
-            <a:off x="6706554" y="6014464"/>
-            <a:ext cx="1360908" cy="87892"/>
-          </a:xfrm>
-          <a:prstGeom prst="straightConnector1">
-            <a:avLst/>
-          </a:prstGeom>
-          <a:ln>
-            <a:tailEnd type="triangle"/>
-          </a:ln>
-        </p:spPr>
-        <p:style>
-          <a:lnRef idx="1">
-            <a:schemeClr val="accent1"/>
-          </a:lnRef>
-          <a:fillRef idx="0">
-            <a:schemeClr val="accent1"/>
-          </a:fillRef>
-          <a:effectRef idx="0">
-            <a:schemeClr val="accent1"/>
-          </a:effectRef>
-          <a:fontRef idx="minor">
-            <a:schemeClr val="tx1"/>
-          </a:fontRef>
-        </p:style>
-      </p:cxnSp>
-      <p:cxnSp>
-        <p:nvCxnSpPr>
-          <p:cNvPr id="31" name="Gerade Verbindung mit Pfeil 30">
-            <a:extLst>
-              <a:ext uri="{FF2B5EF4-FFF2-40B4-BE49-F238E27FC236}">
-                <a16:creationId xmlns:a16="http://schemas.microsoft.com/office/drawing/2014/main" id="{950385C5-44ED-DEF4-FE54-33C1EA712C6B}"/>
-              </a:ext>
-            </a:extLst>
-          </p:cNvPr>
-          <p:cNvCxnSpPr>
-            <a:cxnSpLocks/>
-            <a:stCxn id="25" idx="3"/>
-            <a:endCxn id="100" idx="1"/>
-          </p:cNvCxnSpPr>
-          <p:nvPr/>
-        </p:nvCxnSpPr>
-        <p:spPr>
-          <a:xfrm flipV="1">
-            <a:off x="9638088" y="6013675"/>
-            <a:ext cx="467105" cy="88681"/>
-          </a:xfrm>
-          <a:prstGeom prst="straightConnector1">
-            <a:avLst/>
-          </a:prstGeom>
-          <a:ln>
-            <a:tailEnd type="triangle"/>
-          </a:ln>
-        </p:spPr>
-        <p:style>
-          <a:lnRef idx="1">
-            <a:schemeClr val="accent1"/>
-          </a:lnRef>
-          <a:fillRef idx="0">
-            <a:schemeClr val="accent1"/>
-          </a:fillRef>
-          <a:effectRef idx="0">
-            <a:schemeClr val="accent1"/>
-          </a:effectRef>
-          <a:fontRef idx="minor">
-            <a:schemeClr val="tx1"/>
-          </a:fontRef>
-        </p:style>
-      </p:cxnSp>
-      <p:cxnSp>
-        <p:nvCxnSpPr>
-          <p:cNvPr id="40" name="Gerade Verbindung mit Pfeil 39">
-            <a:extLst>
-              <a:ext uri="{FF2B5EF4-FFF2-40B4-BE49-F238E27FC236}">
-                <a16:creationId xmlns:a16="http://schemas.microsoft.com/office/drawing/2014/main" id="{9D77B0EB-5B98-D448-502D-160BE7972833}"/>
-              </a:ext>
-            </a:extLst>
-          </p:cNvPr>
-          <p:cNvCxnSpPr>
-            <a:cxnSpLocks/>
-            <a:stCxn id="128" idx="0"/>
-            <a:endCxn id="20" idx="3"/>
-          </p:cNvCxnSpPr>
-          <p:nvPr/>
-        </p:nvCxnSpPr>
-        <p:spPr>
-          <a:xfrm flipH="1" flipV="1">
-            <a:off x="7351196" y="2271659"/>
-            <a:ext cx="1211106" cy="851467"/>
-          </a:xfrm>
-          <a:prstGeom prst="straightConnector1">
-            <a:avLst/>
-          </a:prstGeom>
-          <a:ln>
-            <a:tailEnd type="triangle"/>
-          </a:ln>
-        </p:spPr>
-        <p:style>
-          <a:lnRef idx="1">
-            <a:schemeClr val="accent1"/>
-          </a:lnRef>
-          <a:fillRef idx="0">
-            <a:schemeClr val="accent1"/>
-          </a:fillRef>
-          <a:effectRef idx="0">
-            <a:schemeClr val="accent1"/>
-          </a:effectRef>
-          <a:fontRef idx="minor">
-            <a:schemeClr val="tx1"/>
-          </a:fontRef>
-        </p:style>
-      </p:cxnSp>
-      <p:sp>
-        <p:nvSpPr>
-          <p:cNvPr id="5" name="Textfeld 4">
-            <a:extLst>
-              <a:ext uri="{FF2B5EF4-FFF2-40B4-BE49-F238E27FC236}">
-                <a16:creationId xmlns:a16="http://schemas.microsoft.com/office/drawing/2014/main" id="{3E02C6EF-4F27-AC70-7588-1D7D31C081B1}"/>
-              </a:ext>
-            </a:extLst>
-          </p:cNvPr>
-          <p:cNvSpPr txBox="1"/>
-          <p:nvPr/>
-        </p:nvSpPr>
-        <p:spPr>
-          <a:xfrm>
-            <a:off x="351536" y="298461"/>
-            <a:ext cx="2760436" cy="523220"/>
-          </a:xfrm>
-          <a:prstGeom prst="rect">
-            <a:avLst/>
-          </a:prstGeom>
-          <a:noFill/>
-        </p:spPr>
-        <p:txBody>
-          <a:bodyPr wrap="none" rtlCol="0">
-            <a:spAutoFit/>
-          </a:bodyPr>
-          <a:lstStyle/>
-          <a:p>
-            <a:r>
-              <a:rPr lang="de-DE" sz="2800" b="1" dirty="0" err="1"/>
-              <a:t>Component</a:t>
-            </a:r>
-            <a:r>
-              <a:rPr lang="de-DE" sz="2800" b="1" dirty="0"/>
-              <a:t> View</a:t>
-            </a:r>
-          </a:p>
-        </p:txBody>
-      </p:sp>
     </p:spTree>
     <p:extLst>
       <p:ext uri="{BB962C8B-B14F-4D97-AF65-F5344CB8AC3E}">
-        <p14:creationId xmlns:p14="http://schemas.microsoft.com/office/powerpoint/2010/main" val="2135271762"/>
+        <p14:creationId xmlns:p14="http://schemas.microsoft.com/office/powerpoint/2010/main" val="200610175"/>
       </p:ext>
     </p:extLst>
   </p:cSld>
@@ -5469,6 +5718,335 @@
           <a:chExt cx="0" cy="0"/>
         </a:xfrm>
       </p:grpSpPr>
+      <p:pic>
+        <p:nvPicPr>
+          <p:cNvPr id="3" name="Picture 2" descr="A diagram of a computer program&#10;&#10;Description automatically generated">
+            <a:extLst>
+              <a:ext uri="{FF2B5EF4-FFF2-40B4-BE49-F238E27FC236}">
+                <a16:creationId xmlns:a16="http://schemas.microsoft.com/office/drawing/2014/main" id="{83D769F3-4387-89D7-4AD0-285402E4617F}"/>
+              </a:ext>
+            </a:extLst>
+          </p:cNvPr>
+          <p:cNvPicPr>
+            <a:picLocks noChangeAspect="1"/>
+          </p:cNvPicPr>
+          <p:nvPr/>
+        </p:nvPicPr>
+        <p:blipFill>
+          <a:blip r:embed="rId2">
+            <a:extLst>
+              <a:ext uri="{28A0092B-C50C-407E-A947-70E740481C1C}">
+                <a14:useLocalDpi xmlns:a14="http://schemas.microsoft.com/office/drawing/2010/main" val="0"/>
+              </a:ext>
+            </a:extLst>
+          </a:blip>
+          <a:stretch>
+            <a:fillRect/>
+          </a:stretch>
+        </p:blipFill>
+        <p:spPr>
+          <a:xfrm>
+            <a:off x="1532071" y="1353312"/>
+            <a:ext cx="7772400" cy="5103417"/>
+          </a:xfrm>
+          <a:prstGeom prst="rect">
+            <a:avLst/>
+          </a:prstGeom>
+        </p:spPr>
+      </p:pic>
+      <p:sp>
+        <p:nvSpPr>
+          <p:cNvPr id="4" name="Textfeld 4">
+            <a:extLst>
+              <a:ext uri="{FF2B5EF4-FFF2-40B4-BE49-F238E27FC236}">
+                <a16:creationId xmlns:a16="http://schemas.microsoft.com/office/drawing/2014/main" id="{F03912B1-8D46-72F6-D417-D1B3DD25E9D8}"/>
+              </a:ext>
+            </a:extLst>
+          </p:cNvPr>
+          <p:cNvSpPr txBox="1"/>
+          <p:nvPr/>
+        </p:nvSpPr>
+        <p:spPr>
+          <a:xfrm>
+            <a:off x="351536" y="298461"/>
+            <a:ext cx="4060599" cy="523220"/>
+          </a:xfrm>
+          <a:prstGeom prst="rect">
+            <a:avLst/>
+          </a:prstGeom>
+          <a:noFill/>
+        </p:spPr>
+        <p:txBody>
+          <a:bodyPr wrap="none" rtlCol="0">
+            <a:spAutoFit/>
+          </a:bodyPr>
+          <a:lstStyle/>
+          <a:p>
+            <a:r>
+              <a:rPr lang="de-DE" sz="2800" b="1" dirty="0"/>
+              <a:t>Use Case 01: </a:t>
+            </a:r>
+            <a:r>
+              <a:rPr lang="de-DE" sz="2800" b="1" dirty="0" err="1"/>
+              <a:t>collect</a:t>
+            </a:r>
+            <a:r>
+              <a:rPr lang="de-DE" sz="2800" b="1" dirty="0"/>
+              <a:t> </a:t>
+            </a:r>
+            <a:r>
+              <a:rPr lang="de-DE" sz="2800" b="1" dirty="0" err="1"/>
+              <a:t>signal</a:t>
+            </a:r>
+            <a:endParaRPr lang="de-DE" sz="2800" b="1" dirty="0"/>
+          </a:p>
+        </p:txBody>
+      </p:sp>
+    </p:spTree>
+    <p:extLst>
+      <p:ext uri="{BB962C8B-B14F-4D97-AF65-F5344CB8AC3E}">
+        <p14:creationId xmlns:p14="http://schemas.microsoft.com/office/powerpoint/2010/main" val="1039144760"/>
+      </p:ext>
+    </p:extLst>
+  </p:cSld>
+  <p:clrMapOvr>
+    <a:masterClrMapping/>
+  </p:clrMapOvr>
+</p:sld>
+</file>
+
+<file path=ppt/slides/slide5.xml><?xml version="1.0" encoding="utf-8"?>
+<p:sld xmlns:a="http://schemas.openxmlformats.org/drawingml/2006/main" xmlns:r="http://schemas.openxmlformats.org/officeDocument/2006/relationships" xmlns:p="http://schemas.openxmlformats.org/presentationml/2006/main">
+  <p:cSld>
+    <p:spTree>
+      <p:nvGrpSpPr>
+        <p:cNvPr id="1" name=""/>
+        <p:cNvGrpSpPr/>
+        <p:nvPr/>
+      </p:nvGrpSpPr>
+      <p:grpSpPr>
+        <a:xfrm>
+          <a:off x="0" y="0"/>
+          <a:ext cx="0" cy="0"/>
+          <a:chOff x="0" y="0"/>
+          <a:chExt cx="0" cy="0"/>
+        </a:xfrm>
+      </p:grpSpPr>
+      <p:pic>
+        <p:nvPicPr>
+          <p:cNvPr id="5" name="Picture 4" descr="A diagram of a data processing process&#10;&#10;Description automatically generated">
+            <a:extLst>
+              <a:ext uri="{FF2B5EF4-FFF2-40B4-BE49-F238E27FC236}">
+                <a16:creationId xmlns:a16="http://schemas.microsoft.com/office/drawing/2014/main" id="{A988E9FE-9C22-3B27-9FB1-18C37ED77297}"/>
+              </a:ext>
+            </a:extLst>
+          </p:cNvPr>
+          <p:cNvPicPr>
+            <a:picLocks noChangeAspect="1"/>
+          </p:cNvPicPr>
+          <p:nvPr/>
+        </p:nvPicPr>
+        <p:blipFill>
+          <a:blip r:embed="rId2">
+            <a:extLst>
+              <a:ext uri="{28A0092B-C50C-407E-A947-70E740481C1C}">
+                <a14:useLocalDpi xmlns:a14="http://schemas.microsoft.com/office/drawing/2010/main" val="0"/>
+              </a:ext>
+            </a:extLst>
+          </a:blip>
+          <a:stretch>
+            <a:fillRect/>
+          </a:stretch>
+        </p:blipFill>
+        <p:spPr>
+          <a:xfrm>
+            <a:off x="3278886" y="1072134"/>
+            <a:ext cx="4447794" cy="3314598"/>
+          </a:xfrm>
+          <a:prstGeom prst="rect">
+            <a:avLst/>
+          </a:prstGeom>
+        </p:spPr>
+      </p:pic>
+      <p:sp>
+        <p:nvSpPr>
+          <p:cNvPr id="6" name="Textfeld 4">
+            <a:extLst>
+              <a:ext uri="{FF2B5EF4-FFF2-40B4-BE49-F238E27FC236}">
+                <a16:creationId xmlns:a16="http://schemas.microsoft.com/office/drawing/2014/main" id="{DE6336E6-448F-EF6F-F399-30A4F86E0BA8}"/>
+              </a:ext>
+            </a:extLst>
+          </p:cNvPr>
+          <p:cNvSpPr txBox="1"/>
+          <p:nvPr/>
+        </p:nvSpPr>
+        <p:spPr>
+          <a:xfrm>
+            <a:off x="351536" y="298461"/>
+            <a:ext cx="4515339" cy="523220"/>
+          </a:xfrm>
+          <a:prstGeom prst="rect">
+            <a:avLst/>
+          </a:prstGeom>
+          <a:noFill/>
+        </p:spPr>
+        <p:txBody>
+          <a:bodyPr wrap="none" rtlCol="0">
+            <a:spAutoFit/>
+          </a:bodyPr>
+          <a:lstStyle/>
+          <a:p>
+            <a:r>
+              <a:rPr lang="de-DE" sz="2800" b="1" dirty="0"/>
+              <a:t>Use Case 02: </a:t>
+            </a:r>
+            <a:r>
+              <a:rPr lang="de-DE" sz="2800" b="1" dirty="0" err="1"/>
+              <a:t>create</a:t>
+            </a:r>
+            <a:r>
+              <a:rPr lang="de-DE" sz="2800" b="1" dirty="0"/>
+              <a:t> </a:t>
+            </a:r>
+            <a:r>
+              <a:rPr lang="de-DE" sz="2800" b="1" dirty="0" err="1"/>
+              <a:t>snapshot</a:t>
+            </a:r>
+            <a:endParaRPr lang="de-DE" sz="2800" b="1" dirty="0"/>
+          </a:p>
+        </p:txBody>
+      </p:sp>
+    </p:spTree>
+    <p:extLst>
+      <p:ext uri="{BB962C8B-B14F-4D97-AF65-F5344CB8AC3E}">
+        <p14:creationId xmlns:p14="http://schemas.microsoft.com/office/powerpoint/2010/main" val="1525347599"/>
+      </p:ext>
+    </p:extLst>
+  </p:cSld>
+  <p:clrMapOvr>
+    <a:masterClrMapping/>
+  </p:clrMapOvr>
+</p:sld>
+</file>
+
+<file path=ppt/slides/slide6.xml><?xml version="1.0" encoding="utf-8"?>
+<p:sld xmlns:a="http://schemas.openxmlformats.org/drawingml/2006/main" xmlns:r="http://schemas.openxmlformats.org/officeDocument/2006/relationships" xmlns:p="http://schemas.openxmlformats.org/presentationml/2006/main">
+  <p:cSld>
+    <p:spTree>
+      <p:nvGrpSpPr>
+        <p:cNvPr id="1" name=""/>
+        <p:cNvGrpSpPr/>
+        <p:nvPr/>
+      </p:nvGrpSpPr>
+      <p:grpSpPr>
+        <a:xfrm>
+          <a:off x="0" y="0"/>
+          <a:ext cx="0" cy="0"/>
+          <a:chOff x="0" y="0"/>
+          <a:chExt cx="0" cy="0"/>
+        </a:xfrm>
+      </p:grpSpPr>
+      <p:pic>
+        <p:nvPicPr>
+          <p:cNvPr id="3" name="Picture 2" descr="A diagram of a medical procedure&#10;&#10;Description automatically generated with medium confidence">
+            <a:extLst>
+              <a:ext uri="{FF2B5EF4-FFF2-40B4-BE49-F238E27FC236}">
+                <a16:creationId xmlns:a16="http://schemas.microsoft.com/office/drawing/2014/main" id="{76BF9777-5D10-605A-F067-9F482E15D4DA}"/>
+              </a:ext>
+            </a:extLst>
+          </p:cNvPr>
+          <p:cNvPicPr>
+            <a:picLocks noChangeAspect="1"/>
+          </p:cNvPicPr>
+          <p:nvPr/>
+        </p:nvPicPr>
+        <p:blipFill>
+          <a:blip r:embed="rId2">
+            <a:extLst>
+              <a:ext uri="{28A0092B-C50C-407E-A947-70E740481C1C}">
+                <a14:useLocalDpi xmlns:a14="http://schemas.microsoft.com/office/drawing/2010/main" val="0"/>
+              </a:ext>
+            </a:extLst>
+          </a:blip>
+          <a:stretch>
+            <a:fillRect/>
+          </a:stretch>
+        </p:blipFill>
+        <p:spPr>
+          <a:xfrm>
+            <a:off x="2276076" y="117485"/>
+            <a:ext cx="7772400" cy="6495014"/>
+          </a:xfrm>
+          <a:prstGeom prst="rect">
+            <a:avLst/>
+          </a:prstGeom>
+        </p:spPr>
+      </p:pic>
+      <p:sp>
+        <p:nvSpPr>
+          <p:cNvPr id="4" name="Textfeld 4">
+            <a:extLst>
+              <a:ext uri="{FF2B5EF4-FFF2-40B4-BE49-F238E27FC236}">
+                <a16:creationId xmlns:a16="http://schemas.microsoft.com/office/drawing/2014/main" id="{12506719-F428-85DF-1ED1-604E7C413805}"/>
+              </a:ext>
+            </a:extLst>
+          </p:cNvPr>
+          <p:cNvSpPr txBox="1"/>
+          <p:nvPr/>
+        </p:nvSpPr>
+        <p:spPr>
+          <a:xfrm>
+            <a:off x="351536" y="298461"/>
+            <a:ext cx="2845651" cy="523220"/>
+          </a:xfrm>
+          <a:prstGeom prst="rect">
+            <a:avLst/>
+          </a:prstGeom>
+          <a:noFill/>
+        </p:spPr>
+        <p:txBody>
+          <a:bodyPr wrap="none" rtlCol="0">
+            <a:spAutoFit/>
+          </a:bodyPr>
+          <a:lstStyle/>
+          <a:p>
+            <a:r>
+              <a:rPr lang="de-DE" sz="2800" b="1" dirty="0"/>
+              <a:t>Use Case 03: alert</a:t>
+            </a:r>
+          </a:p>
+        </p:txBody>
+      </p:sp>
+    </p:spTree>
+    <p:extLst>
+      <p:ext uri="{BB962C8B-B14F-4D97-AF65-F5344CB8AC3E}">
+        <p14:creationId xmlns:p14="http://schemas.microsoft.com/office/powerpoint/2010/main" val="3077531628"/>
+      </p:ext>
+    </p:extLst>
+  </p:cSld>
+  <p:clrMapOvr>
+    <a:masterClrMapping/>
+  </p:clrMapOvr>
+</p:sld>
+</file>
+
+<file path=ppt/slides/slide7.xml><?xml version="1.0" encoding="utf-8"?>
+<p:sld xmlns:a="http://schemas.openxmlformats.org/drawingml/2006/main" xmlns:r="http://schemas.openxmlformats.org/officeDocument/2006/relationships" xmlns:p="http://schemas.openxmlformats.org/presentationml/2006/main">
+  <p:cSld>
+    <p:spTree>
+      <p:nvGrpSpPr>
+        <p:cNvPr id="1" name=""/>
+        <p:cNvGrpSpPr/>
+        <p:nvPr/>
+      </p:nvGrpSpPr>
+      <p:grpSpPr>
+        <a:xfrm>
+          <a:off x="0" y="0"/>
+          <a:ext cx="0" cy="0"/>
+          <a:chOff x="0" y="0"/>
+          <a:chExt cx="0" cy="0"/>
+        </a:xfrm>
+      </p:grpSpPr>
       <p:sp>
         <p:nvSpPr>
           <p:cNvPr id="2" name="Rechteck 1">
@@ -5483,15 +6061,12 @@
         </p:nvSpPr>
         <p:spPr>
           <a:xfrm>
-            <a:off x="2445926" y="4983898"/>
-            <a:ext cx="1582643" cy="1120905"/>
+            <a:off x="4484561" y="5484112"/>
+            <a:ext cx="2221993" cy="1060704"/>
           </a:xfrm>
           <a:prstGeom prst="rect">
             <a:avLst/>
           </a:prstGeom>
-          <a:solidFill>
-            <a:schemeClr val="bg2"/>
-          </a:solidFill>
         </p:spPr>
         <p:style>
           <a:lnRef idx="2">
@@ -5514,29 +6089,35 @@
             <a:pPr algn="ctr"/>
             <a:r>
               <a:rPr lang="de-DE" dirty="0"/>
-              <a:t>Vital Signal</a:t>
-            </a:r>
+              <a:t>vital </a:t>
+            </a:r>
+            <a:r>
+              <a:rPr lang="de-DE" dirty="0" err="1"/>
+              <a:t>sign</a:t>
+            </a:r>
+            <a:endParaRPr lang="de-DE" dirty="0"/>
           </a:p>
           <a:p>
             <a:pPr algn="ctr"/>
             <a:r>
-              <a:rPr lang="de-DE" dirty="0"/>
-              <a:t>Event Channels</a:t>
-            </a:r>
+              <a:rPr lang="de-DE" dirty="0" err="1"/>
+              <a:t>collector</a:t>
+            </a:r>
+            <a:endParaRPr lang="de-DE" dirty="0"/>
           </a:p>
           <a:p>
             <a:pPr algn="ctr"/>
             <a:r>
               <a:rPr lang="de-DE" sz="1200" dirty="0"/>
-              <a:t>(</a:t>
+              <a:t>(per </a:t>
             </a:r>
             <a:r>
               <a:rPr lang="de-DE" sz="1200" dirty="0" err="1"/>
-              <a:t>One</a:t>
+              <a:t>patient</a:t>
             </a:r>
             <a:r>
               <a:rPr lang="de-DE" sz="1200" dirty="0"/>
-              <a:t> Topic per Signal type)</a:t>
+              <a:t> and type) </a:t>
             </a:r>
           </a:p>
         </p:txBody>
@@ -5555,15 +6136,12 @@
         </p:nvSpPr>
         <p:spPr>
           <a:xfrm>
-            <a:off x="208207" y="5129541"/>
-            <a:ext cx="1669185" cy="830934"/>
+            <a:off x="203612" y="5573239"/>
+            <a:ext cx="1813560" cy="880872"/>
           </a:xfrm>
           <a:prstGeom prst="rect">
             <a:avLst/>
           </a:prstGeom>
-          <a:solidFill>
-            <a:schemeClr val="accent2"/>
-          </a:solidFill>
         </p:spPr>
         <p:style>
           <a:lnRef idx="2">
@@ -5590,7 +6168,7 @@
             </a:r>
             <a:r>
               <a:rPr lang="de-DE" dirty="0" err="1"/>
-              <a:t>signal</a:t>
+              <a:t>sign</a:t>
             </a:r>
             <a:r>
               <a:rPr lang="de-DE" dirty="0"/>
@@ -5615,6 +6193,92 @@
           </a:p>
         </p:txBody>
       </p:sp>
+      <p:cxnSp>
+        <p:nvCxnSpPr>
+          <p:cNvPr id="8" name="Verbinder: gewinkelt 7" descr="dddddd">
+            <a:extLst>
+              <a:ext uri="{FF2B5EF4-FFF2-40B4-BE49-F238E27FC236}">
+                <a16:creationId xmlns:a16="http://schemas.microsoft.com/office/drawing/2014/main" id="{AE4B50D5-B0E2-E1FA-553B-0A6695C024E3}"/>
+              </a:ext>
+              <a:ext uri="{C183D7F6-B498-43B3-948B-1728B52AA6E4}">
+                <adec:decorative xmlns:adec="http://schemas.microsoft.com/office/drawing/2017/decorative" val="0"/>
+              </a:ext>
+            </a:extLst>
+          </p:cNvPr>
+          <p:cNvCxnSpPr>
+            <a:cxnSpLocks/>
+            <a:stCxn id="3" idx="3"/>
+            <a:endCxn id="2" idx="1"/>
+          </p:cNvCxnSpPr>
+          <p:nvPr/>
+        </p:nvCxnSpPr>
+        <p:spPr>
+          <a:xfrm>
+            <a:off x="2017172" y="6013675"/>
+            <a:ext cx="2467389" cy="789"/>
+          </a:xfrm>
+          <a:prstGeom prst="bentConnector3">
+            <a:avLst/>
+          </a:prstGeom>
+          <a:ln>
+            <a:tailEnd type="triangle"/>
+          </a:ln>
+        </p:spPr>
+        <p:style>
+          <a:lnRef idx="1">
+            <a:schemeClr val="accent1"/>
+          </a:lnRef>
+          <a:fillRef idx="0">
+            <a:schemeClr val="accent1"/>
+          </a:fillRef>
+          <a:effectRef idx="0">
+            <a:schemeClr val="accent1"/>
+          </a:effectRef>
+          <a:fontRef idx="minor">
+            <a:schemeClr val="tx1"/>
+          </a:fontRef>
+        </p:style>
+      </p:cxnSp>
+      <p:sp>
+        <p:nvSpPr>
+          <p:cNvPr id="9" name="Textfeld 8">
+            <a:extLst>
+              <a:ext uri="{FF2B5EF4-FFF2-40B4-BE49-F238E27FC236}">
+                <a16:creationId xmlns:a16="http://schemas.microsoft.com/office/drawing/2014/main" id="{777223BD-CC67-AD79-38C0-2AFF7A43A4E5}"/>
+              </a:ext>
+            </a:extLst>
+          </p:cNvPr>
+          <p:cNvSpPr txBox="1"/>
+          <p:nvPr/>
+        </p:nvSpPr>
+        <p:spPr>
+          <a:xfrm>
+            <a:off x="2639160" y="5644343"/>
+            <a:ext cx="1223412" cy="369332"/>
+          </a:xfrm>
+          <a:prstGeom prst="rect">
+            <a:avLst/>
+          </a:prstGeom>
+          <a:noFill/>
+        </p:spPr>
+        <p:txBody>
+          <a:bodyPr wrap="none" rtlCol="0">
+            <a:spAutoFit/>
+          </a:bodyPr>
+          <a:lstStyle/>
+          <a:p>
+            <a:r>
+              <a:rPr lang="de-DE" dirty="0"/>
+              <a:t>send </a:t>
+            </a:r>
+            <a:r>
+              <a:rPr lang="de-DE" dirty="0" err="1"/>
+              <a:t>signal</a:t>
+            </a:r>
+            <a:endParaRPr lang="de-DE" dirty="0"/>
+          </a:p>
+        </p:txBody>
+      </p:sp>
       <p:sp>
         <p:nvSpPr>
           <p:cNvPr id="14" name="Rechteck 13">
@@ -5630,7 +6294,7 @@
         <p:spPr>
           <a:xfrm>
             <a:off x="208207" y="1701593"/>
-            <a:ext cx="1658432" cy="921044"/>
+            <a:ext cx="1667898" cy="976398"/>
           </a:xfrm>
           <a:prstGeom prst="rect">
             <a:avLst/>
@@ -5679,6 +6343,42 @@
       </p:sp>
       <p:sp>
         <p:nvSpPr>
+          <p:cNvPr id="19" name="Textfeld 18">
+            <a:extLst>
+              <a:ext uri="{FF2B5EF4-FFF2-40B4-BE49-F238E27FC236}">
+                <a16:creationId xmlns:a16="http://schemas.microsoft.com/office/drawing/2014/main" id="{E802BA49-7FCB-1AAA-DAE9-BC3A9BB9CDC8}"/>
+              </a:ext>
+            </a:extLst>
+          </p:cNvPr>
+          <p:cNvSpPr txBox="1"/>
+          <p:nvPr/>
+        </p:nvSpPr>
+        <p:spPr>
+          <a:xfrm>
+            <a:off x="4308879" y="4814507"/>
+            <a:ext cx="660950" cy="369332"/>
+          </a:xfrm>
+          <a:prstGeom prst="rect">
+            <a:avLst/>
+          </a:prstGeom>
+          <a:noFill/>
+        </p:spPr>
+        <p:txBody>
+          <a:bodyPr wrap="none" rtlCol="0">
+            <a:spAutoFit/>
+          </a:bodyPr>
+          <a:lstStyle/>
+          <a:p>
+            <a:r>
+              <a:rPr lang="de-DE" dirty="0" err="1"/>
+              <a:t>store</a:t>
+            </a:r>
+            <a:endParaRPr lang="de-DE" dirty="0"/>
+          </a:p>
+        </p:txBody>
+      </p:sp>
+      <p:sp>
+        <p:nvSpPr>
           <p:cNvPr id="20" name="Rechteck 19">
             <a:extLst>
               <a:ext uri="{FF2B5EF4-FFF2-40B4-BE49-F238E27FC236}">
@@ -5691,15 +6391,12 @@
         </p:nvSpPr>
         <p:spPr>
           <a:xfrm>
-            <a:off x="5161184" y="1437308"/>
-            <a:ext cx="2045103" cy="1000571"/>
+            <a:off x="5129203" y="1741307"/>
+            <a:ext cx="2221993" cy="1060704"/>
           </a:xfrm>
           <a:prstGeom prst="rect">
             <a:avLst/>
           </a:prstGeom>
-          <a:solidFill>
-            <a:srgbClr val="92D050"/>
-          </a:solidFill>
         </p:spPr>
         <p:style>
           <a:lnRef idx="2">
@@ -5738,12 +6435,91 @@
           </a:p>
         </p:txBody>
       </p:sp>
-      <p:sp>
-        <p:nvSpPr>
-          <p:cNvPr id="30" name="Rechteck 29">
-            <a:extLst>
-              <a:ext uri="{FF2B5EF4-FFF2-40B4-BE49-F238E27FC236}">
-                <a16:creationId xmlns:a16="http://schemas.microsoft.com/office/drawing/2014/main" id="{89EBEC3B-FDF0-4F4A-0C41-A6571A8EC815}"/>
+      <p:cxnSp>
+        <p:nvCxnSpPr>
+          <p:cNvPr id="22" name="Gerade Verbindung mit Pfeil 21">
+            <a:extLst>
+              <a:ext uri="{FF2B5EF4-FFF2-40B4-BE49-F238E27FC236}">
+                <a16:creationId xmlns:a16="http://schemas.microsoft.com/office/drawing/2014/main" id="{63212F49-6561-DDFD-22C0-3335DB066565}"/>
+              </a:ext>
+            </a:extLst>
+          </p:cNvPr>
+          <p:cNvCxnSpPr>
+            <a:cxnSpLocks/>
+            <a:stCxn id="20" idx="2"/>
+            <a:endCxn id="2" idx="0"/>
+          </p:cNvCxnSpPr>
+          <p:nvPr/>
+        </p:nvCxnSpPr>
+        <p:spPr>
+          <a:xfrm flipH="1">
+            <a:off x="5595558" y="2802011"/>
+            <a:ext cx="644642" cy="2682101"/>
+          </a:xfrm>
+          <a:prstGeom prst="straightConnector1">
+            <a:avLst/>
+          </a:prstGeom>
+          <a:ln>
+            <a:tailEnd type="triangle"/>
+          </a:ln>
+        </p:spPr>
+        <p:style>
+          <a:lnRef idx="1">
+            <a:schemeClr val="accent1"/>
+          </a:lnRef>
+          <a:fillRef idx="0">
+            <a:schemeClr val="accent1"/>
+          </a:fillRef>
+          <a:effectRef idx="0">
+            <a:schemeClr val="accent1"/>
+          </a:effectRef>
+          <a:fontRef idx="minor">
+            <a:schemeClr val="tx1"/>
+          </a:fontRef>
+        </p:style>
+      </p:cxnSp>
+      <p:sp>
+        <p:nvSpPr>
+          <p:cNvPr id="23" name="Textfeld 22">
+            <a:extLst>
+              <a:ext uri="{FF2B5EF4-FFF2-40B4-BE49-F238E27FC236}">
+                <a16:creationId xmlns:a16="http://schemas.microsoft.com/office/drawing/2014/main" id="{ED493016-707E-64B2-B105-832171A26758}"/>
+              </a:ext>
+            </a:extLst>
+          </p:cNvPr>
+          <p:cNvSpPr txBox="1"/>
+          <p:nvPr/>
+        </p:nvSpPr>
+        <p:spPr>
+          <a:xfrm>
+            <a:off x="5914232" y="3895227"/>
+            <a:ext cx="922047" cy="369332"/>
+          </a:xfrm>
+          <a:prstGeom prst="rect">
+            <a:avLst/>
+          </a:prstGeom>
+          <a:noFill/>
+        </p:spPr>
+        <p:txBody>
+          <a:bodyPr wrap="none" rtlCol="0">
+            <a:spAutoFit/>
+          </a:bodyPr>
+          <a:lstStyle/>
+          <a:p>
+            <a:r>
+              <a:rPr lang="de-DE" dirty="0" err="1"/>
+              <a:t>displays</a:t>
+            </a:r>
+            <a:endParaRPr lang="de-DE" dirty="0"/>
+          </a:p>
+        </p:txBody>
+      </p:sp>
+      <p:sp>
+        <p:nvSpPr>
+          <p:cNvPr id="26" name="Flussdiagramm: Magnetplattenspeicher 25">
+            <a:extLst>
+              <a:ext uri="{FF2B5EF4-FFF2-40B4-BE49-F238E27FC236}">
+                <a16:creationId xmlns:a16="http://schemas.microsoft.com/office/drawing/2014/main" id="{4CB69E04-7A8C-ACAF-9DF1-D0571ADDA7E5}"/>
               </a:ext>
             </a:extLst>
           </p:cNvPr>
@@ -5752,10 +6528,10 @@
         </p:nvSpPr>
         <p:spPr>
           <a:xfrm>
-            <a:off x="2918466" y="2079043"/>
-            <a:ext cx="1502802" cy="902931"/>
-          </a:xfrm>
-          <a:prstGeom prst="rect">
+            <a:off x="2923662" y="3936241"/>
+            <a:ext cx="1077371" cy="1045365"/>
+          </a:xfrm>
+          <a:prstGeom prst="flowChartMagneticDisk">
             <a:avLst/>
           </a:prstGeom>
         </p:spPr>
@@ -5780,7 +6556,66 @@
             <a:pPr algn="ctr"/>
             <a:r>
               <a:rPr lang="de-DE" dirty="0"/>
-              <a:t>External Data APIs</a:t>
+              <a:t>Signal DB</a:t>
+            </a:r>
+          </a:p>
+        </p:txBody>
+      </p:sp>
+      <p:sp>
+        <p:nvSpPr>
+          <p:cNvPr id="30" name="Rechteck 29">
+            <a:extLst>
+              <a:ext uri="{FF2B5EF4-FFF2-40B4-BE49-F238E27FC236}">
+                <a16:creationId xmlns:a16="http://schemas.microsoft.com/office/drawing/2014/main" id="{89EBEC3B-FDF0-4F4A-0C41-A6571A8EC815}"/>
+              </a:ext>
+            </a:extLst>
+          </p:cNvPr>
+          <p:cNvSpPr/>
+          <p:nvPr/>
+        </p:nvSpPr>
+        <p:spPr>
+          <a:xfrm>
+            <a:off x="2802670" y="2644528"/>
+            <a:ext cx="1299945" cy="957196"/>
+          </a:xfrm>
+          <a:prstGeom prst="rect">
+            <a:avLst/>
+          </a:prstGeom>
+        </p:spPr>
+        <p:style>
+          <a:lnRef idx="2">
+            <a:schemeClr val="accent6"/>
+          </a:lnRef>
+          <a:fillRef idx="1">
+            <a:schemeClr val="lt1"/>
+          </a:fillRef>
+          <a:effectRef idx="0">
+            <a:schemeClr val="accent6"/>
+          </a:effectRef>
+          <a:fontRef idx="minor">
+            <a:schemeClr val="dk1"/>
+          </a:fontRef>
+        </p:style>
+        <p:txBody>
+          <a:bodyPr rtlCol="0" anchor="ctr"/>
+          <a:lstStyle/>
+          <a:p>
+            <a:pPr algn="ctr"/>
+            <a:r>
+              <a:rPr lang="de-DE" dirty="0" err="1"/>
+              <a:t>snapshot</a:t>
+            </a:r>
+            <a:r>
+              <a:rPr lang="de-DE" dirty="0"/>
+              <a:t> </a:t>
+            </a:r>
+            <a:r>
+              <a:rPr lang="de-DE" dirty="0" err="1"/>
+              <a:t>creator</a:t>
+            </a:r>
+            <a:r>
+              <a:rPr lang="de-DE" dirty="0"/>
+              <a:t> </a:t>
             </a:r>
           </a:p>
         </p:txBody>
@@ -5797,14 +6632,14 @@
           <p:cNvCxnSpPr>
             <a:cxnSpLocks/>
             <a:stCxn id="30" idx="2"/>
-            <a:endCxn id="32" idx="1"/>
+            <a:endCxn id="26" idx="1"/>
           </p:cNvCxnSpPr>
           <p:nvPr/>
         </p:nvCxnSpPr>
         <p:spPr>
           <a:xfrm>
-            <a:off x="3669867" y="2981974"/>
-            <a:ext cx="1246830" cy="784395"/>
+            <a:off x="3452643" y="3601724"/>
+            <a:ext cx="9705" cy="334517"/>
           </a:xfrm>
           <a:prstGeom prst="straightConnector1">
             <a:avLst/>
@@ -5842,8 +6677,8 @@
         </p:nvGrpSpPr>
         <p:grpSpPr>
           <a:xfrm>
-            <a:off x="310372" y="4068702"/>
-            <a:ext cx="793851" cy="915196"/>
+            <a:off x="298837" y="4058091"/>
+            <a:ext cx="914400" cy="1294125"/>
             <a:chOff x="277851" y="5063493"/>
             <a:chExt cx="914400" cy="1294125"/>
           </a:xfrm>
@@ -5938,8 +6773,8 @@
         </p:nvGrpSpPr>
         <p:grpSpPr>
           <a:xfrm>
-            <a:off x="5762933" y="0"/>
-            <a:ext cx="1014464" cy="1210955"/>
+            <a:off x="5108366" y="80186"/>
+            <a:ext cx="1102209" cy="1283732"/>
             <a:chOff x="3032541" y="221552"/>
             <a:chExt cx="1102209" cy="1283732"/>
           </a:xfrm>
@@ -6035,7 +6870,7 @@
         <p:grpSpPr>
           <a:xfrm>
             <a:off x="10105193" y="48092"/>
-            <a:ext cx="841606" cy="1210955"/>
+            <a:ext cx="914400" cy="1283732"/>
             <a:chOff x="1054584" y="258481"/>
             <a:chExt cx="914400" cy="1283732"/>
           </a:xfrm>
@@ -6130,8 +6965,8 @@
         </p:nvSpPr>
         <p:spPr>
           <a:xfrm>
-            <a:off x="8079704" y="4556726"/>
-            <a:ext cx="1445591" cy="664320"/>
+            <a:off x="7742784" y="4096179"/>
+            <a:ext cx="1570626" cy="1129100"/>
           </a:xfrm>
           <a:prstGeom prst="rect">
             <a:avLst/>
@@ -6156,19 +6991,59 @@
           <a:lstStyle/>
           <a:p>
             <a:pPr algn="ctr"/>
+            <a:endParaRPr lang="de-DE" dirty="0"/>
+          </a:p>
+          <a:p>
+            <a:pPr algn="ctr"/>
+            <a:r>
+              <a:rPr lang="de-DE" dirty="0" err="1"/>
+              <a:t>sign</a:t>
+            </a:r>
             <a:r>
               <a:rPr lang="de-DE" dirty="0"/>
-              <a:t>Signal Analyzer</a:t>
-            </a:r>
-          </a:p>
-        </p:txBody>
-      </p:sp>
-      <p:sp>
-        <p:nvSpPr>
-          <p:cNvPr id="111" name="Flussdiagramm: Magnetplattenspeicher 110">
-            <a:extLst>
-              <a:ext uri="{FF2B5EF4-FFF2-40B4-BE49-F238E27FC236}">
-                <a16:creationId xmlns:a16="http://schemas.microsoft.com/office/drawing/2014/main" id="{28811D5D-9186-D661-CE29-25BE6045E408}"/>
+              <a:t> </a:t>
+            </a:r>
+            <a:r>
+              <a:rPr lang="de-DE" dirty="0" err="1"/>
+              <a:t>analyzer</a:t>
+            </a:r>
+            <a:endParaRPr lang="de-DE" dirty="0"/>
+          </a:p>
+          <a:p>
+            <a:pPr algn="ctr"/>
+            <a:r>
+              <a:rPr lang="de-DE" sz="1200" dirty="0"/>
+              <a:t>(per type but </a:t>
+            </a:r>
+            <a:r>
+              <a:rPr lang="de-DE" sz="1200" dirty="0" err="1"/>
+              <a:t>using</a:t>
+            </a:r>
+            <a:r>
+              <a:rPr lang="de-DE" sz="1200" dirty="0"/>
+              <a:t> all </a:t>
+            </a:r>
+            <a:r>
+              <a:rPr lang="de-DE" sz="1200" dirty="0" err="1"/>
+              <a:t>signals</a:t>
+            </a:r>
+            <a:r>
+              <a:rPr lang="de-DE" sz="1200" dirty="0"/>
+              <a:t>) </a:t>
+            </a:r>
+          </a:p>
+          <a:p>
+            <a:pPr algn="ctr"/>
+            <a:endParaRPr lang="de-DE" dirty="0"/>
+          </a:p>
+        </p:txBody>
+      </p:sp>
+      <p:sp>
+        <p:nvSpPr>
+          <p:cNvPr id="100" name="Rechteck 99">
+            <a:extLst>
+              <a:ext uri="{FF2B5EF4-FFF2-40B4-BE49-F238E27FC236}">
+                <a16:creationId xmlns:a16="http://schemas.microsoft.com/office/drawing/2014/main" id="{6EE9E339-CA94-DC42-DF32-CC56FCE6B26F}"/>
               </a:ext>
             </a:extLst>
           </p:cNvPr>
@@ -6177,12 +7052,26 @@
         </p:nvSpPr>
         <p:spPr>
           <a:xfrm>
-            <a:off x="5192857" y="2915338"/>
-            <a:ext cx="839489" cy="800568"/>
-          </a:xfrm>
-          <a:prstGeom prst="flowChartMagneticDisk">
-            <a:avLst/>
-          </a:prstGeom>
+            <a:off x="10105193" y="5525476"/>
+            <a:ext cx="1667898" cy="976398"/>
+          </a:xfrm>
+          <a:prstGeom prst="rect">
+            <a:avLst/>
+          </a:prstGeom>
+          <a:solidFill>
+            <a:schemeClr val="accent1">
+              <a:lumMod val="20000"/>
+              <a:lumOff val="80000"/>
+            </a:schemeClr>
+          </a:solidFill>
+          <a:ln>
+            <a:solidFill>
+              <a:schemeClr val="accent1">
+                <a:lumMod val="20000"/>
+                <a:lumOff val="80000"/>
+              </a:schemeClr>
+            </a:solidFill>
+          </a:ln>
         </p:spPr>
         <p:style>
           <a:lnRef idx="2">
@@ -6204,32 +7093,33 @@
           <a:p>
             <a:pPr algn="ctr"/>
             <a:r>
-              <a:rPr lang="de-DE" sz="1600" dirty="0"/>
-              <a:t>Patient DB</a:t>
-            </a:r>
+              <a:rPr lang="de-DE" dirty="0" err="1"/>
+              <a:t>MonitorThem</a:t>
+            </a:r>
+            <a:endParaRPr lang="de-DE" dirty="0"/>
           </a:p>
         </p:txBody>
       </p:sp>
       <p:cxnSp>
         <p:nvCxnSpPr>
-          <p:cNvPr id="113" name="Gerade Verbindung mit Pfeil 112">
-            <a:extLst>
-              <a:ext uri="{FF2B5EF4-FFF2-40B4-BE49-F238E27FC236}">
-                <a16:creationId xmlns:a16="http://schemas.microsoft.com/office/drawing/2014/main" id="{B9DDB9D9-904C-A342-BDED-46FFCA7EC044}"/>
+          <p:cNvPr id="105" name="Gerade Verbindung mit Pfeil 104">
+            <a:extLst>
+              <a:ext uri="{FF2B5EF4-FFF2-40B4-BE49-F238E27FC236}">
+                <a16:creationId xmlns:a16="http://schemas.microsoft.com/office/drawing/2014/main" id="{AFB4B8C0-7475-9D67-65C5-1D1DF2BF59E8}"/>
               </a:ext>
             </a:extLst>
           </p:cNvPr>
           <p:cNvCxnSpPr>
             <a:cxnSpLocks/>
-            <a:stCxn id="20" idx="2"/>
-            <a:endCxn id="111" idx="1"/>
+            <a:stCxn id="2" idx="3"/>
+            <a:endCxn id="99" idx="1"/>
           </p:cNvCxnSpPr>
           <p:nvPr/>
         </p:nvCxnSpPr>
         <p:spPr>
-          <a:xfrm flipH="1">
-            <a:off x="5612602" y="2437879"/>
-            <a:ext cx="571134" cy="477459"/>
+          <a:xfrm flipV="1">
+            <a:off x="6706554" y="4660729"/>
+            <a:ext cx="1036230" cy="1353735"/>
           </a:xfrm>
           <a:prstGeom prst="straightConnector1">
             <a:avLst/>
@@ -6255,29 +7145,30 @@
       </p:cxnSp>
       <p:cxnSp>
         <p:nvCxnSpPr>
-          <p:cNvPr id="115" name="Gerade Verbindung mit Pfeil 114">
-            <a:extLst>
-              <a:ext uri="{FF2B5EF4-FFF2-40B4-BE49-F238E27FC236}">
-                <a16:creationId xmlns:a16="http://schemas.microsoft.com/office/drawing/2014/main" id="{26C9E04E-1776-DAFD-56CF-29A409B21910}"/>
+          <p:cNvPr id="108" name="Gerade Verbindung mit Pfeil 107">
+            <a:extLst>
+              <a:ext uri="{FF2B5EF4-FFF2-40B4-BE49-F238E27FC236}">
+                <a16:creationId xmlns:a16="http://schemas.microsoft.com/office/drawing/2014/main" id="{4C0A85DE-5AC6-F9AC-93A3-2C7C7B31BDED}"/>
               </a:ext>
             </a:extLst>
           </p:cNvPr>
           <p:cNvCxnSpPr>
             <a:cxnSpLocks/>
-            <a:stCxn id="77" idx="2"/>
-            <a:endCxn id="20" idx="0"/>
+            <a:stCxn id="99" idx="3"/>
+            <a:endCxn id="4" idx="1"/>
           </p:cNvCxnSpPr>
           <p:nvPr/>
         </p:nvCxnSpPr>
         <p:spPr>
-          <a:xfrm>
-            <a:off x="6183736" y="1210955"/>
-            <a:ext cx="0" cy="226353"/>
+          <a:xfrm flipV="1">
+            <a:off x="9313410" y="4072070"/>
+            <a:ext cx="694332" cy="588659"/>
           </a:xfrm>
           <a:prstGeom prst="straightConnector1">
             <a:avLst/>
           </a:prstGeom>
           <a:ln>
+            <a:headEnd type="triangle"/>
             <a:tailEnd type="triangle"/>
           </a:ln>
         </p:spPr>
@@ -6298,10 +7189,10 @@
       </p:cxnSp>
       <p:sp>
         <p:nvSpPr>
-          <p:cNvPr id="120" name="Rechteck 119">
-            <a:extLst>
-              <a:ext uri="{FF2B5EF4-FFF2-40B4-BE49-F238E27FC236}">
-                <a16:creationId xmlns:a16="http://schemas.microsoft.com/office/drawing/2014/main" id="{71BFF247-C41F-1EEC-F8FA-509EA17EFEF2}"/>
+          <p:cNvPr id="111" name="Flussdiagramm: Magnetplattenspeicher 110">
+            <a:extLst>
+              <a:ext uri="{FF2B5EF4-FFF2-40B4-BE49-F238E27FC236}">
+                <a16:creationId xmlns:a16="http://schemas.microsoft.com/office/drawing/2014/main" id="{28811D5D-9186-D661-CE29-25BE6045E408}"/>
               </a:ext>
             </a:extLst>
           </p:cNvPr>
@@ -6310,15 +7201,12 @@
         </p:nvSpPr>
         <p:spPr>
           <a:xfrm>
-            <a:off x="9587933" y="1758090"/>
-            <a:ext cx="1761838" cy="968910"/>
-          </a:xfrm>
-          <a:prstGeom prst="rect">
-            <a:avLst/>
-          </a:prstGeom>
-          <a:solidFill>
-            <a:srgbClr val="92D050"/>
-          </a:solidFill>
+            <a:off x="4329654" y="3087559"/>
+            <a:ext cx="912100" cy="848682"/>
+          </a:xfrm>
+          <a:prstGeom prst="flowChartMagneticDisk">
+            <a:avLst/>
+          </a:prstGeom>
         </p:spPr>
         <p:style>
           <a:lnRef idx="2">
@@ -6340,36 +7228,32 @@
           <a:p>
             <a:pPr algn="ctr"/>
             <a:r>
-              <a:rPr lang="de-DE" dirty="0" err="1"/>
-              <a:t>MonitorMe</a:t>
-            </a:r>
-            <a:r>
               <a:rPr lang="de-DE" dirty="0"/>
-              <a:t> App</a:t>
+              <a:t>Patient DB</a:t>
             </a:r>
           </a:p>
         </p:txBody>
       </p:sp>
       <p:cxnSp>
         <p:nvCxnSpPr>
-          <p:cNvPr id="122" name="Gerade Verbindung mit Pfeil 121">
-            <a:extLst>
-              <a:ext uri="{FF2B5EF4-FFF2-40B4-BE49-F238E27FC236}">
-                <a16:creationId xmlns:a16="http://schemas.microsoft.com/office/drawing/2014/main" id="{1328A6A4-55FF-44D8-E4BF-0866B24CE1F5}"/>
+          <p:cNvPr id="113" name="Gerade Verbindung mit Pfeil 112">
+            <a:extLst>
+              <a:ext uri="{FF2B5EF4-FFF2-40B4-BE49-F238E27FC236}">
+                <a16:creationId xmlns:a16="http://schemas.microsoft.com/office/drawing/2014/main" id="{B9DDB9D9-904C-A342-BDED-46FFCA7EC044}"/>
               </a:ext>
             </a:extLst>
           </p:cNvPr>
           <p:cNvCxnSpPr>
             <a:cxnSpLocks/>
-            <a:stCxn id="99" idx="0"/>
-            <a:endCxn id="128" idx="2"/>
+            <a:stCxn id="20" idx="2"/>
+            <a:endCxn id="111" idx="1"/>
           </p:cNvCxnSpPr>
           <p:nvPr/>
         </p:nvCxnSpPr>
         <p:spPr>
-          <a:xfrm flipV="1">
-            <a:off x="8802500" y="3792812"/>
-            <a:ext cx="1525159" cy="763914"/>
+          <a:xfrm flipH="1">
+            <a:off x="4785704" y="2802011"/>
+            <a:ext cx="1454496" cy="285548"/>
           </a:xfrm>
           <a:prstGeom prst="straightConnector1">
             <a:avLst/>
@@ -6393,12 +7277,54 @@
           </a:fontRef>
         </p:style>
       </p:cxnSp>
-      <p:sp>
-        <p:nvSpPr>
-          <p:cNvPr id="128" name="Rechteck 127">
-            <a:extLst>
-              <a:ext uri="{FF2B5EF4-FFF2-40B4-BE49-F238E27FC236}">
-                <a16:creationId xmlns:a16="http://schemas.microsoft.com/office/drawing/2014/main" id="{D781D453-BD77-CDE3-6713-E737326BD180}"/>
+      <p:cxnSp>
+        <p:nvCxnSpPr>
+          <p:cNvPr id="115" name="Gerade Verbindung mit Pfeil 114">
+            <a:extLst>
+              <a:ext uri="{FF2B5EF4-FFF2-40B4-BE49-F238E27FC236}">
+                <a16:creationId xmlns:a16="http://schemas.microsoft.com/office/drawing/2014/main" id="{26C9E04E-1776-DAFD-56CF-29A409B21910}"/>
+              </a:ext>
+            </a:extLst>
+          </p:cNvPr>
+          <p:cNvCxnSpPr>
+            <a:stCxn id="77" idx="2"/>
+            <a:endCxn id="20" idx="0"/>
+          </p:cNvCxnSpPr>
+          <p:nvPr/>
+        </p:nvCxnSpPr>
+        <p:spPr>
+          <a:xfrm>
+            <a:off x="5565566" y="1363918"/>
+            <a:ext cx="674634" cy="377389"/>
+          </a:xfrm>
+          <a:prstGeom prst="straightConnector1">
+            <a:avLst/>
+          </a:prstGeom>
+          <a:ln>
+            <a:tailEnd type="triangle"/>
+          </a:ln>
+        </p:spPr>
+        <p:style>
+          <a:lnRef idx="1">
+            <a:schemeClr val="accent1"/>
+          </a:lnRef>
+          <a:fillRef idx="0">
+            <a:schemeClr val="accent1"/>
+          </a:fillRef>
+          <a:effectRef idx="0">
+            <a:schemeClr val="accent1"/>
+          </a:effectRef>
+          <a:fontRef idx="minor">
+            <a:schemeClr val="tx1"/>
+          </a:fontRef>
+        </p:style>
+      </p:cxnSp>
+      <p:sp>
+        <p:nvSpPr>
+          <p:cNvPr id="120" name="Rechteck 119">
+            <a:extLst>
+              <a:ext uri="{FF2B5EF4-FFF2-40B4-BE49-F238E27FC236}">
+                <a16:creationId xmlns:a16="http://schemas.microsoft.com/office/drawing/2014/main" id="{71BFF247-C41F-1EEC-F8FA-509EA17EFEF2}"/>
               </a:ext>
             </a:extLst>
           </p:cNvPr>
@@ -6407,17 +7333,12 @@
         </p:nvSpPr>
         <p:spPr>
           <a:xfrm>
-            <a:off x="9478530" y="3169733"/>
-            <a:ext cx="1698257" cy="623079"/>
+            <a:off x="9587932" y="1758089"/>
+            <a:ext cx="1914227" cy="1027141"/>
           </a:xfrm>
           <a:prstGeom prst="rect">
             <a:avLst/>
           </a:prstGeom>
-          <a:solidFill>
-            <a:schemeClr val="bg1">
-              <a:lumMod val="95000"/>
-            </a:schemeClr>
-          </a:solidFill>
         </p:spPr>
         <p:style>
           <a:lnRef idx="2">
@@ -6438,46 +7359,37 @@
           <a:lstStyle/>
           <a:p>
             <a:pPr algn="ctr"/>
-            <a:endParaRPr lang="de-DE" dirty="0"/>
-          </a:p>
-          <a:p>
-            <a:pPr algn="ctr"/>
             <a:r>
               <a:rPr lang="de-DE" dirty="0" err="1"/>
-              <a:t>Notification</a:t>
+              <a:t>MonitorMe</a:t>
             </a:r>
             <a:r>
               <a:rPr lang="de-DE" dirty="0"/>
-              <a:t> Event Channel</a:t>
-            </a:r>
-            <a:endParaRPr lang="de-DE" sz="1200" dirty="0"/>
-          </a:p>
-          <a:p>
-            <a:pPr algn="ctr"/>
-            <a:endParaRPr lang="de-DE" dirty="0"/>
+              <a:t> App</a:t>
+            </a:r>
           </a:p>
         </p:txBody>
       </p:sp>
       <p:cxnSp>
         <p:nvCxnSpPr>
-          <p:cNvPr id="161" name="Gerade Verbindung mit Pfeil 160">
-            <a:extLst>
-              <a:ext uri="{FF2B5EF4-FFF2-40B4-BE49-F238E27FC236}">
-                <a16:creationId xmlns:a16="http://schemas.microsoft.com/office/drawing/2014/main" id="{F9FA3A55-F317-8BDB-88E7-2D531E70D412}"/>
+          <p:cNvPr id="122" name="Gerade Verbindung mit Pfeil 121">
+            <a:extLst>
+              <a:ext uri="{FF2B5EF4-FFF2-40B4-BE49-F238E27FC236}">
+                <a16:creationId xmlns:a16="http://schemas.microsoft.com/office/drawing/2014/main" id="{1328A6A4-55FF-44D8-E4BF-0866B24CE1F5}"/>
               </a:ext>
             </a:extLst>
           </p:cNvPr>
           <p:cNvCxnSpPr>
             <a:cxnSpLocks/>
-            <a:stCxn id="128" idx="0"/>
-            <a:endCxn id="120" idx="2"/>
+            <a:stCxn id="99" idx="0"/>
+            <a:endCxn id="128" idx="2"/>
           </p:cNvCxnSpPr>
           <p:nvPr/>
         </p:nvCxnSpPr>
         <p:spPr>
           <a:xfrm flipV="1">
-            <a:off x="10327659" y="2727000"/>
-            <a:ext cx="141193" cy="442733"/>
+            <a:off x="8528097" y="3701508"/>
+            <a:ext cx="34205" cy="394671"/>
           </a:xfrm>
           <a:prstGeom prst="straightConnector1">
             <a:avLst/>
@@ -6501,141 +7413,12 @@
           </a:fontRef>
         </p:style>
       </p:cxnSp>
-      <p:cxnSp>
-        <p:nvCxnSpPr>
-          <p:cNvPr id="163" name="Gerade Verbindung mit Pfeil 162">
-            <a:extLst>
-              <a:ext uri="{FF2B5EF4-FFF2-40B4-BE49-F238E27FC236}">
-                <a16:creationId xmlns:a16="http://schemas.microsoft.com/office/drawing/2014/main" id="{86305ED6-E89D-CEC5-C8DE-D43D2BC374AC}"/>
-              </a:ext>
-            </a:extLst>
-          </p:cNvPr>
-          <p:cNvCxnSpPr>
-            <a:cxnSpLocks/>
-            <a:stCxn id="82" idx="2"/>
-            <a:endCxn id="120" idx="0"/>
-          </p:cNvCxnSpPr>
-          <p:nvPr/>
-        </p:nvCxnSpPr>
-        <p:spPr>
-          <a:xfrm flipH="1">
-            <a:off x="10468852" y="1259047"/>
-            <a:ext cx="57144" cy="499043"/>
-          </a:xfrm>
-          <a:prstGeom prst="straightConnector1">
-            <a:avLst/>
-          </a:prstGeom>
-          <a:ln>
-            <a:tailEnd type="triangle"/>
-          </a:ln>
-        </p:spPr>
-        <p:style>
-          <a:lnRef idx="1">
-            <a:schemeClr val="accent1"/>
-          </a:lnRef>
-          <a:fillRef idx="0">
-            <a:schemeClr val="accent1"/>
-          </a:fillRef>
-          <a:effectRef idx="0">
-            <a:schemeClr val="accent1"/>
-          </a:effectRef>
-          <a:fontRef idx="minor">
-            <a:schemeClr val="tx1"/>
-          </a:fontRef>
-        </p:style>
-      </p:cxnSp>
-      <p:cxnSp>
-        <p:nvCxnSpPr>
-          <p:cNvPr id="199" name="Gerade Verbindung mit Pfeil 198">
-            <a:extLst>
-              <a:ext uri="{FF2B5EF4-FFF2-40B4-BE49-F238E27FC236}">
-                <a16:creationId xmlns:a16="http://schemas.microsoft.com/office/drawing/2014/main" id="{DA34F3F9-82D1-DEDA-D4F0-38D65F4FE50E}"/>
-              </a:ext>
-            </a:extLst>
-          </p:cNvPr>
-          <p:cNvCxnSpPr>
-            <a:cxnSpLocks/>
-            <a:stCxn id="30" idx="1"/>
-            <a:endCxn id="50" idx="3"/>
-          </p:cNvCxnSpPr>
-          <p:nvPr/>
-        </p:nvCxnSpPr>
-        <p:spPr>
-          <a:xfrm flipH="1">
-            <a:off x="1895915" y="2530509"/>
-            <a:ext cx="1022551" cy="662175"/>
-          </a:xfrm>
-          <a:prstGeom prst="straightConnector1">
-            <a:avLst/>
-          </a:prstGeom>
-          <a:ln>
-            <a:tailEnd type="triangle"/>
-          </a:ln>
-        </p:spPr>
-        <p:style>
-          <a:lnRef idx="1">
-            <a:schemeClr val="accent1"/>
-          </a:lnRef>
-          <a:fillRef idx="0">
-            <a:schemeClr val="accent1"/>
-          </a:fillRef>
-          <a:effectRef idx="0">
-            <a:schemeClr val="accent1"/>
-          </a:effectRef>
-          <a:fontRef idx="minor">
-            <a:schemeClr val="tx1"/>
-          </a:fontRef>
-        </p:style>
-      </p:cxnSp>
-      <p:cxnSp>
-        <p:nvCxnSpPr>
-          <p:cNvPr id="204" name="Gerade Verbindung mit Pfeil 203">
-            <a:extLst>
-              <a:ext uri="{FF2B5EF4-FFF2-40B4-BE49-F238E27FC236}">
-                <a16:creationId xmlns:a16="http://schemas.microsoft.com/office/drawing/2014/main" id="{54DA7562-BF7F-CC06-0725-4213A5A03EDB}"/>
-              </a:ext>
-            </a:extLst>
-          </p:cNvPr>
-          <p:cNvCxnSpPr>
-            <a:cxnSpLocks/>
-            <a:stCxn id="3" idx="3"/>
-            <a:endCxn id="2" idx="1"/>
-          </p:cNvCxnSpPr>
-          <p:nvPr/>
-        </p:nvCxnSpPr>
-        <p:spPr>
-          <a:xfrm flipV="1">
-            <a:off x="1877392" y="5544351"/>
-            <a:ext cx="568534" cy="657"/>
-          </a:xfrm>
-          <a:prstGeom prst="straightConnector1">
-            <a:avLst/>
-          </a:prstGeom>
-          <a:ln>
-            <a:tailEnd type="triangle"/>
-          </a:ln>
-        </p:spPr>
-        <p:style>
-          <a:lnRef idx="1">
-            <a:schemeClr val="accent1"/>
-          </a:lnRef>
-          <a:fillRef idx="0">
-            <a:schemeClr val="accent1"/>
-          </a:fillRef>
-          <a:effectRef idx="0">
-            <a:schemeClr val="accent1"/>
-          </a:effectRef>
-          <a:fontRef idx="minor">
-            <a:schemeClr val="tx1"/>
-          </a:fontRef>
-        </p:style>
-      </p:cxnSp>
-      <p:sp>
-        <p:nvSpPr>
-          <p:cNvPr id="4" name="Rechteck 3">
-            <a:extLst>
-              <a:ext uri="{FF2B5EF4-FFF2-40B4-BE49-F238E27FC236}">
-                <a16:creationId xmlns:a16="http://schemas.microsoft.com/office/drawing/2014/main" id="{74C57912-408F-2951-BB63-EB10E0C863AF}"/>
+      <p:sp>
+        <p:nvSpPr>
+          <p:cNvPr id="128" name="Rechteck 127">
+            <a:extLst>
+              <a:ext uri="{FF2B5EF4-FFF2-40B4-BE49-F238E27FC236}">
+                <a16:creationId xmlns:a16="http://schemas.microsoft.com/office/drawing/2014/main" id="{D781D453-BD77-CDE3-6713-E737326BD180}"/>
               </a:ext>
             </a:extLst>
           </p:cNvPr>
@@ -6644,8 +7427,8 @@
         </p:nvSpPr>
         <p:spPr>
           <a:xfrm>
-            <a:off x="7229577" y="3209082"/>
-            <a:ext cx="1445591" cy="803900"/>
+            <a:off x="7834725" y="3123126"/>
+            <a:ext cx="1455154" cy="578382"/>
           </a:xfrm>
           <a:prstGeom prst="rect">
             <a:avLst/>
@@ -6675,14 +7458,18 @@
           <a:p>
             <a:pPr algn="ctr"/>
             <a:r>
+              <a:rPr lang="de-DE" dirty="0" err="1"/>
+              <a:t>Notification</a:t>
+            </a:r>
+            <a:r>
               <a:rPr lang="de-DE" dirty="0"/>
-              <a:t>Analyse Rule </a:t>
+              <a:t> </a:t>
             </a:r>
             <a:r>
               <a:rPr lang="de-DE" dirty="0" err="1"/>
-              <a:t>Builder</a:t>
-            </a:r>
-            <a:endParaRPr lang="de-DE" dirty="0"/>
+              <a:t>creator</a:t>
+            </a:r>
+            <a:endParaRPr lang="de-DE" sz="1200" dirty="0"/>
           </a:p>
           <a:p>
             <a:pPr algn="ctr"/>
@@ -6692,24 +7479,24 @@
       </p:sp>
       <p:cxnSp>
         <p:nvCxnSpPr>
-          <p:cNvPr id="27" name="Gerade Verbindung mit Pfeil 26">
-            <a:extLst>
-              <a:ext uri="{FF2B5EF4-FFF2-40B4-BE49-F238E27FC236}">
-                <a16:creationId xmlns:a16="http://schemas.microsoft.com/office/drawing/2014/main" id="{7CCD53F8-2E83-BCD6-8658-8D86E23998A0}"/>
+          <p:cNvPr id="161" name="Gerade Verbindung mit Pfeil 160">
+            <a:extLst>
+              <a:ext uri="{FF2B5EF4-FFF2-40B4-BE49-F238E27FC236}">
+                <a16:creationId xmlns:a16="http://schemas.microsoft.com/office/drawing/2014/main" id="{F9FA3A55-F317-8BDB-88E7-2D531E70D412}"/>
               </a:ext>
             </a:extLst>
           </p:cNvPr>
           <p:cNvCxnSpPr>
             <a:cxnSpLocks/>
-            <a:stCxn id="2" idx="3"/>
-            <a:endCxn id="44" idx="1"/>
+            <a:stCxn id="128" idx="0"/>
+            <a:endCxn id="120" idx="1"/>
           </p:cNvCxnSpPr>
           <p:nvPr/>
         </p:nvCxnSpPr>
         <p:spPr>
           <a:xfrm flipV="1">
-            <a:off x="4028569" y="5525476"/>
-            <a:ext cx="1156309" cy="18875"/>
+            <a:off x="8562302" y="2271660"/>
+            <a:ext cx="1025630" cy="851466"/>
           </a:xfrm>
           <a:prstGeom prst="straightConnector1">
             <a:avLst/>
@@ -6735,24 +7522,24 @@
       </p:cxnSp>
       <p:cxnSp>
         <p:nvCxnSpPr>
-          <p:cNvPr id="40" name="Gerade Verbindung mit Pfeil 39">
-            <a:extLst>
-              <a:ext uri="{FF2B5EF4-FFF2-40B4-BE49-F238E27FC236}">
-                <a16:creationId xmlns:a16="http://schemas.microsoft.com/office/drawing/2014/main" id="{9D77B0EB-5B98-D448-502D-160BE7972833}"/>
+          <p:cNvPr id="163" name="Gerade Verbindung mit Pfeil 162">
+            <a:extLst>
+              <a:ext uri="{FF2B5EF4-FFF2-40B4-BE49-F238E27FC236}">
+                <a16:creationId xmlns:a16="http://schemas.microsoft.com/office/drawing/2014/main" id="{86305ED6-E89D-CEC5-C8DE-D43D2BC374AC}"/>
               </a:ext>
             </a:extLst>
           </p:cNvPr>
           <p:cNvCxnSpPr>
             <a:cxnSpLocks/>
-            <a:stCxn id="128" idx="0"/>
-            <a:endCxn id="20" idx="3"/>
+            <a:stCxn id="82" idx="2"/>
+            <a:endCxn id="120" idx="0"/>
           </p:cNvCxnSpPr>
           <p:nvPr/>
         </p:nvCxnSpPr>
         <p:spPr>
-          <a:xfrm flipH="1" flipV="1">
-            <a:off x="7206287" y="1937594"/>
-            <a:ext cx="3121372" cy="1232139"/>
+          <a:xfrm flipH="1">
+            <a:off x="10545046" y="1331824"/>
+            <a:ext cx="17347" cy="426265"/>
           </a:xfrm>
           <a:prstGeom prst="straightConnector1">
             <a:avLst/>
@@ -6776,12 +7563,138 @@
           </a:fontRef>
         </p:style>
       </p:cxnSp>
-      <p:sp>
-        <p:nvSpPr>
-          <p:cNvPr id="32" name="Flussdiagramm: Magnetplattenspeicher 31">
-            <a:extLst>
-              <a:ext uri="{FF2B5EF4-FFF2-40B4-BE49-F238E27FC236}">
-                <a16:creationId xmlns:a16="http://schemas.microsoft.com/office/drawing/2014/main" id="{84323946-92CD-F020-30E5-55CE6785220E}"/>
+      <p:cxnSp>
+        <p:nvCxnSpPr>
+          <p:cNvPr id="197" name="Gerade Verbindung mit Pfeil 196">
+            <a:extLst>
+              <a:ext uri="{FF2B5EF4-FFF2-40B4-BE49-F238E27FC236}">
+                <a16:creationId xmlns:a16="http://schemas.microsoft.com/office/drawing/2014/main" id="{D8D7F948-9EBD-6730-DF0D-24EEAFEAC0BE}"/>
+              </a:ext>
+            </a:extLst>
+          </p:cNvPr>
+          <p:cNvCxnSpPr>
+            <a:stCxn id="77" idx="2"/>
+            <a:endCxn id="30" idx="0"/>
+          </p:cNvCxnSpPr>
+          <p:nvPr/>
+        </p:nvCxnSpPr>
+        <p:spPr>
+          <a:xfrm flipH="1">
+            <a:off x="3452643" y="1363918"/>
+            <a:ext cx="2112923" cy="1280610"/>
+          </a:xfrm>
+          <a:prstGeom prst="straightConnector1">
+            <a:avLst/>
+          </a:prstGeom>
+          <a:ln>
+            <a:tailEnd type="triangle"/>
+          </a:ln>
+        </p:spPr>
+        <p:style>
+          <a:lnRef idx="1">
+            <a:schemeClr val="accent1"/>
+          </a:lnRef>
+          <a:fillRef idx="0">
+            <a:schemeClr val="accent1"/>
+          </a:fillRef>
+          <a:effectRef idx="0">
+            <a:schemeClr val="accent1"/>
+          </a:effectRef>
+          <a:fontRef idx="minor">
+            <a:schemeClr val="tx1"/>
+          </a:fontRef>
+        </p:style>
+      </p:cxnSp>
+      <p:cxnSp>
+        <p:nvCxnSpPr>
+          <p:cNvPr id="199" name="Gerade Verbindung mit Pfeil 198">
+            <a:extLst>
+              <a:ext uri="{FF2B5EF4-FFF2-40B4-BE49-F238E27FC236}">
+                <a16:creationId xmlns:a16="http://schemas.microsoft.com/office/drawing/2014/main" id="{DA34F3F9-82D1-DEDA-D4F0-38D65F4FE50E}"/>
+              </a:ext>
+            </a:extLst>
+          </p:cNvPr>
+          <p:cNvCxnSpPr>
+            <a:stCxn id="30" idx="1"/>
+            <a:endCxn id="14" idx="3"/>
+          </p:cNvCxnSpPr>
+          <p:nvPr/>
+        </p:nvCxnSpPr>
+        <p:spPr>
+          <a:xfrm flipH="1" flipV="1">
+            <a:off x="1876105" y="2189792"/>
+            <a:ext cx="926565" cy="933334"/>
+          </a:xfrm>
+          <a:prstGeom prst="straightConnector1">
+            <a:avLst/>
+          </a:prstGeom>
+          <a:ln>
+            <a:tailEnd type="triangle"/>
+          </a:ln>
+        </p:spPr>
+        <p:style>
+          <a:lnRef idx="1">
+            <a:schemeClr val="accent1"/>
+          </a:lnRef>
+          <a:fillRef idx="0">
+            <a:schemeClr val="accent1"/>
+          </a:fillRef>
+          <a:effectRef idx="0">
+            <a:schemeClr val="accent1"/>
+          </a:effectRef>
+          <a:fontRef idx="minor">
+            <a:schemeClr val="tx1"/>
+          </a:fontRef>
+        </p:style>
+      </p:cxnSp>
+      <p:cxnSp>
+        <p:nvCxnSpPr>
+          <p:cNvPr id="204" name="Gerade Verbindung mit Pfeil 203">
+            <a:extLst>
+              <a:ext uri="{FF2B5EF4-FFF2-40B4-BE49-F238E27FC236}">
+                <a16:creationId xmlns:a16="http://schemas.microsoft.com/office/drawing/2014/main" id="{54DA7562-BF7F-CC06-0725-4213A5A03EDB}"/>
+              </a:ext>
+            </a:extLst>
+          </p:cNvPr>
+          <p:cNvCxnSpPr>
+            <a:stCxn id="2" idx="0"/>
+            <a:endCxn id="26" idx="3"/>
+          </p:cNvCxnSpPr>
+          <p:nvPr/>
+        </p:nvCxnSpPr>
+        <p:spPr>
+          <a:xfrm flipH="1" flipV="1">
+            <a:off x="3462348" y="4981606"/>
+            <a:ext cx="2133210" cy="502506"/>
+          </a:xfrm>
+          <a:prstGeom prst="straightConnector1">
+            <a:avLst/>
+          </a:prstGeom>
+          <a:ln>
+            <a:tailEnd type="triangle"/>
+          </a:ln>
+        </p:spPr>
+        <p:style>
+          <a:lnRef idx="1">
+            <a:schemeClr val="accent1"/>
+          </a:lnRef>
+          <a:fillRef idx="0">
+            <a:schemeClr val="accent1"/>
+          </a:fillRef>
+          <a:effectRef idx="0">
+            <a:schemeClr val="accent1"/>
+          </a:effectRef>
+          <a:fontRef idx="minor">
+            <a:schemeClr val="tx1"/>
+          </a:fontRef>
+        </p:style>
+      </p:cxnSp>
+      <p:sp>
+        <p:nvSpPr>
+          <p:cNvPr id="4" name="Rechteck 3">
+            <a:extLst>
+              <a:ext uri="{FF2B5EF4-FFF2-40B4-BE49-F238E27FC236}">
+                <a16:creationId xmlns:a16="http://schemas.microsoft.com/office/drawing/2014/main" id="{74C57912-408F-2951-BB63-EB10E0C863AF}"/>
               </a:ext>
             </a:extLst>
           </p:cNvPr>
@@ -6790,10 +7703,10 @@
         </p:nvSpPr>
         <p:spPr>
           <a:xfrm>
-            <a:off x="4425134" y="3766369"/>
-            <a:ext cx="983126" cy="865854"/>
-          </a:xfrm>
-          <a:prstGeom prst="flowChartMagneticDisk">
+            <a:off x="10007742" y="3507520"/>
+            <a:ext cx="1570626" cy="1129100"/>
+          </a:xfrm>
+          <a:prstGeom prst="rect">
             <a:avLst/>
           </a:prstGeom>
         </p:spPr>
@@ -6816,19 +7729,82 @@
           <a:lstStyle/>
           <a:p>
             <a:pPr algn="ctr"/>
+            <a:endParaRPr lang="de-DE" dirty="0"/>
+          </a:p>
+          <a:p>
+            <a:pPr algn="ctr"/>
             <a:r>
               <a:rPr lang="de-DE" dirty="0"/>
-              <a:t>Signal DB</a:t>
-            </a:r>
-          </a:p>
-        </p:txBody>
-      </p:sp>
-      <p:sp>
-        <p:nvSpPr>
-          <p:cNvPr id="44" name="Rechteck 43">
-            <a:extLst>
-              <a:ext uri="{FF2B5EF4-FFF2-40B4-BE49-F238E27FC236}">
-                <a16:creationId xmlns:a16="http://schemas.microsoft.com/office/drawing/2014/main" id="{94685144-9530-7E9A-91F5-3136A7ABC40F}"/>
+              <a:t>Analyse </a:t>
+            </a:r>
+            <a:r>
+              <a:rPr lang="de-DE" dirty="0" err="1"/>
+              <a:t>rule</a:t>
+            </a:r>
+            <a:r>
+              <a:rPr lang="de-DE" dirty="0"/>
+              <a:t> </a:t>
+            </a:r>
+            <a:r>
+              <a:rPr lang="de-DE" dirty="0" err="1"/>
+              <a:t>builder</a:t>
+            </a:r>
+            <a:endParaRPr lang="de-DE" dirty="0"/>
+          </a:p>
+          <a:p>
+            <a:pPr algn="ctr"/>
+            <a:endParaRPr lang="de-DE" dirty="0"/>
+          </a:p>
+        </p:txBody>
+      </p:sp>
+      <p:cxnSp>
+        <p:nvCxnSpPr>
+          <p:cNvPr id="11" name="Gerade Verbindung mit Pfeil 10">
+            <a:extLst>
+              <a:ext uri="{FF2B5EF4-FFF2-40B4-BE49-F238E27FC236}">
+                <a16:creationId xmlns:a16="http://schemas.microsoft.com/office/drawing/2014/main" id="{A9E49C53-C5A9-467E-67F7-6636854599CA}"/>
+              </a:ext>
+            </a:extLst>
+          </p:cNvPr>
+          <p:cNvCxnSpPr>
+            <a:stCxn id="4" idx="2"/>
+            <a:endCxn id="100" idx="0"/>
+          </p:cNvCxnSpPr>
+          <p:nvPr/>
+        </p:nvCxnSpPr>
+        <p:spPr>
+          <a:xfrm>
+            <a:off x="10793055" y="4636620"/>
+            <a:ext cx="146087" cy="888856"/>
+          </a:xfrm>
+          <a:prstGeom prst="straightConnector1">
+            <a:avLst/>
+          </a:prstGeom>
+          <a:ln>
+            <a:tailEnd type="triangle"/>
+          </a:ln>
+        </p:spPr>
+        <p:style>
+          <a:lnRef idx="1">
+            <a:schemeClr val="accent1"/>
+          </a:lnRef>
+          <a:fillRef idx="0">
+            <a:schemeClr val="accent1"/>
+          </a:fillRef>
+          <a:effectRef idx="0">
+            <a:schemeClr val="accent1"/>
+          </a:effectRef>
+          <a:fontRef idx="minor">
+            <a:schemeClr val="tx1"/>
+          </a:fontRef>
+        </p:style>
+      </p:cxnSp>
+      <p:sp>
+        <p:nvSpPr>
+          <p:cNvPr id="25" name="Rechteck 24">
+            <a:extLst>
+              <a:ext uri="{FF2B5EF4-FFF2-40B4-BE49-F238E27FC236}">
+                <a16:creationId xmlns:a16="http://schemas.microsoft.com/office/drawing/2014/main" id="{DB001E16-7FA0-1572-6CF2-F4DA184A6FAF}"/>
               </a:ext>
             </a:extLst>
           </p:cNvPr>
@@ -6837,15 +7813,12 @@
         </p:nvSpPr>
         <p:spPr>
           <a:xfrm>
-            <a:off x="5184878" y="5087357"/>
-            <a:ext cx="1822243" cy="876238"/>
+            <a:off x="8067462" y="5537806"/>
+            <a:ext cx="1570626" cy="1129100"/>
           </a:xfrm>
           <a:prstGeom prst="rect">
             <a:avLst/>
           </a:prstGeom>
-          <a:solidFill>
-            <a:srgbClr val="92D050"/>
-          </a:solidFill>
         </p:spPr>
         <p:style>
           <a:lnRef idx="2">
@@ -6866,111 +7839,41 @@
           <a:lstStyle/>
           <a:p>
             <a:pPr algn="ctr"/>
+            <a:endParaRPr lang="de-DE" dirty="0"/>
+          </a:p>
+          <a:p>
+            <a:pPr algn="ctr"/>
             <a:r>
               <a:rPr lang="de-DE" dirty="0"/>
-              <a:t>Patient Signal</a:t>
+              <a:t>Analyse Data Dispatcher</a:t>
             </a:r>
           </a:p>
           <a:p>
             <a:pPr algn="ctr"/>
-            <a:r>
-              <a:rPr lang="de-DE" dirty="0" err="1"/>
-              <a:t>Collector</a:t>
-            </a:r>
-            <a:endParaRPr lang="de-DE" dirty="0"/>
-          </a:p>
-          <a:p>
-            <a:pPr algn="ctr"/>
-            <a:r>
-              <a:rPr lang="de-DE" sz="1200" dirty="0"/>
-              <a:t>(all Signals per </a:t>
-            </a:r>
-            <a:r>
-              <a:rPr lang="de-DE" sz="1200" dirty="0" err="1"/>
-              <a:t>patient</a:t>
-            </a:r>
-            <a:r>
-              <a:rPr lang="de-DE" sz="1200" dirty="0"/>
-              <a:t>)</a:t>
-            </a:r>
-          </a:p>
-        </p:txBody>
-      </p:sp>
-      <p:sp>
-        <p:nvSpPr>
-          <p:cNvPr id="54" name="Rechteck 53">
-            <a:extLst>
-              <a:ext uri="{FF2B5EF4-FFF2-40B4-BE49-F238E27FC236}">
-                <a16:creationId xmlns:a16="http://schemas.microsoft.com/office/drawing/2014/main" id="{AD449FD3-8B2C-44FB-182E-7D32CD4DA1C6}"/>
-              </a:ext>
-            </a:extLst>
-          </p:cNvPr>
-          <p:cNvSpPr/>
-          <p:nvPr/>
-        </p:nvSpPr>
-        <p:spPr>
-          <a:xfrm>
-            <a:off x="2616077" y="3792812"/>
-            <a:ext cx="1196458" cy="798917"/>
-          </a:xfrm>
-          <a:prstGeom prst="rect">
-            <a:avLst/>
-          </a:prstGeom>
-          <a:solidFill>
-            <a:srgbClr val="92D050"/>
-          </a:solidFill>
-        </p:spPr>
-        <p:style>
-          <a:lnRef idx="2">
-            <a:schemeClr val="accent6"/>
-          </a:lnRef>
-          <a:fillRef idx="1">
-            <a:schemeClr val="lt1"/>
-          </a:fillRef>
-          <a:effectRef idx="0">
-            <a:schemeClr val="accent6"/>
-          </a:effectRef>
-          <a:fontRef idx="minor">
-            <a:schemeClr val="dk1"/>
-          </a:fontRef>
-        </p:style>
-        <p:txBody>
-          <a:bodyPr rtlCol="0" anchor="ctr"/>
-          <a:lstStyle/>
-          <a:p>
-            <a:pPr algn="ctr"/>
-            <a:r>
-              <a:rPr lang="de-DE" dirty="0"/>
-              <a:t>Raw Signal </a:t>
-            </a:r>
-            <a:r>
-              <a:rPr lang="de-DE" dirty="0" err="1"/>
-              <a:t>Persister</a:t>
-            </a:r>
             <a:endParaRPr lang="de-DE" dirty="0"/>
           </a:p>
         </p:txBody>
       </p:sp>
       <p:cxnSp>
         <p:nvCxnSpPr>
-          <p:cNvPr id="55" name="Gerade Verbindung mit Pfeil 54">
-            <a:extLst>
-              <a:ext uri="{FF2B5EF4-FFF2-40B4-BE49-F238E27FC236}">
-                <a16:creationId xmlns:a16="http://schemas.microsoft.com/office/drawing/2014/main" id="{37E2C49D-91F4-954E-0EA6-D018F836A29D}"/>
+          <p:cNvPr id="27" name="Gerade Verbindung mit Pfeil 26">
+            <a:extLst>
+              <a:ext uri="{FF2B5EF4-FFF2-40B4-BE49-F238E27FC236}">
+                <a16:creationId xmlns:a16="http://schemas.microsoft.com/office/drawing/2014/main" id="{7CCD53F8-2E83-BCD6-8658-8D86E23998A0}"/>
               </a:ext>
             </a:extLst>
           </p:cNvPr>
           <p:cNvCxnSpPr>
             <a:cxnSpLocks/>
-            <a:stCxn id="2" idx="0"/>
-            <a:endCxn id="54" idx="2"/>
+            <a:stCxn id="2" idx="3"/>
+            <a:endCxn id="25" idx="1"/>
           </p:cNvCxnSpPr>
           <p:nvPr/>
         </p:nvCxnSpPr>
         <p:spPr>
-          <a:xfrm flipH="1" flipV="1">
-            <a:off x="3214306" y="4591729"/>
-            <a:ext cx="22942" cy="392169"/>
+          <a:xfrm>
+            <a:off x="6706554" y="6014464"/>
+            <a:ext cx="1360908" cy="87892"/>
           </a:xfrm>
           <a:prstGeom prst="straightConnector1">
             <a:avLst/>
@@ -6996,24 +7899,24 @@
       </p:cxnSp>
       <p:cxnSp>
         <p:nvCxnSpPr>
-          <p:cNvPr id="58" name="Gerade Verbindung mit Pfeil 57">
-            <a:extLst>
-              <a:ext uri="{FF2B5EF4-FFF2-40B4-BE49-F238E27FC236}">
-                <a16:creationId xmlns:a16="http://schemas.microsoft.com/office/drawing/2014/main" id="{51D708B7-5F98-0CA1-ECA3-F7D60F019697}"/>
+          <p:cNvPr id="31" name="Gerade Verbindung mit Pfeil 30">
+            <a:extLst>
+              <a:ext uri="{FF2B5EF4-FFF2-40B4-BE49-F238E27FC236}">
+                <a16:creationId xmlns:a16="http://schemas.microsoft.com/office/drawing/2014/main" id="{950385C5-44ED-DEF4-FE54-33C1EA712C6B}"/>
               </a:ext>
             </a:extLst>
           </p:cNvPr>
           <p:cNvCxnSpPr>
             <a:cxnSpLocks/>
-            <a:stCxn id="54" idx="3"/>
-            <a:endCxn id="32" idx="2"/>
+            <a:stCxn id="25" idx="3"/>
+            <a:endCxn id="100" idx="1"/>
           </p:cNvCxnSpPr>
           <p:nvPr/>
         </p:nvCxnSpPr>
         <p:spPr>
-          <a:xfrm>
-            <a:off x="3812535" y="4192271"/>
-            <a:ext cx="612599" cy="7025"/>
+          <a:xfrm flipV="1">
+            <a:off x="9638088" y="6013675"/>
+            <a:ext cx="467105" cy="88681"/>
           </a:xfrm>
           <a:prstGeom prst="straightConnector1">
             <a:avLst/>
@@ -7039,24 +7942,24 @@
       </p:cxnSp>
       <p:cxnSp>
         <p:nvCxnSpPr>
-          <p:cNvPr id="89" name="Gerade Verbindung mit Pfeil 88">
-            <a:extLst>
-              <a:ext uri="{FF2B5EF4-FFF2-40B4-BE49-F238E27FC236}">
-                <a16:creationId xmlns:a16="http://schemas.microsoft.com/office/drawing/2014/main" id="{F79F2388-4C65-4AA4-07FF-E74092B11E4E}"/>
+          <p:cNvPr id="40" name="Gerade Verbindung mit Pfeil 39">
+            <a:extLst>
+              <a:ext uri="{FF2B5EF4-FFF2-40B4-BE49-F238E27FC236}">
+                <a16:creationId xmlns:a16="http://schemas.microsoft.com/office/drawing/2014/main" id="{9D77B0EB-5B98-D448-502D-160BE7972833}"/>
               </a:ext>
             </a:extLst>
           </p:cNvPr>
           <p:cNvCxnSpPr>
             <a:cxnSpLocks/>
-            <a:stCxn id="44" idx="3"/>
-            <a:endCxn id="99" idx="1"/>
+            <a:stCxn id="128" idx="0"/>
+            <a:endCxn id="20" idx="3"/>
           </p:cNvCxnSpPr>
           <p:nvPr/>
         </p:nvCxnSpPr>
         <p:spPr>
-          <a:xfrm flipV="1">
-            <a:off x="7007121" y="4888886"/>
-            <a:ext cx="1072583" cy="636590"/>
+          <a:xfrm flipH="1" flipV="1">
+            <a:off x="7351196" y="2271659"/>
+            <a:ext cx="1211106" cy="851467"/>
           </a:xfrm>
           <a:prstGeom prst="straightConnector1">
             <a:avLst/>
@@ -7080,55 +7983,12 @@
           </a:fontRef>
         </p:style>
       </p:cxnSp>
-      <p:cxnSp>
-        <p:nvCxnSpPr>
-          <p:cNvPr id="135" name="Gerade Verbindung mit Pfeil 134">
-            <a:extLst>
-              <a:ext uri="{FF2B5EF4-FFF2-40B4-BE49-F238E27FC236}">
-                <a16:creationId xmlns:a16="http://schemas.microsoft.com/office/drawing/2014/main" id="{6B6C8C42-3B34-2D97-788E-24DBE48764B0}"/>
-              </a:ext>
-            </a:extLst>
-          </p:cNvPr>
-          <p:cNvCxnSpPr>
-            <a:cxnSpLocks/>
-            <a:stCxn id="44" idx="0"/>
-            <a:endCxn id="20" idx="2"/>
-          </p:cNvCxnSpPr>
-          <p:nvPr/>
-        </p:nvCxnSpPr>
-        <p:spPr>
-          <a:xfrm flipV="1">
-            <a:off x="6096000" y="2437879"/>
-            <a:ext cx="87736" cy="2649478"/>
-          </a:xfrm>
-          <a:prstGeom prst="straightConnector1">
-            <a:avLst/>
-          </a:prstGeom>
-          <a:ln>
-            <a:tailEnd type="triangle"/>
-          </a:ln>
-        </p:spPr>
-        <p:style>
-          <a:lnRef idx="1">
-            <a:schemeClr val="accent1"/>
-          </a:lnRef>
-          <a:fillRef idx="0">
-            <a:schemeClr val="accent1"/>
-          </a:fillRef>
-          <a:effectRef idx="0">
-            <a:schemeClr val="accent1"/>
-          </a:effectRef>
-          <a:fontRef idx="minor">
-            <a:schemeClr val="tx1"/>
-          </a:fontRef>
-        </p:style>
-      </p:cxnSp>
-      <p:sp>
-        <p:nvSpPr>
-          <p:cNvPr id="138" name="Textfeld 137">
-            <a:extLst>
-              <a:ext uri="{FF2B5EF4-FFF2-40B4-BE49-F238E27FC236}">
-                <a16:creationId xmlns:a16="http://schemas.microsoft.com/office/drawing/2014/main" id="{749A465A-2383-5171-5F2E-1B2CD6AC8499}"/>
+      <p:sp>
+        <p:nvSpPr>
+          <p:cNvPr id="5" name="Textfeld 4">
+            <a:extLst>
+              <a:ext uri="{FF2B5EF4-FFF2-40B4-BE49-F238E27FC236}">
+                <a16:creationId xmlns:a16="http://schemas.microsoft.com/office/drawing/2014/main" id="{3E02C6EF-4F27-AC70-7588-1D7D31C081B1}"/>
               </a:ext>
             </a:extLst>
           </p:cNvPr>
@@ -7137,8 +7997,8 @@
         </p:nvSpPr>
         <p:spPr>
           <a:xfrm>
-            <a:off x="516762" y="216166"/>
-            <a:ext cx="2540682" cy="1384995"/>
+            <a:off x="351536" y="298461"/>
+            <a:ext cx="2760436" cy="523220"/>
           </a:xfrm>
           <a:prstGeom prst="rect">
             <a:avLst/>
@@ -7146,18 +8006,12 @@
           <a:noFill/>
         </p:spPr>
         <p:txBody>
-          <a:bodyPr wrap="square" rtlCol="0">
+          <a:bodyPr wrap="none" rtlCol="0">
             <a:spAutoFit/>
           </a:bodyPr>
           <a:lstStyle/>
           <a:p>
             <a:r>
-              <a:rPr lang="de-DE" sz="2800" b="1" dirty="0"/>
-              <a:t>Event Driven </a:t>
-            </a:r>
-          </a:p>
-          <a:p>
-            <a:r>
               <a:rPr lang="de-DE" sz="2800" b="1" dirty="0" err="1"/>
               <a:t>Component</a:t>
             </a:r>
@@ -7168,820 +8022,10 @@
           </a:p>
         </p:txBody>
       </p:sp>
-      <p:sp>
-        <p:nvSpPr>
-          <p:cNvPr id="151" name="Rechteck 150">
-            <a:extLst>
-              <a:ext uri="{FF2B5EF4-FFF2-40B4-BE49-F238E27FC236}">
-                <a16:creationId xmlns:a16="http://schemas.microsoft.com/office/drawing/2014/main" id="{B1972254-D048-F8CF-6378-0F1B7F0DF84C}"/>
-              </a:ext>
-            </a:extLst>
-          </p:cNvPr>
-          <p:cNvSpPr/>
-          <p:nvPr/>
-        </p:nvSpPr>
-        <p:spPr>
-          <a:xfrm>
-            <a:off x="525152" y="6437376"/>
-            <a:ext cx="1158142" cy="204458"/>
-          </a:xfrm>
-          <a:prstGeom prst="rect">
-            <a:avLst/>
-          </a:prstGeom>
-          <a:solidFill>
-            <a:schemeClr val="accent2"/>
-          </a:solidFill>
-        </p:spPr>
-        <p:style>
-          <a:lnRef idx="2">
-            <a:schemeClr val="accent6"/>
-          </a:lnRef>
-          <a:fillRef idx="1">
-            <a:schemeClr val="lt1"/>
-          </a:fillRef>
-          <a:effectRef idx="0">
-            <a:schemeClr val="accent6"/>
-          </a:effectRef>
-          <a:fontRef idx="minor">
-            <a:schemeClr val="dk1"/>
-          </a:fontRef>
-        </p:style>
-        <p:txBody>
-          <a:bodyPr rtlCol="0" anchor="ctr"/>
-          <a:lstStyle/>
-          <a:p>
-            <a:pPr algn="ctr"/>
-            <a:r>
-              <a:rPr lang="de-DE" sz="1200" dirty="0"/>
-              <a:t>Event </a:t>
-            </a:r>
-            <a:r>
-              <a:rPr lang="de-DE" sz="1200" dirty="0" err="1"/>
-              <a:t>producer</a:t>
-            </a:r>
-            <a:endParaRPr lang="de-DE" sz="1200" dirty="0"/>
-          </a:p>
-        </p:txBody>
-      </p:sp>
-      <p:sp>
-        <p:nvSpPr>
-          <p:cNvPr id="152" name="Rechteck 151">
-            <a:extLst>
-              <a:ext uri="{FF2B5EF4-FFF2-40B4-BE49-F238E27FC236}">
-                <a16:creationId xmlns:a16="http://schemas.microsoft.com/office/drawing/2014/main" id="{F2F16A4F-4387-2721-B146-BF9AEF831383}"/>
-              </a:ext>
-            </a:extLst>
-          </p:cNvPr>
-          <p:cNvSpPr/>
-          <p:nvPr/>
-        </p:nvSpPr>
-        <p:spPr>
-          <a:xfrm>
-            <a:off x="2040789" y="6425183"/>
-            <a:ext cx="1582643" cy="234809"/>
-          </a:xfrm>
-          <a:prstGeom prst="rect">
-            <a:avLst/>
-          </a:prstGeom>
-          <a:solidFill>
-            <a:schemeClr val="bg1">
-              <a:lumMod val="85000"/>
-            </a:schemeClr>
-          </a:solidFill>
-        </p:spPr>
-        <p:style>
-          <a:lnRef idx="2">
-            <a:schemeClr val="accent6"/>
-          </a:lnRef>
-          <a:fillRef idx="1">
-            <a:schemeClr val="lt1"/>
-          </a:fillRef>
-          <a:effectRef idx="0">
-            <a:schemeClr val="accent6"/>
-          </a:effectRef>
-          <a:fontRef idx="minor">
-            <a:schemeClr val="dk1"/>
-          </a:fontRef>
-        </p:style>
-        <p:txBody>
-          <a:bodyPr rtlCol="0" anchor="ctr"/>
-          <a:lstStyle/>
-          <a:p>
-            <a:pPr algn="ctr"/>
-            <a:r>
-              <a:rPr lang="de-DE" sz="1200" dirty="0"/>
-              <a:t>Event Channel/Queue</a:t>
-            </a:r>
-          </a:p>
-        </p:txBody>
-      </p:sp>
-      <p:sp>
-        <p:nvSpPr>
-          <p:cNvPr id="153" name="Rechteck 152">
-            <a:extLst>
-              <a:ext uri="{FF2B5EF4-FFF2-40B4-BE49-F238E27FC236}">
-                <a16:creationId xmlns:a16="http://schemas.microsoft.com/office/drawing/2014/main" id="{C55AEC58-8540-2A12-8310-3C23AE89636D}"/>
-              </a:ext>
-            </a:extLst>
-          </p:cNvPr>
-          <p:cNvSpPr/>
-          <p:nvPr/>
-        </p:nvSpPr>
-        <p:spPr>
-          <a:xfrm>
-            <a:off x="3968186" y="6426467"/>
-            <a:ext cx="1582643" cy="234809"/>
-          </a:xfrm>
-          <a:prstGeom prst="rect">
-            <a:avLst/>
-          </a:prstGeom>
-          <a:solidFill>
-            <a:srgbClr val="92D050"/>
-          </a:solidFill>
-        </p:spPr>
-        <p:style>
-          <a:lnRef idx="2">
-            <a:schemeClr val="accent6"/>
-          </a:lnRef>
-          <a:fillRef idx="1">
-            <a:schemeClr val="lt1"/>
-          </a:fillRef>
-          <a:effectRef idx="0">
-            <a:schemeClr val="accent6"/>
-          </a:effectRef>
-          <a:fontRef idx="minor">
-            <a:schemeClr val="dk1"/>
-          </a:fontRef>
-        </p:style>
-        <p:txBody>
-          <a:bodyPr rtlCol="0" anchor="ctr"/>
-          <a:lstStyle/>
-          <a:p>
-            <a:pPr algn="ctr"/>
-            <a:r>
-              <a:rPr lang="de-DE" sz="1200" dirty="0"/>
-              <a:t>Event Consumer</a:t>
-            </a:r>
-          </a:p>
-        </p:txBody>
-      </p:sp>
-      <p:sp>
-        <p:nvSpPr>
-          <p:cNvPr id="154" name="Rechteck 153">
-            <a:extLst>
-              <a:ext uri="{FF2B5EF4-FFF2-40B4-BE49-F238E27FC236}">
-                <a16:creationId xmlns:a16="http://schemas.microsoft.com/office/drawing/2014/main" id="{380B8213-EBE5-2CEB-2449-4BA4E4E51649}"/>
-              </a:ext>
-            </a:extLst>
-          </p:cNvPr>
-          <p:cNvSpPr/>
-          <p:nvPr/>
-        </p:nvSpPr>
-        <p:spPr>
-          <a:xfrm>
-            <a:off x="5849851" y="6425055"/>
-            <a:ext cx="1582643" cy="234809"/>
-          </a:xfrm>
-          <a:prstGeom prst="rect">
-            <a:avLst/>
-          </a:prstGeom>
-          <a:noFill/>
-        </p:spPr>
-        <p:style>
-          <a:lnRef idx="2">
-            <a:schemeClr val="accent6"/>
-          </a:lnRef>
-          <a:fillRef idx="1">
-            <a:schemeClr val="lt1"/>
-          </a:fillRef>
-          <a:effectRef idx="0">
-            <a:schemeClr val="accent6"/>
-          </a:effectRef>
-          <a:fontRef idx="minor">
-            <a:schemeClr val="dk1"/>
-          </a:fontRef>
-        </p:style>
-        <p:txBody>
-          <a:bodyPr rtlCol="0" anchor="ctr"/>
-          <a:lstStyle/>
-          <a:p>
-            <a:pPr algn="ctr"/>
-            <a:r>
-              <a:rPr lang="de-DE" sz="1200" dirty="0"/>
-              <a:t>Microservice</a:t>
-            </a:r>
-          </a:p>
-        </p:txBody>
-      </p:sp>
-      <p:cxnSp>
-        <p:nvCxnSpPr>
-          <p:cNvPr id="18" name="Gerade Verbindung mit Pfeil 17">
-            <a:extLst>
-              <a:ext uri="{FF2B5EF4-FFF2-40B4-BE49-F238E27FC236}">
-                <a16:creationId xmlns:a16="http://schemas.microsoft.com/office/drawing/2014/main" id="{808CBFFC-4042-5435-D55A-7248A79F2937}"/>
-              </a:ext>
-            </a:extLst>
-          </p:cNvPr>
-          <p:cNvCxnSpPr>
-            <a:cxnSpLocks/>
-            <a:stCxn id="111" idx="4"/>
-            <a:endCxn id="4" idx="1"/>
-          </p:cNvCxnSpPr>
-          <p:nvPr/>
-        </p:nvCxnSpPr>
-        <p:spPr>
-          <a:xfrm>
-            <a:off x="6032346" y="3315622"/>
-            <a:ext cx="1197231" cy="295410"/>
-          </a:xfrm>
-          <a:prstGeom prst="straightConnector1">
-            <a:avLst/>
-          </a:prstGeom>
-          <a:ln>
-            <a:tailEnd type="triangle"/>
-          </a:ln>
-        </p:spPr>
-        <p:style>
-          <a:lnRef idx="1">
-            <a:schemeClr val="accent1"/>
-          </a:lnRef>
-          <a:fillRef idx="0">
-            <a:schemeClr val="accent1"/>
-          </a:fillRef>
-          <a:effectRef idx="0">
-            <a:schemeClr val="accent1"/>
-          </a:effectRef>
-          <a:fontRef idx="minor">
-            <a:schemeClr val="tx1"/>
-          </a:fontRef>
-        </p:style>
-      </p:cxnSp>
-      <p:cxnSp>
-        <p:nvCxnSpPr>
-          <p:cNvPr id="22" name="Gerade Verbindung mit Pfeil 21">
-            <a:extLst>
-              <a:ext uri="{FF2B5EF4-FFF2-40B4-BE49-F238E27FC236}">
-                <a16:creationId xmlns:a16="http://schemas.microsoft.com/office/drawing/2014/main" id="{36A8DE08-CFE5-D821-4B17-F2A6D35FCA0E}"/>
-              </a:ext>
-            </a:extLst>
-          </p:cNvPr>
-          <p:cNvCxnSpPr>
-            <a:cxnSpLocks/>
-            <a:stCxn id="32" idx="4"/>
-            <a:endCxn id="4" idx="1"/>
-          </p:cNvCxnSpPr>
-          <p:nvPr/>
-        </p:nvCxnSpPr>
-        <p:spPr>
-          <a:xfrm flipV="1">
-            <a:off x="5408260" y="3611032"/>
-            <a:ext cx="1821317" cy="588264"/>
-          </a:xfrm>
-          <a:prstGeom prst="straightConnector1">
-            <a:avLst/>
-          </a:prstGeom>
-          <a:ln>
-            <a:tailEnd type="triangle"/>
-          </a:ln>
-        </p:spPr>
-        <p:style>
-          <a:lnRef idx="1">
-            <a:schemeClr val="accent1"/>
-          </a:lnRef>
-          <a:fillRef idx="0">
-            <a:schemeClr val="accent1"/>
-          </a:fillRef>
-          <a:effectRef idx="0">
-            <a:schemeClr val="accent1"/>
-          </a:effectRef>
-          <a:fontRef idx="minor">
-            <a:schemeClr val="tx1"/>
-          </a:fontRef>
-        </p:style>
-      </p:cxnSp>
-      <p:cxnSp>
-        <p:nvCxnSpPr>
-          <p:cNvPr id="34" name="Gerade Verbindung mit Pfeil 33">
-            <a:extLst>
-              <a:ext uri="{FF2B5EF4-FFF2-40B4-BE49-F238E27FC236}">
-                <a16:creationId xmlns:a16="http://schemas.microsoft.com/office/drawing/2014/main" id="{B14C2D5B-14C4-85F7-1526-678FD8FCEF5F}"/>
-              </a:ext>
-            </a:extLst>
-          </p:cNvPr>
-          <p:cNvCxnSpPr>
-            <a:cxnSpLocks/>
-            <a:stCxn id="99" idx="0"/>
-          </p:cNvCxnSpPr>
-          <p:nvPr/>
-        </p:nvCxnSpPr>
-        <p:spPr>
-          <a:xfrm flipH="1" flipV="1">
-            <a:off x="8037229" y="4028884"/>
-            <a:ext cx="765271" cy="527842"/>
-          </a:xfrm>
-          <a:prstGeom prst="straightConnector1">
-            <a:avLst/>
-          </a:prstGeom>
-          <a:ln>
-            <a:tailEnd type="triangle"/>
-          </a:ln>
-        </p:spPr>
-        <p:style>
-          <a:lnRef idx="1">
-            <a:schemeClr val="accent1"/>
-          </a:lnRef>
-          <a:fillRef idx="0">
-            <a:schemeClr val="accent1"/>
-          </a:fillRef>
-          <a:effectRef idx="0">
-            <a:schemeClr val="accent1"/>
-          </a:effectRef>
-          <a:fontRef idx="minor">
-            <a:schemeClr val="tx1"/>
-          </a:fontRef>
-        </p:style>
-      </p:cxnSp>
-      <p:sp>
-        <p:nvSpPr>
-          <p:cNvPr id="50" name="Rechteck 49">
-            <a:extLst>
-              <a:ext uri="{FF2B5EF4-FFF2-40B4-BE49-F238E27FC236}">
-                <a16:creationId xmlns:a16="http://schemas.microsoft.com/office/drawing/2014/main" id="{E3ED81F7-EE9B-F8E1-AAB1-361F26838E2F}"/>
-              </a:ext>
-            </a:extLst>
-          </p:cNvPr>
-          <p:cNvSpPr/>
-          <p:nvPr/>
-        </p:nvSpPr>
-        <p:spPr>
-          <a:xfrm>
-            <a:off x="237483" y="2732162"/>
-            <a:ext cx="1658432" cy="921044"/>
-          </a:xfrm>
-          <a:prstGeom prst="rect">
-            <a:avLst/>
-          </a:prstGeom>
-          <a:solidFill>
-            <a:schemeClr val="accent1">
-              <a:lumMod val="20000"/>
-              <a:lumOff val="80000"/>
-            </a:schemeClr>
-          </a:solidFill>
-          <a:ln>
-            <a:solidFill>
-              <a:schemeClr val="accent1">
-                <a:lumMod val="20000"/>
-                <a:lumOff val="80000"/>
-              </a:schemeClr>
-            </a:solidFill>
-          </a:ln>
-        </p:spPr>
-        <p:style>
-          <a:lnRef idx="2">
-            <a:schemeClr val="accent6"/>
-          </a:lnRef>
-          <a:fillRef idx="1">
-            <a:schemeClr val="lt1"/>
-          </a:fillRef>
-          <a:effectRef idx="0">
-            <a:schemeClr val="accent6"/>
-          </a:effectRef>
-          <a:fontRef idx="minor">
-            <a:schemeClr val="dk1"/>
-          </a:fontRef>
-        </p:style>
-        <p:txBody>
-          <a:bodyPr rtlCol="0" anchor="ctr"/>
-          <a:lstStyle/>
-          <a:p>
-            <a:pPr algn="ctr"/>
-            <a:r>
-              <a:rPr lang="de-DE" dirty="0" err="1"/>
-              <a:t>MonitorThem</a:t>
-            </a:r>
-            <a:endParaRPr lang="de-DE" dirty="0"/>
-          </a:p>
-        </p:txBody>
-      </p:sp>
-      <p:cxnSp>
-        <p:nvCxnSpPr>
-          <p:cNvPr id="52" name="Gerade Verbindung mit Pfeil 51">
-            <a:extLst>
-              <a:ext uri="{FF2B5EF4-FFF2-40B4-BE49-F238E27FC236}">
-                <a16:creationId xmlns:a16="http://schemas.microsoft.com/office/drawing/2014/main" id="{4BFE4521-6BDB-0DF8-8CF3-FE259EF95054}"/>
-              </a:ext>
-            </a:extLst>
-          </p:cNvPr>
-          <p:cNvCxnSpPr>
-            <a:cxnSpLocks/>
-            <a:stCxn id="30" idx="1"/>
-            <a:endCxn id="14" idx="3"/>
-          </p:cNvCxnSpPr>
-          <p:nvPr/>
-        </p:nvCxnSpPr>
-        <p:spPr>
-          <a:xfrm flipH="1" flipV="1">
-            <a:off x="1866639" y="2162115"/>
-            <a:ext cx="1051827" cy="368394"/>
-          </a:xfrm>
-          <a:prstGeom prst="straightConnector1">
-            <a:avLst/>
-          </a:prstGeom>
-          <a:ln>
-            <a:tailEnd type="triangle"/>
-          </a:ln>
-        </p:spPr>
-        <p:style>
-          <a:lnRef idx="1">
-            <a:schemeClr val="accent1"/>
-          </a:lnRef>
-          <a:fillRef idx="0">
-            <a:schemeClr val="accent1"/>
-          </a:fillRef>
-          <a:effectRef idx="0">
-            <a:schemeClr val="accent1"/>
-          </a:effectRef>
-          <a:fontRef idx="minor">
-            <a:schemeClr val="tx1"/>
-          </a:fontRef>
-        </p:style>
-      </p:cxnSp>
-      <p:cxnSp>
-        <p:nvCxnSpPr>
-          <p:cNvPr id="57" name="Gerade Verbindung mit Pfeil 56">
-            <a:extLst>
-              <a:ext uri="{FF2B5EF4-FFF2-40B4-BE49-F238E27FC236}">
-                <a16:creationId xmlns:a16="http://schemas.microsoft.com/office/drawing/2014/main" id="{14C6FA18-29C7-F7D7-F4C2-484F01F871FB}"/>
-              </a:ext>
-            </a:extLst>
-          </p:cNvPr>
-          <p:cNvCxnSpPr>
-            <a:cxnSpLocks/>
-            <a:stCxn id="20" idx="1"/>
-            <a:endCxn id="30" idx="3"/>
-          </p:cNvCxnSpPr>
-          <p:nvPr/>
-        </p:nvCxnSpPr>
-        <p:spPr>
-          <a:xfrm flipH="1">
-            <a:off x="4421268" y="1937594"/>
-            <a:ext cx="739916" cy="592915"/>
-          </a:xfrm>
-          <a:prstGeom prst="straightConnector1">
-            <a:avLst/>
-          </a:prstGeom>
-          <a:ln>
-            <a:tailEnd type="triangle"/>
-          </a:ln>
-        </p:spPr>
-        <p:style>
-          <a:lnRef idx="1">
-            <a:schemeClr val="accent1"/>
-          </a:lnRef>
-          <a:fillRef idx="0">
-            <a:schemeClr val="accent1"/>
-          </a:fillRef>
-          <a:effectRef idx="0">
-            <a:schemeClr val="accent1"/>
-          </a:effectRef>
-          <a:fontRef idx="minor">
-            <a:schemeClr val="tx1"/>
-          </a:fontRef>
-        </p:style>
-      </p:cxnSp>
     </p:spTree>
     <p:extLst>
       <p:ext uri="{BB962C8B-B14F-4D97-AF65-F5344CB8AC3E}">
-        <p14:creationId xmlns:p14="http://schemas.microsoft.com/office/powerpoint/2010/main" val="200610175"/>
-      </p:ext>
-    </p:extLst>
-  </p:cSld>
-  <p:clrMapOvr>
-    <a:masterClrMapping/>
-  </p:clrMapOvr>
-</p:sld>
-</file>
-
-<file path=ppt/slides/slide5.xml><?xml version="1.0" encoding="utf-8"?>
-<p:sld xmlns:a="http://schemas.openxmlformats.org/drawingml/2006/main" xmlns:r="http://schemas.openxmlformats.org/officeDocument/2006/relationships" xmlns:p="http://schemas.openxmlformats.org/presentationml/2006/main">
-  <p:cSld>
-    <p:spTree>
-      <p:nvGrpSpPr>
-        <p:cNvPr id="1" name=""/>
-        <p:cNvGrpSpPr/>
-        <p:nvPr/>
-      </p:nvGrpSpPr>
-      <p:grpSpPr>
-        <a:xfrm>
-          <a:off x="0" y="0"/>
-          <a:ext cx="0" cy="0"/>
-          <a:chOff x="0" y="0"/>
-          <a:chExt cx="0" cy="0"/>
-        </a:xfrm>
-      </p:grpSpPr>
-      <p:pic>
-        <p:nvPicPr>
-          <p:cNvPr id="3" name="Picture 2" descr="A diagram of a computer program&#10;&#10;Description automatically generated">
-            <a:extLst>
-              <a:ext uri="{FF2B5EF4-FFF2-40B4-BE49-F238E27FC236}">
-                <a16:creationId xmlns:a16="http://schemas.microsoft.com/office/drawing/2014/main" id="{83D769F3-4387-89D7-4AD0-285402E4617F}"/>
-              </a:ext>
-            </a:extLst>
-          </p:cNvPr>
-          <p:cNvPicPr>
-            <a:picLocks noChangeAspect="1"/>
-          </p:cNvPicPr>
-          <p:nvPr/>
-        </p:nvPicPr>
-        <p:blipFill>
-          <a:blip r:embed="rId2">
-            <a:extLst>
-              <a:ext uri="{28A0092B-C50C-407E-A947-70E740481C1C}">
-                <a14:useLocalDpi xmlns:a14="http://schemas.microsoft.com/office/drawing/2010/main" val="0"/>
-              </a:ext>
-            </a:extLst>
-          </a:blip>
-          <a:stretch>
-            <a:fillRect/>
-          </a:stretch>
-        </p:blipFill>
-        <p:spPr>
-          <a:xfrm>
-            <a:off x="1532071" y="1353312"/>
-            <a:ext cx="7772400" cy="5103417"/>
-          </a:xfrm>
-          <a:prstGeom prst="rect">
-            <a:avLst/>
-          </a:prstGeom>
-        </p:spPr>
-      </p:pic>
-      <p:sp>
-        <p:nvSpPr>
-          <p:cNvPr id="4" name="Textfeld 4">
-            <a:extLst>
-              <a:ext uri="{FF2B5EF4-FFF2-40B4-BE49-F238E27FC236}">
-                <a16:creationId xmlns:a16="http://schemas.microsoft.com/office/drawing/2014/main" id="{F03912B1-8D46-72F6-D417-D1B3DD25E9D8}"/>
-              </a:ext>
-            </a:extLst>
-          </p:cNvPr>
-          <p:cNvSpPr txBox="1"/>
-          <p:nvPr/>
-        </p:nvSpPr>
-        <p:spPr>
-          <a:xfrm>
-            <a:off x="351536" y="298461"/>
-            <a:ext cx="4060599" cy="523220"/>
-          </a:xfrm>
-          <a:prstGeom prst="rect">
-            <a:avLst/>
-          </a:prstGeom>
-          <a:noFill/>
-        </p:spPr>
-        <p:txBody>
-          <a:bodyPr wrap="none" rtlCol="0">
-            <a:spAutoFit/>
-          </a:bodyPr>
-          <a:lstStyle/>
-          <a:p>
-            <a:r>
-              <a:rPr lang="de-DE" sz="2800" b="1" dirty="0"/>
-              <a:t>Use Case 01: </a:t>
-            </a:r>
-            <a:r>
-              <a:rPr lang="de-DE" sz="2800" b="1" dirty="0" err="1"/>
-              <a:t>collect</a:t>
-            </a:r>
-            <a:r>
-              <a:rPr lang="de-DE" sz="2800" b="1" dirty="0"/>
-              <a:t> </a:t>
-            </a:r>
-            <a:r>
-              <a:rPr lang="de-DE" sz="2800" b="1" dirty="0" err="1"/>
-              <a:t>signal</a:t>
-            </a:r>
-            <a:endParaRPr lang="de-DE" sz="2800" b="1" dirty="0"/>
-          </a:p>
-        </p:txBody>
-      </p:sp>
-    </p:spTree>
-    <p:extLst>
-      <p:ext uri="{BB962C8B-B14F-4D97-AF65-F5344CB8AC3E}">
-        <p14:creationId xmlns:p14="http://schemas.microsoft.com/office/powerpoint/2010/main" val="1039144760"/>
-      </p:ext>
-    </p:extLst>
-  </p:cSld>
-  <p:clrMapOvr>
-    <a:masterClrMapping/>
-  </p:clrMapOvr>
-</p:sld>
-</file>
-
-<file path=ppt/slides/slide6.xml><?xml version="1.0" encoding="utf-8"?>
-<p:sld xmlns:a="http://schemas.openxmlformats.org/drawingml/2006/main" xmlns:r="http://schemas.openxmlformats.org/officeDocument/2006/relationships" xmlns:p="http://schemas.openxmlformats.org/presentationml/2006/main">
-  <p:cSld>
-    <p:spTree>
-      <p:nvGrpSpPr>
-        <p:cNvPr id="1" name=""/>
-        <p:cNvGrpSpPr/>
-        <p:nvPr/>
-      </p:nvGrpSpPr>
-      <p:grpSpPr>
-        <a:xfrm>
-          <a:off x="0" y="0"/>
-          <a:ext cx="0" cy="0"/>
-          <a:chOff x="0" y="0"/>
-          <a:chExt cx="0" cy="0"/>
-        </a:xfrm>
-      </p:grpSpPr>
-      <p:pic>
-        <p:nvPicPr>
-          <p:cNvPr id="5" name="Picture 4" descr="A diagram of a data processing process&#10;&#10;Description automatically generated">
-            <a:extLst>
-              <a:ext uri="{FF2B5EF4-FFF2-40B4-BE49-F238E27FC236}">
-                <a16:creationId xmlns:a16="http://schemas.microsoft.com/office/drawing/2014/main" id="{A988E9FE-9C22-3B27-9FB1-18C37ED77297}"/>
-              </a:ext>
-            </a:extLst>
-          </p:cNvPr>
-          <p:cNvPicPr>
-            <a:picLocks noChangeAspect="1"/>
-          </p:cNvPicPr>
-          <p:nvPr/>
-        </p:nvPicPr>
-        <p:blipFill>
-          <a:blip r:embed="rId2">
-            <a:extLst>
-              <a:ext uri="{28A0092B-C50C-407E-A947-70E740481C1C}">
-                <a14:useLocalDpi xmlns:a14="http://schemas.microsoft.com/office/drawing/2010/main" val="0"/>
-              </a:ext>
-            </a:extLst>
-          </a:blip>
-          <a:stretch>
-            <a:fillRect/>
-          </a:stretch>
-        </p:blipFill>
-        <p:spPr>
-          <a:xfrm>
-            <a:off x="3278886" y="1072134"/>
-            <a:ext cx="4447794" cy="3314598"/>
-          </a:xfrm>
-          <a:prstGeom prst="rect">
-            <a:avLst/>
-          </a:prstGeom>
-        </p:spPr>
-      </p:pic>
-      <p:sp>
-        <p:nvSpPr>
-          <p:cNvPr id="6" name="Textfeld 4">
-            <a:extLst>
-              <a:ext uri="{FF2B5EF4-FFF2-40B4-BE49-F238E27FC236}">
-                <a16:creationId xmlns:a16="http://schemas.microsoft.com/office/drawing/2014/main" id="{DE6336E6-448F-EF6F-F399-30A4F86E0BA8}"/>
-              </a:ext>
-            </a:extLst>
-          </p:cNvPr>
-          <p:cNvSpPr txBox="1"/>
-          <p:nvPr/>
-        </p:nvSpPr>
-        <p:spPr>
-          <a:xfrm>
-            <a:off x="351536" y="298461"/>
-            <a:ext cx="4515339" cy="523220"/>
-          </a:xfrm>
-          <a:prstGeom prst="rect">
-            <a:avLst/>
-          </a:prstGeom>
-          <a:noFill/>
-        </p:spPr>
-        <p:txBody>
-          <a:bodyPr wrap="none" rtlCol="0">
-            <a:spAutoFit/>
-          </a:bodyPr>
-          <a:lstStyle/>
-          <a:p>
-            <a:r>
-              <a:rPr lang="de-DE" sz="2800" b="1" dirty="0"/>
-              <a:t>Use Case 02: </a:t>
-            </a:r>
-            <a:r>
-              <a:rPr lang="de-DE" sz="2800" b="1" dirty="0" err="1"/>
-              <a:t>create</a:t>
-            </a:r>
-            <a:r>
-              <a:rPr lang="de-DE" sz="2800" b="1" dirty="0"/>
-              <a:t> </a:t>
-            </a:r>
-            <a:r>
-              <a:rPr lang="de-DE" sz="2800" b="1" dirty="0" err="1"/>
-              <a:t>snapshot</a:t>
-            </a:r>
-            <a:endParaRPr lang="de-DE" sz="2800" b="1" dirty="0"/>
-          </a:p>
-        </p:txBody>
-      </p:sp>
-    </p:spTree>
-    <p:extLst>
-      <p:ext uri="{BB962C8B-B14F-4D97-AF65-F5344CB8AC3E}">
-        <p14:creationId xmlns:p14="http://schemas.microsoft.com/office/powerpoint/2010/main" val="1525347599"/>
-      </p:ext>
-    </p:extLst>
-  </p:cSld>
-  <p:clrMapOvr>
-    <a:masterClrMapping/>
-  </p:clrMapOvr>
-</p:sld>
-</file>
-
-<file path=ppt/slides/slide7.xml><?xml version="1.0" encoding="utf-8"?>
-<p:sld xmlns:a="http://schemas.openxmlformats.org/drawingml/2006/main" xmlns:r="http://schemas.openxmlformats.org/officeDocument/2006/relationships" xmlns:p="http://schemas.openxmlformats.org/presentationml/2006/main">
-  <p:cSld>
-    <p:spTree>
-      <p:nvGrpSpPr>
-        <p:cNvPr id="1" name=""/>
-        <p:cNvGrpSpPr/>
-        <p:nvPr/>
-      </p:nvGrpSpPr>
-      <p:grpSpPr>
-        <a:xfrm>
-          <a:off x="0" y="0"/>
-          <a:ext cx="0" cy="0"/>
-          <a:chOff x="0" y="0"/>
-          <a:chExt cx="0" cy="0"/>
-        </a:xfrm>
-      </p:grpSpPr>
-      <p:pic>
-        <p:nvPicPr>
-          <p:cNvPr id="3" name="Picture 2" descr="A diagram of a medical procedure&#10;&#10;Description automatically generated with medium confidence">
-            <a:extLst>
-              <a:ext uri="{FF2B5EF4-FFF2-40B4-BE49-F238E27FC236}">
-                <a16:creationId xmlns:a16="http://schemas.microsoft.com/office/drawing/2014/main" id="{76BF9777-5D10-605A-F067-9F482E15D4DA}"/>
-              </a:ext>
-            </a:extLst>
-          </p:cNvPr>
-          <p:cNvPicPr>
-            <a:picLocks noChangeAspect="1"/>
-          </p:cNvPicPr>
-          <p:nvPr/>
-        </p:nvPicPr>
-        <p:blipFill>
-          <a:blip r:embed="rId2">
-            <a:extLst>
-              <a:ext uri="{28A0092B-C50C-407E-A947-70E740481C1C}">
-                <a14:useLocalDpi xmlns:a14="http://schemas.microsoft.com/office/drawing/2010/main" val="0"/>
-              </a:ext>
-            </a:extLst>
-          </a:blip>
-          <a:stretch>
-            <a:fillRect/>
-          </a:stretch>
-        </p:blipFill>
-        <p:spPr>
-          <a:xfrm>
-            <a:off x="2276076" y="117485"/>
-            <a:ext cx="7772400" cy="6495014"/>
-          </a:xfrm>
-          <a:prstGeom prst="rect">
-            <a:avLst/>
-          </a:prstGeom>
-        </p:spPr>
-      </p:pic>
-      <p:sp>
-        <p:nvSpPr>
-          <p:cNvPr id="4" name="Textfeld 4">
-            <a:extLst>
-              <a:ext uri="{FF2B5EF4-FFF2-40B4-BE49-F238E27FC236}">
-                <a16:creationId xmlns:a16="http://schemas.microsoft.com/office/drawing/2014/main" id="{12506719-F428-85DF-1ED1-604E7C413805}"/>
-              </a:ext>
-            </a:extLst>
-          </p:cNvPr>
-          <p:cNvSpPr txBox="1"/>
-          <p:nvPr/>
-        </p:nvSpPr>
-        <p:spPr>
-          <a:xfrm>
-            <a:off x="351536" y="298461"/>
-            <a:ext cx="2845651" cy="523220"/>
-          </a:xfrm>
-          <a:prstGeom prst="rect">
-            <a:avLst/>
-          </a:prstGeom>
-          <a:noFill/>
-        </p:spPr>
-        <p:txBody>
-          <a:bodyPr wrap="none" rtlCol="0">
-            <a:spAutoFit/>
-          </a:bodyPr>
-          <a:lstStyle/>
-          <a:p>
-            <a:r>
-              <a:rPr lang="de-DE" sz="2800" b="1" dirty="0"/>
-              <a:t>Use Case 03: alert</a:t>
-            </a:r>
-          </a:p>
-        </p:txBody>
-      </p:sp>
-    </p:spTree>
-    <p:extLst>
-      <p:ext uri="{BB962C8B-B14F-4D97-AF65-F5344CB8AC3E}">
-        <p14:creationId xmlns:p14="http://schemas.microsoft.com/office/powerpoint/2010/main" val="3077531628"/>
+        <p14:creationId xmlns:p14="http://schemas.microsoft.com/office/powerpoint/2010/main" val="2135271762"/>
       </p:ext>
     </p:extLst>
   </p:cSld>
